--- a/trunk/Docs/RoadRunnerPPT.pptx
+++ b/trunk/Docs/RoadRunnerPPT.pptx
@@ -6,8 +6,8 @@
   </p:sldMasterIdLst>
   <p:sldIdLst>
     <p:sldId id="256" r:id="rId2"/>
-    <p:sldId id="259" r:id="rId3"/>
-    <p:sldId id="260" r:id="rId4"/>
+    <p:sldId id="260" r:id="rId3"/>
+    <p:sldId id="262" r:id="rId4"/>
     <p:sldId id="257" r:id="rId5"/>
     <p:sldId id="258" r:id="rId6"/>
     <p:sldId id="261" r:id="rId7"/>
@@ -293,7 +293,8 @@
           <a:p>
             <a:fld id="{123EA549-D6E2-4A5F-81C3-C3E88A94CD93}" type="datetimeFigureOut">
               <a:rPr lang="en-US" smtClean="0"/>
-              <a:t>1/23/2012</a:t>
+              <a:pPr/>
+              <a:t>2/6/2012</a:t>
             </a:fld>
             <a:endParaRPr lang="en-US"/>
           </a:p>
@@ -335,6 +336,7 @@
           <a:p>
             <a:fld id="{9FE092DB-2583-4F76-957A-47F1CE9F3B7F}" type="slidenum">
               <a:rPr lang="en-US" smtClean="0"/>
+              <a:pPr/>
               <a:t>‹#›</a:t>
             </a:fld>
             <a:endParaRPr lang="en-US"/>
@@ -458,7 +460,8 @@
           <a:p>
             <a:fld id="{123EA549-D6E2-4A5F-81C3-C3E88A94CD93}" type="datetimeFigureOut">
               <a:rPr lang="en-US" smtClean="0"/>
-              <a:t>1/23/2012</a:t>
+              <a:pPr/>
+              <a:t>2/6/2012</a:t>
             </a:fld>
             <a:endParaRPr lang="en-US"/>
           </a:p>
@@ -500,6 +503,7 @@
           <a:p>
             <a:fld id="{9FE092DB-2583-4F76-957A-47F1CE9F3B7F}" type="slidenum">
               <a:rPr lang="en-US" smtClean="0"/>
+              <a:pPr/>
               <a:t>‹#›</a:t>
             </a:fld>
             <a:endParaRPr lang="en-US"/>
@@ -633,7 +637,8 @@
           <a:p>
             <a:fld id="{123EA549-D6E2-4A5F-81C3-C3E88A94CD93}" type="datetimeFigureOut">
               <a:rPr lang="en-US" smtClean="0"/>
-              <a:t>1/23/2012</a:t>
+              <a:pPr/>
+              <a:t>2/6/2012</a:t>
             </a:fld>
             <a:endParaRPr lang="en-US"/>
           </a:p>
@@ -675,6 +680,7 @@
           <a:p>
             <a:fld id="{9FE092DB-2583-4F76-957A-47F1CE9F3B7F}" type="slidenum">
               <a:rPr lang="en-US" smtClean="0"/>
+              <a:pPr/>
               <a:t>‹#›</a:t>
             </a:fld>
             <a:endParaRPr lang="en-US"/>
@@ -798,7 +804,8 @@
           <a:p>
             <a:fld id="{123EA549-D6E2-4A5F-81C3-C3E88A94CD93}" type="datetimeFigureOut">
               <a:rPr lang="en-US" smtClean="0"/>
-              <a:t>1/23/2012</a:t>
+              <a:pPr/>
+              <a:t>2/6/2012</a:t>
             </a:fld>
             <a:endParaRPr lang="en-US"/>
           </a:p>
@@ -840,6 +847,7 @@
           <a:p>
             <a:fld id="{9FE092DB-2583-4F76-957A-47F1CE9F3B7F}" type="slidenum">
               <a:rPr lang="en-US" smtClean="0"/>
+              <a:pPr/>
               <a:t>‹#›</a:t>
             </a:fld>
             <a:endParaRPr lang="en-US"/>
@@ -1039,7 +1047,8 @@
           <a:p>
             <a:fld id="{123EA549-D6E2-4A5F-81C3-C3E88A94CD93}" type="datetimeFigureOut">
               <a:rPr lang="en-US" smtClean="0"/>
-              <a:t>1/23/2012</a:t>
+              <a:pPr/>
+              <a:t>2/6/2012</a:t>
             </a:fld>
             <a:endParaRPr lang="en-US"/>
           </a:p>
@@ -1081,6 +1090,7 @@
           <a:p>
             <a:fld id="{9FE092DB-2583-4F76-957A-47F1CE9F3B7F}" type="slidenum">
               <a:rPr lang="en-US" smtClean="0"/>
+              <a:pPr/>
               <a:t>‹#›</a:t>
             </a:fld>
             <a:endParaRPr lang="en-US"/>
@@ -1322,7 +1332,8 @@
           <a:p>
             <a:fld id="{123EA549-D6E2-4A5F-81C3-C3E88A94CD93}" type="datetimeFigureOut">
               <a:rPr lang="en-US" smtClean="0"/>
-              <a:t>1/23/2012</a:t>
+              <a:pPr/>
+              <a:t>2/6/2012</a:t>
             </a:fld>
             <a:endParaRPr lang="en-US"/>
           </a:p>
@@ -1364,6 +1375,7 @@
           <a:p>
             <a:fld id="{9FE092DB-2583-4F76-957A-47F1CE9F3B7F}" type="slidenum">
               <a:rPr lang="en-US" smtClean="0"/>
+              <a:pPr/>
               <a:t>‹#›</a:t>
             </a:fld>
             <a:endParaRPr lang="en-US"/>
@@ -1739,7 +1751,8 @@
           <a:p>
             <a:fld id="{123EA549-D6E2-4A5F-81C3-C3E88A94CD93}" type="datetimeFigureOut">
               <a:rPr lang="en-US" smtClean="0"/>
-              <a:t>1/23/2012</a:t>
+              <a:pPr/>
+              <a:t>2/6/2012</a:t>
             </a:fld>
             <a:endParaRPr lang="en-US"/>
           </a:p>
@@ -1781,6 +1794,7 @@
           <a:p>
             <a:fld id="{9FE092DB-2583-4F76-957A-47F1CE9F3B7F}" type="slidenum">
               <a:rPr lang="en-US" smtClean="0"/>
+              <a:pPr/>
               <a:t>‹#›</a:t>
             </a:fld>
             <a:endParaRPr lang="en-US"/>
@@ -1852,7 +1866,8 @@
           <a:p>
             <a:fld id="{123EA549-D6E2-4A5F-81C3-C3E88A94CD93}" type="datetimeFigureOut">
               <a:rPr lang="en-US" smtClean="0"/>
-              <a:t>1/23/2012</a:t>
+              <a:pPr/>
+              <a:t>2/6/2012</a:t>
             </a:fld>
             <a:endParaRPr lang="en-US"/>
           </a:p>
@@ -1894,6 +1909,7 @@
           <a:p>
             <a:fld id="{9FE092DB-2583-4F76-957A-47F1CE9F3B7F}" type="slidenum">
               <a:rPr lang="en-US" smtClean="0"/>
+              <a:pPr/>
               <a:t>‹#›</a:t>
             </a:fld>
             <a:endParaRPr lang="en-US"/>
@@ -1942,7 +1958,8 @@
           <a:p>
             <a:fld id="{123EA549-D6E2-4A5F-81C3-C3E88A94CD93}" type="datetimeFigureOut">
               <a:rPr lang="en-US" smtClean="0"/>
-              <a:t>1/23/2012</a:t>
+              <a:pPr/>
+              <a:t>2/6/2012</a:t>
             </a:fld>
             <a:endParaRPr lang="en-US"/>
           </a:p>
@@ -1984,6 +2001,7 @@
           <a:p>
             <a:fld id="{9FE092DB-2583-4F76-957A-47F1CE9F3B7F}" type="slidenum">
               <a:rPr lang="en-US" smtClean="0"/>
+              <a:pPr/>
               <a:t>‹#›</a:t>
             </a:fld>
             <a:endParaRPr lang="en-US"/>
@@ -2214,7 +2232,8 @@
           <a:p>
             <a:fld id="{123EA549-D6E2-4A5F-81C3-C3E88A94CD93}" type="datetimeFigureOut">
               <a:rPr lang="en-US" smtClean="0"/>
-              <a:t>1/23/2012</a:t>
+              <a:pPr/>
+              <a:t>2/6/2012</a:t>
             </a:fld>
             <a:endParaRPr lang="en-US"/>
           </a:p>
@@ -2256,6 +2275,7 @@
           <a:p>
             <a:fld id="{9FE092DB-2583-4F76-957A-47F1CE9F3B7F}" type="slidenum">
               <a:rPr lang="en-US" smtClean="0"/>
+              <a:pPr/>
               <a:t>‹#›</a:t>
             </a:fld>
             <a:endParaRPr lang="en-US"/>
@@ -2462,7 +2482,8 @@
           <a:p>
             <a:fld id="{123EA549-D6E2-4A5F-81C3-C3E88A94CD93}" type="datetimeFigureOut">
               <a:rPr lang="en-US" smtClean="0"/>
-              <a:t>1/23/2012</a:t>
+              <a:pPr/>
+              <a:t>2/6/2012</a:t>
             </a:fld>
             <a:endParaRPr lang="en-US"/>
           </a:p>
@@ -2504,6 +2525,7 @@
           <a:p>
             <a:fld id="{9FE092DB-2583-4F76-957A-47F1CE9F3B7F}" type="slidenum">
               <a:rPr lang="en-US" smtClean="0"/>
+              <a:pPr/>
               <a:t>‹#›</a:t>
             </a:fld>
             <a:endParaRPr lang="en-US"/>
@@ -2670,7 +2692,8 @@
           <a:p>
             <a:fld id="{123EA549-D6E2-4A5F-81C3-C3E88A94CD93}" type="datetimeFigureOut">
               <a:rPr lang="en-US" smtClean="0"/>
-              <a:t>1/23/2012</a:t>
+              <a:pPr/>
+              <a:t>2/6/2012</a:t>
             </a:fld>
             <a:endParaRPr lang="en-US"/>
           </a:p>
@@ -2748,6 +2771,7 @@
           <a:p>
             <a:fld id="{9FE092DB-2583-4F76-957A-47F1CE9F3B7F}" type="slidenum">
               <a:rPr lang="en-US" smtClean="0"/>
+              <a:pPr/>
               <a:t>‹#›</a:t>
             </a:fld>
             <a:endParaRPr lang="en-US"/>
@@ -3052,16 +3076,40 @@
         </p:nvSpPr>
         <p:spPr/>
         <p:txBody>
-          <a:bodyPr/>
-          <a:lstStyle/>
-          <a:p>
-            <a:r>
-              <a:rPr lang="en-US" dirty="0" err="1" smtClean="0"/>
-              <a:t>RoadRunner</a:t>
-            </a:r>
+          <a:bodyPr>
+            <a:normAutofit fontScale="90000"/>
+          </a:bodyPr>
+          <a:lstStyle/>
+          <a:p>
             <a:r>
               <a:rPr lang="en-US" dirty="0" smtClean="0"/>
-              <a:t> C# -&gt; Delphi Conversion Project</a:t>
+              <a:t>Road Runner </a:t>
+            </a:r>
+            <a:br>
+              <a:rPr lang="en-US" dirty="0" smtClean="0"/>
+            </a:br>
+            <a:r>
+              <a:rPr lang="en-US" dirty="0" smtClean="0"/>
+              <a:t>C</a:t>
+            </a:r>
+            <a:r>
+              <a:rPr lang="en-US" dirty="0" smtClean="0"/>
+              <a:t># -&gt; </a:t>
+            </a:r>
+            <a:r>
+              <a:rPr lang="en-US" dirty="0" smtClean="0"/>
+              <a:t>C++ -&gt;Delphi </a:t>
+            </a:r>
+            <a:br>
+              <a:rPr lang="en-US" dirty="0" smtClean="0"/>
+            </a:br>
+            <a:r>
+              <a:rPr lang="en-US" dirty="0" smtClean="0"/>
+              <a:t>Code Conversion </a:t>
+            </a:r>
+            <a:r>
+              <a:rPr lang="en-US" dirty="0" smtClean="0"/>
+              <a:t>Project</a:t>
             </a:r>
             <a:endParaRPr lang="en-US" dirty="0"/>
           </a:p>
@@ -3100,6 +3148,13 @@
   <p:clrMapOvr>
     <a:masterClrMapping/>
   </p:clrMapOvr>
+  <p:timing>
+    <p:tnLst>
+      <p:par>
+        <p:cTn id="1" dur="indefinite" restart="never" nodeType="tmRoot"/>
+      </p:par>
+    </p:tnLst>
+  </p:timing>
 </p:sld>
 </file>
 
@@ -3137,7 +3192,7 @@
           <a:p>
             <a:r>
               <a:rPr lang="en-US" dirty="0" smtClean="0"/>
-              <a:t>Background</a:t>
+              <a:t>Involved Code Libraries</a:t>
             </a:r>
             <a:endParaRPr lang="en-US" dirty="0"/>
           </a:p>
@@ -3145,14 +3200,14 @@
       </p:sp>
       <p:sp>
         <p:nvSpPr>
-          <p:cNvPr id="4" name="TextBox 3"/>
+          <p:cNvPr id="3" name="TextBox 2"/>
           <p:cNvSpPr txBox="1"/>
           <p:nvPr/>
         </p:nvSpPr>
         <p:spPr>
           <a:xfrm>
-            <a:off x="685800" y="1371600"/>
-            <a:ext cx="7010400" cy="4247317"/>
+            <a:off x="609600" y="1295401"/>
+            <a:ext cx="2209800" cy="923330"/>
           </a:xfrm>
           <a:prstGeom prst="rect">
             <a:avLst/>
@@ -3165,42 +3220,7 @@
           </a:bodyPr>
           <a:lstStyle/>
           <a:p>
-            <a:pPr>
-              <a:buFont typeface="Arial" pitchFamily="34" charset="0"/>
-              <a:buChar char="•"/>
-            </a:pPr>
-            <a:r>
-              <a:rPr lang="en-US" dirty="0" smtClean="0"/>
-              <a:t>Ph.D. in Physical Chemistry, Stockholm University, Sweden </a:t>
-            </a:r>
-            <a:br>
-              <a:rPr lang="en-US" dirty="0" smtClean="0"/>
-            </a:br>
-            <a:r>
-              <a:rPr lang="en-US" dirty="0" smtClean="0"/>
-              <a:t>Did a lot of simulations of Solid State NMR Experiments</a:t>
-            </a:r>
-          </a:p>
-          <a:p>
             <a:endParaRPr lang="en-US" dirty="0" smtClean="0"/>
-          </a:p>
-          <a:p>
-            <a:pPr>
-              <a:buFont typeface="Arial" pitchFamily="34" charset="0"/>
-              <a:buChar char="•"/>
-            </a:pPr>
-            <a:r>
-              <a:rPr lang="en-US" dirty="0" smtClean="0"/>
-              <a:t>Post Doc at UW 2000-2003 in Gary </a:t>
-            </a:r>
-            <a:r>
-              <a:rPr lang="en-US" dirty="0" err="1" smtClean="0"/>
-              <a:t>Drobnys</a:t>
-            </a:r>
-            <a:r>
-              <a:rPr lang="en-US" dirty="0" smtClean="0"/>
-              <a:t> group, Chemistry Dep.</a:t>
-            </a:r>
           </a:p>
           <a:p>
             <a:pPr>
@@ -3210,13 +3230,91 @@
             <a:endParaRPr lang="en-US" dirty="0" smtClean="0"/>
           </a:p>
           <a:p>
+            <a:endParaRPr lang="en-US" dirty="0"/>
+          </a:p>
+        </p:txBody>
+      </p:sp>
+      <p:sp>
+        <p:nvSpPr>
+          <p:cNvPr id="6" name="Oval 5"/>
+          <p:cNvSpPr/>
+          <p:nvPr/>
+        </p:nvSpPr>
+        <p:spPr>
+          <a:xfrm>
+            <a:off x="381000" y="1219200"/>
+            <a:ext cx="1524000" cy="1219200"/>
+          </a:xfrm>
+          <a:prstGeom prst="ellipse">
+            <a:avLst/>
+          </a:prstGeom>
+        </p:spPr>
+        <p:style>
+          <a:lnRef idx="2">
+            <a:schemeClr val="accent1">
+              <a:shade val="50000"/>
+            </a:schemeClr>
+          </a:lnRef>
+          <a:fillRef idx="1">
+            <a:schemeClr val="accent1"/>
+          </a:fillRef>
+          <a:effectRef idx="0">
+            <a:schemeClr val="accent1"/>
+          </a:effectRef>
+          <a:fontRef idx="minor">
+            <a:schemeClr val="lt1"/>
+          </a:fontRef>
+        </p:style>
+        <p:txBody>
+          <a:bodyPr rtlCol="0" anchor="ctr"/>
+          <a:lstStyle/>
+          <a:p>
+            <a:pPr algn="ctr"/>
+            <a:r>
+              <a:rPr lang="en-US" dirty="0" err="1" smtClean="0"/>
+              <a:t>LibSBML</a:t>
+            </a:r>
+            <a:endParaRPr lang="en-US" dirty="0"/>
+          </a:p>
+        </p:txBody>
+      </p:sp>
+      <p:sp>
+        <p:nvSpPr>
+          <p:cNvPr id="7" name="TextBox 6"/>
+          <p:cNvSpPr txBox="1"/>
+          <p:nvPr/>
+        </p:nvSpPr>
+        <p:spPr>
+          <a:xfrm>
+            <a:off x="2057400" y="1371600"/>
+            <a:ext cx="4114800" cy="954107"/>
+          </a:xfrm>
+          <a:prstGeom prst="rect">
+            <a:avLst/>
+          </a:prstGeom>
+          <a:noFill/>
+        </p:spPr>
+        <p:txBody>
+          <a:bodyPr wrap="square" rtlCol="0">
+            <a:spAutoFit/>
+          </a:bodyPr>
+          <a:lstStyle/>
+          <a:p>
             <a:pPr>
               <a:buFont typeface="Arial" pitchFamily="34" charset="0"/>
               <a:buChar char="•"/>
             </a:pPr>
             <a:r>
-              <a:rPr lang="en-US" dirty="0" smtClean="0"/>
-              <a:t>Software developer at research company in San Diego for 4 years.</a:t>
+              <a:rPr lang="en-US" sz="1400" dirty="0" smtClean="0"/>
+              <a:t>Systems </a:t>
+            </a:r>
+            <a:r>
+              <a:rPr lang="en-US" sz="1400" dirty="0" smtClean="0"/>
+              <a:t>Biology Markup </a:t>
+            </a:r>
+            <a:r>
+              <a:rPr lang="en-US" sz="1400" dirty="0" smtClean="0"/>
+              <a:t>Language</a:t>
             </a:r>
           </a:p>
           <a:p>
@@ -3224,7 +3322,10 @@
               <a:buFont typeface="Arial" pitchFamily="34" charset="0"/>
               <a:buChar char="•"/>
             </a:pPr>
-            <a:endParaRPr lang="en-US" dirty="0" smtClean="0"/>
+            <a:r>
+              <a:rPr lang="en-US" sz="1400" dirty="0" smtClean="0"/>
+              <a:t>Format for computer models of biological processes.</a:t>
+            </a:r>
           </a:p>
           <a:p>
             <a:pPr>
@@ -3232,17 +3333,8 @@
               <a:buChar char="•"/>
             </a:pPr>
             <a:r>
-              <a:rPr lang="en-US" dirty="0" smtClean="0"/>
-              <a:t>Independent Software Developer since 2007 – many different projects in various disciplines. </a:t>
-            </a:r>
-          </a:p>
-          <a:p>
-            <a:endParaRPr lang="en-US" dirty="0"/>
-          </a:p>
-          <a:p>
-            <a:r>
-              <a:rPr lang="en-US" dirty="0" smtClean="0"/>
-              <a:t>Main working with C++, C# and familiar with other languages.</a:t>
+              <a:rPr lang="en-US" sz="1400" dirty="0" smtClean="0"/>
+              <a:t>Reads SBML files (XML)</a:t>
             </a:r>
           </a:p>
           <a:p>
@@ -3250,20 +3342,253 @@
               <a:buFont typeface="Arial" pitchFamily="34" charset="0"/>
               <a:buChar char="•"/>
             </a:pPr>
-            <a:endParaRPr lang="en-US" dirty="0" smtClean="0"/>
-          </a:p>
+            <a:r>
+              <a:rPr lang="en-US" sz="1400" dirty="0" smtClean="0"/>
+              <a:t>C++</a:t>
+            </a:r>
+            <a:endParaRPr lang="en-US" sz="1400" dirty="0"/>
+          </a:p>
+        </p:txBody>
+      </p:sp>
+      <p:sp>
+        <p:nvSpPr>
+          <p:cNvPr id="8" name="Oval 7"/>
+          <p:cNvSpPr/>
+          <p:nvPr/>
+        </p:nvSpPr>
+        <p:spPr>
+          <a:xfrm>
+            <a:off x="3124200" y="2895600"/>
+            <a:ext cx="1524000" cy="1219200"/>
+          </a:xfrm>
+          <a:prstGeom prst="ellipse">
+            <a:avLst/>
+          </a:prstGeom>
+        </p:spPr>
+        <p:style>
+          <a:lnRef idx="2">
+            <a:schemeClr val="accent1">
+              <a:shade val="50000"/>
+            </a:schemeClr>
+          </a:lnRef>
+          <a:fillRef idx="1">
+            <a:schemeClr val="accent1"/>
+          </a:fillRef>
+          <a:effectRef idx="0">
+            <a:schemeClr val="accent1"/>
+          </a:effectRef>
+          <a:fontRef idx="minor">
+            <a:schemeClr val="lt1"/>
+          </a:fontRef>
+        </p:style>
+        <p:txBody>
+          <a:bodyPr rtlCol="0" anchor="ctr"/>
+          <a:lstStyle/>
+          <a:p>
+            <a:pPr algn="ctr"/>
+            <a:r>
+              <a:rPr lang="en-US" dirty="0" smtClean="0"/>
+              <a:t>NOMLib</a:t>
+            </a:r>
+            <a:endParaRPr lang="en-US" dirty="0"/>
+          </a:p>
+        </p:txBody>
+      </p:sp>
+      <p:sp>
+        <p:nvSpPr>
+          <p:cNvPr id="9" name="TextBox 8"/>
+          <p:cNvSpPr txBox="1"/>
+          <p:nvPr/>
+        </p:nvSpPr>
+        <p:spPr>
+          <a:xfrm>
+            <a:off x="4572000" y="2590800"/>
+            <a:ext cx="4444678" cy="1938992"/>
+          </a:xfrm>
+          <a:prstGeom prst="rect">
+            <a:avLst/>
+          </a:prstGeom>
+          <a:noFill/>
+        </p:spPr>
+        <p:txBody>
+          <a:bodyPr wrap="none" rtlCol="0">
+            <a:spAutoFit/>
+          </a:bodyPr>
+          <a:lstStyle/>
           <a:p>
             <a:pPr>
               <a:buFont typeface="Arial" pitchFamily="34" charset="0"/>
               <a:buChar char="•"/>
             </a:pPr>
-            <a:endParaRPr lang="en-US" dirty="0" smtClean="0"/>
+            <a:r>
+              <a:rPr lang="en-US" dirty="0" smtClean="0"/>
+              <a:t>(Delphi) Interface (wrapper) to </a:t>
+            </a:r>
+            <a:r>
+              <a:rPr lang="en-US" dirty="0" err="1" smtClean="0"/>
+              <a:t>libSBML</a:t>
+            </a:r>
+            <a:r>
+              <a:rPr lang="en-US" dirty="0" smtClean="0"/>
+              <a:t>.</a:t>
+            </a:r>
           </a:p>
           <a:p>
             <a:pPr>
               <a:buFont typeface="Arial" pitchFamily="34" charset="0"/>
               <a:buChar char="•"/>
             </a:pPr>
+            <a:r>
+              <a:rPr lang="en-US" dirty="0" smtClean="0"/>
+              <a:t>One single .h and .</a:t>
+            </a:r>
+            <a:r>
+              <a:rPr lang="en-US" dirty="0" err="1" smtClean="0"/>
+              <a:t>cpp</a:t>
+            </a:r>
+            <a:r>
+              <a:rPr lang="en-US" dirty="0" smtClean="0"/>
+              <a:t> file</a:t>
+            </a:r>
+          </a:p>
+          <a:p>
+            <a:pPr>
+              <a:buFont typeface="Arial" pitchFamily="34" charset="0"/>
+              <a:buChar char="•"/>
+            </a:pPr>
+            <a:r>
+              <a:rPr lang="en-US" dirty="0" smtClean="0"/>
+              <a:t>One </a:t>
+            </a:r>
+            <a:r>
+              <a:rPr lang="en-US" dirty="0" smtClean="0"/>
+              <a:t>global </a:t>
+            </a:r>
+            <a:r>
+              <a:rPr lang="en-US" dirty="0" smtClean="0"/>
+              <a:t>‘model’ object</a:t>
+            </a:r>
+            <a:r>
+              <a:rPr lang="en-US" dirty="0" smtClean="0"/>
+              <a:t>: </a:t>
+            </a:r>
+            <a:endParaRPr lang="en-US" dirty="0" smtClean="0"/>
+          </a:p>
+          <a:p>
+            <a:pPr lvl="1"/>
+            <a:r>
+              <a:rPr lang="en-US" sz="1200" dirty="0" smtClean="0"/>
+              <a:t>Model</a:t>
+            </a:r>
+            <a:r>
+              <a:rPr lang="en-US" sz="1200" dirty="0" smtClean="0"/>
+              <a:t>* _</a:t>
+            </a:r>
+            <a:r>
+              <a:rPr lang="en-US" sz="1200" dirty="0" err="1" smtClean="0"/>
+              <a:t>oModelCPP</a:t>
+            </a:r>
+            <a:r>
+              <a:rPr lang="en-US" sz="1200" dirty="0" smtClean="0"/>
+              <a:t> = NULL</a:t>
+            </a:r>
+            <a:r>
+              <a:rPr lang="en-US" sz="1200" dirty="0" smtClean="0"/>
+              <a:t>; allocated as</a:t>
+            </a:r>
+          </a:p>
+          <a:p>
+            <a:pPr lvl="1"/>
+            <a:r>
+              <a:rPr lang="en-US" sz="1200" dirty="0" smtClean="0"/>
+              <a:t>	</a:t>
+            </a:r>
+            <a:r>
+              <a:rPr lang="en-US" sz="1200" dirty="0" err="1" smtClean="0"/>
+              <a:t>SBMLReader</a:t>
+            </a:r>
+            <a:r>
+              <a:rPr lang="en-US" sz="1200" dirty="0" smtClean="0"/>
+              <a:t> </a:t>
+            </a:r>
+            <a:r>
+              <a:rPr lang="en-US" sz="1200" dirty="0" err="1" smtClean="0"/>
+              <a:t>oReader</a:t>
+            </a:r>
+            <a:r>
+              <a:rPr lang="en-US" sz="1200" dirty="0" smtClean="0"/>
+              <a:t>;</a:t>
+            </a:r>
+          </a:p>
+          <a:p>
+            <a:pPr lvl="1"/>
+            <a:r>
+              <a:rPr lang="en-US" sz="1200" dirty="0" smtClean="0"/>
+              <a:t>	_</a:t>
+            </a:r>
+            <a:r>
+              <a:rPr lang="en-US" sz="1200" dirty="0" err="1" smtClean="0"/>
+              <a:t>oSBMLDocCPP</a:t>
+            </a:r>
+            <a:r>
+              <a:rPr lang="en-US" sz="1200" dirty="0" smtClean="0"/>
+              <a:t> = </a:t>
+            </a:r>
+            <a:r>
+              <a:rPr lang="en-US" sz="1200" dirty="0" err="1" smtClean="0"/>
+              <a:t>oReader.readSBMLFromString</a:t>
+            </a:r>
+            <a:r>
+              <a:rPr lang="en-US" sz="1200" dirty="0" smtClean="0"/>
+              <a:t>(</a:t>
+            </a:r>
+            <a:r>
+              <a:rPr lang="en-US" sz="1200" dirty="0" err="1" smtClean="0"/>
+              <a:t>arg</a:t>
+            </a:r>
+            <a:r>
+              <a:rPr lang="en-US" sz="1200" dirty="0" smtClean="0"/>
+              <a:t>);</a:t>
+            </a:r>
+          </a:p>
+          <a:p>
+            <a:pPr lvl="1"/>
+            <a:r>
+              <a:rPr lang="en-US" sz="1200" dirty="0" smtClean="0"/>
+              <a:t>	_</a:t>
+            </a:r>
+            <a:r>
+              <a:rPr lang="en-US" sz="1200" dirty="0" err="1" smtClean="0"/>
+              <a:t>oModelCPP</a:t>
+            </a:r>
+            <a:r>
+              <a:rPr lang="en-US" sz="1200" dirty="0" smtClean="0"/>
+              <a:t> </a:t>
+            </a:r>
+            <a:r>
+              <a:rPr lang="en-US" sz="1200" dirty="0" smtClean="0"/>
+              <a:t>	 = </a:t>
+            </a:r>
+            <a:r>
+              <a:rPr lang="en-US" sz="1200" dirty="0" smtClean="0"/>
+              <a:t>_</a:t>
+            </a:r>
+            <a:r>
+              <a:rPr lang="en-US" sz="1200" dirty="0" err="1" smtClean="0"/>
+              <a:t>oSBMLDocCPP</a:t>
+            </a:r>
+            <a:r>
+              <a:rPr lang="en-US" sz="1200" dirty="0" smtClean="0"/>
+              <a:t>-&gt;</a:t>
+            </a:r>
+            <a:r>
+              <a:rPr lang="en-US" sz="1200" dirty="0" err="1" smtClean="0"/>
+              <a:t>getModel</a:t>
+            </a:r>
+            <a:r>
+              <a:rPr lang="en-US" sz="1200" dirty="0" smtClean="0"/>
+              <a:t>();</a:t>
+            </a:r>
             <a:endParaRPr lang="en-US" dirty="0" smtClean="0"/>
           </a:p>
           <a:p>
@@ -3275,11 +3600,269 @@
           </a:p>
         </p:txBody>
       </p:sp>
+      <p:sp>
+        <p:nvSpPr>
+          <p:cNvPr id="10" name="Oval 9"/>
+          <p:cNvSpPr/>
+          <p:nvPr/>
+        </p:nvSpPr>
+        <p:spPr>
+          <a:xfrm>
+            <a:off x="381000" y="3200400"/>
+            <a:ext cx="1524000" cy="1219200"/>
+          </a:xfrm>
+          <a:prstGeom prst="ellipse">
+            <a:avLst/>
+          </a:prstGeom>
+        </p:spPr>
+        <p:style>
+          <a:lnRef idx="2">
+            <a:schemeClr val="accent1">
+              <a:shade val="50000"/>
+            </a:schemeClr>
+          </a:lnRef>
+          <a:fillRef idx="1">
+            <a:schemeClr val="accent1"/>
+          </a:fillRef>
+          <a:effectRef idx="0">
+            <a:schemeClr val="accent1"/>
+          </a:effectRef>
+          <a:fontRef idx="minor">
+            <a:schemeClr val="lt1"/>
+          </a:fontRef>
+        </p:style>
+        <p:txBody>
+          <a:bodyPr rtlCol="0" anchor="ctr"/>
+          <a:lstStyle/>
+          <a:p>
+            <a:pPr algn="ctr"/>
+            <a:r>
+              <a:rPr lang="en-US" dirty="0" err="1" smtClean="0"/>
+              <a:t>libStruct</a:t>
+            </a:r>
+            <a:endParaRPr lang="en-US" dirty="0"/>
+          </a:p>
+        </p:txBody>
+      </p:sp>
+      <p:sp>
+        <p:nvSpPr>
+          <p:cNvPr id="11" name="TextBox 10"/>
+          <p:cNvSpPr txBox="1"/>
+          <p:nvPr/>
+        </p:nvSpPr>
+        <p:spPr>
+          <a:xfrm>
+            <a:off x="381000" y="4495800"/>
+            <a:ext cx="2438400" cy="1200329"/>
+          </a:xfrm>
+          <a:prstGeom prst="rect">
+            <a:avLst/>
+          </a:prstGeom>
+          <a:noFill/>
+        </p:spPr>
+        <p:txBody>
+          <a:bodyPr wrap="square" rtlCol="0">
+            <a:spAutoFit/>
+          </a:bodyPr>
+          <a:lstStyle/>
+          <a:p>
+            <a:pPr>
+              <a:buFont typeface="Arial" pitchFamily="34" charset="0"/>
+              <a:buChar char="•"/>
+            </a:pPr>
+            <a:r>
+              <a:rPr lang="en-US" dirty="0" smtClean="0"/>
+              <a:t>C/C</a:t>
+            </a:r>
+            <a:r>
+              <a:rPr lang="en-US" dirty="0" smtClean="0"/>
+              <a:t>++ </a:t>
+            </a:r>
+            <a:r>
+              <a:rPr lang="en-US" dirty="0" smtClean="0"/>
+              <a:t>library </a:t>
+            </a:r>
+            <a:r>
+              <a:rPr lang="en-US" dirty="0" smtClean="0"/>
+              <a:t>for analyzing the structural properties of </a:t>
+            </a:r>
+            <a:endParaRPr lang="en-US" dirty="0" smtClean="0"/>
+          </a:p>
+          <a:p>
+            <a:r>
+              <a:rPr lang="en-US" dirty="0" smtClean="0"/>
+              <a:t>stoichiometric </a:t>
+            </a:r>
+            <a:r>
+              <a:rPr lang="en-US" dirty="0" smtClean="0"/>
+              <a:t>networks</a:t>
+            </a:r>
+            <a:endParaRPr lang="en-US" dirty="0"/>
+          </a:p>
+        </p:txBody>
+      </p:sp>
+      <p:sp>
+        <p:nvSpPr>
+          <p:cNvPr id="12" name="Oval 11"/>
+          <p:cNvSpPr/>
+          <p:nvPr/>
+        </p:nvSpPr>
+        <p:spPr>
+          <a:xfrm>
+            <a:off x="3124200" y="4953000"/>
+            <a:ext cx="1524000" cy="1219200"/>
+          </a:xfrm>
+          <a:prstGeom prst="ellipse">
+            <a:avLst/>
+          </a:prstGeom>
+        </p:spPr>
+        <p:style>
+          <a:lnRef idx="2">
+            <a:schemeClr val="accent1">
+              <a:shade val="50000"/>
+            </a:schemeClr>
+          </a:lnRef>
+          <a:fillRef idx="1">
+            <a:schemeClr val="accent1"/>
+          </a:fillRef>
+          <a:effectRef idx="0">
+            <a:schemeClr val="accent1"/>
+          </a:effectRef>
+          <a:fontRef idx="minor">
+            <a:schemeClr val="lt1"/>
+          </a:fontRef>
+        </p:style>
+        <p:txBody>
+          <a:bodyPr rtlCol="0" anchor="ctr"/>
+          <a:lstStyle/>
+          <a:p>
+            <a:pPr algn="ctr"/>
+            <a:r>
+              <a:rPr lang="en-US" dirty="0" smtClean="0"/>
+              <a:t>Sundials</a:t>
+            </a:r>
+            <a:endParaRPr lang="en-US" dirty="0"/>
+          </a:p>
+        </p:txBody>
+      </p:sp>
+      <p:sp>
+        <p:nvSpPr>
+          <p:cNvPr id="13" name="TextBox 12"/>
+          <p:cNvSpPr txBox="1"/>
+          <p:nvPr/>
+        </p:nvSpPr>
+        <p:spPr>
+          <a:xfrm>
+            <a:off x="4800600" y="4953000"/>
+            <a:ext cx="3886200" cy="1477328"/>
+          </a:xfrm>
+          <a:prstGeom prst="rect">
+            <a:avLst/>
+          </a:prstGeom>
+          <a:noFill/>
+        </p:spPr>
+        <p:txBody>
+          <a:bodyPr wrap="square" rtlCol="0">
+            <a:spAutoFit/>
+          </a:bodyPr>
+          <a:lstStyle/>
+          <a:p>
+            <a:r>
+              <a:rPr lang="en-US" dirty="0" smtClean="0"/>
+              <a:t>Collection of C libraries. Sundials stands for </a:t>
+            </a:r>
+          </a:p>
+          <a:p>
+            <a:r>
+              <a:rPr lang="en-US" dirty="0" err="1" smtClean="0">
+                <a:solidFill>
+                  <a:srgbClr val="FF0000"/>
+                </a:solidFill>
+              </a:rPr>
+              <a:t>SU</a:t>
+            </a:r>
+            <a:r>
+              <a:rPr lang="en-US" dirty="0" err="1" smtClean="0"/>
+              <a:t>ite</a:t>
+            </a:r>
+            <a:r>
+              <a:rPr lang="en-US" dirty="0" smtClean="0"/>
+              <a:t> of </a:t>
+            </a:r>
+            <a:r>
+              <a:rPr lang="en-US" dirty="0" smtClean="0">
+                <a:solidFill>
+                  <a:srgbClr val="FF0000"/>
+                </a:solidFill>
+              </a:rPr>
+              <a:t>N</a:t>
+            </a:r>
+            <a:r>
+              <a:rPr lang="en-US" dirty="0" smtClean="0"/>
+              <a:t>onlinear and </a:t>
+            </a:r>
+            <a:r>
+              <a:rPr lang="en-US" dirty="0" err="1" smtClean="0">
+                <a:solidFill>
+                  <a:srgbClr val="FF0000"/>
+                </a:solidFill>
+              </a:rPr>
+              <a:t>DI</a:t>
+            </a:r>
+            <a:r>
+              <a:rPr lang="en-US" dirty="0" err="1" smtClean="0"/>
+              <a:t>fferential</a:t>
+            </a:r>
+            <a:r>
+              <a:rPr lang="en-US" dirty="0" smtClean="0"/>
+              <a:t>/</a:t>
+            </a:r>
+            <a:r>
+              <a:rPr lang="en-US" dirty="0" smtClean="0">
+                <a:solidFill>
+                  <a:srgbClr val="FF0000"/>
+                </a:solidFill>
+              </a:rPr>
+              <a:t>Al</a:t>
+            </a:r>
+            <a:r>
+              <a:rPr lang="en-US" dirty="0" smtClean="0"/>
+              <a:t>gebraic</a:t>
+            </a:r>
+          </a:p>
+          <a:p>
+            <a:r>
+              <a:rPr lang="en-US" dirty="0" smtClean="0"/>
+              <a:t>equation </a:t>
+            </a:r>
+            <a:r>
+              <a:rPr lang="en-US" dirty="0" smtClean="0">
+                <a:solidFill>
+                  <a:srgbClr val="FF0000"/>
+                </a:solidFill>
+              </a:rPr>
+              <a:t>S</a:t>
+            </a:r>
+            <a:r>
+              <a:rPr lang="en-US" dirty="0" smtClean="0"/>
+              <a:t>olvers. </a:t>
+            </a:r>
+            <a:endParaRPr lang="en-US" dirty="0"/>
+          </a:p>
+        </p:txBody>
+      </p:sp>
     </p:spTree>
   </p:cSld>
   <p:clrMapOvr>
     <a:masterClrMapping/>
   </p:clrMapOvr>
+  <p:timing>
+    <p:tnLst>
+      <p:par>
+        <p:cTn id="1" dur="indefinite" restart="never" nodeType="tmRoot"/>
+      </p:par>
+    </p:tnLst>
+  </p:timing>
 </p:sld>
 </file>
 
@@ -3302,37 +3885,14 @@
       </p:grpSpPr>
       <p:sp>
         <p:nvSpPr>
-          <p:cNvPr id="2" name="Title 1"/>
-          <p:cNvSpPr>
-            <a:spLocks noGrp="1"/>
-          </p:cNvSpPr>
-          <p:nvPr>
-            <p:ph type="title"/>
-          </p:nvPr>
-        </p:nvSpPr>
-        <p:spPr/>
-        <p:txBody>
-          <a:bodyPr/>
-          <a:lstStyle/>
-          <a:p>
-            <a:r>
-              <a:rPr lang="en-US" dirty="0" smtClean="0"/>
-              <a:t>Conversion Project</a:t>
-            </a:r>
-            <a:endParaRPr lang="en-US" dirty="0"/>
-          </a:p>
-        </p:txBody>
-      </p:sp>
-      <p:sp>
-        <p:nvSpPr>
-          <p:cNvPr id="3" name="TextBox 2"/>
+          <p:cNvPr id="5" name="TextBox 4"/>
           <p:cNvSpPr txBox="1"/>
           <p:nvPr/>
         </p:nvSpPr>
         <p:spPr>
           <a:xfrm>
-            <a:off x="1066800" y="1676400"/>
-            <a:ext cx="4006033" cy="1200329"/>
+            <a:off x="609600" y="533400"/>
+            <a:ext cx="2070439" cy="523220"/>
           </a:xfrm>
           <a:prstGeom prst="rect">
             <a:avLst/>
@@ -3345,44 +3905,24 @@
           </a:bodyPr>
           <a:lstStyle/>
           <a:p>
-            <a:pPr>
-              <a:buFont typeface="Arial" pitchFamily="34" charset="0"/>
-              <a:buChar char="•"/>
-            </a:pPr>
-            <a:r>
-              <a:rPr lang="en-US" dirty="0" smtClean="0"/>
-              <a:t>Quite complex – several ‘large’ libraries</a:t>
-            </a:r>
-          </a:p>
-          <a:p>
-            <a:pPr>
-              <a:buFont typeface="Arial" pitchFamily="34" charset="0"/>
-              <a:buChar char="•"/>
-            </a:pPr>
-            <a:endParaRPr lang="en-US" dirty="0" smtClean="0"/>
-          </a:p>
-          <a:p>
-            <a:pPr>
-              <a:buFont typeface="Arial" pitchFamily="34" charset="0"/>
-              <a:buChar char="•"/>
-            </a:pPr>
-            <a:endParaRPr lang="en-US" dirty="0" smtClean="0"/>
-          </a:p>
-          <a:p>
-            <a:endParaRPr lang="en-US" dirty="0"/>
-          </a:p>
-        </p:txBody>
-      </p:sp>
-      <p:sp>
-        <p:nvSpPr>
-          <p:cNvPr id="4" name="TextBox 3"/>
+            <a:r>
+              <a:rPr lang="en-US" sz="2800" dirty="0" smtClean="0"/>
+              <a:t>Road Runner</a:t>
+            </a:r>
+            <a:endParaRPr lang="en-US" sz="2800" dirty="0"/>
+          </a:p>
+        </p:txBody>
+      </p:sp>
+      <p:sp>
+        <p:nvSpPr>
+          <p:cNvPr id="6" name="TextBox 5"/>
           <p:cNvSpPr txBox="1"/>
           <p:nvPr/>
         </p:nvSpPr>
         <p:spPr>
           <a:xfrm>
-            <a:off x="2133600" y="2057400"/>
-            <a:ext cx="5105400" cy="1200329"/>
+            <a:off x="1676400" y="1143000"/>
+            <a:ext cx="4817666" cy="1477328"/>
           </a:xfrm>
           <a:prstGeom prst="rect">
             <a:avLst/>
@@ -3400,12 +3940,8 @@
               <a:buChar char="•"/>
             </a:pPr>
             <a:r>
-              <a:rPr lang="en-US" dirty="0" err="1" smtClean="0"/>
-              <a:t>libSBML</a:t>
-            </a:r>
-            <a:r>
               <a:rPr lang="en-US" dirty="0" smtClean="0"/>
-              <a:t> - C/C++ library to read SBML files</a:t>
+              <a:t>Simulation environment for SBML models</a:t>
             </a:r>
           </a:p>
           <a:p>
@@ -3415,13 +3951,8 @@
             </a:pPr>
             <a:r>
               <a:rPr lang="en-US" dirty="0" smtClean="0"/>
-              <a:t>NOMLib - Delphi interface to </a:t>
-            </a:r>
-            <a:r>
-              <a:rPr lang="en-US" dirty="0" err="1" smtClean="0"/>
-              <a:t>libSBML</a:t>
-            </a:r>
-            <a:endParaRPr lang="en-US" dirty="0" smtClean="0"/>
+              <a:t>Library is written in C# (the one to be converted)</a:t>
+            </a:r>
           </a:p>
           <a:p>
             <a:pPr>
@@ -3429,12 +3960,8 @@
               <a:buChar char="•"/>
             </a:pPr>
             <a:r>
-              <a:rPr lang="en-US" dirty="0" err="1" smtClean="0"/>
-              <a:t>libStruct</a:t>
-            </a:r>
-            <a:r>
               <a:rPr lang="en-US" dirty="0" smtClean="0"/>
-              <a:t> – Matrix library</a:t>
+              <a:t>Need previously mentioned libraries at link time</a:t>
             </a:r>
           </a:p>
           <a:p>
@@ -3442,23 +3969,374 @@
               <a:buFont typeface="Arial" pitchFamily="34" charset="0"/>
               <a:buChar char="•"/>
             </a:pPr>
+            <a:endParaRPr lang="en-US" dirty="0" smtClean="0"/>
+          </a:p>
+          <a:p>
+            <a:endParaRPr lang="en-US" dirty="0"/>
+          </a:p>
+        </p:txBody>
+      </p:sp>
+      <p:sp>
+        <p:nvSpPr>
+          <p:cNvPr id="9" name="TextBox 8"/>
+          <p:cNvSpPr txBox="1"/>
+          <p:nvPr/>
+        </p:nvSpPr>
+        <p:spPr>
+          <a:xfrm>
+            <a:off x="762000" y="2743200"/>
+            <a:ext cx="839653" cy="369332"/>
+          </a:xfrm>
+          <a:prstGeom prst="rect">
+            <a:avLst/>
+          </a:prstGeom>
+          <a:noFill/>
+        </p:spPr>
+        <p:txBody>
+          <a:bodyPr wrap="none" rtlCol="0">
+            <a:spAutoFit/>
+          </a:bodyPr>
+          <a:lstStyle/>
+          <a:p>
+            <a:r>
+              <a:rPr lang="en-US" dirty="0" smtClean="0"/>
+              <a:t>Testing</a:t>
+            </a:r>
+            <a:endParaRPr lang="en-US" dirty="0"/>
+          </a:p>
+        </p:txBody>
+      </p:sp>
+      <p:sp>
+        <p:nvSpPr>
+          <p:cNvPr id="10" name="Oval 9"/>
+          <p:cNvSpPr/>
+          <p:nvPr/>
+        </p:nvSpPr>
+        <p:spPr>
+          <a:xfrm>
+            <a:off x="5029200" y="2819400"/>
+            <a:ext cx="2057400" cy="1752600"/>
+          </a:xfrm>
+          <a:prstGeom prst="ellipse">
+            <a:avLst/>
+          </a:prstGeom>
+        </p:spPr>
+        <p:style>
+          <a:lnRef idx="2">
+            <a:schemeClr val="accent1">
+              <a:shade val="50000"/>
+            </a:schemeClr>
+          </a:lnRef>
+          <a:fillRef idx="1">
+            <a:schemeClr val="accent1"/>
+          </a:fillRef>
+          <a:effectRef idx="0">
+            <a:schemeClr val="accent1"/>
+          </a:effectRef>
+          <a:fontRef idx="minor">
+            <a:schemeClr val="lt1"/>
+          </a:fontRef>
+        </p:style>
+        <p:txBody>
+          <a:bodyPr rtlCol="0" anchor="ctr"/>
+          <a:lstStyle/>
+          <a:p>
+            <a:pPr algn="ctr"/>
+            <a:r>
+              <a:rPr lang="en-US" dirty="0" smtClean="0"/>
+              <a:t>SBW Inspector Module application</a:t>
+            </a:r>
+            <a:endParaRPr lang="en-US" dirty="0"/>
+          </a:p>
+        </p:txBody>
+      </p:sp>
+      <p:sp>
+        <p:nvSpPr>
+          <p:cNvPr id="11" name="Rounded Rectangle 10"/>
+          <p:cNvSpPr/>
+          <p:nvPr/>
+        </p:nvSpPr>
+        <p:spPr>
+          <a:xfrm>
+            <a:off x="762000" y="3505200"/>
+            <a:ext cx="2362200" cy="1295400"/>
+          </a:xfrm>
+          <a:prstGeom prst="roundRect">
+            <a:avLst/>
+          </a:prstGeom>
+        </p:spPr>
+        <p:style>
+          <a:lnRef idx="2">
+            <a:schemeClr val="accent1">
+              <a:shade val="50000"/>
+            </a:schemeClr>
+          </a:lnRef>
+          <a:fillRef idx="1">
+            <a:schemeClr val="accent1"/>
+          </a:fillRef>
+          <a:effectRef idx="0">
+            <a:schemeClr val="accent1"/>
+          </a:effectRef>
+          <a:fontRef idx="minor">
+            <a:schemeClr val="lt1"/>
+          </a:fontRef>
+        </p:style>
+        <p:txBody>
+          <a:bodyPr rtlCol="0" anchor="ctr"/>
+          <a:lstStyle/>
+          <a:p>
+            <a:pPr algn="ctr"/>
+            <a:r>
+              <a:rPr lang="en-US" dirty="0" smtClean="0"/>
+              <a:t>RoadRunner-vs2010</a:t>
+            </a:r>
+          </a:p>
+          <a:p>
+            <a:pPr algn="ctr"/>
+            <a:r>
+              <a:rPr lang="en-US" dirty="0" smtClean="0"/>
+              <a:t>(service)</a:t>
+            </a:r>
+            <a:endParaRPr lang="en-US" dirty="0"/>
+          </a:p>
+        </p:txBody>
+      </p:sp>
+      <p:sp>
+        <p:nvSpPr>
+          <p:cNvPr id="12" name="TextBox 11"/>
+          <p:cNvSpPr txBox="1"/>
+          <p:nvPr/>
+        </p:nvSpPr>
+        <p:spPr>
+          <a:xfrm>
+            <a:off x="838200" y="3124200"/>
+            <a:ext cx="1763624" cy="369332"/>
+          </a:xfrm>
+          <a:prstGeom prst="rect">
+            <a:avLst/>
+          </a:prstGeom>
+          <a:noFill/>
+        </p:spPr>
+        <p:txBody>
+          <a:bodyPr wrap="none" rtlCol="0">
+            <a:spAutoFit/>
+          </a:bodyPr>
+          <a:lstStyle/>
+          <a:p>
+            <a:r>
+              <a:rPr lang="en-US" dirty="0" smtClean="0"/>
+              <a:t>Visual Studio IDE</a:t>
+            </a:r>
+            <a:endParaRPr lang="en-US" dirty="0"/>
+          </a:p>
+        </p:txBody>
+      </p:sp>
+      <p:cxnSp>
+        <p:nvCxnSpPr>
+          <p:cNvPr id="14" name="Straight Arrow Connector 13"/>
+          <p:cNvCxnSpPr>
+            <a:endCxn id="10" idx="2"/>
+          </p:cNvCxnSpPr>
+          <p:nvPr/>
+        </p:nvCxnSpPr>
+        <p:spPr>
+          <a:xfrm flipV="1">
+            <a:off x="3124200" y="3695700"/>
+            <a:ext cx="1905000" cy="190500"/>
+          </a:xfrm>
+          <a:prstGeom prst="straightConnector1">
+            <a:avLst/>
+          </a:prstGeom>
+          <a:ln>
+            <a:headEnd type="triangle"/>
+            <a:tailEnd type="triangle"/>
+          </a:ln>
+        </p:spPr>
+        <p:style>
+          <a:lnRef idx="1">
+            <a:schemeClr val="accent1"/>
+          </a:lnRef>
+          <a:fillRef idx="0">
+            <a:schemeClr val="accent1"/>
+          </a:fillRef>
+          <a:effectRef idx="0">
+            <a:schemeClr val="accent1"/>
+          </a:effectRef>
+          <a:fontRef idx="minor">
+            <a:schemeClr val="tx1"/>
+          </a:fontRef>
+        </p:style>
+      </p:cxnSp>
+      <p:sp>
+        <p:nvSpPr>
+          <p:cNvPr id="16" name="Rounded Rectangle 15"/>
+          <p:cNvSpPr/>
+          <p:nvPr/>
+        </p:nvSpPr>
+        <p:spPr>
+          <a:xfrm>
+            <a:off x="838200" y="5105400"/>
+            <a:ext cx="2362200" cy="1295400"/>
+          </a:xfrm>
+          <a:prstGeom prst="roundRect">
+            <a:avLst/>
+          </a:prstGeom>
+        </p:spPr>
+        <p:style>
+          <a:lnRef idx="2">
+            <a:schemeClr val="accent1">
+              <a:shade val="50000"/>
+            </a:schemeClr>
+          </a:lnRef>
+          <a:fillRef idx="1">
+            <a:schemeClr val="accent1"/>
+          </a:fillRef>
+          <a:effectRef idx="0">
+            <a:schemeClr val="accent1"/>
+          </a:effectRef>
+          <a:fontRef idx="minor">
+            <a:schemeClr val="lt1"/>
+          </a:fontRef>
+        </p:style>
+        <p:txBody>
+          <a:bodyPr rtlCol="0" anchor="ctr"/>
+          <a:lstStyle/>
+          <a:p>
+            <a:pPr algn="ctr"/>
+            <a:r>
+              <a:rPr lang="en-US" dirty="0" smtClean="0"/>
+              <a:t>LibRoadRunner-vs2010</a:t>
+            </a:r>
+            <a:endParaRPr lang="en-US" dirty="0"/>
+          </a:p>
+        </p:txBody>
+      </p:sp>
+      <p:cxnSp>
+        <p:nvCxnSpPr>
+          <p:cNvPr id="19" name="Straight Arrow Connector 18"/>
+          <p:cNvCxnSpPr/>
+          <p:nvPr/>
+        </p:nvCxnSpPr>
+        <p:spPr>
+          <a:xfrm flipH="1">
+            <a:off x="3200400" y="4495800"/>
+            <a:ext cx="2438400" cy="1447800"/>
+          </a:xfrm>
+          <a:prstGeom prst="straightConnector1">
+            <a:avLst/>
+          </a:prstGeom>
+          <a:ln>
+            <a:tailEnd type="arrow"/>
+          </a:ln>
+        </p:spPr>
+        <p:style>
+          <a:lnRef idx="1">
+            <a:schemeClr val="accent1"/>
+          </a:lnRef>
+          <a:fillRef idx="0">
+            <a:schemeClr val="accent1"/>
+          </a:fillRef>
+          <a:effectRef idx="0">
+            <a:schemeClr val="accent1"/>
+          </a:effectRef>
+          <a:fontRef idx="minor">
+            <a:schemeClr val="tx1"/>
+          </a:fontRef>
+        </p:style>
+      </p:cxnSp>
+      <p:sp>
+        <p:nvSpPr>
+          <p:cNvPr id="22" name="TextBox 21"/>
+          <p:cNvSpPr txBox="1"/>
+          <p:nvPr/>
+        </p:nvSpPr>
+        <p:spPr>
+          <a:xfrm>
+            <a:off x="4343400" y="5257800"/>
+            <a:ext cx="4741747" cy="923330"/>
+          </a:xfrm>
+          <a:prstGeom prst="rect">
+            <a:avLst/>
+          </a:prstGeom>
+          <a:noFill/>
+        </p:spPr>
+        <p:txBody>
+          <a:bodyPr wrap="none" rtlCol="0">
+            <a:spAutoFit/>
+          </a:bodyPr>
+          <a:lstStyle/>
+          <a:p>
+            <a:r>
+              <a:rPr lang="en-US" dirty="0" smtClean="0"/>
+              <a:t>Call functions in </a:t>
+            </a:r>
             <a:r>
               <a:rPr lang="en-US" dirty="0" err="1" smtClean="0"/>
               <a:t>RoadRunner</a:t>
             </a:r>
             <a:r>
               <a:rPr lang="en-US" dirty="0" smtClean="0"/>
-              <a:t> – library to convert </a:t>
+              <a:t> Lib from inspector. </a:t>
+            </a:r>
+          </a:p>
+          <a:p>
+            <a:r>
+              <a:rPr lang="en-US" dirty="0" smtClean="0"/>
+              <a:t>Trigger breakpoints set in Visual Studio IDE,</a:t>
+            </a:r>
+          </a:p>
+          <a:p>
+            <a:r>
+              <a:rPr lang="en-US" dirty="0" smtClean="0"/>
+              <a:t>e.g. </a:t>
             </a:r>
             <a:r>
               <a:rPr lang="en-US" dirty="0" err="1" smtClean="0"/>
-              <a:t>fromC</a:t>
+              <a:t>loadSBML</a:t>
             </a:r>
             <a:r>
               <a:rPr lang="en-US" dirty="0" smtClean="0"/>
-              <a:t># -&gt; Delphi</a:t>
+              <a:t>(</a:t>
+            </a:r>
+            <a:r>
+              <a:rPr lang="en-US" dirty="0" err="1" smtClean="0"/>
+              <a:t>sbml</a:t>
+            </a:r>
+            <a:r>
+              <a:rPr lang="en-US" dirty="0" smtClean="0"/>
+              <a:t>…) </a:t>
             </a:r>
             <a:endParaRPr lang="en-US" dirty="0"/>
+          </a:p>
+        </p:txBody>
+      </p:sp>
+      <p:sp>
+        <p:nvSpPr>
+          <p:cNvPr id="23" name="TextBox 22"/>
+          <p:cNvSpPr txBox="1"/>
+          <p:nvPr/>
+        </p:nvSpPr>
+        <p:spPr>
+          <a:xfrm>
+            <a:off x="3352800" y="3429000"/>
+            <a:ext cx="1345881" cy="276999"/>
+          </a:xfrm>
+          <a:prstGeom prst="rect">
+            <a:avLst/>
+          </a:prstGeom>
+          <a:noFill/>
+        </p:spPr>
+        <p:txBody>
+          <a:bodyPr wrap="none" rtlCol="0">
+            <a:spAutoFit/>
+          </a:bodyPr>
+          <a:lstStyle/>
+          <a:p>
+            <a:r>
+              <a:rPr lang="en-US" sz="1200" dirty="0" smtClean="0"/>
+              <a:t>Socket Connection</a:t>
+            </a:r>
+            <a:endParaRPr lang="en-US" sz="1200" dirty="0"/>
           </a:p>
         </p:txBody>
       </p:sp>
@@ -3513,7 +4391,7 @@
       </p:sp>
       <p:pic>
         <p:nvPicPr>
-          <p:cNvPr id="1028" name="Picture 4"/>
+          <p:cNvPr id="1027" name="Picture 3"/>
           <p:cNvPicPr>
             <a:picLocks noChangeAspect="1" noChangeArrowheads="1"/>
           </p:cNvPicPr>
@@ -3528,8 +4406,8 @@
         </p:blipFill>
         <p:spPr bwMode="auto">
           <a:xfrm>
-            <a:off x="1676400" y="1219200"/>
-            <a:ext cx="5534025" cy="4667250"/>
+            <a:off x="1504950" y="1223963"/>
+            <a:ext cx="6134100" cy="4410075"/>
           </a:xfrm>
           <a:prstGeom prst="rect">
             <a:avLst/>
@@ -3548,6 +4426,13 @@
   <p:clrMapOvr>
     <a:masterClrMapping/>
   </p:clrMapOvr>
+  <p:timing>
+    <p:tnLst>
+      <p:par>
+        <p:cTn id="1" dur="indefinite" restart="never" nodeType="tmRoot"/>
+      </p:par>
+    </p:tnLst>
+  </p:timing>
 </p:sld>
 </file>
 
@@ -3585,7 +4470,7 @@
           <a:p>
             <a:r>
               <a:rPr lang="en-US" dirty="0" smtClean="0"/>
-              <a:t>Libraries and Tools</a:t>
+              <a:t>Tools</a:t>
             </a:r>
             <a:endParaRPr lang="en-US" dirty="0"/>
           </a:p>
@@ -3610,40 +4495,11 @@
           <a:p>
             <a:r>
               <a:rPr lang="en-US" sz="1800" dirty="0" smtClean="0"/>
-              <a:t>Subversion used to host and gather external libraries – </a:t>
-            </a:r>
-            <a:r>
-              <a:rPr lang="en-US" sz="1800" dirty="0" err="1" smtClean="0"/>
-              <a:t>libSBML</a:t>
+              <a:t>A subversion repository </a:t>
             </a:r>
             <a:r>
               <a:rPr lang="en-US" sz="1800" dirty="0" smtClean="0"/>
-              <a:t>, </a:t>
-            </a:r>
-            <a:r>
-              <a:rPr lang="en-US" sz="1800" dirty="0" err="1" smtClean="0"/>
-              <a:t>libStruct</a:t>
-            </a:r>
-            <a:r>
-              <a:rPr lang="en-US" sz="1800" dirty="0" smtClean="0"/>
-              <a:t>, NOMLib, </a:t>
-            </a:r>
-            <a:r>
-              <a:rPr lang="en-US" sz="1800" dirty="0" err="1" smtClean="0"/>
-              <a:t>RoadRunner</a:t>
-            </a:r>
-            <a:r>
-              <a:rPr lang="en-US" sz="1800" dirty="0" smtClean="0"/>
-              <a:t>. </a:t>
-            </a:r>
-          </a:p>
-          <a:p>
-            <a:endParaRPr lang="en-US" sz="1800" dirty="0" smtClean="0"/>
-          </a:p>
-          <a:p>
-            <a:r>
-              <a:rPr lang="en-US" sz="1800" dirty="0" smtClean="0"/>
-              <a:t>A repository for this work was created at: </a:t>
+              <a:t>for this work was created at: </a:t>
             </a:r>
             <a:r>
               <a:rPr lang="en-US" sz="1800" u="sng" dirty="0">
@@ -3657,16 +4513,43 @@
               </a:rPr>
               <a:t>/</a:t>
             </a:r>
+            <a:r>
+              <a:rPr lang="en-US" sz="1800" u="sng" dirty="0" smtClean="0"/>
+              <a:t/>
+            </a:r>
+            <a:br>
+              <a:rPr lang="en-US" sz="1800" u="sng" dirty="0" smtClean="0"/>
+            </a:br>
             <a:endParaRPr lang="en-US" sz="1800" u="sng" dirty="0" smtClean="0"/>
           </a:p>
           <a:p>
+            <a:r>
+              <a:rPr lang="en-US" sz="1800" dirty="0" smtClean="0"/>
+              <a:t>Libraries, </a:t>
+            </a:r>
+            <a:r>
+              <a:rPr lang="en-US" sz="1800" dirty="0" err="1" smtClean="0"/>
+              <a:t>libSBML</a:t>
+            </a:r>
+            <a:r>
+              <a:rPr lang="en-US" sz="1800" dirty="0" smtClean="0"/>
+              <a:t>, NOM, libstruct, SBW core are brought into the repository as externals</a:t>
+            </a:r>
             <a:endParaRPr lang="en-US" sz="1800" dirty="0" smtClean="0"/>
           </a:p>
           <a:p>
+            <a:endParaRPr lang="en-US" sz="1800" dirty="0" smtClean="0"/>
+          </a:p>
+          <a:p>
             <a:r>
               <a:rPr lang="en-US" sz="1800" dirty="0" smtClean="0"/>
-              <a:t>CMake – tool to generate build files for various platforms and compilers</a:t>
-            </a:r>
+              <a:t>CMake – tool to generate build files for various platforms and </a:t>
+            </a:r>
+            <a:r>
+              <a:rPr lang="en-US" sz="1800" dirty="0" smtClean="0"/>
+              <a:t>compilers.</a:t>
+            </a:r>
+            <a:endParaRPr lang="en-US" sz="1800" dirty="0" smtClean="0"/>
           </a:p>
           <a:p>
             <a:endParaRPr lang="en-US" sz="1800" dirty="0" smtClean="0"/>
@@ -3687,18 +4570,6 @@
           </a:p>
           <a:p>
             <a:endParaRPr lang="en-US" sz="1800" dirty="0"/>
-          </a:p>
-          <a:p>
-            <a:r>
-              <a:rPr lang="en-US" sz="1800" dirty="0" smtClean="0"/>
-              <a:t>Work started to convert C# first to C++, and then Delphi. </a:t>
-            </a:r>
-          </a:p>
-          <a:p>
-            <a:endParaRPr lang="en-US" sz="1800" dirty="0"/>
-          </a:p>
-          <a:p>
-            <a:endParaRPr lang="en-US" sz="1800" dirty="0" smtClean="0"/>
           </a:p>
         </p:txBody>
       </p:sp>
@@ -3707,6 +4578,13 @@
   <p:clrMapOvr>
     <a:masterClrMapping/>
   </p:clrMapOvr>
+  <p:timing>
+    <p:tnLst>
+      <p:par>
+        <p:cTn id="1" dur="indefinite" restart="never" nodeType="tmRoot"/>
+      </p:par>
+    </p:tnLst>
+  </p:timing>
 </p:sld>
 </file>
 
@@ -3769,8 +4647,31 @@
           <a:p>
             <a:r>
               <a:rPr lang="en-US" sz="2400" dirty="0" smtClean="0"/>
-              <a:t>Got all external libraries compiling (not straight forward)</a:t>
-            </a:r>
+              <a:t>Got all external libraries </a:t>
+            </a:r>
+            <a:r>
+              <a:rPr lang="en-US" sz="2400" dirty="0" smtClean="0"/>
+              <a:t>compiling, using </a:t>
+            </a:r>
+            <a:r>
+              <a:rPr lang="en-US" sz="2400" dirty="0" err="1" smtClean="0"/>
+              <a:t>Cmake</a:t>
+            </a:r>
+            <a:r>
+              <a:rPr lang="en-US" sz="2400" dirty="0" smtClean="0"/>
+              <a:t>, both with Visual Studio and </a:t>
+            </a:r>
+            <a:r>
+              <a:rPr lang="en-US" sz="2400" dirty="0" err="1" smtClean="0"/>
+              <a:t>Codegear</a:t>
+            </a:r>
+            <a:endParaRPr lang="en-US" sz="2400" dirty="0" smtClean="0"/>
+          </a:p>
+          <a:p>
+            <a:pPr>
+              <a:buNone/>
+            </a:pPr>
+            <a:endParaRPr lang="en-US" sz="2400" dirty="0" smtClean="0"/>
           </a:p>
           <a:p>
             <a:r>
@@ -3778,12 +4679,12 @@
               <a:t>Added a </a:t>
             </a:r>
             <a:r>
-              <a:rPr lang="en-US" sz="2400" dirty="0" err="1" smtClean="0"/>
-              <a:t>Cmake</a:t>
-            </a:r>
-            <a:r>
               <a:rPr lang="en-US" sz="2400" dirty="0" smtClean="0"/>
-              <a:t> project for </a:t>
+              <a:t>new CMake </a:t>
+            </a:r>
+            <a:r>
+              <a:rPr lang="en-US" sz="2400" dirty="0" smtClean="0"/>
+              <a:t>project for </a:t>
             </a:r>
             <a:r>
               <a:rPr lang="en-US" sz="2400" dirty="0" err="1" smtClean="0"/>
@@ -3797,48 +4698,39 @@
               <a:rPr lang="en-US" sz="2400" dirty="0" err="1" smtClean="0"/>
               <a:t>libSBML</a:t>
             </a:r>
+            <a:r>
+              <a:rPr lang="en-US" sz="2400" dirty="0" smtClean="0"/>
+              <a:t>.</a:t>
+            </a:r>
+            <a:br>
+              <a:rPr lang="en-US" sz="2400" dirty="0" smtClean="0"/>
+            </a:br>
             <a:endParaRPr lang="en-US" sz="2400" dirty="0" smtClean="0"/>
           </a:p>
           <a:p>
+            <a:r>
+              <a:rPr lang="en-US" sz="2400" dirty="0" smtClean="0"/>
+              <a:t>Created initial </a:t>
+            </a:r>
+            <a:r>
+              <a:rPr lang="en-US" sz="2400" dirty="0" err="1" smtClean="0"/>
+              <a:t>RoadRunner</a:t>
+            </a:r>
+            <a:r>
+              <a:rPr lang="en-US" sz="2400" dirty="0" smtClean="0"/>
+              <a:t> application that will replicate current data flow. Stuck at reading xml file (feedback.xml).</a:t>
+            </a:r>
+            <a:r>
+              <a:rPr lang="en-US" sz="2400" dirty="0" smtClean="0"/>
+              <a:t/>
+            </a:r>
+            <a:br>
+              <a:rPr lang="en-US" sz="2400" dirty="0" smtClean="0"/>
+            </a:br>
             <a:endParaRPr lang="en-US" sz="2400" dirty="0" smtClean="0"/>
           </a:p>
           <a:p>
-            <a:r>
-              <a:rPr lang="en-US" sz="2400" dirty="0" smtClean="0"/>
-              <a:t>Started conversion of C# to C++: </a:t>
-            </a:r>
-          </a:p>
-          <a:p>
             <a:endParaRPr lang="en-US" sz="2400" dirty="0" smtClean="0"/>
-          </a:p>
-          <a:p>
-            <a:r>
-              <a:rPr lang="en-US" sz="2400" dirty="0" smtClean="0"/>
-              <a:t>Interesting conversions, C# to C++, this far:</a:t>
-            </a:r>
-          </a:p>
-          <a:p>
-            <a:pPr lvl="1"/>
-            <a:r>
-              <a:rPr lang="en-US" sz="2000" dirty="0" smtClean="0"/>
-              <a:t>C# delegate corresponds to a C++ function pointer</a:t>
-            </a:r>
-          </a:p>
-          <a:p>
-            <a:pPr lvl="1"/>
-            <a:r>
-              <a:rPr lang="en-US" sz="2000" dirty="0" smtClean="0"/>
-              <a:t>C# ‘</a:t>
-            </a:r>
-            <a:r>
-              <a:rPr lang="en-US" sz="2000" dirty="0" err="1" smtClean="0"/>
-              <a:t>params</a:t>
-            </a:r>
-            <a:r>
-              <a:rPr lang="en-US" sz="2000" dirty="0" smtClean="0"/>
-              <a:t>’ will need to use ‘…’ syntax (variable argument list)</a:t>
-            </a:r>
-            <a:endParaRPr lang="en-US" sz="2000" dirty="0"/>
           </a:p>
         </p:txBody>
       </p:sp>
@@ -3847,6 +4739,13 @@
   <p:clrMapOvr>
     <a:masterClrMapping/>
   </p:clrMapOvr>
+  <p:timing>
+    <p:tnLst>
+      <p:par>
+        <p:cTn id="1" dur="indefinite" restart="never" nodeType="tmRoot"/>
+      </p:par>
+    </p:tnLst>
+  </p:timing>
 </p:sld>
 </file>
 

--- a/trunk/Docs/RoadRunnerPPT.pptx
+++ b/trunk/Docs/RoadRunnerPPT.pptx
@@ -9940,7 +9940,7 @@
 <dgm:dataModel xmlns:dgm="http://schemas.openxmlformats.org/drawingml/2006/diagram" xmlns:a="http://schemas.openxmlformats.org/drawingml/2006/main">
   <dgm:ptLst>
     <dgm:pt modelId="{37C45A81-0BB7-4D75-93BE-B41B286B0144}" type="doc">
-      <dgm:prSet loTypeId="urn:microsoft.com/office/officeart/2005/8/layout/vList2" loCatId="list" qsTypeId="urn:microsoft.com/office/officeart/2005/8/quickstyle/simple1" qsCatId="simple" csTypeId="urn:microsoft.com/office/officeart/2005/8/colors/accent1_2" csCatId="accent1"/>
+      <dgm:prSet loTypeId="urn:microsoft.com/office/officeart/2005/8/layout/vList2" loCatId="list" qsTypeId="urn:microsoft.com/office/officeart/2005/8/quickstyle/simple1" qsCatId="simple" csTypeId="urn:microsoft.com/office/officeart/2005/8/colors/accent1_2" csCatId="accent1" phldr="1"/>
       <dgm:spPr/>
       <dgm:t>
         <a:bodyPr/>
@@ -9951,7 +9951,22 @@
       </dgm:t>
     </dgm:pt>
     <dgm:pt modelId="{3019103B-AF06-4A3A-A340-67D238962666}">
-      <dgm:prSet/>
+      <dgm:prSet custT="1">
+        <dgm:style>
+          <a:lnRef idx="3">
+            <a:schemeClr val="lt1"/>
+          </a:lnRef>
+          <a:fillRef idx="1">
+            <a:schemeClr val="accent2"/>
+          </a:fillRef>
+          <a:effectRef idx="1">
+            <a:schemeClr val="accent2"/>
+          </a:effectRef>
+          <a:fontRef idx="minor">
+            <a:schemeClr val="lt1"/>
+          </a:fontRef>
+        </dgm:style>
+      </dgm:prSet>
       <dgm:spPr/>
       <dgm:t>
         <a:bodyPr/>
@@ -9959,10 +9974,10 @@
         <a:p>
           <a:pPr rtl="0"/>
           <a:r>
-            <a:rPr lang="en-US" dirty="0" smtClean="0"/>
-            <a:t>Load SBML</a:t>
+            <a:rPr lang="en-US" sz="1200" dirty="0" smtClean="0"/>
+            <a:t>model.xml</a:t>
           </a:r>
-          <a:endParaRPr lang="en-US" dirty="0"/>
+          <a:endParaRPr lang="en-US" sz="1200" dirty="0"/>
         </a:p>
       </dgm:t>
     </dgm:pt>
@@ -9996,6 +10011,13 @@
         </dgm:presLayoutVars>
       </dgm:prSet>
       <dgm:spPr/>
+      <dgm:t>
+        <a:bodyPr/>
+        <a:lstStyle/>
+        <a:p>
+          <a:endParaRPr lang="en-US"/>
+        </a:p>
+      </dgm:t>
     </dgm:pt>
     <dgm:pt modelId="{F92AFAE9-E197-401F-8C7E-AEDCEC6A54AC}" type="pres">
       <dgm:prSet presAssocID="{3019103B-AF06-4A3A-A340-67D238962666}" presName="parentText" presStyleLbl="node1" presStyleIdx="0" presStyleCnt="1">
@@ -10005,6 +10027,13 @@
         </dgm:presLayoutVars>
       </dgm:prSet>
       <dgm:spPr/>
+      <dgm:t>
+        <a:bodyPr/>
+        <a:lstStyle/>
+        <a:p>
+          <a:endParaRPr lang="en-US"/>
+        </a:p>
+      </dgm:t>
     </dgm:pt>
   </dgm:ptLst>
   <dgm:cxnLst>
@@ -10434,6 +10463,13 @@
         </dgm:presLayoutVars>
       </dgm:prSet>
       <dgm:spPr/>
+      <dgm:t>
+        <a:bodyPr/>
+        <a:lstStyle/>
+        <a:p>
+          <a:endParaRPr lang="en-US"/>
+        </a:p>
+      </dgm:t>
     </dgm:pt>
     <dgm:pt modelId="{7459AF48-0ADA-4D92-ACC0-598683C0C229}" type="pres">
       <dgm:prSet presAssocID="{FBCF5329-6E7D-43A5-9500-406A47E39B2E}" presName="root1" presStyleCnt="0"/>
@@ -10461,10 +10497,24 @@
     <dgm:pt modelId="{DFB04D63-BCBA-400A-B88A-3638DD78C457}" type="pres">
       <dgm:prSet presAssocID="{846B17AF-B5D3-4EA8-AC6D-42C6988F1EAA}" presName="conn2-1" presStyleLbl="parChTrans1D2" presStyleIdx="0" presStyleCnt="2"/>
       <dgm:spPr/>
+      <dgm:t>
+        <a:bodyPr/>
+        <a:lstStyle/>
+        <a:p>
+          <a:endParaRPr lang="en-US"/>
+        </a:p>
+      </dgm:t>
     </dgm:pt>
     <dgm:pt modelId="{BF476D50-3A9A-4DE9-A198-9DDB8917E62A}" type="pres">
       <dgm:prSet presAssocID="{846B17AF-B5D3-4EA8-AC6D-42C6988F1EAA}" presName="connTx" presStyleLbl="parChTrans1D2" presStyleIdx="0" presStyleCnt="2"/>
       <dgm:spPr/>
+      <dgm:t>
+        <a:bodyPr/>
+        <a:lstStyle/>
+        <a:p>
+          <a:endParaRPr lang="en-US"/>
+        </a:p>
+      </dgm:t>
     </dgm:pt>
     <dgm:pt modelId="{3F19C1C6-49E8-4E27-99B3-613990249F40}" type="pres">
       <dgm:prSet presAssocID="{FD9F7DDA-D209-4F39-A200-024B07FB128F}" presName="root2" presStyleCnt="0"/>
@@ -10492,10 +10542,24 @@
     <dgm:pt modelId="{ED5C3287-D56B-40BC-A911-213A20B58F07}" type="pres">
       <dgm:prSet presAssocID="{2CB9FBEB-C80B-401E-9305-B6D0FC319B5F}" presName="conn2-1" presStyleLbl="parChTrans1D3" presStyleIdx="0" presStyleCnt="7"/>
       <dgm:spPr/>
+      <dgm:t>
+        <a:bodyPr/>
+        <a:lstStyle/>
+        <a:p>
+          <a:endParaRPr lang="en-US"/>
+        </a:p>
+      </dgm:t>
     </dgm:pt>
     <dgm:pt modelId="{98393AEE-44D3-4F66-B250-5560E6E049CF}" type="pres">
       <dgm:prSet presAssocID="{2CB9FBEB-C80B-401E-9305-B6D0FC319B5F}" presName="connTx" presStyleLbl="parChTrans1D3" presStyleIdx="0" presStyleCnt="7"/>
       <dgm:spPr/>
+      <dgm:t>
+        <a:bodyPr/>
+        <a:lstStyle/>
+        <a:p>
+          <a:endParaRPr lang="en-US"/>
+        </a:p>
+      </dgm:t>
     </dgm:pt>
     <dgm:pt modelId="{592CC29A-89C9-45E4-9911-11273D8B02D0}" type="pres">
       <dgm:prSet presAssocID="{D463FAC8-15ED-4115-93F0-A37E5EC812C2}" presName="root2" presStyleCnt="0"/>
@@ -10523,10 +10587,24 @@
     <dgm:pt modelId="{A6961D34-4306-4684-8627-AB2F6F5A9BEF}" type="pres">
       <dgm:prSet presAssocID="{53D3B6FB-967F-46E5-BD3F-E59CC346AA5F}" presName="conn2-1" presStyleLbl="parChTrans1D3" presStyleIdx="1" presStyleCnt="7"/>
       <dgm:spPr/>
+      <dgm:t>
+        <a:bodyPr/>
+        <a:lstStyle/>
+        <a:p>
+          <a:endParaRPr lang="en-US"/>
+        </a:p>
+      </dgm:t>
     </dgm:pt>
     <dgm:pt modelId="{998477A0-1205-4713-9FEF-7471259A1ED9}" type="pres">
       <dgm:prSet presAssocID="{53D3B6FB-967F-46E5-BD3F-E59CC346AA5F}" presName="connTx" presStyleLbl="parChTrans1D3" presStyleIdx="1" presStyleCnt="7"/>
       <dgm:spPr/>
+      <dgm:t>
+        <a:bodyPr/>
+        <a:lstStyle/>
+        <a:p>
+          <a:endParaRPr lang="en-US"/>
+        </a:p>
+      </dgm:t>
     </dgm:pt>
     <dgm:pt modelId="{0434940D-D59F-4E68-9683-E2F1E5E42B21}" type="pres">
       <dgm:prSet presAssocID="{6A2F051E-85E2-4F4F-9FD7-53BF3337E646}" presName="root2" presStyleCnt="0"/>
@@ -10554,10 +10632,24 @@
     <dgm:pt modelId="{D2732B44-E249-4628-ABC4-C12B82BC4B16}" type="pres">
       <dgm:prSet presAssocID="{17681791-53DE-451B-A1C6-5E2A2016A7FD}" presName="conn2-1" presStyleLbl="parChTrans1D3" presStyleIdx="2" presStyleCnt="7"/>
       <dgm:spPr/>
+      <dgm:t>
+        <a:bodyPr/>
+        <a:lstStyle/>
+        <a:p>
+          <a:endParaRPr lang="en-US"/>
+        </a:p>
+      </dgm:t>
     </dgm:pt>
     <dgm:pt modelId="{89F99F67-BBE6-4633-B071-1E53F7182022}" type="pres">
       <dgm:prSet presAssocID="{17681791-53DE-451B-A1C6-5E2A2016A7FD}" presName="connTx" presStyleLbl="parChTrans1D3" presStyleIdx="2" presStyleCnt="7"/>
       <dgm:spPr/>
+      <dgm:t>
+        <a:bodyPr/>
+        <a:lstStyle/>
+        <a:p>
+          <a:endParaRPr lang="en-US"/>
+        </a:p>
+      </dgm:t>
     </dgm:pt>
     <dgm:pt modelId="{AFAEDD55-B689-4156-B8BD-0AFA78858F59}" type="pres">
       <dgm:prSet presAssocID="{674CBBA0-7DA5-442B-854B-F71B6A9D5339}" presName="root2" presStyleCnt="0"/>
@@ -10585,10 +10677,24 @@
     <dgm:pt modelId="{21D06EAA-C937-4961-8C03-9EC7B884F5F0}" type="pres">
       <dgm:prSet presAssocID="{9058B9CE-4DC4-4FAD-95E0-98F5067F3436}" presName="conn2-1" presStyleLbl="parChTrans1D3" presStyleIdx="3" presStyleCnt="7"/>
       <dgm:spPr/>
+      <dgm:t>
+        <a:bodyPr/>
+        <a:lstStyle/>
+        <a:p>
+          <a:endParaRPr lang="en-US"/>
+        </a:p>
+      </dgm:t>
     </dgm:pt>
     <dgm:pt modelId="{3F74B51A-6956-4836-8B14-81CE1B7B780D}" type="pres">
       <dgm:prSet presAssocID="{9058B9CE-4DC4-4FAD-95E0-98F5067F3436}" presName="connTx" presStyleLbl="parChTrans1D3" presStyleIdx="3" presStyleCnt="7"/>
       <dgm:spPr/>
+      <dgm:t>
+        <a:bodyPr/>
+        <a:lstStyle/>
+        <a:p>
+          <a:endParaRPr lang="en-US"/>
+        </a:p>
+      </dgm:t>
     </dgm:pt>
     <dgm:pt modelId="{216E077E-5785-4653-B249-C401EAFEBE7D}" type="pres">
       <dgm:prSet presAssocID="{0934C984-1ADF-4315-B841-63AC900A9396}" presName="root2" presStyleCnt="0"/>
@@ -10616,10 +10722,24 @@
     <dgm:pt modelId="{6824BADE-53F3-47CB-8E07-97AF3ECBD468}" type="pres">
       <dgm:prSet presAssocID="{D2A90DD9-FBAB-4209-8BFD-898E9A504965}" presName="conn2-1" presStyleLbl="parChTrans1D2" presStyleIdx="1" presStyleCnt="2"/>
       <dgm:spPr/>
+      <dgm:t>
+        <a:bodyPr/>
+        <a:lstStyle/>
+        <a:p>
+          <a:endParaRPr lang="en-US"/>
+        </a:p>
+      </dgm:t>
     </dgm:pt>
     <dgm:pt modelId="{60F7454F-4D3F-4974-99E0-22E8C11EE279}" type="pres">
       <dgm:prSet presAssocID="{D2A90DD9-FBAB-4209-8BFD-898E9A504965}" presName="connTx" presStyleLbl="parChTrans1D2" presStyleIdx="1" presStyleCnt="2"/>
       <dgm:spPr/>
+      <dgm:t>
+        <a:bodyPr/>
+        <a:lstStyle/>
+        <a:p>
+          <a:endParaRPr lang="en-US"/>
+        </a:p>
+      </dgm:t>
     </dgm:pt>
     <dgm:pt modelId="{CF42E017-3048-425E-80F4-D4E8A6FB6B40}" type="pres">
       <dgm:prSet presAssocID="{17D10E75-F760-4D18-8BBA-44F35FA93B5A}" presName="root2" presStyleCnt="0"/>
@@ -10647,10 +10767,24 @@
     <dgm:pt modelId="{2C4AEAF2-E96B-4876-B4AD-98D1A217E811}" type="pres">
       <dgm:prSet presAssocID="{ECB64352-51C7-4125-B3DD-35156AF20A1F}" presName="conn2-1" presStyleLbl="parChTrans1D3" presStyleIdx="4" presStyleCnt="7"/>
       <dgm:spPr/>
+      <dgm:t>
+        <a:bodyPr/>
+        <a:lstStyle/>
+        <a:p>
+          <a:endParaRPr lang="en-US"/>
+        </a:p>
+      </dgm:t>
     </dgm:pt>
     <dgm:pt modelId="{72676B6B-A89B-4EA4-8BF6-F13F1C2C4B23}" type="pres">
       <dgm:prSet presAssocID="{ECB64352-51C7-4125-B3DD-35156AF20A1F}" presName="connTx" presStyleLbl="parChTrans1D3" presStyleIdx="4" presStyleCnt="7"/>
       <dgm:spPr/>
+      <dgm:t>
+        <a:bodyPr/>
+        <a:lstStyle/>
+        <a:p>
+          <a:endParaRPr lang="en-US"/>
+        </a:p>
+      </dgm:t>
     </dgm:pt>
     <dgm:pt modelId="{520C7BB5-E859-4508-BB50-5D84D5E64803}" type="pres">
       <dgm:prSet presAssocID="{11D31977-4753-43BD-A3B8-F2AA0D72906B}" presName="root2" presStyleCnt="0"/>
@@ -10678,10 +10812,24 @@
     <dgm:pt modelId="{73125112-E16B-498F-B15C-A349D52BC86E}" type="pres">
       <dgm:prSet presAssocID="{C8F9E311-A266-4579-9CDB-CBB0B1DA73B7}" presName="conn2-1" presStyleLbl="parChTrans1D3" presStyleIdx="5" presStyleCnt="7"/>
       <dgm:spPr/>
+      <dgm:t>
+        <a:bodyPr/>
+        <a:lstStyle/>
+        <a:p>
+          <a:endParaRPr lang="en-US"/>
+        </a:p>
+      </dgm:t>
     </dgm:pt>
     <dgm:pt modelId="{59EB5ED5-8956-4F21-8CF5-F7101925CD0F}" type="pres">
       <dgm:prSet presAssocID="{C8F9E311-A266-4579-9CDB-CBB0B1DA73B7}" presName="connTx" presStyleLbl="parChTrans1D3" presStyleIdx="5" presStyleCnt="7"/>
       <dgm:spPr/>
+      <dgm:t>
+        <a:bodyPr/>
+        <a:lstStyle/>
+        <a:p>
+          <a:endParaRPr lang="en-US"/>
+        </a:p>
+      </dgm:t>
     </dgm:pt>
     <dgm:pt modelId="{EB30D290-232E-4D77-9B36-6C77A16204A1}" type="pres">
       <dgm:prSet presAssocID="{5688D322-FB05-4EA7-91F8-8690161626BB}" presName="root2" presStyleCnt="0"/>
@@ -10709,10 +10857,24 @@
     <dgm:pt modelId="{30C0BB43-75A9-40E4-8205-49B187705BCA}" type="pres">
       <dgm:prSet presAssocID="{46E51EF6-B071-4CD5-829D-33668A49CD03}" presName="conn2-1" presStyleLbl="parChTrans1D3" presStyleIdx="6" presStyleCnt="7"/>
       <dgm:spPr/>
+      <dgm:t>
+        <a:bodyPr/>
+        <a:lstStyle/>
+        <a:p>
+          <a:endParaRPr lang="en-US"/>
+        </a:p>
+      </dgm:t>
     </dgm:pt>
     <dgm:pt modelId="{46C47E61-DAEF-4FA2-AD76-02A2F25B68E3}" type="pres">
       <dgm:prSet presAssocID="{46E51EF6-B071-4CD5-829D-33668A49CD03}" presName="connTx" presStyleLbl="parChTrans1D3" presStyleIdx="6" presStyleCnt="7"/>
       <dgm:spPr/>
+      <dgm:t>
+        <a:bodyPr/>
+        <a:lstStyle/>
+        <a:p>
+          <a:endParaRPr lang="en-US"/>
+        </a:p>
+      </dgm:t>
     </dgm:pt>
     <dgm:pt modelId="{851068CF-A1FD-442E-B618-65814EC17E9D}" type="pres">
       <dgm:prSet presAssocID="{18833849-AB17-4021-92C7-473553C3D61F}" presName="root2" presStyleCnt="0"/>
@@ -10725,6 +10887,13 @@
         </dgm:presLayoutVars>
       </dgm:prSet>
       <dgm:spPr/>
+      <dgm:t>
+        <a:bodyPr/>
+        <a:lstStyle/>
+        <a:p>
+          <a:endParaRPr lang="en-US"/>
+        </a:p>
+      </dgm:t>
     </dgm:pt>
     <dgm:pt modelId="{AAAA34B1-6FDF-4DD2-B514-1905099A5865}" type="pres">
       <dgm:prSet presAssocID="{18833849-AB17-4021-92C7-473553C3D61F}" presName="level3hierChild" presStyleCnt="0"/>
@@ -10732,45 +10901,45 @@
     </dgm:pt>
   </dgm:ptLst>
   <dgm:cxnLst>
+    <dgm:cxn modelId="{1E8F6BB2-937B-4F98-81FE-8CFC304CFF53}" type="presOf" srcId="{FC2C1825-D6C0-44D0-8937-A63C13EC3458}" destId="{B7C4DAE0-9D57-4C74-94DA-2947A1F12CB6}" srcOrd="0" destOrd="0" presId="urn:microsoft.com/office/officeart/2005/8/layout/hierarchy2"/>
+    <dgm:cxn modelId="{B816B958-0D57-4F4B-960A-82D957CB420B}" type="presOf" srcId="{846B17AF-B5D3-4EA8-AC6D-42C6988F1EAA}" destId="{DFB04D63-BCBA-400A-B88A-3638DD78C457}" srcOrd="0" destOrd="0" presId="urn:microsoft.com/office/officeart/2005/8/layout/hierarchy2"/>
+    <dgm:cxn modelId="{D8662744-9CB0-4C23-BBC7-39D0363998E0}" type="presOf" srcId="{C8F9E311-A266-4579-9CDB-CBB0B1DA73B7}" destId="{73125112-E16B-498F-B15C-A349D52BC86E}" srcOrd="0" destOrd="0" presId="urn:microsoft.com/office/officeart/2005/8/layout/hierarchy2"/>
+    <dgm:cxn modelId="{991B154F-C9B5-48F5-A8A8-41422BBB795E}" srcId="{17D10E75-F760-4D18-8BBA-44F35FA93B5A}" destId="{5688D322-FB05-4EA7-91F8-8690161626BB}" srcOrd="1" destOrd="0" parTransId="{C8F9E311-A266-4579-9CDB-CBB0B1DA73B7}" sibTransId="{FA3281B8-0717-4AAE-8DF2-3B2BE7DB90CF}"/>
+    <dgm:cxn modelId="{B7982C71-182D-4DDF-90C2-44ECCC04B185}" type="presOf" srcId="{674CBBA0-7DA5-442B-854B-F71B6A9D5339}" destId="{EF681EB4-1791-43FB-A1ED-E90F2682930E}" srcOrd="0" destOrd="0" presId="urn:microsoft.com/office/officeart/2005/8/layout/hierarchy2"/>
+    <dgm:cxn modelId="{F671ADCB-5A4A-472F-84A5-8B8E41A62BA0}" type="presOf" srcId="{FD9F7DDA-D209-4F39-A200-024B07FB128F}" destId="{2CFF4762-B327-495E-BF34-ED878EEF48C7}" srcOrd="0" destOrd="0" presId="urn:microsoft.com/office/officeart/2005/8/layout/hierarchy2"/>
+    <dgm:cxn modelId="{3E7EE297-4394-446C-BCD7-4BD134C19BDE}" srcId="{FBCF5329-6E7D-43A5-9500-406A47E39B2E}" destId="{17D10E75-F760-4D18-8BBA-44F35FA93B5A}" srcOrd="1" destOrd="0" parTransId="{D2A90DD9-FBAB-4209-8BFD-898E9A504965}" sibTransId="{C747A7ED-0354-4ABE-8594-9E8D800CF213}"/>
+    <dgm:cxn modelId="{9F97847F-7896-4FD7-B3B3-76304FB2D560}" type="presOf" srcId="{FBCF5329-6E7D-43A5-9500-406A47E39B2E}" destId="{60F701C1-3D28-46CB-9530-56B31D61B779}" srcOrd="0" destOrd="0" presId="urn:microsoft.com/office/officeart/2005/8/layout/hierarchy2"/>
+    <dgm:cxn modelId="{F7D67310-6F44-4239-8C6E-EF4A1846FE35}" type="presOf" srcId="{ECB64352-51C7-4125-B3DD-35156AF20A1F}" destId="{72676B6B-A89B-4EA4-8BF6-F13F1C2C4B23}" srcOrd="1" destOrd="0" presId="urn:microsoft.com/office/officeart/2005/8/layout/hierarchy2"/>
+    <dgm:cxn modelId="{8AAB33E4-B5EB-4AAA-800F-F81E88DFB49B}" srcId="{FD9F7DDA-D209-4F39-A200-024B07FB128F}" destId="{D463FAC8-15ED-4115-93F0-A37E5EC812C2}" srcOrd="0" destOrd="0" parTransId="{2CB9FBEB-C80B-401E-9305-B6D0FC319B5F}" sibTransId="{0545DA58-B8BA-4E6D-9CAF-AD3C7A0377B7}"/>
+    <dgm:cxn modelId="{2817C6F9-7F79-4110-A6CA-2E88F20925CF}" srcId="{FD9F7DDA-D209-4F39-A200-024B07FB128F}" destId="{0934C984-1ADF-4315-B841-63AC900A9396}" srcOrd="3" destOrd="0" parTransId="{9058B9CE-4DC4-4FAD-95E0-98F5067F3436}" sibTransId="{6334B9B2-1B91-4361-95A4-937C576094AF}"/>
+    <dgm:cxn modelId="{1D4F8369-F6F1-4722-BA29-E84445937DAF}" type="presOf" srcId="{18833849-AB17-4021-92C7-473553C3D61F}" destId="{74D450EC-B317-4AC8-8AF1-17EEC0564DC8}" srcOrd="0" destOrd="0" presId="urn:microsoft.com/office/officeart/2005/8/layout/hierarchy2"/>
+    <dgm:cxn modelId="{28DCA1A3-D9E2-4C52-9B5C-24ACE767D3BC}" srcId="{FD9F7DDA-D209-4F39-A200-024B07FB128F}" destId="{674CBBA0-7DA5-442B-854B-F71B6A9D5339}" srcOrd="2" destOrd="0" parTransId="{17681791-53DE-451B-A1C6-5E2A2016A7FD}" sibTransId="{B5466529-54D9-438E-86D0-CDEC649CC006}"/>
+    <dgm:cxn modelId="{D6712795-357C-4B46-AC60-D9DC340A59A4}" srcId="{FD9F7DDA-D209-4F39-A200-024B07FB128F}" destId="{6A2F051E-85E2-4F4F-9FD7-53BF3337E646}" srcOrd="1" destOrd="0" parTransId="{53D3B6FB-967F-46E5-BD3F-E59CC346AA5F}" sibTransId="{1D18C004-D043-4702-B44A-3C7725172B8F}"/>
+    <dgm:cxn modelId="{44DD716B-1CA3-45E0-BB5D-4247391AEA50}" type="presOf" srcId="{2CB9FBEB-C80B-401E-9305-B6D0FC319B5F}" destId="{98393AEE-44D3-4F66-B250-5560E6E049CF}" srcOrd="1" destOrd="0" presId="urn:microsoft.com/office/officeart/2005/8/layout/hierarchy2"/>
+    <dgm:cxn modelId="{1C2359C7-A8F6-404B-94E9-E22827C68F7C}" srcId="{FBCF5329-6E7D-43A5-9500-406A47E39B2E}" destId="{FD9F7DDA-D209-4F39-A200-024B07FB128F}" srcOrd="0" destOrd="0" parTransId="{846B17AF-B5D3-4EA8-AC6D-42C6988F1EAA}" sibTransId="{6C55E3D9-9C3F-43D7-906C-3DFA5C1AC607}"/>
+    <dgm:cxn modelId="{EA5522A6-B96D-4C2B-B625-76535DD1D9DB}" type="presOf" srcId="{53D3B6FB-967F-46E5-BD3F-E59CC346AA5F}" destId="{998477A0-1205-4713-9FEF-7471259A1ED9}" srcOrd="1" destOrd="0" presId="urn:microsoft.com/office/officeart/2005/8/layout/hierarchy2"/>
+    <dgm:cxn modelId="{234F6366-EDD7-400F-869D-943FE25E5381}" type="presOf" srcId="{846B17AF-B5D3-4EA8-AC6D-42C6988F1EAA}" destId="{BF476D50-3A9A-4DE9-A198-9DDB8917E62A}" srcOrd="1" destOrd="0" presId="urn:microsoft.com/office/officeart/2005/8/layout/hierarchy2"/>
+    <dgm:cxn modelId="{07461499-C601-4184-A01D-62ED1BCD2548}" type="presOf" srcId="{D2A90DD9-FBAB-4209-8BFD-898E9A504965}" destId="{6824BADE-53F3-47CB-8E07-97AF3ECBD468}" srcOrd="0" destOrd="0" presId="urn:microsoft.com/office/officeart/2005/8/layout/hierarchy2"/>
+    <dgm:cxn modelId="{59A2E409-5ACD-431D-B3E2-6585116D04B6}" type="presOf" srcId="{0934C984-1ADF-4315-B841-63AC900A9396}" destId="{27B4BC06-2753-4CEB-AFD5-52F756AD8536}" srcOrd="0" destOrd="0" presId="urn:microsoft.com/office/officeart/2005/8/layout/hierarchy2"/>
+    <dgm:cxn modelId="{5B3C2693-95DE-4154-A0BE-6E6465EABDC5}" type="presOf" srcId="{C8F9E311-A266-4579-9CDB-CBB0B1DA73B7}" destId="{59EB5ED5-8956-4F21-8CF5-F7101925CD0F}" srcOrd="1" destOrd="0" presId="urn:microsoft.com/office/officeart/2005/8/layout/hierarchy2"/>
     <dgm:cxn modelId="{8293D11E-4AF5-460D-BD62-C9A2E1738D4C}" type="presOf" srcId="{6A2F051E-85E2-4F4F-9FD7-53BF3337E646}" destId="{BC6992AB-A65D-4B0F-A8D6-DA54D38C86BD}" srcOrd="0" destOrd="0" presId="urn:microsoft.com/office/officeart/2005/8/layout/hierarchy2"/>
-    <dgm:cxn modelId="{9F97847F-7896-4FD7-B3B3-76304FB2D560}" type="presOf" srcId="{FBCF5329-6E7D-43A5-9500-406A47E39B2E}" destId="{60F701C1-3D28-46CB-9530-56B31D61B779}" srcOrd="0" destOrd="0" presId="urn:microsoft.com/office/officeart/2005/8/layout/hierarchy2"/>
     <dgm:cxn modelId="{93CC6603-8262-4AE0-B096-523F10CF1D51}" srcId="{FC2C1825-D6C0-44D0-8937-A63C13EC3458}" destId="{FBCF5329-6E7D-43A5-9500-406A47E39B2E}" srcOrd="0" destOrd="0" parTransId="{D04831B5-0F39-4D30-BE03-04E412C9E48E}" sibTransId="{0A52AB61-DB52-40FD-9BE4-DA5F99F655AA}"/>
-    <dgm:cxn modelId="{8AAB33E4-B5EB-4AAA-800F-F81E88DFB49B}" srcId="{FD9F7DDA-D209-4F39-A200-024B07FB128F}" destId="{D463FAC8-15ED-4115-93F0-A37E5EC812C2}" srcOrd="0" destOrd="0" parTransId="{2CB9FBEB-C80B-401E-9305-B6D0FC319B5F}" sibTransId="{0545DA58-B8BA-4E6D-9CAF-AD3C7A0377B7}"/>
+    <dgm:cxn modelId="{D1DFA557-E35D-4D05-A63D-E7B44C5862EB}" srcId="{17D10E75-F760-4D18-8BBA-44F35FA93B5A}" destId="{11D31977-4753-43BD-A3B8-F2AA0D72906B}" srcOrd="0" destOrd="0" parTransId="{ECB64352-51C7-4125-B3DD-35156AF20A1F}" sibTransId="{F4C5622F-D2A2-4A6F-AD38-16DC4BAEAFBF}"/>
+    <dgm:cxn modelId="{FD1E759A-CC90-4DF2-803F-CAF530FFCDF0}" type="presOf" srcId="{46E51EF6-B071-4CD5-829D-33668A49CD03}" destId="{30C0BB43-75A9-40E4-8205-49B187705BCA}" srcOrd="0" destOrd="0" presId="urn:microsoft.com/office/officeart/2005/8/layout/hierarchy2"/>
+    <dgm:cxn modelId="{A369162D-5CE0-44B4-A9B4-3F12BB7B7E53}" type="presOf" srcId="{53D3B6FB-967F-46E5-BD3F-E59CC346AA5F}" destId="{A6961D34-4306-4684-8627-AB2F6F5A9BEF}" srcOrd="0" destOrd="0" presId="urn:microsoft.com/office/officeart/2005/8/layout/hierarchy2"/>
+    <dgm:cxn modelId="{D08B4925-946E-47CC-9D50-48C6F687DB78}" type="presOf" srcId="{9058B9CE-4DC4-4FAD-95E0-98F5067F3436}" destId="{21D06EAA-C937-4961-8C03-9EC7B884F5F0}" srcOrd="0" destOrd="0" presId="urn:microsoft.com/office/officeart/2005/8/layout/hierarchy2"/>
+    <dgm:cxn modelId="{981AD15C-DF20-45B4-9562-88DD0C93F735}" type="presOf" srcId="{46E51EF6-B071-4CD5-829D-33668A49CD03}" destId="{46C47E61-DAEF-4FA2-AD76-02A2F25B68E3}" srcOrd="1" destOrd="0" presId="urn:microsoft.com/office/officeart/2005/8/layout/hierarchy2"/>
+    <dgm:cxn modelId="{130DD937-134E-45E3-BE5B-5B9BB5825E37}" srcId="{17D10E75-F760-4D18-8BBA-44F35FA93B5A}" destId="{18833849-AB17-4021-92C7-473553C3D61F}" srcOrd="2" destOrd="0" parTransId="{46E51EF6-B071-4CD5-829D-33668A49CD03}" sibTransId="{8182B9BA-E35F-4A96-B18A-1340A483B04E}"/>
+    <dgm:cxn modelId="{90A88A39-036D-415C-B37B-5771919F92E6}" type="presOf" srcId="{17D10E75-F760-4D18-8BBA-44F35FA93B5A}" destId="{7B939A6D-5C91-4A44-A73E-3FBA4A8852A5}" srcOrd="0" destOrd="0" presId="urn:microsoft.com/office/officeart/2005/8/layout/hierarchy2"/>
+    <dgm:cxn modelId="{4220AC4C-21DB-4C74-B0CA-A75B75B88888}" type="presOf" srcId="{11D31977-4753-43BD-A3B8-F2AA0D72906B}" destId="{D1729183-3EA1-4EA7-9B0B-BEC208BFBB91}" srcOrd="0" destOrd="0" presId="urn:microsoft.com/office/officeart/2005/8/layout/hierarchy2"/>
+    <dgm:cxn modelId="{1F1D8496-7B4D-4693-B1E4-F59FADED9008}" type="presOf" srcId="{5688D322-FB05-4EA7-91F8-8690161626BB}" destId="{06F98F29-730F-4666-9D94-EF6932ECF93A}" srcOrd="0" destOrd="0" presId="urn:microsoft.com/office/officeart/2005/8/layout/hierarchy2"/>
+    <dgm:cxn modelId="{5D0EF638-9F53-493A-8441-EB5F92AE5B0A}" type="presOf" srcId="{D2A90DD9-FBAB-4209-8BFD-898E9A504965}" destId="{60F7454F-4D3F-4974-99E0-22E8C11EE279}" srcOrd="1" destOrd="0" presId="urn:microsoft.com/office/officeart/2005/8/layout/hierarchy2"/>
+    <dgm:cxn modelId="{83F6E86A-972C-4E2F-B3F0-25DBB7F16B17}" type="presOf" srcId="{2CB9FBEB-C80B-401E-9305-B6D0FC319B5F}" destId="{ED5C3287-D56B-40BC-A911-213A20B58F07}" srcOrd="0" destOrd="0" presId="urn:microsoft.com/office/officeart/2005/8/layout/hierarchy2"/>
+    <dgm:cxn modelId="{C586AE28-E50F-42EA-B0BF-556E63E7C649}" type="presOf" srcId="{17681791-53DE-451B-A1C6-5E2A2016A7FD}" destId="{89F99F67-BBE6-4633-B071-1E53F7182022}" srcOrd="1" destOrd="0" presId="urn:microsoft.com/office/officeart/2005/8/layout/hierarchy2"/>
+    <dgm:cxn modelId="{68A195BC-29D1-4A18-BA90-E5996F6624C9}" type="presOf" srcId="{ECB64352-51C7-4125-B3DD-35156AF20A1F}" destId="{2C4AEAF2-E96B-4876-B4AD-98D1A217E811}" srcOrd="0" destOrd="0" presId="urn:microsoft.com/office/officeart/2005/8/layout/hierarchy2"/>
     <dgm:cxn modelId="{721DB581-6341-48E1-91CC-8FA0C42EDB24}" type="presOf" srcId="{D463FAC8-15ED-4115-93F0-A37E5EC812C2}" destId="{EAD1D4BA-5CB1-4599-BE71-900C836342F2}" srcOrd="0" destOrd="0" presId="urn:microsoft.com/office/officeart/2005/8/layout/hierarchy2"/>
-    <dgm:cxn modelId="{B816B958-0D57-4F4B-960A-82D957CB420B}" type="presOf" srcId="{846B17AF-B5D3-4EA8-AC6D-42C6988F1EAA}" destId="{DFB04D63-BCBA-400A-B88A-3638DD78C457}" srcOrd="0" destOrd="0" presId="urn:microsoft.com/office/officeart/2005/8/layout/hierarchy2"/>
-    <dgm:cxn modelId="{4220AC4C-21DB-4C74-B0CA-A75B75B88888}" type="presOf" srcId="{11D31977-4753-43BD-A3B8-F2AA0D72906B}" destId="{D1729183-3EA1-4EA7-9B0B-BEC208BFBB91}" srcOrd="0" destOrd="0" presId="urn:microsoft.com/office/officeart/2005/8/layout/hierarchy2"/>
-    <dgm:cxn modelId="{2817C6F9-7F79-4110-A6CA-2E88F20925CF}" srcId="{FD9F7DDA-D209-4F39-A200-024B07FB128F}" destId="{0934C984-1ADF-4315-B841-63AC900A9396}" srcOrd="3" destOrd="0" parTransId="{9058B9CE-4DC4-4FAD-95E0-98F5067F3436}" sibTransId="{6334B9B2-1B91-4361-95A4-937C576094AF}"/>
-    <dgm:cxn modelId="{F671ADCB-5A4A-472F-84A5-8B8E41A62BA0}" type="presOf" srcId="{FD9F7DDA-D209-4F39-A200-024B07FB128F}" destId="{2CFF4762-B327-495E-BF34-ED878EEF48C7}" srcOrd="0" destOrd="0" presId="urn:microsoft.com/office/officeart/2005/8/layout/hierarchy2"/>
-    <dgm:cxn modelId="{1D4F8369-F6F1-4722-BA29-E84445937DAF}" type="presOf" srcId="{18833849-AB17-4021-92C7-473553C3D61F}" destId="{74D450EC-B317-4AC8-8AF1-17EEC0564DC8}" srcOrd="0" destOrd="0" presId="urn:microsoft.com/office/officeart/2005/8/layout/hierarchy2"/>
-    <dgm:cxn modelId="{130DD937-134E-45E3-BE5B-5B9BB5825E37}" srcId="{17D10E75-F760-4D18-8BBA-44F35FA93B5A}" destId="{18833849-AB17-4021-92C7-473553C3D61F}" srcOrd="2" destOrd="0" parTransId="{46E51EF6-B071-4CD5-829D-33668A49CD03}" sibTransId="{8182B9BA-E35F-4A96-B18A-1340A483B04E}"/>
-    <dgm:cxn modelId="{07461499-C601-4184-A01D-62ED1BCD2548}" type="presOf" srcId="{D2A90DD9-FBAB-4209-8BFD-898E9A504965}" destId="{6824BADE-53F3-47CB-8E07-97AF3ECBD468}" srcOrd="0" destOrd="0" presId="urn:microsoft.com/office/officeart/2005/8/layout/hierarchy2"/>
-    <dgm:cxn modelId="{D08B4925-946E-47CC-9D50-48C6F687DB78}" type="presOf" srcId="{9058B9CE-4DC4-4FAD-95E0-98F5067F3436}" destId="{21D06EAA-C937-4961-8C03-9EC7B884F5F0}" srcOrd="0" destOrd="0" presId="urn:microsoft.com/office/officeart/2005/8/layout/hierarchy2"/>
-    <dgm:cxn modelId="{D6712795-357C-4B46-AC60-D9DC340A59A4}" srcId="{FD9F7DDA-D209-4F39-A200-024B07FB128F}" destId="{6A2F051E-85E2-4F4F-9FD7-53BF3337E646}" srcOrd="1" destOrd="0" parTransId="{53D3B6FB-967F-46E5-BD3F-E59CC346AA5F}" sibTransId="{1D18C004-D043-4702-B44A-3C7725172B8F}"/>
-    <dgm:cxn modelId="{981AD15C-DF20-45B4-9562-88DD0C93F735}" type="presOf" srcId="{46E51EF6-B071-4CD5-829D-33668A49CD03}" destId="{46C47E61-DAEF-4FA2-AD76-02A2F25B68E3}" srcOrd="1" destOrd="0" presId="urn:microsoft.com/office/officeart/2005/8/layout/hierarchy2"/>
     <dgm:cxn modelId="{6603F12E-47A2-4E01-98B9-8333656D33D5}" type="presOf" srcId="{9058B9CE-4DC4-4FAD-95E0-98F5067F3436}" destId="{3F74B51A-6956-4836-8B14-81CE1B7B780D}" srcOrd="1" destOrd="0" presId="urn:microsoft.com/office/officeart/2005/8/layout/hierarchy2"/>
-    <dgm:cxn modelId="{68A195BC-29D1-4A18-BA90-E5996F6624C9}" type="presOf" srcId="{ECB64352-51C7-4125-B3DD-35156AF20A1F}" destId="{2C4AEAF2-E96B-4876-B4AD-98D1A217E811}" srcOrd="0" destOrd="0" presId="urn:microsoft.com/office/officeart/2005/8/layout/hierarchy2"/>
-    <dgm:cxn modelId="{D1DFA557-E35D-4D05-A63D-E7B44C5862EB}" srcId="{17D10E75-F760-4D18-8BBA-44F35FA93B5A}" destId="{11D31977-4753-43BD-A3B8-F2AA0D72906B}" srcOrd="0" destOrd="0" parTransId="{ECB64352-51C7-4125-B3DD-35156AF20A1F}" sibTransId="{F4C5622F-D2A2-4A6F-AD38-16DC4BAEAFBF}"/>
     <dgm:cxn modelId="{F50E04FE-F6E1-4570-BFB3-8203B17C805C}" type="presOf" srcId="{17681791-53DE-451B-A1C6-5E2A2016A7FD}" destId="{D2732B44-E249-4628-ABC4-C12B82BC4B16}" srcOrd="0" destOrd="0" presId="urn:microsoft.com/office/officeart/2005/8/layout/hierarchy2"/>
-    <dgm:cxn modelId="{EA5522A6-B96D-4C2B-B625-76535DD1D9DB}" type="presOf" srcId="{53D3B6FB-967F-46E5-BD3F-E59CC346AA5F}" destId="{998477A0-1205-4713-9FEF-7471259A1ED9}" srcOrd="1" destOrd="0" presId="urn:microsoft.com/office/officeart/2005/8/layout/hierarchy2"/>
-    <dgm:cxn modelId="{28DCA1A3-D9E2-4C52-9B5C-24ACE767D3BC}" srcId="{FD9F7DDA-D209-4F39-A200-024B07FB128F}" destId="{674CBBA0-7DA5-442B-854B-F71B6A9D5339}" srcOrd="2" destOrd="0" parTransId="{17681791-53DE-451B-A1C6-5E2A2016A7FD}" sibTransId="{B5466529-54D9-438E-86D0-CDEC649CC006}"/>
-    <dgm:cxn modelId="{D8662744-9CB0-4C23-BBC7-39D0363998E0}" type="presOf" srcId="{C8F9E311-A266-4579-9CDB-CBB0B1DA73B7}" destId="{73125112-E16B-498F-B15C-A349D52BC86E}" srcOrd="0" destOrd="0" presId="urn:microsoft.com/office/officeart/2005/8/layout/hierarchy2"/>
-    <dgm:cxn modelId="{5B3C2693-95DE-4154-A0BE-6E6465EABDC5}" type="presOf" srcId="{C8F9E311-A266-4579-9CDB-CBB0B1DA73B7}" destId="{59EB5ED5-8956-4F21-8CF5-F7101925CD0F}" srcOrd="1" destOrd="0" presId="urn:microsoft.com/office/officeart/2005/8/layout/hierarchy2"/>
-    <dgm:cxn modelId="{44DD716B-1CA3-45E0-BB5D-4247391AEA50}" type="presOf" srcId="{2CB9FBEB-C80B-401E-9305-B6D0FC319B5F}" destId="{98393AEE-44D3-4F66-B250-5560E6E049CF}" srcOrd="1" destOrd="0" presId="urn:microsoft.com/office/officeart/2005/8/layout/hierarchy2"/>
-    <dgm:cxn modelId="{3E7EE297-4394-446C-BCD7-4BD134C19BDE}" srcId="{FBCF5329-6E7D-43A5-9500-406A47E39B2E}" destId="{17D10E75-F760-4D18-8BBA-44F35FA93B5A}" srcOrd="1" destOrd="0" parTransId="{D2A90DD9-FBAB-4209-8BFD-898E9A504965}" sibTransId="{C747A7ED-0354-4ABE-8594-9E8D800CF213}"/>
-    <dgm:cxn modelId="{FD1E759A-CC90-4DF2-803F-CAF530FFCDF0}" type="presOf" srcId="{46E51EF6-B071-4CD5-829D-33668A49CD03}" destId="{30C0BB43-75A9-40E4-8205-49B187705BCA}" srcOrd="0" destOrd="0" presId="urn:microsoft.com/office/officeart/2005/8/layout/hierarchy2"/>
-    <dgm:cxn modelId="{991B154F-C9B5-48F5-A8A8-41422BBB795E}" srcId="{17D10E75-F760-4D18-8BBA-44F35FA93B5A}" destId="{5688D322-FB05-4EA7-91F8-8690161626BB}" srcOrd="1" destOrd="0" parTransId="{C8F9E311-A266-4579-9CDB-CBB0B1DA73B7}" sibTransId="{FA3281B8-0717-4AAE-8DF2-3B2BE7DB90CF}"/>
-    <dgm:cxn modelId="{234F6366-EDD7-400F-869D-943FE25E5381}" type="presOf" srcId="{846B17AF-B5D3-4EA8-AC6D-42C6988F1EAA}" destId="{BF476D50-3A9A-4DE9-A198-9DDB8917E62A}" srcOrd="1" destOrd="0" presId="urn:microsoft.com/office/officeart/2005/8/layout/hierarchy2"/>
-    <dgm:cxn modelId="{1C2359C7-A8F6-404B-94E9-E22827C68F7C}" srcId="{FBCF5329-6E7D-43A5-9500-406A47E39B2E}" destId="{FD9F7DDA-D209-4F39-A200-024B07FB128F}" srcOrd="0" destOrd="0" parTransId="{846B17AF-B5D3-4EA8-AC6D-42C6988F1EAA}" sibTransId="{6C55E3D9-9C3F-43D7-906C-3DFA5C1AC607}"/>
-    <dgm:cxn modelId="{5D0EF638-9F53-493A-8441-EB5F92AE5B0A}" type="presOf" srcId="{D2A90DD9-FBAB-4209-8BFD-898E9A504965}" destId="{60F7454F-4D3F-4974-99E0-22E8C11EE279}" srcOrd="1" destOrd="0" presId="urn:microsoft.com/office/officeart/2005/8/layout/hierarchy2"/>
-    <dgm:cxn modelId="{F7D67310-6F44-4239-8C6E-EF4A1846FE35}" type="presOf" srcId="{ECB64352-51C7-4125-B3DD-35156AF20A1F}" destId="{72676B6B-A89B-4EA4-8BF6-F13F1C2C4B23}" srcOrd="1" destOrd="0" presId="urn:microsoft.com/office/officeart/2005/8/layout/hierarchy2"/>
-    <dgm:cxn modelId="{83F6E86A-972C-4E2F-B3F0-25DBB7F16B17}" type="presOf" srcId="{2CB9FBEB-C80B-401E-9305-B6D0FC319B5F}" destId="{ED5C3287-D56B-40BC-A911-213A20B58F07}" srcOrd="0" destOrd="0" presId="urn:microsoft.com/office/officeart/2005/8/layout/hierarchy2"/>
-    <dgm:cxn modelId="{59A2E409-5ACD-431D-B3E2-6585116D04B6}" type="presOf" srcId="{0934C984-1ADF-4315-B841-63AC900A9396}" destId="{27B4BC06-2753-4CEB-AFD5-52F756AD8536}" srcOrd="0" destOrd="0" presId="urn:microsoft.com/office/officeart/2005/8/layout/hierarchy2"/>
-    <dgm:cxn modelId="{1F1D8496-7B4D-4693-B1E4-F59FADED9008}" type="presOf" srcId="{5688D322-FB05-4EA7-91F8-8690161626BB}" destId="{06F98F29-730F-4666-9D94-EF6932ECF93A}" srcOrd="0" destOrd="0" presId="urn:microsoft.com/office/officeart/2005/8/layout/hierarchy2"/>
-    <dgm:cxn modelId="{1E8F6BB2-937B-4F98-81FE-8CFC304CFF53}" type="presOf" srcId="{FC2C1825-D6C0-44D0-8937-A63C13EC3458}" destId="{B7C4DAE0-9D57-4C74-94DA-2947A1F12CB6}" srcOrd="0" destOrd="0" presId="urn:microsoft.com/office/officeart/2005/8/layout/hierarchy2"/>
-    <dgm:cxn modelId="{C586AE28-E50F-42EA-B0BF-556E63E7C649}" type="presOf" srcId="{17681791-53DE-451B-A1C6-5E2A2016A7FD}" destId="{89F99F67-BBE6-4633-B071-1E53F7182022}" srcOrd="1" destOrd="0" presId="urn:microsoft.com/office/officeart/2005/8/layout/hierarchy2"/>
-    <dgm:cxn modelId="{A369162D-5CE0-44B4-A9B4-3F12BB7B7E53}" type="presOf" srcId="{53D3B6FB-967F-46E5-BD3F-E59CC346AA5F}" destId="{A6961D34-4306-4684-8627-AB2F6F5A9BEF}" srcOrd="0" destOrd="0" presId="urn:microsoft.com/office/officeart/2005/8/layout/hierarchy2"/>
-    <dgm:cxn modelId="{90A88A39-036D-415C-B37B-5771919F92E6}" type="presOf" srcId="{17D10E75-F760-4D18-8BBA-44F35FA93B5A}" destId="{7B939A6D-5C91-4A44-A73E-3FBA4A8852A5}" srcOrd="0" destOrd="0" presId="urn:microsoft.com/office/officeart/2005/8/layout/hierarchy2"/>
-    <dgm:cxn modelId="{B7982C71-182D-4DDF-90C2-44ECCC04B185}" type="presOf" srcId="{674CBBA0-7DA5-442B-854B-F71B6A9D5339}" destId="{EF681EB4-1791-43FB-A1ED-E90F2682930E}" srcOrd="0" destOrd="0" presId="urn:microsoft.com/office/officeart/2005/8/layout/hierarchy2"/>
     <dgm:cxn modelId="{3D418936-2AC7-4309-8530-9399E7E259BA}" type="presParOf" srcId="{B7C4DAE0-9D57-4C74-94DA-2947A1F12CB6}" destId="{7459AF48-0ADA-4D92-ACC0-598683C0C229}" srcOrd="0" destOrd="0" presId="urn:microsoft.com/office/officeart/2005/8/layout/hierarchy2"/>
     <dgm:cxn modelId="{FAAF2ACF-F0E5-4199-B67E-75A2A8DEE085}" type="presParOf" srcId="{7459AF48-0ADA-4D92-ACC0-598683C0C229}" destId="{60F701C1-3D28-46CB-9530-56B31D61B779}" srcOrd="0" destOrd="0" presId="urn:microsoft.com/office/officeart/2005/8/layout/hierarchy2"/>
     <dgm:cxn modelId="{29F25195-6F46-40F6-B109-3AF02320AC3A}" type="presParOf" srcId="{7459AF48-0ADA-4D92-ACC0-598683C0C229}" destId="{B0024988-370B-4555-AB06-531BEC5FFECA}" srcOrd="1" destOrd="0" presId="urn:microsoft.com/office/officeart/2005/8/layout/hierarchy2"/>
@@ -11392,6 +11561,47 @@
         </a:p>
       </dgm:t>
     </dgm:pt>
+    <dgm:pt modelId="{75995F7A-6922-45B8-99CE-04FD746F5721}">
+      <dgm:prSet phldrT="[Text]"/>
+      <dgm:spPr/>
+      <dgm:t>
+        <a:bodyPr/>
+        <a:lstStyle/>
+        <a:p>
+          <a:r>
+            <a:rPr lang="en-US" dirty="0" smtClean="0"/>
+            <a:t>\</a:t>
+          </a:r>
+          <a:r>
+            <a:rPr lang="en-US" dirty="0" err="1" smtClean="0"/>
+            <a:t>rr</a:t>
+          </a:r>
+          <a:endParaRPr lang="en-US" dirty="0"/>
+        </a:p>
+      </dgm:t>
+    </dgm:pt>
+    <dgm:pt modelId="{E7B0427E-3F5E-4265-94B6-1E631BA4EBE9}" type="parTrans" cxnId="{7825B4C8-418D-4F3B-A902-E37AE8C7BCBE}">
+      <dgm:prSet/>
+      <dgm:spPr/>
+      <dgm:t>
+        <a:bodyPr/>
+        <a:lstStyle/>
+        <a:p>
+          <a:endParaRPr lang="en-US"/>
+        </a:p>
+      </dgm:t>
+    </dgm:pt>
+    <dgm:pt modelId="{60F00862-EDA7-4595-AC88-3EE7344BB525}" type="sibTrans" cxnId="{7825B4C8-418D-4F3B-A902-E37AE8C7BCBE}">
+      <dgm:prSet/>
+      <dgm:spPr/>
+      <dgm:t>
+        <a:bodyPr/>
+        <a:lstStyle/>
+        <a:p>
+          <a:endParaRPr lang="en-US"/>
+        </a:p>
+      </dgm:t>
+    </dgm:pt>
     <dgm:pt modelId="{B7C4DAE0-9D57-4C74-94DA-2947A1F12CB6}" type="pres">
       <dgm:prSet presAssocID="{FC2C1825-D6C0-44D0-8937-A63C13EC3458}" presName="diagram" presStyleCnt="0">
         <dgm:presLayoutVars>
@@ -11403,6 +11613,13 @@
         </dgm:presLayoutVars>
       </dgm:prSet>
       <dgm:spPr/>
+      <dgm:t>
+        <a:bodyPr/>
+        <a:lstStyle/>
+        <a:p>
+          <a:endParaRPr lang="en-US"/>
+        </a:p>
+      </dgm:t>
     </dgm:pt>
     <dgm:pt modelId="{7459AF48-0ADA-4D92-ACC0-598683C0C229}" type="pres">
       <dgm:prSet presAssocID="{FBCF5329-6E7D-43A5-9500-406A47E39B2E}" presName="root1" presStyleCnt="0"/>
@@ -11430,10 +11647,24 @@
     <dgm:pt modelId="{DFB04D63-BCBA-400A-B88A-3638DD78C457}" type="pres">
       <dgm:prSet presAssocID="{846B17AF-B5D3-4EA8-AC6D-42C6988F1EAA}" presName="conn2-1" presStyleLbl="parChTrans1D2" presStyleIdx="0" presStyleCnt="2"/>
       <dgm:spPr/>
+      <dgm:t>
+        <a:bodyPr/>
+        <a:lstStyle/>
+        <a:p>
+          <a:endParaRPr lang="en-US"/>
+        </a:p>
+      </dgm:t>
     </dgm:pt>
     <dgm:pt modelId="{BF476D50-3A9A-4DE9-A198-9DDB8917E62A}" type="pres">
       <dgm:prSet presAssocID="{846B17AF-B5D3-4EA8-AC6D-42C6988F1EAA}" presName="connTx" presStyleLbl="parChTrans1D2" presStyleIdx="0" presStyleCnt="2"/>
       <dgm:spPr/>
+      <dgm:t>
+        <a:bodyPr/>
+        <a:lstStyle/>
+        <a:p>
+          <a:endParaRPr lang="en-US"/>
+        </a:p>
+      </dgm:t>
     </dgm:pt>
     <dgm:pt modelId="{3F19C1C6-49E8-4E27-99B3-613990249F40}" type="pres">
       <dgm:prSet presAssocID="{FD9F7DDA-D209-4F39-A200-024B07FB128F}" presName="root2" presStyleCnt="0"/>
@@ -11461,10 +11692,24 @@
     <dgm:pt modelId="{ED5C3287-D56B-40BC-A911-213A20B58F07}" type="pres">
       <dgm:prSet presAssocID="{2CB9FBEB-C80B-401E-9305-B6D0FC319B5F}" presName="conn2-1" presStyleLbl="parChTrans1D3" presStyleIdx="0" presStyleCnt="6"/>
       <dgm:spPr/>
+      <dgm:t>
+        <a:bodyPr/>
+        <a:lstStyle/>
+        <a:p>
+          <a:endParaRPr lang="en-US"/>
+        </a:p>
+      </dgm:t>
     </dgm:pt>
     <dgm:pt modelId="{98393AEE-44D3-4F66-B250-5560E6E049CF}" type="pres">
       <dgm:prSet presAssocID="{2CB9FBEB-C80B-401E-9305-B6D0FC319B5F}" presName="connTx" presStyleLbl="parChTrans1D3" presStyleIdx="0" presStyleCnt="6"/>
       <dgm:spPr/>
+      <dgm:t>
+        <a:bodyPr/>
+        <a:lstStyle/>
+        <a:p>
+          <a:endParaRPr lang="en-US"/>
+        </a:p>
+      </dgm:t>
     </dgm:pt>
     <dgm:pt modelId="{592CC29A-89C9-45E4-9911-11273D8B02D0}" type="pres">
       <dgm:prSet presAssocID="{D463FAC8-15ED-4115-93F0-A37E5EC812C2}" presName="root2" presStyleCnt="0"/>
@@ -11489,20 +11734,20 @@
       <dgm:prSet presAssocID="{D463FAC8-15ED-4115-93F0-A37E5EC812C2}" presName="level3hierChild" presStyleCnt="0"/>
       <dgm:spPr/>
     </dgm:pt>
-    <dgm:pt modelId="{364E0390-8CC9-4C80-9A2E-1F6E043611FE}" type="pres">
-      <dgm:prSet presAssocID="{9F83A824-D3DC-4D71-A7C9-E8784F069023}" presName="conn2-1" presStyleLbl="parChTrans1D4" presStyleIdx="0" presStyleCnt="5"/>
+    <dgm:pt modelId="{C0A43192-73B4-460C-82C5-C915CEE636A2}" type="pres">
+      <dgm:prSet presAssocID="{E7B0427E-3F5E-4265-94B6-1E631BA4EBE9}" presName="conn2-1" presStyleLbl="parChTrans1D4" presStyleIdx="0" presStyleCnt="6"/>
       <dgm:spPr/>
     </dgm:pt>
-    <dgm:pt modelId="{98079810-C0AE-421C-BB26-64F59589CD6C}" type="pres">
-      <dgm:prSet presAssocID="{9F83A824-D3DC-4D71-A7C9-E8784F069023}" presName="connTx" presStyleLbl="parChTrans1D4" presStyleIdx="0" presStyleCnt="5"/>
+    <dgm:pt modelId="{A1E8536D-3759-49D3-B353-D3C7313D03B1}" type="pres">
+      <dgm:prSet presAssocID="{E7B0427E-3F5E-4265-94B6-1E631BA4EBE9}" presName="connTx" presStyleLbl="parChTrans1D4" presStyleIdx="0" presStyleCnt="6"/>
       <dgm:spPr/>
     </dgm:pt>
-    <dgm:pt modelId="{036CCDFA-6074-4B3B-A4FB-CCD76D44765E}" type="pres">
-      <dgm:prSet presAssocID="{2C179E5C-54D4-419B-AD32-ED5F3F87B063}" presName="root2" presStyleCnt="0"/>
+    <dgm:pt modelId="{B3C5DA2A-3842-4196-8F14-8447EBE6BF4C}" type="pres">
+      <dgm:prSet presAssocID="{75995F7A-6922-45B8-99CE-04FD746F5721}" presName="root2" presStyleCnt="0"/>
       <dgm:spPr/>
     </dgm:pt>
-    <dgm:pt modelId="{5075A0CF-8038-4E02-9225-0C2EFAE6CF25}" type="pres">
-      <dgm:prSet presAssocID="{2C179E5C-54D4-419B-AD32-ED5F3F87B063}" presName="LevelTwoTextNode" presStyleLbl="node4" presStyleIdx="0" presStyleCnt="5">
+    <dgm:pt modelId="{50CD4E3A-AB48-476B-BDF2-DB5F21EC75F3}" type="pres">
+      <dgm:prSet presAssocID="{75995F7A-6922-45B8-99CE-04FD746F5721}" presName="LevelTwoTextNode" presStyleLbl="node4" presStyleIdx="0" presStyleCnt="6">
         <dgm:presLayoutVars>
           <dgm:chPref val="3"/>
         </dgm:presLayoutVars>
@@ -11516,24 +11761,38 @@
         </a:p>
       </dgm:t>
     </dgm:pt>
-    <dgm:pt modelId="{3F12241A-8DCA-4AC1-9369-545E2CD863D4}" type="pres">
-      <dgm:prSet presAssocID="{2C179E5C-54D4-419B-AD32-ED5F3F87B063}" presName="level3hierChild" presStyleCnt="0"/>
+    <dgm:pt modelId="{F4B06E4E-CEC1-4389-A67A-3C4CBC3468F6}" type="pres">
+      <dgm:prSet presAssocID="{75995F7A-6922-45B8-99CE-04FD746F5721}" presName="level3hierChild" presStyleCnt="0"/>
       <dgm:spPr/>
     </dgm:pt>
-    <dgm:pt modelId="{A6961D34-4306-4684-8627-AB2F6F5A9BEF}" type="pres">
-      <dgm:prSet presAssocID="{53D3B6FB-967F-46E5-BD3F-E59CC346AA5F}" presName="conn2-1" presStyleLbl="parChTrans1D4" presStyleIdx="1" presStyleCnt="5"/>
+    <dgm:pt modelId="{364E0390-8CC9-4C80-9A2E-1F6E043611FE}" type="pres">
+      <dgm:prSet presAssocID="{9F83A824-D3DC-4D71-A7C9-E8784F069023}" presName="conn2-1" presStyleLbl="parChTrans1D4" presStyleIdx="1" presStyleCnt="6"/>
       <dgm:spPr/>
-    </dgm:pt>
-    <dgm:pt modelId="{998477A0-1205-4713-9FEF-7471259A1ED9}" type="pres">
-      <dgm:prSet presAssocID="{53D3B6FB-967F-46E5-BD3F-E59CC346AA5F}" presName="connTx" presStyleLbl="parChTrans1D4" presStyleIdx="1" presStyleCnt="5"/>
+      <dgm:t>
+        <a:bodyPr/>
+        <a:lstStyle/>
+        <a:p>
+          <a:endParaRPr lang="en-US"/>
+        </a:p>
+      </dgm:t>
+    </dgm:pt>
+    <dgm:pt modelId="{98079810-C0AE-421C-BB26-64F59589CD6C}" type="pres">
+      <dgm:prSet presAssocID="{9F83A824-D3DC-4D71-A7C9-E8784F069023}" presName="connTx" presStyleLbl="parChTrans1D4" presStyleIdx="1" presStyleCnt="6"/>
       <dgm:spPr/>
-    </dgm:pt>
-    <dgm:pt modelId="{0434940D-D59F-4E68-9683-E2F1E5E42B21}" type="pres">
-      <dgm:prSet presAssocID="{6A2F051E-85E2-4F4F-9FD7-53BF3337E646}" presName="root2" presStyleCnt="0"/>
+      <dgm:t>
+        <a:bodyPr/>
+        <a:lstStyle/>
+        <a:p>
+          <a:endParaRPr lang="en-US"/>
+        </a:p>
+      </dgm:t>
+    </dgm:pt>
+    <dgm:pt modelId="{036CCDFA-6074-4B3B-A4FB-CCD76D44765E}" type="pres">
+      <dgm:prSet presAssocID="{2C179E5C-54D4-419B-AD32-ED5F3F87B063}" presName="root2" presStyleCnt="0"/>
       <dgm:spPr/>
     </dgm:pt>
-    <dgm:pt modelId="{BC6992AB-A65D-4B0F-A8D6-DA54D38C86BD}" type="pres">
-      <dgm:prSet presAssocID="{6A2F051E-85E2-4F4F-9FD7-53BF3337E646}" presName="LevelTwoTextNode" presStyleLbl="node4" presStyleIdx="1" presStyleCnt="5">
+    <dgm:pt modelId="{5075A0CF-8038-4E02-9225-0C2EFAE6CF25}" type="pres">
+      <dgm:prSet presAssocID="{2C179E5C-54D4-419B-AD32-ED5F3F87B063}" presName="LevelTwoTextNode" presStyleLbl="node4" presStyleIdx="1" presStyleCnt="6">
         <dgm:presLayoutVars>
           <dgm:chPref val="3"/>
         </dgm:presLayoutVars>
@@ -11547,24 +11806,38 @@
         </a:p>
       </dgm:t>
     </dgm:pt>
-    <dgm:pt modelId="{6E566043-CC4B-4015-8631-451A8970FC7D}" type="pres">
-      <dgm:prSet presAssocID="{6A2F051E-85E2-4F4F-9FD7-53BF3337E646}" presName="level3hierChild" presStyleCnt="0"/>
+    <dgm:pt modelId="{3F12241A-8DCA-4AC1-9369-545E2CD863D4}" type="pres">
+      <dgm:prSet presAssocID="{2C179E5C-54D4-419B-AD32-ED5F3F87B063}" presName="level3hierChild" presStyleCnt="0"/>
       <dgm:spPr/>
     </dgm:pt>
-    <dgm:pt modelId="{D2732B44-E249-4628-ABC4-C12B82BC4B16}" type="pres">
-      <dgm:prSet presAssocID="{17681791-53DE-451B-A1C6-5E2A2016A7FD}" presName="conn2-1" presStyleLbl="parChTrans1D4" presStyleIdx="2" presStyleCnt="5"/>
+    <dgm:pt modelId="{A6961D34-4306-4684-8627-AB2F6F5A9BEF}" type="pres">
+      <dgm:prSet presAssocID="{53D3B6FB-967F-46E5-BD3F-E59CC346AA5F}" presName="conn2-1" presStyleLbl="parChTrans1D4" presStyleIdx="2" presStyleCnt="6"/>
       <dgm:spPr/>
-    </dgm:pt>
-    <dgm:pt modelId="{89F99F67-BBE6-4633-B071-1E53F7182022}" type="pres">
-      <dgm:prSet presAssocID="{17681791-53DE-451B-A1C6-5E2A2016A7FD}" presName="connTx" presStyleLbl="parChTrans1D4" presStyleIdx="2" presStyleCnt="5"/>
+      <dgm:t>
+        <a:bodyPr/>
+        <a:lstStyle/>
+        <a:p>
+          <a:endParaRPr lang="en-US"/>
+        </a:p>
+      </dgm:t>
+    </dgm:pt>
+    <dgm:pt modelId="{998477A0-1205-4713-9FEF-7471259A1ED9}" type="pres">
+      <dgm:prSet presAssocID="{53D3B6FB-967F-46E5-BD3F-E59CC346AA5F}" presName="connTx" presStyleLbl="parChTrans1D4" presStyleIdx="2" presStyleCnt="6"/>
       <dgm:spPr/>
-    </dgm:pt>
-    <dgm:pt modelId="{AFAEDD55-B689-4156-B8BD-0AFA78858F59}" type="pres">
-      <dgm:prSet presAssocID="{674CBBA0-7DA5-442B-854B-F71B6A9D5339}" presName="root2" presStyleCnt="0"/>
+      <dgm:t>
+        <a:bodyPr/>
+        <a:lstStyle/>
+        <a:p>
+          <a:endParaRPr lang="en-US"/>
+        </a:p>
+      </dgm:t>
+    </dgm:pt>
+    <dgm:pt modelId="{0434940D-D59F-4E68-9683-E2F1E5E42B21}" type="pres">
+      <dgm:prSet presAssocID="{6A2F051E-85E2-4F4F-9FD7-53BF3337E646}" presName="root2" presStyleCnt="0"/>
       <dgm:spPr/>
     </dgm:pt>
-    <dgm:pt modelId="{EF681EB4-1791-43FB-A1ED-E90F2682930E}" type="pres">
-      <dgm:prSet presAssocID="{674CBBA0-7DA5-442B-854B-F71B6A9D5339}" presName="LevelTwoTextNode" presStyleLbl="node4" presStyleIdx="2" presStyleCnt="5">
+    <dgm:pt modelId="{BC6992AB-A65D-4B0F-A8D6-DA54D38C86BD}" type="pres">
+      <dgm:prSet presAssocID="{6A2F051E-85E2-4F4F-9FD7-53BF3337E646}" presName="LevelTwoTextNode" presStyleLbl="node4" presStyleIdx="2" presStyleCnt="6">
         <dgm:presLayoutVars>
           <dgm:chPref val="3"/>
         </dgm:presLayoutVars>
@@ -11578,6 +11851,51 @@
         </a:p>
       </dgm:t>
     </dgm:pt>
+    <dgm:pt modelId="{6E566043-CC4B-4015-8631-451A8970FC7D}" type="pres">
+      <dgm:prSet presAssocID="{6A2F051E-85E2-4F4F-9FD7-53BF3337E646}" presName="level3hierChild" presStyleCnt="0"/>
+      <dgm:spPr/>
+    </dgm:pt>
+    <dgm:pt modelId="{D2732B44-E249-4628-ABC4-C12B82BC4B16}" type="pres">
+      <dgm:prSet presAssocID="{17681791-53DE-451B-A1C6-5E2A2016A7FD}" presName="conn2-1" presStyleLbl="parChTrans1D4" presStyleIdx="3" presStyleCnt="6"/>
+      <dgm:spPr/>
+      <dgm:t>
+        <a:bodyPr/>
+        <a:lstStyle/>
+        <a:p>
+          <a:endParaRPr lang="en-US"/>
+        </a:p>
+      </dgm:t>
+    </dgm:pt>
+    <dgm:pt modelId="{89F99F67-BBE6-4633-B071-1E53F7182022}" type="pres">
+      <dgm:prSet presAssocID="{17681791-53DE-451B-A1C6-5E2A2016A7FD}" presName="connTx" presStyleLbl="parChTrans1D4" presStyleIdx="3" presStyleCnt="6"/>
+      <dgm:spPr/>
+      <dgm:t>
+        <a:bodyPr/>
+        <a:lstStyle/>
+        <a:p>
+          <a:endParaRPr lang="en-US"/>
+        </a:p>
+      </dgm:t>
+    </dgm:pt>
+    <dgm:pt modelId="{AFAEDD55-B689-4156-B8BD-0AFA78858F59}" type="pres">
+      <dgm:prSet presAssocID="{674CBBA0-7DA5-442B-854B-F71B6A9D5339}" presName="root2" presStyleCnt="0"/>
+      <dgm:spPr/>
+    </dgm:pt>
+    <dgm:pt modelId="{EF681EB4-1791-43FB-A1ED-E90F2682930E}" type="pres">
+      <dgm:prSet presAssocID="{674CBBA0-7DA5-442B-854B-F71B6A9D5339}" presName="LevelTwoTextNode" presStyleLbl="node4" presStyleIdx="3" presStyleCnt="6">
+        <dgm:presLayoutVars>
+          <dgm:chPref val="3"/>
+        </dgm:presLayoutVars>
+      </dgm:prSet>
+      <dgm:spPr/>
+      <dgm:t>
+        <a:bodyPr/>
+        <a:lstStyle/>
+        <a:p>
+          <a:endParaRPr lang="en-US"/>
+        </a:p>
+      </dgm:t>
+    </dgm:pt>
     <dgm:pt modelId="{1B6938D4-2ACE-4129-9C71-098C77A33F51}" type="pres">
       <dgm:prSet presAssocID="{674CBBA0-7DA5-442B-854B-F71B6A9D5339}" presName="level3hierChild" presStyleCnt="0"/>
       <dgm:spPr/>
@@ -11585,10 +11903,24 @@
     <dgm:pt modelId="{21D06EAA-C937-4961-8C03-9EC7B884F5F0}" type="pres">
       <dgm:prSet presAssocID="{9058B9CE-4DC4-4FAD-95E0-98F5067F3436}" presName="conn2-1" presStyleLbl="parChTrans1D3" presStyleIdx="1" presStyleCnt="6"/>
       <dgm:spPr/>
+      <dgm:t>
+        <a:bodyPr/>
+        <a:lstStyle/>
+        <a:p>
+          <a:endParaRPr lang="en-US"/>
+        </a:p>
+      </dgm:t>
     </dgm:pt>
     <dgm:pt modelId="{3F74B51A-6956-4836-8B14-81CE1B7B780D}" type="pres">
       <dgm:prSet presAssocID="{9058B9CE-4DC4-4FAD-95E0-98F5067F3436}" presName="connTx" presStyleLbl="parChTrans1D3" presStyleIdx="1" presStyleCnt="6"/>
       <dgm:spPr/>
+      <dgm:t>
+        <a:bodyPr/>
+        <a:lstStyle/>
+        <a:p>
+          <a:endParaRPr lang="en-US"/>
+        </a:p>
+      </dgm:t>
     </dgm:pt>
     <dgm:pt modelId="{216E077E-5785-4653-B249-C401EAFEBE7D}" type="pres">
       <dgm:prSet presAssocID="{0934C984-1ADF-4315-B841-63AC900A9396}" presName="root2" presStyleCnt="0"/>
@@ -11614,19 +11946,33 @@
       <dgm:spPr/>
     </dgm:pt>
     <dgm:pt modelId="{08FE2B73-5CB1-4A09-A09F-630BAAFB378F}" type="pres">
-      <dgm:prSet presAssocID="{D3B2A1E1-2846-4947-B794-772729F755DB}" presName="conn2-1" presStyleLbl="parChTrans1D4" presStyleIdx="3" presStyleCnt="5"/>
+      <dgm:prSet presAssocID="{D3B2A1E1-2846-4947-B794-772729F755DB}" presName="conn2-1" presStyleLbl="parChTrans1D4" presStyleIdx="4" presStyleCnt="6"/>
       <dgm:spPr/>
+      <dgm:t>
+        <a:bodyPr/>
+        <a:lstStyle/>
+        <a:p>
+          <a:endParaRPr lang="en-US"/>
+        </a:p>
+      </dgm:t>
     </dgm:pt>
     <dgm:pt modelId="{D7F247A2-00A5-4551-AAF9-F45B1562992F}" type="pres">
-      <dgm:prSet presAssocID="{D3B2A1E1-2846-4947-B794-772729F755DB}" presName="connTx" presStyleLbl="parChTrans1D4" presStyleIdx="3" presStyleCnt="5"/>
+      <dgm:prSet presAssocID="{D3B2A1E1-2846-4947-B794-772729F755DB}" presName="connTx" presStyleLbl="parChTrans1D4" presStyleIdx="4" presStyleCnt="6"/>
       <dgm:spPr/>
+      <dgm:t>
+        <a:bodyPr/>
+        <a:lstStyle/>
+        <a:p>
+          <a:endParaRPr lang="en-US"/>
+        </a:p>
+      </dgm:t>
     </dgm:pt>
     <dgm:pt modelId="{6DD5B3AD-9DEC-452F-ABA0-95E6549915DD}" type="pres">
       <dgm:prSet presAssocID="{E4981121-E1DF-4E24-AF43-7EB063C11763}" presName="root2" presStyleCnt="0"/>
       <dgm:spPr/>
     </dgm:pt>
     <dgm:pt modelId="{93E76143-D554-49FB-84C3-94625A2EDE5F}" type="pres">
-      <dgm:prSet presAssocID="{E4981121-E1DF-4E24-AF43-7EB063C11763}" presName="LevelTwoTextNode" presStyleLbl="node4" presStyleIdx="3" presStyleCnt="5">
+      <dgm:prSet presAssocID="{E4981121-E1DF-4E24-AF43-7EB063C11763}" presName="LevelTwoTextNode" presStyleLbl="node4" presStyleIdx="4" presStyleCnt="6">
         <dgm:presLayoutVars>
           <dgm:chPref val="3"/>
         </dgm:presLayoutVars>
@@ -11647,10 +11993,24 @@
     <dgm:pt modelId="{6AF4E026-ED8D-4B3B-8AB8-56F4136F48FA}" type="pres">
       <dgm:prSet presAssocID="{E3D21A93-C280-4D91-B547-627EFC8C7B94}" presName="conn2-1" presStyleLbl="parChTrans1D3" presStyleIdx="2" presStyleCnt="6"/>
       <dgm:spPr/>
+      <dgm:t>
+        <a:bodyPr/>
+        <a:lstStyle/>
+        <a:p>
+          <a:endParaRPr lang="en-US"/>
+        </a:p>
+      </dgm:t>
     </dgm:pt>
     <dgm:pt modelId="{B062E968-A81D-45C5-B122-EA1C2AE9B376}" type="pres">
       <dgm:prSet presAssocID="{E3D21A93-C280-4D91-B547-627EFC8C7B94}" presName="connTx" presStyleLbl="parChTrans1D3" presStyleIdx="2" presStyleCnt="6"/>
       <dgm:spPr/>
+      <dgm:t>
+        <a:bodyPr/>
+        <a:lstStyle/>
+        <a:p>
+          <a:endParaRPr lang="en-US"/>
+        </a:p>
+      </dgm:t>
     </dgm:pt>
     <dgm:pt modelId="{D05FE8BB-9053-45D4-A598-0DD7F8232A9A}" type="pres">
       <dgm:prSet presAssocID="{97218D2F-6BF1-4799-8A65-335275684666}" presName="root2" presStyleCnt="0"/>
@@ -11676,19 +12036,33 @@
       <dgm:spPr/>
     </dgm:pt>
     <dgm:pt modelId="{9DF0F7A4-CD0C-49F1-923B-D38E1706F80A}" type="pres">
-      <dgm:prSet presAssocID="{EFC90772-7B1A-4FF4-B046-278370D49786}" presName="conn2-1" presStyleLbl="parChTrans1D4" presStyleIdx="4" presStyleCnt="5"/>
+      <dgm:prSet presAssocID="{EFC90772-7B1A-4FF4-B046-278370D49786}" presName="conn2-1" presStyleLbl="parChTrans1D4" presStyleIdx="5" presStyleCnt="6"/>
       <dgm:spPr/>
+      <dgm:t>
+        <a:bodyPr/>
+        <a:lstStyle/>
+        <a:p>
+          <a:endParaRPr lang="en-US"/>
+        </a:p>
+      </dgm:t>
     </dgm:pt>
     <dgm:pt modelId="{D85F608C-6FFA-40A2-AECC-0A870D2305EC}" type="pres">
-      <dgm:prSet presAssocID="{EFC90772-7B1A-4FF4-B046-278370D49786}" presName="connTx" presStyleLbl="parChTrans1D4" presStyleIdx="4" presStyleCnt="5"/>
+      <dgm:prSet presAssocID="{EFC90772-7B1A-4FF4-B046-278370D49786}" presName="connTx" presStyleLbl="parChTrans1D4" presStyleIdx="5" presStyleCnt="6"/>
       <dgm:spPr/>
+      <dgm:t>
+        <a:bodyPr/>
+        <a:lstStyle/>
+        <a:p>
+          <a:endParaRPr lang="en-US"/>
+        </a:p>
+      </dgm:t>
     </dgm:pt>
     <dgm:pt modelId="{62782A8C-A1AB-4B1F-996A-64DA615BD6D4}" type="pres">
       <dgm:prSet presAssocID="{A5FF53A3-3506-4BE5-8E52-DE9593B40042}" presName="root2" presStyleCnt="0"/>
       <dgm:spPr/>
     </dgm:pt>
     <dgm:pt modelId="{20CDCD73-D8E5-4BD7-815F-4932230220E5}" type="pres">
-      <dgm:prSet presAssocID="{A5FF53A3-3506-4BE5-8E52-DE9593B40042}" presName="LevelTwoTextNode" presStyleLbl="node4" presStyleIdx="4" presStyleCnt="5">
+      <dgm:prSet presAssocID="{A5FF53A3-3506-4BE5-8E52-DE9593B40042}" presName="LevelTwoTextNode" presStyleLbl="node4" presStyleIdx="5" presStyleCnt="6">
         <dgm:presLayoutVars>
           <dgm:chPref val="3"/>
         </dgm:presLayoutVars>
@@ -11709,10 +12083,24 @@
     <dgm:pt modelId="{6824BADE-53F3-47CB-8E07-97AF3ECBD468}" type="pres">
       <dgm:prSet presAssocID="{D2A90DD9-FBAB-4209-8BFD-898E9A504965}" presName="conn2-1" presStyleLbl="parChTrans1D2" presStyleIdx="1" presStyleCnt="2"/>
       <dgm:spPr/>
+      <dgm:t>
+        <a:bodyPr/>
+        <a:lstStyle/>
+        <a:p>
+          <a:endParaRPr lang="en-US"/>
+        </a:p>
+      </dgm:t>
     </dgm:pt>
     <dgm:pt modelId="{60F7454F-4D3F-4974-99E0-22E8C11EE279}" type="pres">
       <dgm:prSet presAssocID="{D2A90DD9-FBAB-4209-8BFD-898E9A504965}" presName="connTx" presStyleLbl="parChTrans1D2" presStyleIdx="1" presStyleCnt="2"/>
       <dgm:spPr/>
+      <dgm:t>
+        <a:bodyPr/>
+        <a:lstStyle/>
+        <a:p>
+          <a:endParaRPr lang="en-US"/>
+        </a:p>
+      </dgm:t>
     </dgm:pt>
     <dgm:pt modelId="{CF42E017-3048-425E-80F4-D4E8A6FB6B40}" type="pres">
       <dgm:prSet presAssocID="{17D10E75-F760-4D18-8BBA-44F35FA93B5A}" presName="root2" presStyleCnt="0"/>
@@ -11740,10 +12128,24 @@
     <dgm:pt modelId="{2C4AEAF2-E96B-4876-B4AD-98D1A217E811}" type="pres">
       <dgm:prSet presAssocID="{ECB64352-51C7-4125-B3DD-35156AF20A1F}" presName="conn2-1" presStyleLbl="parChTrans1D3" presStyleIdx="3" presStyleCnt="6"/>
       <dgm:spPr/>
+      <dgm:t>
+        <a:bodyPr/>
+        <a:lstStyle/>
+        <a:p>
+          <a:endParaRPr lang="en-US"/>
+        </a:p>
+      </dgm:t>
     </dgm:pt>
     <dgm:pt modelId="{72676B6B-A89B-4EA4-8BF6-F13F1C2C4B23}" type="pres">
       <dgm:prSet presAssocID="{ECB64352-51C7-4125-B3DD-35156AF20A1F}" presName="connTx" presStyleLbl="parChTrans1D3" presStyleIdx="3" presStyleCnt="6"/>
       <dgm:spPr/>
+      <dgm:t>
+        <a:bodyPr/>
+        <a:lstStyle/>
+        <a:p>
+          <a:endParaRPr lang="en-US"/>
+        </a:p>
+      </dgm:t>
     </dgm:pt>
     <dgm:pt modelId="{520C7BB5-E859-4508-BB50-5D84D5E64803}" type="pres">
       <dgm:prSet presAssocID="{11D31977-4753-43BD-A3B8-F2AA0D72906B}" presName="root2" presStyleCnt="0"/>
@@ -11771,10 +12173,24 @@
     <dgm:pt modelId="{73125112-E16B-498F-B15C-A349D52BC86E}" type="pres">
       <dgm:prSet presAssocID="{C8F9E311-A266-4579-9CDB-CBB0B1DA73B7}" presName="conn2-1" presStyleLbl="parChTrans1D3" presStyleIdx="4" presStyleCnt="6"/>
       <dgm:spPr/>
+      <dgm:t>
+        <a:bodyPr/>
+        <a:lstStyle/>
+        <a:p>
+          <a:endParaRPr lang="en-US"/>
+        </a:p>
+      </dgm:t>
     </dgm:pt>
     <dgm:pt modelId="{59EB5ED5-8956-4F21-8CF5-F7101925CD0F}" type="pres">
       <dgm:prSet presAssocID="{C8F9E311-A266-4579-9CDB-CBB0B1DA73B7}" presName="connTx" presStyleLbl="parChTrans1D3" presStyleIdx="4" presStyleCnt="6"/>
       <dgm:spPr/>
+      <dgm:t>
+        <a:bodyPr/>
+        <a:lstStyle/>
+        <a:p>
+          <a:endParaRPr lang="en-US"/>
+        </a:p>
+      </dgm:t>
     </dgm:pt>
     <dgm:pt modelId="{EB30D290-232E-4D77-9B36-6C77A16204A1}" type="pres">
       <dgm:prSet presAssocID="{5688D322-FB05-4EA7-91F8-8690161626BB}" presName="root2" presStyleCnt="0"/>
@@ -11802,10 +12218,24 @@
     <dgm:pt modelId="{30C0BB43-75A9-40E4-8205-49B187705BCA}" type="pres">
       <dgm:prSet presAssocID="{46E51EF6-B071-4CD5-829D-33668A49CD03}" presName="conn2-1" presStyleLbl="parChTrans1D3" presStyleIdx="5" presStyleCnt="6"/>
       <dgm:spPr/>
+      <dgm:t>
+        <a:bodyPr/>
+        <a:lstStyle/>
+        <a:p>
+          <a:endParaRPr lang="en-US"/>
+        </a:p>
+      </dgm:t>
     </dgm:pt>
     <dgm:pt modelId="{46C47E61-DAEF-4FA2-AD76-02A2F25B68E3}" type="pres">
       <dgm:prSet presAssocID="{46E51EF6-B071-4CD5-829D-33668A49CD03}" presName="connTx" presStyleLbl="parChTrans1D3" presStyleIdx="5" presStyleCnt="6"/>
       <dgm:spPr/>
+      <dgm:t>
+        <a:bodyPr/>
+        <a:lstStyle/>
+        <a:p>
+          <a:endParaRPr lang="en-US"/>
+        </a:p>
+      </dgm:t>
     </dgm:pt>
     <dgm:pt modelId="{851068CF-A1FD-442E-B618-65814EC17E9D}" type="pres">
       <dgm:prSet presAssocID="{18833849-AB17-4021-92C7-473553C3D61F}" presName="root2" presStyleCnt="0"/>
@@ -11832,61 +12262,65 @@
     </dgm:pt>
   </dgm:ptLst>
   <dgm:cxnLst>
-    <dgm:cxn modelId="{684B2C8C-DF5C-4865-AE29-80216980B528}" type="presOf" srcId="{53D3B6FB-967F-46E5-BD3F-E59CC346AA5F}" destId="{A6961D34-4306-4684-8627-AB2F6F5A9BEF}" srcOrd="0" destOrd="0" presId="urn:microsoft.com/office/officeart/2005/8/layout/hierarchy2"/>
-    <dgm:cxn modelId="{49E02725-3B48-4BAD-8728-9D35EE0530E0}" type="presOf" srcId="{6A2F051E-85E2-4F4F-9FD7-53BF3337E646}" destId="{BC6992AB-A65D-4B0F-A8D6-DA54D38C86BD}" srcOrd="0" destOrd="0" presId="urn:microsoft.com/office/officeart/2005/8/layout/hierarchy2"/>
+    <dgm:cxn modelId="{325FD4FA-4A1C-47CB-AC29-3C78203C3772}" type="presOf" srcId="{E4981121-E1DF-4E24-AF43-7EB063C11763}" destId="{93E76143-D554-49FB-84C3-94625A2EDE5F}" srcOrd="0" destOrd="0" presId="urn:microsoft.com/office/officeart/2005/8/layout/hierarchy2"/>
+    <dgm:cxn modelId="{74136E17-ACBD-48C6-8222-9413E9ACD041}" type="presOf" srcId="{6A2F051E-85E2-4F4F-9FD7-53BF3337E646}" destId="{BC6992AB-A65D-4B0F-A8D6-DA54D38C86BD}" srcOrd="0" destOrd="0" presId="urn:microsoft.com/office/officeart/2005/8/layout/hierarchy2"/>
+    <dgm:cxn modelId="{D9ECD526-22AC-4E7A-8EE7-4B91B0B4C532}" type="presOf" srcId="{FD9F7DDA-D209-4F39-A200-024B07FB128F}" destId="{2CFF4762-B327-495E-BF34-ED878EEF48C7}" srcOrd="0" destOrd="0" presId="urn:microsoft.com/office/officeart/2005/8/layout/hierarchy2"/>
+    <dgm:cxn modelId="{2B08A03F-D789-4ABE-AF38-0B1C3AFD02F9}" type="presOf" srcId="{53D3B6FB-967F-46E5-BD3F-E59CC346AA5F}" destId="{998477A0-1205-4713-9FEF-7471259A1ED9}" srcOrd="1" destOrd="0" presId="urn:microsoft.com/office/officeart/2005/8/layout/hierarchy2"/>
+    <dgm:cxn modelId="{0C94B539-D5C3-46BB-A6AF-FC57AA3B23D2}" type="presOf" srcId="{18833849-AB17-4021-92C7-473553C3D61F}" destId="{74D450EC-B317-4AC8-8AF1-17EEC0564DC8}" srcOrd="0" destOrd="0" presId="urn:microsoft.com/office/officeart/2005/8/layout/hierarchy2"/>
+    <dgm:cxn modelId="{991B154F-C9B5-48F5-A8A8-41422BBB795E}" srcId="{17D10E75-F760-4D18-8BBA-44F35FA93B5A}" destId="{5688D322-FB05-4EA7-91F8-8690161626BB}" srcOrd="1" destOrd="0" parTransId="{C8F9E311-A266-4579-9CDB-CBB0B1DA73B7}" sibTransId="{FA3281B8-0717-4AAE-8DF2-3B2BE7DB90CF}"/>
+    <dgm:cxn modelId="{1C2359C7-A8F6-404B-94E9-E22827C68F7C}" srcId="{FBCF5329-6E7D-43A5-9500-406A47E39B2E}" destId="{FD9F7DDA-D209-4F39-A200-024B07FB128F}" srcOrd="0" destOrd="0" parTransId="{846B17AF-B5D3-4EA8-AC6D-42C6988F1EAA}" sibTransId="{6C55E3D9-9C3F-43D7-906C-3DFA5C1AC607}"/>
+    <dgm:cxn modelId="{E8CF0466-553D-4FB4-89A2-9978902C9E9B}" type="presOf" srcId="{FC2C1825-D6C0-44D0-8937-A63C13EC3458}" destId="{B7C4DAE0-9D57-4C74-94DA-2947A1F12CB6}" srcOrd="0" destOrd="0" presId="urn:microsoft.com/office/officeart/2005/8/layout/hierarchy2"/>
+    <dgm:cxn modelId="{D0FAD565-9DBC-4CC6-A68F-2DA2E37FE9B0}" type="presOf" srcId="{97218D2F-6BF1-4799-8A65-335275684666}" destId="{743735B5-4825-44E7-8D66-97D71D496F87}" srcOrd="0" destOrd="0" presId="urn:microsoft.com/office/officeart/2005/8/layout/hierarchy2"/>
+    <dgm:cxn modelId="{E4BC40E6-0186-460D-8764-D82AC5498B31}" type="presOf" srcId="{C8F9E311-A266-4579-9CDB-CBB0B1DA73B7}" destId="{59EB5ED5-8956-4F21-8CF5-F7101925CD0F}" srcOrd="1" destOrd="0" presId="urn:microsoft.com/office/officeart/2005/8/layout/hierarchy2"/>
+    <dgm:cxn modelId="{D1DFA557-E35D-4D05-A63D-E7B44C5862EB}" srcId="{17D10E75-F760-4D18-8BBA-44F35FA93B5A}" destId="{11D31977-4753-43BD-A3B8-F2AA0D72906B}" srcOrd="0" destOrd="0" parTransId="{ECB64352-51C7-4125-B3DD-35156AF20A1F}" sibTransId="{F4C5622F-D2A2-4A6F-AD38-16DC4BAEAFBF}"/>
+    <dgm:cxn modelId="{F22AA299-FD8B-4DCC-9F6B-BBE6E2B477F0}" type="presOf" srcId="{11D31977-4753-43BD-A3B8-F2AA0D72906B}" destId="{D1729183-3EA1-4EA7-9B0B-BEC208BFBB91}" srcOrd="0" destOrd="0" presId="urn:microsoft.com/office/officeart/2005/8/layout/hierarchy2"/>
+    <dgm:cxn modelId="{685963FB-2FDA-4417-A5D9-867DC79F3046}" type="presOf" srcId="{17681791-53DE-451B-A1C6-5E2A2016A7FD}" destId="{D2732B44-E249-4628-ABC4-C12B82BC4B16}" srcOrd="0" destOrd="0" presId="urn:microsoft.com/office/officeart/2005/8/layout/hierarchy2"/>
+    <dgm:cxn modelId="{287032FB-B728-4CBD-86CC-EC8085AECCFE}" type="presOf" srcId="{0934C984-1ADF-4315-B841-63AC900A9396}" destId="{27B4BC06-2753-4CEB-AFD5-52F756AD8536}" srcOrd="0" destOrd="0" presId="urn:microsoft.com/office/officeart/2005/8/layout/hierarchy2"/>
+    <dgm:cxn modelId="{5C860427-B96C-41A6-89A8-A837A4D66E0E}" type="presOf" srcId="{D3B2A1E1-2846-4947-B794-772729F755DB}" destId="{08FE2B73-5CB1-4A09-A09F-630BAAFB378F}" srcOrd="0" destOrd="0" presId="urn:microsoft.com/office/officeart/2005/8/layout/hierarchy2"/>
+    <dgm:cxn modelId="{C1618D72-783B-44C6-8533-6D8EB6727D9F}" srcId="{0934C984-1ADF-4315-B841-63AC900A9396}" destId="{E4981121-E1DF-4E24-AF43-7EB063C11763}" srcOrd="0" destOrd="0" parTransId="{D3B2A1E1-2846-4947-B794-772729F755DB}" sibTransId="{167BD8D8-8A12-491E-B966-F756DA5B0203}"/>
+    <dgm:cxn modelId="{DBE5CC5E-AE22-47CB-A046-5EF6B1C61E00}" type="presOf" srcId="{C8F9E311-A266-4579-9CDB-CBB0B1DA73B7}" destId="{73125112-E16B-498F-B15C-A349D52BC86E}" srcOrd="0" destOrd="0" presId="urn:microsoft.com/office/officeart/2005/8/layout/hierarchy2"/>
+    <dgm:cxn modelId="{C614A142-0B50-4EA5-9C4E-AB8CE13E620E}" type="presOf" srcId="{2CB9FBEB-C80B-401E-9305-B6D0FC319B5F}" destId="{98393AEE-44D3-4F66-B250-5560E6E049CF}" srcOrd="1" destOrd="0" presId="urn:microsoft.com/office/officeart/2005/8/layout/hierarchy2"/>
+    <dgm:cxn modelId="{6CF8F044-19CF-44D8-9F06-00E7E8F2C0E5}" type="presOf" srcId="{E3D21A93-C280-4D91-B547-627EFC8C7B94}" destId="{B062E968-A81D-45C5-B122-EA1C2AE9B376}" srcOrd="1" destOrd="0" presId="urn:microsoft.com/office/officeart/2005/8/layout/hierarchy2"/>
+    <dgm:cxn modelId="{4BC3D6EF-C519-42F5-823B-DF63CC04B81E}" type="presOf" srcId="{ECB64352-51C7-4125-B3DD-35156AF20A1F}" destId="{2C4AEAF2-E96B-4876-B4AD-98D1A217E811}" srcOrd="0" destOrd="0" presId="urn:microsoft.com/office/officeart/2005/8/layout/hierarchy2"/>
+    <dgm:cxn modelId="{2113ACD8-B4BF-4EEA-BC00-9655EDAD018E}" type="presOf" srcId="{9F83A824-D3DC-4D71-A7C9-E8784F069023}" destId="{98079810-C0AE-421C-BB26-64F59589CD6C}" srcOrd="1" destOrd="0" presId="urn:microsoft.com/office/officeart/2005/8/layout/hierarchy2"/>
+    <dgm:cxn modelId="{2D32074E-C5DC-403F-A238-E23EEC6038B8}" type="presOf" srcId="{17681791-53DE-451B-A1C6-5E2A2016A7FD}" destId="{89F99F67-BBE6-4633-B071-1E53F7182022}" srcOrd="1" destOrd="0" presId="urn:microsoft.com/office/officeart/2005/8/layout/hierarchy2"/>
+    <dgm:cxn modelId="{740AB030-8151-4042-A027-26B9F584E522}" type="presOf" srcId="{ECB64352-51C7-4125-B3DD-35156AF20A1F}" destId="{72676B6B-A89B-4EA4-8BF6-F13F1C2C4B23}" srcOrd="1" destOrd="0" presId="urn:microsoft.com/office/officeart/2005/8/layout/hierarchy2"/>
+    <dgm:cxn modelId="{28DCA1A3-D9E2-4C52-9B5C-24ACE767D3BC}" srcId="{D463FAC8-15ED-4115-93F0-A37E5EC812C2}" destId="{674CBBA0-7DA5-442B-854B-F71B6A9D5339}" srcOrd="3" destOrd="0" parTransId="{17681791-53DE-451B-A1C6-5E2A2016A7FD}" sibTransId="{B5466529-54D9-438E-86D0-CDEC649CC006}"/>
+    <dgm:cxn modelId="{213632DD-8159-4245-9D32-77B63E90D7BC}" type="presOf" srcId="{A5FF53A3-3506-4BE5-8E52-DE9593B40042}" destId="{20CDCD73-D8E5-4BD7-815F-4932230220E5}" srcOrd="0" destOrd="0" presId="urn:microsoft.com/office/officeart/2005/8/layout/hierarchy2"/>
+    <dgm:cxn modelId="{8AAB33E4-B5EB-4AAA-800F-F81E88DFB49B}" srcId="{FD9F7DDA-D209-4F39-A200-024B07FB128F}" destId="{D463FAC8-15ED-4115-93F0-A37E5EC812C2}" srcOrd="0" destOrd="0" parTransId="{2CB9FBEB-C80B-401E-9305-B6D0FC319B5F}" sibTransId="{0545DA58-B8BA-4E6D-9CAF-AD3C7A0377B7}"/>
+    <dgm:cxn modelId="{D185E750-955B-46E5-AACA-B6F443AD2575}" type="presOf" srcId="{EFC90772-7B1A-4FF4-B046-278370D49786}" destId="{9DF0F7A4-CD0C-49F1-923B-D38E1706F80A}" srcOrd="0" destOrd="0" presId="urn:microsoft.com/office/officeart/2005/8/layout/hierarchy2"/>
+    <dgm:cxn modelId="{F901A6C7-B84C-41A9-9722-F46445BF96CE}" type="presOf" srcId="{674CBBA0-7DA5-442B-854B-F71B6A9D5339}" destId="{EF681EB4-1791-43FB-A1ED-E90F2682930E}" srcOrd="0" destOrd="0" presId="urn:microsoft.com/office/officeart/2005/8/layout/hierarchy2"/>
+    <dgm:cxn modelId="{6D9070DB-8779-4961-8309-0F70F2B2082E}" type="presOf" srcId="{53D3B6FB-967F-46E5-BD3F-E59CC346AA5F}" destId="{A6961D34-4306-4684-8627-AB2F6F5A9BEF}" srcOrd="0" destOrd="0" presId="urn:microsoft.com/office/officeart/2005/8/layout/hierarchy2"/>
+    <dgm:cxn modelId="{CC69F6F2-71D4-4C05-84CE-C5D9C8B3CA06}" type="presOf" srcId="{D3B2A1E1-2846-4947-B794-772729F755DB}" destId="{D7F247A2-00A5-4551-AAF9-F45B1562992F}" srcOrd="1" destOrd="0" presId="urn:microsoft.com/office/officeart/2005/8/layout/hierarchy2"/>
+    <dgm:cxn modelId="{EE021C46-6C12-4DC4-81AE-6F1DEA45F8D9}" type="presOf" srcId="{846B17AF-B5D3-4EA8-AC6D-42C6988F1EAA}" destId="{BF476D50-3A9A-4DE9-A198-9DDB8917E62A}" srcOrd="1" destOrd="0" presId="urn:microsoft.com/office/officeart/2005/8/layout/hierarchy2"/>
+    <dgm:cxn modelId="{F61F502E-BC2F-4396-8627-432FCBC621D8}" srcId="{D463FAC8-15ED-4115-93F0-A37E5EC812C2}" destId="{2C179E5C-54D4-419B-AD32-ED5F3F87B063}" srcOrd="1" destOrd="0" parTransId="{9F83A824-D3DC-4D71-A7C9-E8784F069023}" sibTransId="{C9FF4DC2-6809-454C-BD6E-BEFA5E5082D7}"/>
+    <dgm:cxn modelId="{7825B4C8-418D-4F3B-A902-E37AE8C7BCBE}" srcId="{D463FAC8-15ED-4115-93F0-A37E5EC812C2}" destId="{75995F7A-6922-45B8-99CE-04FD746F5721}" srcOrd="0" destOrd="0" parTransId="{E7B0427E-3F5E-4265-94B6-1E631BA4EBE9}" sibTransId="{60F00862-EDA7-4595-AC88-3EE7344BB525}"/>
+    <dgm:cxn modelId="{130DD937-134E-45E3-BE5B-5B9BB5825E37}" srcId="{17D10E75-F760-4D18-8BBA-44F35FA93B5A}" destId="{18833849-AB17-4021-92C7-473553C3D61F}" srcOrd="2" destOrd="0" parTransId="{46E51EF6-B071-4CD5-829D-33668A49CD03}" sibTransId="{8182B9BA-E35F-4A96-B18A-1340A483B04E}"/>
+    <dgm:cxn modelId="{AEE0C2B3-722A-4AEA-9FC3-85FF3BE3D8F6}" type="presOf" srcId="{5688D322-FB05-4EA7-91F8-8690161626BB}" destId="{06F98F29-730F-4666-9D94-EF6932ECF93A}" srcOrd="0" destOrd="0" presId="urn:microsoft.com/office/officeart/2005/8/layout/hierarchy2"/>
+    <dgm:cxn modelId="{F8D24E4C-2C85-4BC7-9DCA-BBD6D56D0E92}" type="presOf" srcId="{46E51EF6-B071-4CD5-829D-33668A49CD03}" destId="{46C47E61-DAEF-4FA2-AD76-02A2F25B68E3}" srcOrd="1" destOrd="0" presId="urn:microsoft.com/office/officeart/2005/8/layout/hierarchy2"/>
+    <dgm:cxn modelId="{F5604217-EF72-49B2-84DA-2628C521AB9E}" type="presOf" srcId="{75995F7A-6922-45B8-99CE-04FD746F5721}" destId="{50CD4E3A-AB48-476B-BDF2-DB5F21EC75F3}" srcOrd="0" destOrd="0" presId="urn:microsoft.com/office/officeart/2005/8/layout/hierarchy2"/>
+    <dgm:cxn modelId="{80C83D45-4607-444A-809D-4BB431A9A488}" type="presOf" srcId="{9058B9CE-4DC4-4FAD-95E0-98F5067F3436}" destId="{21D06EAA-C937-4961-8C03-9EC7B884F5F0}" srcOrd="0" destOrd="0" presId="urn:microsoft.com/office/officeart/2005/8/layout/hierarchy2"/>
+    <dgm:cxn modelId="{3E7EE297-4394-446C-BCD7-4BD134C19BDE}" srcId="{FBCF5329-6E7D-43A5-9500-406A47E39B2E}" destId="{17D10E75-F760-4D18-8BBA-44F35FA93B5A}" srcOrd="1" destOrd="0" parTransId="{D2A90DD9-FBAB-4209-8BFD-898E9A504965}" sibTransId="{C747A7ED-0354-4ABE-8594-9E8D800CF213}"/>
+    <dgm:cxn modelId="{F17E9B32-CFE6-4261-AB59-F9A6E82E3161}" type="presOf" srcId="{E7B0427E-3F5E-4265-94B6-1E631BA4EBE9}" destId="{A1E8536D-3759-49D3-B353-D3C7313D03B1}" srcOrd="1" destOrd="0" presId="urn:microsoft.com/office/officeart/2005/8/layout/hierarchy2"/>
+    <dgm:cxn modelId="{5E9CF1C1-E2E0-48F5-8171-7F7EE6E98092}" srcId="{FD9F7DDA-D209-4F39-A200-024B07FB128F}" destId="{97218D2F-6BF1-4799-8A65-335275684666}" srcOrd="2" destOrd="0" parTransId="{E3D21A93-C280-4D91-B547-627EFC8C7B94}" sibTransId="{E73A499E-8FA4-41FA-9E5F-2F9AD194A703}"/>
+    <dgm:cxn modelId="{B1BE4006-FB76-4211-A949-2E30D534D2BD}" srcId="{97218D2F-6BF1-4799-8A65-335275684666}" destId="{A5FF53A3-3506-4BE5-8E52-DE9593B40042}" srcOrd="0" destOrd="0" parTransId="{EFC90772-7B1A-4FF4-B046-278370D49786}" sibTransId="{663757F4-6031-49FB-BC53-CB40C839F5C0}"/>
+    <dgm:cxn modelId="{2817C6F9-7F79-4110-A6CA-2E88F20925CF}" srcId="{FD9F7DDA-D209-4F39-A200-024B07FB128F}" destId="{0934C984-1ADF-4315-B841-63AC900A9396}" srcOrd="1" destOrd="0" parTransId="{9058B9CE-4DC4-4FAD-95E0-98F5067F3436}" sibTransId="{6334B9B2-1B91-4361-95A4-937C576094AF}"/>
+    <dgm:cxn modelId="{F7277C1E-27DF-451B-BAF4-B976F57727F2}" type="presOf" srcId="{EFC90772-7B1A-4FF4-B046-278370D49786}" destId="{D85F608C-6FFA-40A2-AECC-0A870D2305EC}" srcOrd="1" destOrd="0" presId="urn:microsoft.com/office/officeart/2005/8/layout/hierarchy2"/>
+    <dgm:cxn modelId="{13E57377-EF77-46F6-B756-6A853E6A2B75}" type="presOf" srcId="{9058B9CE-4DC4-4FAD-95E0-98F5067F3436}" destId="{3F74B51A-6956-4836-8B14-81CE1B7B780D}" srcOrd="1" destOrd="0" presId="urn:microsoft.com/office/officeart/2005/8/layout/hierarchy2"/>
+    <dgm:cxn modelId="{618681D3-1E54-4D99-BF6B-83FF8F44347C}" type="presOf" srcId="{E3D21A93-C280-4D91-B547-627EFC8C7B94}" destId="{6AF4E026-ED8D-4B3B-8AB8-56F4136F48FA}" srcOrd="0" destOrd="0" presId="urn:microsoft.com/office/officeart/2005/8/layout/hierarchy2"/>
+    <dgm:cxn modelId="{2BDB5E35-2285-4642-85B8-851B7E2BE03A}" type="presOf" srcId="{9F83A824-D3DC-4D71-A7C9-E8784F069023}" destId="{364E0390-8CC9-4C80-9A2E-1F6E043611FE}" srcOrd="0" destOrd="0" presId="urn:microsoft.com/office/officeart/2005/8/layout/hierarchy2"/>
+    <dgm:cxn modelId="{9CEE2DD8-B317-485A-A2E3-417DC3FFAE76}" type="presOf" srcId="{17D10E75-F760-4D18-8BBA-44F35FA93B5A}" destId="{7B939A6D-5C91-4A44-A73E-3FBA4A8852A5}" srcOrd="0" destOrd="0" presId="urn:microsoft.com/office/officeart/2005/8/layout/hierarchy2"/>
+    <dgm:cxn modelId="{6218E1C9-0D33-4E9F-B00B-AF128B08E793}" type="presOf" srcId="{E7B0427E-3F5E-4265-94B6-1E631BA4EBE9}" destId="{C0A43192-73B4-460C-82C5-C915CEE636A2}" srcOrd="0" destOrd="0" presId="urn:microsoft.com/office/officeart/2005/8/layout/hierarchy2"/>
+    <dgm:cxn modelId="{D6712795-357C-4B46-AC60-D9DC340A59A4}" srcId="{D463FAC8-15ED-4115-93F0-A37E5EC812C2}" destId="{6A2F051E-85E2-4F4F-9FD7-53BF3337E646}" srcOrd="2" destOrd="0" parTransId="{53D3B6FB-967F-46E5-BD3F-E59CC346AA5F}" sibTransId="{1D18C004-D043-4702-B44A-3C7725172B8F}"/>
+    <dgm:cxn modelId="{DFAF098B-D852-4613-B7E2-5C6FCF6CE3C2}" type="presOf" srcId="{46E51EF6-B071-4CD5-829D-33668A49CD03}" destId="{30C0BB43-75A9-40E4-8205-49B187705BCA}" srcOrd="0" destOrd="0" presId="urn:microsoft.com/office/officeart/2005/8/layout/hierarchy2"/>
+    <dgm:cxn modelId="{D447D7A6-389F-40FE-81A3-CDC4D99F4C0E}" type="presOf" srcId="{D463FAC8-15ED-4115-93F0-A37E5EC812C2}" destId="{EAD1D4BA-5CB1-4599-BE71-900C836342F2}" srcOrd="0" destOrd="0" presId="urn:microsoft.com/office/officeart/2005/8/layout/hierarchy2"/>
+    <dgm:cxn modelId="{93CC6603-8262-4AE0-B096-523F10CF1D51}" srcId="{FC2C1825-D6C0-44D0-8937-A63C13EC3458}" destId="{FBCF5329-6E7D-43A5-9500-406A47E39B2E}" srcOrd="0" destOrd="0" parTransId="{D04831B5-0F39-4D30-BE03-04E412C9E48E}" sibTransId="{0A52AB61-DB52-40FD-9BE4-DA5F99F655AA}"/>
+    <dgm:cxn modelId="{6FF78879-4AA2-4CB4-A8F3-B6A34D7B79E4}" type="presOf" srcId="{2CB9FBEB-C80B-401E-9305-B6D0FC319B5F}" destId="{ED5C3287-D56B-40BC-A911-213A20B58F07}" srcOrd="0" destOrd="0" presId="urn:microsoft.com/office/officeart/2005/8/layout/hierarchy2"/>
     <dgm:cxn modelId="{2933A2E6-8AA8-4356-ADFD-939D41E170AE}" type="presOf" srcId="{FBCF5329-6E7D-43A5-9500-406A47E39B2E}" destId="{60F701C1-3D28-46CB-9530-56B31D61B779}" srcOrd="0" destOrd="0" presId="urn:microsoft.com/office/officeart/2005/8/layout/hierarchy2"/>
-    <dgm:cxn modelId="{0AA56416-B87F-40C4-9D61-6657DF877DF7}" type="presOf" srcId="{53D3B6FB-967F-46E5-BD3F-E59CC346AA5F}" destId="{998477A0-1205-4713-9FEF-7471259A1ED9}" srcOrd="1" destOrd="0" presId="urn:microsoft.com/office/officeart/2005/8/layout/hierarchy2"/>
-    <dgm:cxn modelId="{13E57377-EF77-46F6-B756-6A853E6A2B75}" type="presOf" srcId="{9058B9CE-4DC4-4FAD-95E0-98F5067F3436}" destId="{3F74B51A-6956-4836-8B14-81CE1B7B780D}" srcOrd="1" destOrd="0" presId="urn:microsoft.com/office/officeart/2005/8/layout/hierarchy2"/>
-    <dgm:cxn modelId="{1C2359C7-A8F6-404B-94E9-E22827C68F7C}" srcId="{FBCF5329-6E7D-43A5-9500-406A47E39B2E}" destId="{FD9F7DDA-D209-4F39-A200-024B07FB128F}" srcOrd="0" destOrd="0" parTransId="{846B17AF-B5D3-4EA8-AC6D-42C6988F1EAA}" sibTransId="{6C55E3D9-9C3F-43D7-906C-3DFA5C1AC607}"/>
-    <dgm:cxn modelId="{D1DFA557-E35D-4D05-A63D-E7B44C5862EB}" srcId="{17D10E75-F760-4D18-8BBA-44F35FA93B5A}" destId="{11D31977-4753-43BD-A3B8-F2AA0D72906B}" srcOrd="0" destOrd="0" parTransId="{ECB64352-51C7-4125-B3DD-35156AF20A1F}" sibTransId="{F4C5622F-D2A2-4A6F-AD38-16DC4BAEAFBF}"/>
-    <dgm:cxn modelId="{C1618D72-783B-44C6-8533-6D8EB6727D9F}" srcId="{0934C984-1ADF-4315-B841-63AC900A9396}" destId="{E4981121-E1DF-4E24-AF43-7EB063C11763}" srcOrd="0" destOrd="0" parTransId="{D3B2A1E1-2846-4947-B794-772729F755DB}" sibTransId="{167BD8D8-8A12-491E-B966-F756DA5B0203}"/>
-    <dgm:cxn modelId="{287032FB-B728-4CBD-86CC-EC8085AECCFE}" type="presOf" srcId="{0934C984-1ADF-4315-B841-63AC900A9396}" destId="{27B4BC06-2753-4CEB-AFD5-52F756AD8536}" srcOrd="0" destOrd="0" presId="urn:microsoft.com/office/officeart/2005/8/layout/hierarchy2"/>
-    <dgm:cxn modelId="{5E9CF1C1-E2E0-48F5-8171-7F7EE6E98092}" srcId="{FD9F7DDA-D209-4F39-A200-024B07FB128F}" destId="{97218D2F-6BF1-4799-8A65-335275684666}" srcOrd="2" destOrd="0" parTransId="{E3D21A93-C280-4D91-B547-627EFC8C7B94}" sibTransId="{E73A499E-8FA4-41FA-9E5F-2F9AD194A703}"/>
+    <dgm:cxn modelId="{90D6DF3B-42C6-4F7A-9B2E-810AD9D90EC9}" type="presOf" srcId="{D2A90DD9-FBAB-4209-8BFD-898E9A504965}" destId="{60F7454F-4D3F-4974-99E0-22E8C11EE279}" srcOrd="1" destOrd="0" presId="urn:microsoft.com/office/officeart/2005/8/layout/hierarchy2"/>
+    <dgm:cxn modelId="{242C3DB8-97B4-40FC-9303-3FBBBCE07B52}" type="presOf" srcId="{2C179E5C-54D4-419B-AD32-ED5F3F87B063}" destId="{5075A0CF-8038-4E02-9225-0C2EFAE6CF25}" srcOrd="0" destOrd="0" presId="urn:microsoft.com/office/officeart/2005/8/layout/hierarchy2"/>
     <dgm:cxn modelId="{DB085A2A-B3C9-4230-959B-3E22ABE3C419}" type="presOf" srcId="{846B17AF-B5D3-4EA8-AC6D-42C6988F1EAA}" destId="{DFB04D63-BCBA-400A-B88A-3638DD78C457}" srcOrd="0" destOrd="0" presId="urn:microsoft.com/office/officeart/2005/8/layout/hierarchy2"/>
-    <dgm:cxn modelId="{8AAB33E4-B5EB-4AAA-800F-F81E88DFB49B}" srcId="{FD9F7DDA-D209-4F39-A200-024B07FB128F}" destId="{D463FAC8-15ED-4115-93F0-A37E5EC812C2}" srcOrd="0" destOrd="0" parTransId="{2CB9FBEB-C80B-401E-9305-B6D0FC319B5F}" sibTransId="{0545DA58-B8BA-4E6D-9CAF-AD3C7A0377B7}"/>
-    <dgm:cxn modelId="{D9ECD526-22AC-4E7A-8EE7-4B91B0B4C532}" type="presOf" srcId="{FD9F7DDA-D209-4F39-A200-024B07FB128F}" destId="{2CFF4762-B327-495E-BF34-ED878EEF48C7}" srcOrd="0" destOrd="0" presId="urn:microsoft.com/office/officeart/2005/8/layout/hierarchy2"/>
-    <dgm:cxn modelId="{90D6DF3B-42C6-4F7A-9B2E-810AD9D90EC9}" type="presOf" srcId="{D2A90DD9-FBAB-4209-8BFD-898E9A504965}" destId="{60F7454F-4D3F-4974-99E0-22E8C11EE279}" srcOrd="1" destOrd="0" presId="urn:microsoft.com/office/officeart/2005/8/layout/hierarchy2"/>
-    <dgm:cxn modelId="{4BC3D6EF-C519-42F5-823B-DF63CC04B81E}" type="presOf" srcId="{ECB64352-51C7-4125-B3DD-35156AF20A1F}" destId="{2C4AEAF2-E96B-4876-B4AD-98D1A217E811}" srcOrd="0" destOrd="0" presId="urn:microsoft.com/office/officeart/2005/8/layout/hierarchy2"/>
-    <dgm:cxn modelId="{D447D7A6-389F-40FE-81A3-CDC4D99F4C0E}" type="presOf" srcId="{D463FAC8-15ED-4115-93F0-A37E5EC812C2}" destId="{EAD1D4BA-5CB1-4599-BE71-900C836342F2}" srcOrd="0" destOrd="0" presId="urn:microsoft.com/office/officeart/2005/8/layout/hierarchy2"/>
-    <dgm:cxn modelId="{FB54F296-BD07-4E05-9605-01BA71148F37}" type="presOf" srcId="{674CBBA0-7DA5-442B-854B-F71B6A9D5339}" destId="{EF681EB4-1791-43FB-A1ED-E90F2682930E}" srcOrd="0" destOrd="0" presId="urn:microsoft.com/office/officeart/2005/8/layout/hierarchy2"/>
-    <dgm:cxn modelId="{991B154F-C9B5-48F5-A8A8-41422BBB795E}" srcId="{17D10E75-F760-4D18-8BBA-44F35FA93B5A}" destId="{5688D322-FB05-4EA7-91F8-8690161626BB}" srcOrd="1" destOrd="0" parTransId="{C8F9E311-A266-4579-9CDB-CBB0B1DA73B7}" sibTransId="{FA3281B8-0717-4AAE-8DF2-3B2BE7DB90CF}"/>
-    <dgm:cxn modelId="{C614A142-0B50-4EA5-9C4E-AB8CE13E620E}" type="presOf" srcId="{2CB9FBEB-C80B-401E-9305-B6D0FC319B5F}" destId="{98393AEE-44D3-4F66-B250-5560E6E049CF}" srcOrd="1" destOrd="0" presId="urn:microsoft.com/office/officeart/2005/8/layout/hierarchy2"/>
-    <dgm:cxn modelId="{411C0837-DBFA-4310-A3CC-4C129FEC80F0}" type="presOf" srcId="{17681791-53DE-451B-A1C6-5E2A2016A7FD}" destId="{89F99F67-BBE6-4633-B071-1E53F7182022}" srcOrd="1" destOrd="0" presId="urn:microsoft.com/office/officeart/2005/8/layout/hierarchy2"/>
-    <dgm:cxn modelId="{EE021C46-6C12-4DC4-81AE-6F1DEA45F8D9}" type="presOf" srcId="{846B17AF-B5D3-4EA8-AC6D-42C6988F1EAA}" destId="{BF476D50-3A9A-4DE9-A198-9DDB8917E62A}" srcOrd="1" destOrd="0" presId="urn:microsoft.com/office/officeart/2005/8/layout/hierarchy2"/>
-    <dgm:cxn modelId="{B47CC51F-7AF1-47BC-B498-42CA1793CE00}" type="presOf" srcId="{2C179E5C-54D4-419B-AD32-ED5F3F87B063}" destId="{5075A0CF-8038-4E02-9225-0C2EFAE6CF25}" srcOrd="0" destOrd="0" presId="urn:microsoft.com/office/officeart/2005/8/layout/hierarchy2"/>
-    <dgm:cxn modelId="{F8D24E4C-2C85-4BC7-9DCA-BBD6D56D0E92}" type="presOf" srcId="{46E51EF6-B071-4CD5-829D-33668A49CD03}" destId="{46C47E61-DAEF-4FA2-AD76-02A2F25B68E3}" srcOrd="1" destOrd="0" presId="urn:microsoft.com/office/officeart/2005/8/layout/hierarchy2"/>
-    <dgm:cxn modelId="{CC69F6F2-71D4-4C05-84CE-C5D9C8B3CA06}" type="presOf" srcId="{D3B2A1E1-2846-4947-B794-772729F755DB}" destId="{D7F247A2-00A5-4551-AAF9-F45B1562992F}" srcOrd="1" destOrd="0" presId="urn:microsoft.com/office/officeart/2005/8/layout/hierarchy2"/>
-    <dgm:cxn modelId="{ABADBBB2-D534-4C3B-8466-DBE38DDBD6E9}" type="presOf" srcId="{9F83A824-D3DC-4D71-A7C9-E8784F069023}" destId="{364E0390-8CC9-4C80-9A2E-1F6E043611FE}" srcOrd="0" destOrd="0" presId="urn:microsoft.com/office/officeart/2005/8/layout/hierarchy2"/>
-    <dgm:cxn modelId="{3E7EE297-4394-446C-BCD7-4BD134C19BDE}" srcId="{FBCF5329-6E7D-43A5-9500-406A47E39B2E}" destId="{17D10E75-F760-4D18-8BBA-44F35FA93B5A}" srcOrd="1" destOrd="0" parTransId="{D2A90DD9-FBAB-4209-8BFD-898E9A504965}" sibTransId="{C747A7ED-0354-4ABE-8594-9E8D800CF213}"/>
-    <dgm:cxn modelId="{81EA98C1-5FD7-4E3F-B698-DD2DD7A1B764}" type="presOf" srcId="{9F83A824-D3DC-4D71-A7C9-E8784F069023}" destId="{98079810-C0AE-421C-BB26-64F59589CD6C}" srcOrd="1" destOrd="0" presId="urn:microsoft.com/office/officeart/2005/8/layout/hierarchy2"/>
-    <dgm:cxn modelId="{6CF8F044-19CF-44D8-9F06-00E7E8F2C0E5}" type="presOf" srcId="{E3D21A93-C280-4D91-B547-627EFC8C7B94}" destId="{B062E968-A81D-45C5-B122-EA1C2AE9B376}" srcOrd="1" destOrd="0" presId="urn:microsoft.com/office/officeart/2005/8/layout/hierarchy2"/>
-    <dgm:cxn modelId="{D0FAD565-9DBC-4CC6-A68F-2DA2E37FE9B0}" type="presOf" srcId="{97218D2F-6BF1-4799-8A65-335275684666}" destId="{743735B5-4825-44E7-8D66-97D71D496F87}" srcOrd="0" destOrd="0" presId="urn:microsoft.com/office/officeart/2005/8/layout/hierarchy2"/>
-    <dgm:cxn modelId="{D6712795-357C-4B46-AC60-D9DC340A59A4}" srcId="{D463FAC8-15ED-4115-93F0-A37E5EC812C2}" destId="{6A2F051E-85E2-4F4F-9FD7-53BF3337E646}" srcOrd="1" destOrd="0" parTransId="{53D3B6FB-967F-46E5-BD3F-E59CC346AA5F}" sibTransId="{1D18C004-D043-4702-B44A-3C7725172B8F}"/>
-    <dgm:cxn modelId="{AEE0C2B3-722A-4AEA-9FC3-85FF3BE3D8F6}" type="presOf" srcId="{5688D322-FB05-4EA7-91F8-8690161626BB}" destId="{06F98F29-730F-4666-9D94-EF6932ECF93A}" srcOrd="0" destOrd="0" presId="urn:microsoft.com/office/officeart/2005/8/layout/hierarchy2"/>
     <dgm:cxn modelId="{F4724BD3-2255-4437-B082-863273902DBE}" type="presOf" srcId="{D2A90DD9-FBAB-4209-8BFD-898E9A504965}" destId="{6824BADE-53F3-47CB-8E07-97AF3ECBD468}" srcOrd="0" destOrd="0" presId="urn:microsoft.com/office/officeart/2005/8/layout/hierarchy2"/>
-    <dgm:cxn modelId="{6FF78879-4AA2-4CB4-A8F3-B6A34D7B79E4}" type="presOf" srcId="{2CB9FBEB-C80B-401E-9305-B6D0FC319B5F}" destId="{ED5C3287-D56B-40BC-A911-213A20B58F07}" srcOrd="0" destOrd="0" presId="urn:microsoft.com/office/officeart/2005/8/layout/hierarchy2"/>
-    <dgm:cxn modelId="{130DD937-134E-45E3-BE5B-5B9BB5825E37}" srcId="{17D10E75-F760-4D18-8BBA-44F35FA93B5A}" destId="{18833849-AB17-4021-92C7-473553C3D61F}" srcOrd="2" destOrd="0" parTransId="{46E51EF6-B071-4CD5-829D-33668A49CD03}" sibTransId="{8182B9BA-E35F-4A96-B18A-1340A483B04E}"/>
-    <dgm:cxn modelId="{E4BC40E6-0186-460D-8764-D82AC5498B31}" type="presOf" srcId="{C8F9E311-A266-4579-9CDB-CBB0B1DA73B7}" destId="{59EB5ED5-8956-4F21-8CF5-F7101925CD0F}" srcOrd="1" destOrd="0" presId="urn:microsoft.com/office/officeart/2005/8/layout/hierarchy2"/>
-    <dgm:cxn modelId="{618681D3-1E54-4D99-BF6B-83FF8F44347C}" type="presOf" srcId="{E3D21A93-C280-4D91-B547-627EFC8C7B94}" destId="{6AF4E026-ED8D-4B3B-8AB8-56F4136F48FA}" srcOrd="0" destOrd="0" presId="urn:microsoft.com/office/officeart/2005/8/layout/hierarchy2"/>
-    <dgm:cxn modelId="{0C94B539-D5C3-46BB-A6AF-FC57AA3B23D2}" type="presOf" srcId="{18833849-AB17-4021-92C7-473553C3D61F}" destId="{74D450EC-B317-4AC8-8AF1-17EEC0564DC8}" srcOrd="0" destOrd="0" presId="urn:microsoft.com/office/officeart/2005/8/layout/hierarchy2"/>
-    <dgm:cxn modelId="{E8CF0466-553D-4FB4-89A2-9978902C9E9B}" type="presOf" srcId="{FC2C1825-D6C0-44D0-8937-A63C13EC3458}" destId="{B7C4DAE0-9D57-4C74-94DA-2947A1F12CB6}" srcOrd="0" destOrd="0" presId="urn:microsoft.com/office/officeart/2005/8/layout/hierarchy2"/>
-    <dgm:cxn modelId="{F22AA299-FD8B-4DCC-9F6B-BBE6E2B477F0}" type="presOf" srcId="{11D31977-4753-43BD-A3B8-F2AA0D72906B}" destId="{D1729183-3EA1-4EA7-9B0B-BEC208BFBB91}" srcOrd="0" destOrd="0" presId="urn:microsoft.com/office/officeart/2005/8/layout/hierarchy2"/>
-    <dgm:cxn modelId="{2817C6F9-7F79-4110-A6CA-2E88F20925CF}" srcId="{FD9F7DDA-D209-4F39-A200-024B07FB128F}" destId="{0934C984-1ADF-4315-B841-63AC900A9396}" srcOrd="1" destOrd="0" parTransId="{9058B9CE-4DC4-4FAD-95E0-98F5067F3436}" sibTransId="{6334B9B2-1B91-4361-95A4-937C576094AF}"/>
-    <dgm:cxn modelId="{9CEE2DD8-B317-485A-A2E3-417DC3FFAE76}" type="presOf" srcId="{17D10E75-F760-4D18-8BBA-44F35FA93B5A}" destId="{7B939A6D-5C91-4A44-A73E-3FBA4A8852A5}" srcOrd="0" destOrd="0" presId="urn:microsoft.com/office/officeart/2005/8/layout/hierarchy2"/>
-    <dgm:cxn modelId="{DBE5CC5E-AE22-47CB-A046-5EF6B1C61E00}" type="presOf" srcId="{C8F9E311-A266-4579-9CDB-CBB0B1DA73B7}" destId="{73125112-E16B-498F-B15C-A349D52BC86E}" srcOrd="0" destOrd="0" presId="urn:microsoft.com/office/officeart/2005/8/layout/hierarchy2"/>
-    <dgm:cxn modelId="{B1BE4006-FB76-4211-A949-2E30D534D2BD}" srcId="{97218D2F-6BF1-4799-8A65-335275684666}" destId="{A5FF53A3-3506-4BE5-8E52-DE9593B40042}" srcOrd="0" destOrd="0" parTransId="{EFC90772-7B1A-4FF4-B046-278370D49786}" sibTransId="{663757F4-6031-49FB-BC53-CB40C839F5C0}"/>
-    <dgm:cxn modelId="{DFAF098B-D852-4613-B7E2-5C6FCF6CE3C2}" type="presOf" srcId="{46E51EF6-B071-4CD5-829D-33668A49CD03}" destId="{30C0BB43-75A9-40E4-8205-49B187705BCA}" srcOrd="0" destOrd="0" presId="urn:microsoft.com/office/officeart/2005/8/layout/hierarchy2"/>
-    <dgm:cxn modelId="{740AB030-8151-4042-A027-26B9F584E522}" type="presOf" srcId="{ECB64352-51C7-4125-B3DD-35156AF20A1F}" destId="{72676B6B-A89B-4EA4-8BF6-F13F1C2C4B23}" srcOrd="1" destOrd="0" presId="urn:microsoft.com/office/officeart/2005/8/layout/hierarchy2"/>
-    <dgm:cxn modelId="{325FD4FA-4A1C-47CB-AC29-3C78203C3772}" type="presOf" srcId="{E4981121-E1DF-4E24-AF43-7EB063C11763}" destId="{93E76143-D554-49FB-84C3-94625A2EDE5F}" srcOrd="0" destOrd="0" presId="urn:microsoft.com/office/officeart/2005/8/layout/hierarchy2"/>
-    <dgm:cxn modelId="{93CC6603-8262-4AE0-B096-523F10CF1D51}" srcId="{FC2C1825-D6C0-44D0-8937-A63C13EC3458}" destId="{FBCF5329-6E7D-43A5-9500-406A47E39B2E}" srcOrd="0" destOrd="0" parTransId="{D04831B5-0F39-4D30-BE03-04E412C9E48E}" sibTransId="{0A52AB61-DB52-40FD-9BE4-DA5F99F655AA}"/>
-    <dgm:cxn modelId="{28DCA1A3-D9E2-4C52-9B5C-24ACE767D3BC}" srcId="{D463FAC8-15ED-4115-93F0-A37E5EC812C2}" destId="{674CBBA0-7DA5-442B-854B-F71B6A9D5339}" srcOrd="2" destOrd="0" parTransId="{17681791-53DE-451B-A1C6-5E2A2016A7FD}" sibTransId="{B5466529-54D9-438E-86D0-CDEC649CC006}"/>
-    <dgm:cxn modelId="{C0D6EF7A-83B8-4770-8BD6-82E165D4AC91}" type="presOf" srcId="{17681791-53DE-451B-A1C6-5E2A2016A7FD}" destId="{D2732B44-E249-4628-ABC4-C12B82BC4B16}" srcOrd="0" destOrd="0" presId="urn:microsoft.com/office/officeart/2005/8/layout/hierarchy2"/>
-    <dgm:cxn modelId="{D185E750-955B-46E5-AACA-B6F443AD2575}" type="presOf" srcId="{EFC90772-7B1A-4FF4-B046-278370D49786}" destId="{9DF0F7A4-CD0C-49F1-923B-D38E1706F80A}" srcOrd="0" destOrd="0" presId="urn:microsoft.com/office/officeart/2005/8/layout/hierarchy2"/>
-    <dgm:cxn modelId="{5C860427-B96C-41A6-89A8-A837A4D66E0E}" type="presOf" srcId="{D3B2A1E1-2846-4947-B794-772729F755DB}" destId="{08FE2B73-5CB1-4A09-A09F-630BAAFB378F}" srcOrd="0" destOrd="0" presId="urn:microsoft.com/office/officeart/2005/8/layout/hierarchy2"/>
-    <dgm:cxn modelId="{213632DD-8159-4245-9D32-77B63E90D7BC}" type="presOf" srcId="{A5FF53A3-3506-4BE5-8E52-DE9593B40042}" destId="{20CDCD73-D8E5-4BD7-815F-4932230220E5}" srcOrd="0" destOrd="0" presId="urn:microsoft.com/office/officeart/2005/8/layout/hierarchy2"/>
-    <dgm:cxn modelId="{F7277C1E-27DF-451B-BAF4-B976F57727F2}" type="presOf" srcId="{EFC90772-7B1A-4FF4-B046-278370D49786}" destId="{D85F608C-6FFA-40A2-AECC-0A870D2305EC}" srcOrd="1" destOrd="0" presId="urn:microsoft.com/office/officeart/2005/8/layout/hierarchy2"/>
-    <dgm:cxn modelId="{F61F502E-BC2F-4396-8627-432FCBC621D8}" srcId="{D463FAC8-15ED-4115-93F0-A37E5EC812C2}" destId="{2C179E5C-54D4-419B-AD32-ED5F3F87B063}" srcOrd="0" destOrd="0" parTransId="{9F83A824-D3DC-4D71-A7C9-E8784F069023}" sibTransId="{C9FF4DC2-6809-454C-BD6E-BEFA5E5082D7}"/>
-    <dgm:cxn modelId="{80C83D45-4607-444A-809D-4BB431A9A488}" type="presOf" srcId="{9058B9CE-4DC4-4FAD-95E0-98F5067F3436}" destId="{21D06EAA-C937-4961-8C03-9EC7B884F5F0}" srcOrd="0" destOrd="0" presId="urn:microsoft.com/office/officeart/2005/8/layout/hierarchy2"/>
     <dgm:cxn modelId="{C815E2D5-9653-401C-B627-0A06921568D1}" type="presParOf" srcId="{B7C4DAE0-9D57-4C74-94DA-2947A1F12CB6}" destId="{7459AF48-0ADA-4D92-ACC0-598683C0C229}" srcOrd="0" destOrd="0" presId="urn:microsoft.com/office/officeart/2005/8/layout/hierarchy2"/>
     <dgm:cxn modelId="{76385D17-5D4F-49C9-9C60-D3BDECCD4761}" type="presParOf" srcId="{7459AF48-0ADA-4D92-ACC0-598683C0C229}" destId="{60F701C1-3D28-46CB-9530-56B31D61B779}" srcOrd="0" destOrd="0" presId="urn:microsoft.com/office/officeart/2005/8/layout/hierarchy2"/>
     <dgm:cxn modelId="{6649B1E3-0516-493B-8513-5A14D8369BAE}" type="presParOf" srcId="{7459AF48-0ADA-4D92-ACC0-598683C0C229}" destId="{B0024988-370B-4555-AB06-531BEC5FFECA}" srcOrd="1" destOrd="0" presId="urn:microsoft.com/office/officeart/2005/8/layout/hierarchy2"/>
@@ -11900,21 +12334,26 @@
     <dgm:cxn modelId="{C6A28823-3FB8-41C7-B9BA-95938C12C43C}" type="presParOf" srcId="{45D220CC-5563-49FE-9E58-EFA97C521BFA}" destId="{592CC29A-89C9-45E4-9911-11273D8B02D0}" srcOrd="1" destOrd="0" presId="urn:microsoft.com/office/officeart/2005/8/layout/hierarchy2"/>
     <dgm:cxn modelId="{2DB3FFBB-3131-412D-9DA2-5BF544CAD875}" type="presParOf" srcId="{592CC29A-89C9-45E4-9911-11273D8B02D0}" destId="{EAD1D4BA-5CB1-4599-BE71-900C836342F2}" srcOrd="0" destOrd="0" presId="urn:microsoft.com/office/officeart/2005/8/layout/hierarchy2"/>
     <dgm:cxn modelId="{BE85C737-75EB-44BF-B2A7-A41963A2116D}" type="presParOf" srcId="{592CC29A-89C9-45E4-9911-11273D8B02D0}" destId="{E2F2B4C5-2357-4887-9FCD-AC068337E6FD}" srcOrd="1" destOrd="0" presId="urn:microsoft.com/office/officeart/2005/8/layout/hierarchy2"/>
-    <dgm:cxn modelId="{AF383962-EAC9-4FB0-86A5-6D759A497F01}" type="presParOf" srcId="{E2F2B4C5-2357-4887-9FCD-AC068337E6FD}" destId="{364E0390-8CC9-4C80-9A2E-1F6E043611FE}" srcOrd="0" destOrd="0" presId="urn:microsoft.com/office/officeart/2005/8/layout/hierarchy2"/>
-    <dgm:cxn modelId="{516391F3-9335-471A-B07A-8F0BCEFE6C20}" type="presParOf" srcId="{364E0390-8CC9-4C80-9A2E-1F6E043611FE}" destId="{98079810-C0AE-421C-BB26-64F59589CD6C}" srcOrd="0" destOrd="0" presId="urn:microsoft.com/office/officeart/2005/8/layout/hierarchy2"/>
-    <dgm:cxn modelId="{6AD32E59-2E1F-4D76-8F19-82E007ED6839}" type="presParOf" srcId="{E2F2B4C5-2357-4887-9FCD-AC068337E6FD}" destId="{036CCDFA-6074-4B3B-A4FB-CCD76D44765E}" srcOrd="1" destOrd="0" presId="urn:microsoft.com/office/officeart/2005/8/layout/hierarchy2"/>
-    <dgm:cxn modelId="{C25D5CFD-AE82-4375-9E79-290720C4A2A3}" type="presParOf" srcId="{036CCDFA-6074-4B3B-A4FB-CCD76D44765E}" destId="{5075A0CF-8038-4E02-9225-0C2EFAE6CF25}" srcOrd="0" destOrd="0" presId="urn:microsoft.com/office/officeart/2005/8/layout/hierarchy2"/>
-    <dgm:cxn modelId="{80E1D3DA-B25E-4C4D-A023-0522521B9FD9}" type="presParOf" srcId="{036CCDFA-6074-4B3B-A4FB-CCD76D44765E}" destId="{3F12241A-8DCA-4AC1-9369-545E2CD863D4}" srcOrd="1" destOrd="0" presId="urn:microsoft.com/office/officeart/2005/8/layout/hierarchy2"/>
-    <dgm:cxn modelId="{529898D0-2D7A-4D33-910E-DFFB5F64F44B}" type="presParOf" srcId="{E2F2B4C5-2357-4887-9FCD-AC068337E6FD}" destId="{A6961D34-4306-4684-8627-AB2F6F5A9BEF}" srcOrd="2" destOrd="0" presId="urn:microsoft.com/office/officeart/2005/8/layout/hierarchy2"/>
-    <dgm:cxn modelId="{34FDD4B5-6E0E-4B08-8930-D7A03065D6F8}" type="presParOf" srcId="{A6961D34-4306-4684-8627-AB2F6F5A9BEF}" destId="{998477A0-1205-4713-9FEF-7471259A1ED9}" srcOrd="0" destOrd="0" presId="urn:microsoft.com/office/officeart/2005/8/layout/hierarchy2"/>
-    <dgm:cxn modelId="{A4A9EC71-C688-4391-B5B7-605D6580AE1F}" type="presParOf" srcId="{E2F2B4C5-2357-4887-9FCD-AC068337E6FD}" destId="{0434940D-D59F-4E68-9683-E2F1E5E42B21}" srcOrd="3" destOrd="0" presId="urn:microsoft.com/office/officeart/2005/8/layout/hierarchy2"/>
-    <dgm:cxn modelId="{D8AE7827-FE5B-448C-B8D2-BF72824B70FA}" type="presParOf" srcId="{0434940D-D59F-4E68-9683-E2F1E5E42B21}" destId="{BC6992AB-A65D-4B0F-A8D6-DA54D38C86BD}" srcOrd="0" destOrd="0" presId="urn:microsoft.com/office/officeart/2005/8/layout/hierarchy2"/>
-    <dgm:cxn modelId="{0F34F318-32B5-4376-857F-D39A8D8D498B}" type="presParOf" srcId="{0434940D-D59F-4E68-9683-E2F1E5E42B21}" destId="{6E566043-CC4B-4015-8631-451A8970FC7D}" srcOrd="1" destOrd="0" presId="urn:microsoft.com/office/officeart/2005/8/layout/hierarchy2"/>
-    <dgm:cxn modelId="{B84C0501-0BEE-4D19-98D8-DB79D04E0A54}" type="presParOf" srcId="{E2F2B4C5-2357-4887-9FCD-AC068337E6FD}" destId="{D2732B44-E249-4628-ABC4-C12B82BC4B16}" srcOrd="4" destOrd="0" presId="urn:microsoft.com/office/officeart/2005/8/layout/hierarchy2"/>
-    <dgm:cxn modelId="{E0B58981-5714-47F0-B05C-B2F881C50363}" type="presParOf" srcId="{D2732B44-E249-4628-ABC4-C12B82BC4B16}" destId="{89F99F67-BBE6-4633-B071-1E53F7182022}" srcOrd="0" destOrd="0" presId="urn:microsoft.com/office/officeart/2005/8/layout/hierarchy2"/>
-    <dgm:cxn modelId="{FD11AE8C-0DF9-4430-930F-C3F4F3350B8F}" type="presParOf" srcId="{E2F2B4C5-2357-4887-9FCD-AC068337E6FD}" destId="{AFAEDD55-B689-4156-B8BD-0AFA78858F59}" srcOrd="5" destOrd="0" presId="urn:microsoft.com/office/officeart/2005/8/layout/hierarchy2"/>
-    <dgm:cxn modelId="{3736FE18-84A4-4470-9C39-E7BE58769829}" type="presParOf" srcId="{AFAEDD55-B689-4156-B8BD-0AFA78858F59}" destId="{EF681EB4-1791-43FB-A1ED-E90F2682930E}" srcOrd="0" destOrd="0" presId="urn:microsoft.com/office/officeart/2005/8/layout/hierarchy2"/>
-    <dgm:cxn modelId="{67D3AF35-4047-441B-AE4F-B3D7DAA53FDD}" type="presParOf" srcId="{AFAEDD55-B689-4156-B8BD-0AFA78858F59}" destId="{1B6938D4-2ACE-4129-9C71-098C77A33F51}" srcOrd="1" destOrd="0" presId="urn:microsoft.com/office/officeart/2005/8/layout/hierarchy2"/>
+    <dgm:cxn modelId="{482C7430-FA23-4C01-8416-D041CB655784}" type="presParOf" srcId="{E2F2B4C5-2357-4887-9FCD-AC068337E6FD}" destId="{C0A43192-73B4-460C-82C5-C915CEE636A2}" srcOrd="0" destOrd="0" presId="urn:microsoft.com/office/officeart/2005/8/layout/hierarchy2"/>
+    <dgm:cxn modelId="{57DBAC35-CF7E-4786-9769-E1CA44365D79}" type="presParOf" srcId="{C0A43192-73B4-460C-82C5-C915CEE636A2}" destId="{A1E8536D-3759-49D3-B353-D3C7313D03B1}" srcOrd="0" destOrd="0" presId="urn:microsoft.com/office/officeart/2005/8/layout/hierarchy2"/>
+    <dgm:cxn modelId="{55F0E73A-B911-4459-B33D-CB8F27930838}" type="presParOf" srcId="{E2F2B4C5-2357-4887-9FCD-AC068337E6FD}" destId="{B3C5DA2A-3842-4196-8F14-8447EBE6BF4C}" srcOrd="1" destOrd="0" presId="urn:microsoft.com/office/officeart/2005/8/layout/hierarchy2"/>
+    <dgm:cxn modelId="{C0F2E21F-98DA-445F-BCA8-D4CD998F1119}" type="presParOf" srcId="{B3C5DA2A-3842-4196-8F14-8447EBE6BF4C}" destId="{50CD4E3A-AB48-476B-BDF2-DB5F21EC75F3}" srcOrd="0" destOrd="0" presId="urn:microsoft.com/office/officeart/2005/8/layout/hierarchy2"/>
+    <dgm:cxn modelId="{DC35361E-C82F-4B2B-B67D-5457CDC64464}" type="presParOf" srcId="{B3C5DA2A-3842-4196-8F14-8447EBE6BF4C}" destId="{F4B06E4E-CEC1-4389-A67A-3C4CBC3468F6}" srcOrd="1" destOrd="0" presId="urn:microsoft.com/office/officeart/2005/8/layout/hierarchy2"/>
+    <dgm:cxn modelId="{03526BF6-EC76-4B37-861C-1D5422C39CD5}" type="presParOf" srcId="{E2F2B4C5-2357-4887-9FCD-AC068337E6FD}" destId="{364E0390-8CC9-4C80-9A2E-1F6E043611FE}" srcOrd="2" destOrd="0" presId="urn:microsoft.com/office/officeart/2005/8/layout/hierarchy2"/>
+    <dgm:cxn modelId="{2C1F552D-3DE4-4E91-A60A-33A596EC0C2B}" type="presParOf" srcId="{364E0390-8CC9-4C80-9A2E-1F6E043611FE}" destId="{98079810-C0AE-421C-BB26-64F59589CD6C}" srcOrd="0" destOrd="0" presId="urn:microsoft.com/office/officeart/2005/8/layout/hierarchy2"/>
+    <dgm:cxn modelId="{7E1C77D9-E1E6-4FD9-8EFF-2A0D0F670B04}" type="presParOf" srcId="{E2F2B4C5-2357-4887-9FCD-AC068337E6FD}" destId="{036CCDFA-6074-4B3B-A4FB-CCD76D44765E}" srcOrd="3" destOrd="0" presId="urn:microsoft.com/office/officeart/2005/8/layout/hierarchy2"/>
+    <dgm:cxn modelId="{C05B3283-556A-4F64-BB70-39D79A09A51C}" type="presParOf" srcId="{036CCDFA-6074-4B3B-A4FB-CCD76D44765E}" destId="{5075A0CF-8038-4E02-9225-0C2EFAE6CF25}" srcOrd="0" destOrd="0" presId="urn:microsoft.com/office/officeart/2005/8/layout/hierarchy2"/>
+    <dgm:cxn modelId="{F3469152-F68B-41F3-86E5-6DD0DB8239A5}" type="presParOf" srcId="{036CCDFA-6074-4B3B-A4FB-CCD76D44765E}" destId="{3F12241A-8DCA-4AC1-9369-545E2CD863D4}" srcOrd="1" destOrd="0" presId="urn:microsoft.com/office/officeart/2005/8/layout/hierarchy2"/>
+    <dgm:cxn modelId="{B538E3F0-65C1-4237-BAEC-9D350AA98981}" type="presParOf" srcId="{E2F2B4C5-2357-4887-9FCD-AC068337E6FD}" destId="{A6961D34-4306-4684-8627-AB2F6F5A9BEF}" srcOrd="4" destOrd="0" presId="urn:microsoft.com/office/officeart/2005/8/layout/hierarchy2"/>
+    <dgm:cxn modelId="{068FD207-AE26-4D1D-8243-98BE02D07729}" type="presParOf" srcId="{A6961D34-4306-4684-8627-AB2F6F5A9BEF}" destId="{998477A0-1205-4713-9FEF-7471259A1ED9}" srcOrd="0" destOrd="0" presId="urn:microsoft.com/office/officeart/2005/8/layout/hierarchy2"/>
+    <dgm:cxn modelId="{48A50462-E9ED-47CC-8977-D4E7F9678690}" type="presParOf" srcId="{E2F2B4C5-2357-4887-9FCD-AC068337E6FD}" destId="{0434940D-D59F-4E68-9683-E2F1E5E42B21}" srcOrd="5" destOrd="0" presId="urn:microsoft.com/office/officeart/2005/8/layout/hierarchy2"/>
+    <dgm:cxn modelId="{21DCBF96-62F7-49C5-A0A0-A71DE25D0184}" type="presParOf" srcId="{0434940D-D59F-4E68-9683-E2F1E5E42B21}" destId="{BC6992AB-A65D-4B0F-A8D6-DA54D38C86BD}" srcOrd="0" destOrd="0" presId="urn:microsoft.com/office/officeart/2005/8/layout/hierarchy2"/>
+    <dgm:cxn modelId="{E2CBC205-C90B-4CF1-8217-5F1C0B5C900E}" type="presParOf" srcId="{0434940D-D59F-4E68-9683-E2F1E5E42B21}" destId="{6E566043-CC4B-4015-8631-451A8970FC7D}" srcOrd="1" destOrd="0" presId="urn:microsoft.com/office/officeart/2005/8/layout/hierarchy2"/>
+    <dgm:cxn modelId="{C3176C20-7DC5-4E32-923D-0AFB787C2082}" type="presParOf" srcId="{E2F2B4C5-2357-4887-9FCD-AC068337E6FD}" destId="{D2732B44-E249-4628-ABC4-C12B82BC4B16}" srcOrd="6" destOrd="0" presId="urn:microsoft.com/office/officeart/2005/8/layout/hierarchy2"/>
+    <dgm:cxn modelId="{F879BA46-E404-42A5-A016-97BC42805DB2}" type="presParOf" srcId="{D2732B44-E249-4628-ABC4-C12B82BC4B16}" destId="{89F99F67-BBE6-4633-B071-1E53F7182022}" srcOrd="0" destOrd="0" presId="urn:microsoft.com/office/officeart/2005/8/layout/hierarchy2"/>
+    <dgm:cxn modelId="{06E1E7D1-873B-4650-8244-BA25CA700382}" type="presParOf" srcId="{E2F2B4C5-2357-4887-9FCD-AC068337E6FD}" destId="{AFAEDD55-B689-4156-B8BD-0AFA78858F59}" srcOrd="7" destOrd="0" presId="urn:microsoft.com/office/officeart/2005/8/layout/hierarchy2"/>
+    <dgm:cxn modelId="{FE329037-3E84-4593-9187-5AA7985DC6FF}" type="presParOf" srcId="{AFAEDD55-B689-4156-B8BD-0AFA78858F59}" destId="{EF681EB4-1791-43FB-A1ED-E90F2682930E}" srcOrd="0" destOrd="0" presId="urn:microsoft.com/office/officeart/2005/8/layout/hierarchy2"/>
+    <dgm:cxn modelId="{3E76290B-42A7-40B2-82E0-B74D4B973C41}" type="presParOf" srcId="{AFAEDD55-B689-4156-B8BD-0AFA78858F59}" destId="{1B6938D4-2ACE-4129-9C71-098C77A33F51}" srcOrd="1" destOrd="0" presId="urn:microsoft.com/office/officeart/2005/8/layout/hierarchy2"/>
     <dgm:cxn modelId="{F1E78661-70F7-4F14-AA42-0277585C7E53}" type="presParOf" srcId="{45D220CC-5563-49FE-9E58-EFA97C521BFA}" destId="{21D06EAA-C937-4961-8C03-9EC7B884F5F0}" srcOrd="2" destOrd="0" presId="urn:microsoft.com/office/officeart/2005/8/layout/hierarchy2"/>
     <dgm:cxn modelId="{A600E84E-8055-4510-A815-8F76FB950605}" type="presParOf" srcId="{21D06EAA-C937-4961-8C03-9EC7B884F5F0}" destId="{3F74B51A-6956-4836-8B14-81CE1B7B780D}" srcOrd="0" destOrd="0" presId="urn:microsoft.com/office/officeart/2005/8/layout/hierarchy2"/>
     <dgm:cxn modelId="{4EE7FB2E-471D-4E5A-A9F5-60E296AB1468}" type="presParOf" srcId="{45D220CC-5563-49FE-9E58-EFA97C521BFA}" destId="{216E077E-5785-4653-B249-C401EAFEBE7D}" srcOrd="3" destOrd="0" presId="urn:microsoft.com/office/officeart/2005/8/layout/hierarchy2"/>
@@ -12873,6 +13312,13 @@
         </dgm:presLayoutVars>
       </dgm:prSet>
       <dgm:spPr/>
+      <dgm:t>
+        <a:bodyPr/>
+        <a:lstStyle/>
+        <a:p>
+          <a:endParaRPr lang="en-US"/>
+        </a:p>
+      </dgm:t>
     </dgm:pt>
     <dgm:pt modelId="{A634B3C4-DD48-4825-AD94-C58666848D03}" type="pres">
       <dgm:prSet presAssocID="{2B34C0D0-0427-4FCF-B0CE-F88159005310}" presName="root1" presStyleCnt="0"/>
@@ -13687,73 +14133,73 @@
     </dgm:pt>
   </dgm:ptLst>
   <dgm:cxnLst>
+    <dgm:cxn modelId="{61BDCB18-2F77-473E-8528-B4AFB30D9911}" type="presOf" srcId="{2B34C0D0-0427-4FCF-B0CE-F88159005310}" destId="{B78E3BE7-5DBC-4AEB-A549-A441E56EDC83}" srcOrd="0" destOrd="0" presId="urn:microsoft.com/office/officeart/2005/8/layout/hierarchy2"/>
+    <dgm:cxn modelId="{5BD71031-C5D0-418B-8349-3CF8E4536395}" type="presOf" srcId="{51D08088-CE24-4351-911A-446E47849BA8}" destId="{BC7151B0-FF63-4A92-85D7-38E8C3A7F946}" srcOrd="0" destOrd="0" presId="urn:microsoft.com/office/officeart/2005/8/layout/hierarchy2"/>
+    <dgm:cxn modelId="{2498A09F-C6A1-4E9E-906D-35B8623319AF}" type="presOf" srcId="{EF9E58E1-99D8-47F5-A323-7D531C1A582F}" destId="{AFB94BFB-64BA-4921-B612-263118293893}" srcOrd="0" destOrd="0" presId="urn:microsoft.com/office/officeart/2005/8/layout/hierarchy2"/>
+    <dgm:cxn modelId="{FF6CCF6F-4B68-469D-AA6E-3E17E332D7EC}" type="presOf" srcId="{FD33CB7D-0CFA-4123-8088-35E1BAB61094}" destId="{B0E6AFAE-3D33-4058-9B43-A6B555118481}" srcOrd="0" destOrd="0" presId="urn:microsoft.com/office/officeart/2005/8/layout/hierarchy2"/>
+    <dgm:cxn modelId="{6FC25C60-5D67-4852-8F0B-5EFE5D5BF84A}" type="presOf" srcId="{67B957ED-B652-4F6F-B5C3-29C926605502}" destId="{6FC7BD8A-EB7C-4249-964E-6968596950E4}" srcOrd="0" destOrd="0" presId="urn:microsoft.com/office/officeart/2005/8/layout/hierarchy2"/>
+    <dgm:cxn modelId="{A42DC175-ABAE-45A8-9803-98836996BE2E}" type="presOf" srcId="{C77D26FC-E89A-4106-94AD-BF5E89E09A23}" destId="{D9BEB6BE-8A86-4D87-9CF4-F1555AA1A74F}" srcOrd="0" destOrd="0" presId="urn:microsoft.com/office/officeart/2005/8/layout/hierarchy2"/>
+    <dgm:cxn modelId="{12225C81-A8BC-47BF-9365-CDE8955BEA48}" type="presOf" srcId="{27D8A2A3-364E-4EBC-94D2-693AC1EB6A5F}" destId="{2C6E7341-DE1F-42A7-934D-94A46291CD5D}" srcOrd="0" destOrd="0" presId="urn:microsoft.com/office/officeart/2005/8/layout/hierarchy2"/>
+    <dgm:cxn modelId="{AFF6E0F9-1953-49C4-8B47-B848F557E524}" type="presOf" srcId="{9E248D7D-11CF-4651-B633-E49BA1E6C993}" destId="{BCE6A073-6E02-43E3-A189-D47C8D048586}" srcOrd="0" destOrd="0" presId="urn:microsoft.com/office/officeart/2005/8/layout/hierarchy2"/>
+    <dgm:cxn modelId="{BFB12DA3-FB09-46FF-9355-18BFACD95E5B}" type="presOf" srcId="{1107B486-66DA-4467-B265-B9BB6D25C89E}" destId="{76C44328-C429-4B8E-8943-749D68B41096}" srcOrd="0" destOrd="0" presId="urn:microsoft.com/office/officeart/2005/8/layout/hierarchy2"/>
+    <dgm:cxn modelId="{915C528E-1FCD-4345-BC79-573AE2B7BE9C}" type="presOf" srcId="{CB6D139A-E2F2-44A0-A928-E19864FEDBFF}" destId="{F4A9E439-F6C5-46D3-B0C7-2C040181C6A4}" srcOrd="0" destOrd="0" presId="urn:microsoft.com/office/officeart/2005/8/layout/hierarchy2"/>
+    <dgm:cxn modelId="{FDFB9F71-41D8-460A-B1D7-9C6F9237415E}" type="presOf" srcId="{48A6C4E0-4144-4D58-BC99-DA8BCC58B999}" destId="{489DD955-8D67-4455-ADE0-0C69D7C92C47}" srcOrd="1" destOrd="0" presId="urn:microsoft.com/office/officeart/2005/8/layout/hierarchy2"/>
+    <dgm:cxn modelId="{298ABDAA-6B9A-4365-9DC1-E33093F1A0AD}" srcId="{376C8C0B-8B5B-4F27-9FA0-05E0A8B8CCAF}" destId="{2B34C0D0-0427-4FCF-B0CE-F88159005310}" srcOrd="0" destOrd="0" parTransId="{33BBB9F3-E305-4C41-81B8-4D986A226A36}" sibTransId="{255CBC43-E3C5-4326-A16B-E05E57B16AFD}"/>
+    <dgm:cxn modelId="{EE72F78B-95DB-4B12-BC22-D4EB90328145}" srcId="{67B957ED-B652-4F6F-B5C3-29C926605502}" destId="{1107B486-66DA-4467-B265-B9BB6D25C89E}" srcOrd="1" destOrd="0" parTransId="{EF9E58E1-99D8-47F5-A323-7D531C1A582F}" sibTransId="{819F652E-B7E1-4440-AA04-975C7333FC3B}"/>
+    <dgm:cxn modelId="{148FCA39-8F04-4646-A1C2-0CC930BFB9E3}" type="presOf" srcId="{BF585F2C-7A18-430B-ACD8-3D98320CAD6B}" destId="{E2DDEE3C-4EBF-4543-B893-A591FCF63B68}" srcOrd="0" destOrd="0" presId="urn:microsoft.com/office/officeart/2005/8/layout/hierarchy2"/>
+    <dgm:cxn modelId="{3D958D4F-6C91-4154-8D65-AEDC61488E36}" type="presOf" srcId="{EFD0E23E-B1DE-4E8D-B070-7983817294DD}" destId="{D972B0AE-F330-4709-8FC1-E386BD696EA9}" srcOrd="0" destOrd="0" presId="urn:microsoft.com/office/officeart/2005/8/layout/hierarchy2"/>
+    <dgm:cxn modelId="{F9A30945-006F-4644-8AB1-9B9089C5DDDB}" type="presOf" srcId="{376C8C0B-8B5B-4F27-9FA0-05E0A8B8CCAF}" destId="{1ADB88C2-BE36-4788-A498-65B5A59B4E01}" srcOrd="0" destOrd="0" presId="urn:microsoft.com/office/officeart/2005/8/layout/hierarchy2"/>
+    <dgm:cxn modelId="{3A18D85A-A750-4E9A-BBEB-DBB0E4FE5042}" srcId="{9E248D7D-11CF-4651-B633-E49BA1E6C993}" destId="{EFD0E23E-B1DE-4E8D-B070-7983817294DD}" srcOrd="0" destOrd="0" parTransId="{844012A5-1A2C-44F9-8F8C-504262B6F3FA}" sibTransId="{5CF35C62-4870-434A-961B-95B4477EA207}"/>
+    <dgm:cxn modelId="{824C04F1-1584-43E3-9342-6CB6DBAFF49A}" type="presOf" srcId="{08B64510-3549-4788-9676-1CC66D5548BB}" destId="{9E4E5924-8B10-4FB3-B0C7-24C989EAAD5E}" srcOrd="0" destOrd="0" presId="urn:microsoft.com/office/officeart/2005/8/layout/hierarchy2"/>
+    <dgm:cxn modelId="{67950A05-FCFC-4FF7-9705-ADE2EC28F0F7}" type="presOf" srcId="{B73E0221-3AB0-4846-8F18-0FEC41E4DF76}" destId="{0C0BCE7C-8977-433D-88D0-79E880E690B5}" srcOrd="0" destOrd="0" presId="urn:microsoft.com/office/officeart/2005/8/layout/hierarchy2"/>
+    <dgm:cxn modelId="{3AE2A92F-79DC-449B-99A6-545F717259D6}" type="presOf" srcId="{CC30DE32-949E-45DB-A4D1-B7CF6C1182B3}" destId="{054BBE82-3A4B-4B29-89D9-2381ED8BBB38}" srcOrd="0" destOrd="0" presId="urn:microsoft.com/office/officeart/2005/8/layout/hierarchy2"/>
+    <dgm:cxn modelId="{9F10C747-482B-4B00-93DA-DF5BE16C3AA6}" srcId="{67B957ED-B652-4F6F-B5C3-29C926605502}" destId="{C77D26FC-E89A-4106-94AD-BF5E89E09A23}" srcOrd="0" destOrd="0" parTransId="{08B64510-3549-4788-9676-1CC66D5548BB}" sibTransId="{497444F3-3781-4708-8F3F-8FEE7309F035}"/>
+    <dgm:cxn modelId="{3CB80DE9-A3B6-4812-9158-90DEDE1ED201}" type="presOf" srcId="{E64F80B3-2217-4B54-9AEA-2A28A56FEDED}" destId="{8BD9BF80-89D0-4D10-BB38-297A4899842D}" srcOrd="1" destOrd="0" presId="urn:microsoft.com/office/officeart/2005/8/layout/hierarchy2"/>
+    <dgm:cxn modelId="{D034BEA6-A0A7-4426-9ECE-B1E3979B2CC9}" srcId="{2B34C0D0-0427-4FCF-B0CE-F88159005310}" destId="{AE7C1E1E-1DB4-439D-BE4A-BE5AECF203D6}" srcOrd="3" destOrd="0" parTransId="{6C8D6AE0-B592-4A0D-9CB4-B1C7574A7995}" sibTransId="{F92B2E1F-67D8-46BF-9252-32901E1950E1}"/>
+    <dgm:cxn modelId="{4D6CCCA5-575F-457A-BB97-E00D2BC95C34}" type="presOf" srcId="{8E9BFD0A-C039-4FCB-ADB5-9FDED32BC968}" destId="{5C405B8F-27A5-4529-B766-E964315DFA9F}" srcOrd="0" destOrd="0" presId="urn:microsoft.com/office/officeart/2005/8/layout/hierarchy2"/>
+    <dgm:cxn modelId="{F765EB25-556E-4412-B72F-D53E449B90B2}" type="presOf" srcId="{B93838B7-5FBC-444D-A256-7C90E608C556}" destId="{5CF556B3-C70F-46AB-A0CD-A5FB58AA4E3D}" srcOrd="0" destOrd="0" presId="urn:microsoft.com/office/officeart/2005/8/layout/hierarchy2"/>
+    <dgm:cxn modelId="{4A0A0326-E64C-4E1A-8A99-FFB324094172}" type="presOf" srcId="{8E9BFD0A-C039-4FCB-ADB5-9FDED32BC968}" destId="{A16EC794-E2B7-49E6-BEF2-EC017C2B4860}" srcOrd="1" destOrd="0" presId="urn:microsoft.com/office/officeart/2005/8/layout/hierarchy2"/>
+    <dgm:cxn modelId="{B62C6E2C-E551-4720-BEE6-7E80BC62777C}" type="presOf" srcId="{6C8D6AE0-B592-4A0D-9CB4-B1C7574A7995}" destId="{0B6F7730-28A3-4830-81EC-BDD4A7998E01}" srcOrd="1" destOrd="0" presId="urn:microsoft.com/office/officeart/2005/8/layout/hierarchy2"/>
+    <dgm:cxn modelId="{95EC78BA-7832-4509-ABD4-7D634534DEA6}" srcId="{51D08088-CE24-4351-911A-446E47849BA8}" destId="{BF585F2C-7A18-430B-ACD8-3D98320CAD6B}" srcOrd="1" destOrd="0" parTransId="{84076E8B-51F9-430D-88B6-82F7FBD665B5}" sibTransId="{D929B721-B43E-44A9-8534-5E20997D2513}"/>
+    <dgm:cxn modelId="{1BC80537-B1ED-4269-9765-D230B577C49A}" type="presOf" srcId="{E64F80B3-2217-4B54-9AEA-2A28A56FEDED}" destId="{D1D63429-6988-4124-83C6-A8AAD4A02CC3}" srcOrd="0" destOrd="0" presId="urn:microsoft.com/office/officeart/2005/8/layout/hierarchy2"/>
+    <dgm:cxn modelId="{3E41FAC6-BE81-42A5-A472-265D1D5F456F}" type="presOf" srcId="{32148FF5-C658-4B04-B1D1-EF1D7FEB302B}" destId="{01C2B481-D7AF-42F5-A884-C475CC4CD149}" srcOrd="1" destOrd="0" presId="urn:microsoft.com/office/officeart/2005/8/layout/hierarchy2"/>
+    <dgm:cxn modelId="{AFFBF60A-0C9E-4985-B82F-6981E8DDDBF7}" type="presOf" srcId="{08B64510-3549-4788-9676-1CC66D5548BB}" destId="{0B5C7D4A-EC10-46D3-A80F-A3A5427ED4C0}" srcOrd="1" destOrd="0" presId="urn:microsoft.com/office/officeart/2005/8/layout/hierarchy2"/>
     <dgm:cxn modelId="{214A2D90-5FCD-4A43-998C-B744B59A1FEE}" type="presOf" srcId="{EF9E58E1-99D8-47F5-A323-7D531C1A582F}" destId="{F90907A8-C88A-493C-867F-B2F954FDA3C7}" srcOrd="1" destOrd="0" presId="urn:microsoft.com/office/officeart/2005/8/layout/hierarchy2"/>
+    <dgm:cxn modelId="{E838778F-F45E-4E37-8D94-06F361430E05}" type="presOf" srcId="{84076E8B-51F9-430D-88B6-82F7FBD665B5}" destId="{E3A5BAC6-8C2E-4773-B685-BB1949EA588C}" srcOrd="1" destOrd="0" presId="urn:microsoft.com/office/officeart/2005/8/layout/hierarchy2"/>
+    <dgm:cxn modelId="{DC1690DC-57E8-4934-BE46-1F583E1DE069}" type="presOf" srcId="{41F701C1-AB6B-4534-BBCD-65EF4FCA0FF5}" destId="{997C16F2-0CAE-45CD-94A6-D4A95FA1E042}" srcOrd="1" destOrd="0" presId="urn:microsoft.com/office/officeart/2005/8/layout/hierarchy2"/>
+    <dgm:cxn modelId="{2BE0568B-28D6-4303-B0A5-5BE9D1F85D6B}" srcId="{51D08088-CE24-4351-911A-446E47849BA8}" destId="{DEF60B52-25E8-45E3-9A09-4FE0B7AEC98D}" srcOrd="0" destOrd="0" parTransId="{8E9BFD0A-C039-4FCB-ADB5-9FDED32BC968}" sibTransId="{27A03842-FA66-4672-94FF-122EA7305481}"/>
+    <dgm:cxn modelId="{4C0DCC2D-AB08-4C99-B1C7-5A3151029A35}" type="presOf" srcId="{41F701C1-AB6B-4534-BBCD-65EF4FCA0FF5}" destId="{F8919B99-9AF3-41AD-86D7-757D388A7A26}" srcOrd="0" destOrd="0" presId="urn:microsoft.com/office/officeart/2005/8/layout/hierarchy2"/>
+    <dgm:cxn modelId="{A4587BEE-6719-4D67-8A85-54E7BC560C7B}" srcId="{FD33CB7D-0CFA-4123-8088-35E1BAB61094}" destId="{90E0FCFF-F99F-46AD-9B30-A64FF29D7AE9}" srcOrd="0" destOrd="0" parTransId="{48A6C4E0-4144-4D58-BC99-DA8BCC58B999}" sibTransId="{02822AE3-DB8D-4856-B822-42C48CB0C02F}"/>
+    <dgm:cxn modelId="{266619A3-34E3-4F22-9355-F9CD105BDC2A}" type="presOf" srcId="{CE713C6A-5D2F-41C5-9CED-7E0706E79594}" destId="{A5B526D0-92CC-4DFA-8BDB-CC84869CCB24}" srcOrd="0" destOrd="0" presId="urn:microsoft.com/office/officeart/2005/8/layout/hierarchy2"/>
+    <dgm:cxn modelId="{64D924F1-6DE1-481A-A563-EC9F584E0B12}" srcId="{AE7C1E1E-1DB4-439D-BE4A-BE5AECF203D6}" destId="{FD33CB7D-0CFA-4123-8088-35E1BAB61094}" srcOrd="0" destOrd="0" parTransId="{E64F80B3-2217-4B54-9AEA-2A28A56FEDED}" sibTransId="{ECF9C6F7-0CD5-40E2-B39F-65607DCB0AFE}"/>
+    <dgm:cxn modelId="{5FD6C47F-47FC-4E55-8DB9-534115B8EE34}" type="presOf" srcId="{32148FF5-C658-4B04-B1D1-EF1D7FEB302B}" destId="{C84981A7-BA86-4046-A2D9-E876DB26B204}" srcOrd="0" destOrd="0" presId="urn:microsoft.com/office/officeart/2005/8/layout/hierarchy2"/>
+    <dgm:cxn modelId="{925F6557-AE11-4656-9F68-BD1DF49E01D0}" type="presOf" srcId="{EB566AE8-920D-4231-AEA8-DA3EB51A7773}" destId="{A05EE5B6-B96D-47E1-B8C5-D61DEBBA0C0B}" srcOrd="0" destOrd="0" presId="urn:microsoft.com/office/officeart/2005/8/layout/hierarchy2"/>
+    <dgm:cxn modelId="{B36E453D-687A-40E6-9B42-597EA19C6B5F}" srcId="{FD33CB7D-0CFA-4123-8088-35E1BAB61094}" destId="{CC30DE32-949E-45DB-A4D1-B7CF6C1182B3}" srcOrd="2" destOrd="0" parTransId="{EB566AE8-920D-4231-AEA8-DA3EB51A7773}" sibTransId="{B548CA1D-6040-451A-9563-83BC88DF20ED}"/>
+    <dgm:cxn modelId="{B71EB433-2A3D-4206-9EEF-41D81C8B4CED}" type="presOf" srcId="{EB566AE8-920D-4231-AEA8-DA3EB51A7773}" destId="{63B28711-0D99-4A40-B6D7-273973F00FC2}" srcOrd="1" destOrd="0" presId="urn:microsoft.com/office/officeart/2005/8/layout/hierarchy2"/>
+    <dgm:cxn modelId="{915201E5-3E6E-41B6-87F4-BC4DCA842EAE}" srcId="{DEF60B52-25E8-45E3-9A09-4FE0B7AEC98D}" destId="{CE713C6A-5D2F-41C5-9CED-7E0706E79594}" srcOrd="0" destOrd="0" parTransId="{997B22A9-7A9A-47F2-A81F-51496B24A70A}" sibTransId="{5C683008-1D88-44EA-BE59-B10203A10A1B}"/>
+    <dgm:cxn modelId="{8C761A4B-0255-4851-9C60-B4D5DCAD9C25}" type="presOf" srcId="{2FD38B3C-F7AF-423D-9A03-09F39895E615}" destId="{165D8C3A-801D-4FC7-A203-0FDC4166C808}" srcOrd="0" destOrd="0" presId="urn:microsoft.com/office/officeart/2005/8/layout/hierarchy2"/>
+    <dgm:cxn modelId="{CEEC6270-1733-4B87-98D2-CE1E968C0826}" type="presOf" srcId="{AE7C1E1E-1DB4-439D-BE4A-BE5AECF203D6}" destId="{AD5344C5-AC06-4D6F-A71E-BEC760175C5E}" srcOrd="0" destOrd="0" presId="urn:microsoft.com/office/officeart/2005/8/layout/hierarchy2"/>
+    <dgm:cxn modelId="{470E36CF-F73D-4B00-AC72-F85FC243D1EE}" type="presOf" srcId="{D49C76B9-9E92-43AA-8116-19290E589E76}" destId="{021E59B9-7AB5-46B9-8B50-F8DCE1E8C5F4}" srcOrd="0" destOrd="0" presId="urn:microsoft.com/office/officeart/2005/8/layout/hierarchy2"/>
+    <dgm:cxn modelId="{86BA717B-11DA-4BBE-9173-22FEC044F95B}" type="presOf" srcId="{FD299C1D-C091-4EFD-B618-B3D4397D3F3F}" destId="{A0356657-9685-4996-A7CA-CA8544F3820D}" srcOrd="1" destOrd="0" presId="urn:microsoft.com/office/officeart/2005/8/layout/hierarchy2"/>
+    <dgm:cxn modelId="{9173CDFE-037B-4159-839A-DAFF135FC9B8}" type="presOf" srcId="{997B22A9-7A9A-47F2-A81F-51496B24A70A}" destId="{FB2FCD18-76B6-492D-9870-7E618187F42D}" srcOrd="1" destOrd="0" presId="urn:microsoft.com/office/officeart/2005/8/layout/hierarchy2"/>
     <dgm:cxn modelId="{0143D28B-B741-4663-AF15-B3BFA75E8950}" type="presOf" srcId="{27D8A2A3-364E-4EBC-94D2-693AC1EB6A5F}" destId="{E60C5E08-2979-40A3-AF23-822C3301CBCB}" srcOrd="1" destOrd="0" presId="urn:microsoft.com/office/officeart/2005/8/layout/hierarchy2"/>
-    <dgm:cxn modelId="{B36E453D-687A-40E6-9B42-597EA19C6B5F}" srcId="{FD33CB7D-0CFA-4123-8088-35E1BAB61094}" destId="{CC30DE32-949E-45DB-A4D1-B7CF6C1182B3}" srcOrd="2" destOrd="0" parTransId="{EB566AE8-920D-4231-AEA8-DA3EB51A7773}" sibTransId="{B548CA1D-6040-451A-9563-83BC88DF20ED}"/>
-    <dgm:cxn modelId="{915C528E-1FCD-4345-BC79-573AE2B7BE9C}" type="presOf" srcId="{CB6D139A-E2F2-44A0-A928-E19864FEDBFF}" destId="{F4A9E439-F6C5-46D3-B0C7-2C040181C6A4}" srcOrd="0" destOrd="0" presId="urn:microsoft.com/office/officeart/2005/8/layout/hierarchy2"/>
-    <dgm:cxn modelId="{148FCA39-8F04-4646-A1C2-0CC930BFB9E3}" type="presOf" srcId="{BF585F2C-7A18-430B-ACD8-3D98320CAD6B}" destId="{E2DDEE3C-4EBF-4543-B893-A591FCF63B68}" srcOrd="0" destOrd="0" presId="urn:microsoft.com/office/officeart/2005/8/layout/hierarchy2"/>
-    <dgm:cxn modelId="{915201E5-3E6E-41B6-87F4-BC4DCA842EAE}" srcId="{DEF60B52-25E8-45E3-9A09-4FE0B7AEC98D}" destId="{CE713C6A-5D2F-41C5-9CED-7E0706E79594}" srcOrd="0" destOrd="0" parTransId="{997B22A9-7A9A-47F2-A81F-51496B24A70A}" sibTransId="{5C683008-1D88-44EA-BE59-B10203A10A1B}"/>
-    <dgm:cxn modelId="{B71EB433-2A3D-4206-9EEF-41D81C8B4CED}" type="presOf" srcId="{EB566AE8-920D-4231-AEA8-DA3EB51A7773}" destId="{63B28711-0D99-4A40-B6D7-273973F00FC2}" srcOrd="1" destOrd="0" presId="urn:microsoft.com/office/officeart/2005/8/layout/hierarchy2"/>
-    <dgm:cxn modelId="{2498A09F-C6A1-4E9E-906D-35B8623319AF}" type="presOf" srcId="{EF9E58E1-99D8-47F5-A323-7D531C1A582F}" destId="{AFB94BFB-64BA-4921-B612-263118293893}" srcOrd="0" destOrd="0" presId="urn:microsoft.com/office/officeart/2005/8/layout/hierarchy2"/>
-    <dgm:cxn modelId="{CEEC6270-1733-4B87-98D2-CE1E968C0826}" type="presOf" srcId="{AE7C1E1E-1DB4-439D-BE4A-BE5AECF203D6}" destId="{AD5344C5-AC06-4D6F-A71E-BEC760175C5E}" srcOrd="0" destOrd="0" presId="urn:microsoft.com/office/officeart/2005/8/layout/hierarchy2"/>
+    <dgm:cxn modelId="{920ECA7A-462F-486B-9CA8-84BE12D26C3A}" type="presOf" srcId="{84076E8B-51F9-430D-88B6-82F7FBD665B5}" destId="{638A594B-EB8C-48EF-AD7B-62AB385114F5}" srcOrd="0" destOrd="0" presId="urn:microsoft.com/office/officeart/2005/8/layout/hierarchy2"/>
     <dgm:cxn modelId="{43D5F635-4487-480A-B189-B6EDC036951B}" srcId="{DEF60B52-25E8-45E3-9A09-4FE0B7AEC98D}" destId="{D49C76B9-9E92-43AA-8116-19290E589E76}" srcOrd="1" destOrd="0" parTransId="{FD299C1D-C091-4EFD-B618-B3D4397D3F3F}" sibTransId="{F60223E2-C0D5-4FD8-931B-9FC9ABBACDBE}"/>
-    <dgm:cxn modelId="{95EC78BA-7832-4509-ABD4-7D634534DEA6}" srcId="{51D08088-CE24-4351-911A-446E47849BA8}" destId="{BF585F2C-7A18-430B-ACD8-3D98320CAD6B}" srcOrd="1" destOrd="0" parTransId="{84076E8B-51F9-430D-88B6-82F7FBD665B5}" sibTransId="{D929B721-B43E-44A9-8534-5E20997D2513}"/>
-    <dgm:cxn modelId="{12225C81-A8BC-47BF-9365-CDE8955BEA48}" type="presOf" srcId="{27D8A2A3-364E-4EBC-94D2-693AC1EB6A5F}" destId="{2C6E7341-DE1F-42A7-934D-94A46291CD5D}" srcOrd="0" destOrd="0" presId="urn:microsoft.com/office/officeart/2005/8/layout/hierarchy2"/>
-    <dgm:cxn modelId="{8C761A4B-0255-4851-9C60-B4D5DCAD9C25}" type="presOf" srcId="{2FD38B3C-F7AF-423D-9A03-09F39895E615}" destId="{165D8C3A-801D-4FC7-A203-0FDC4166C808}" srcOrd="0" destOrd="0" presId="urn:microsoft.com/office/officeart/2005/8/layout/hierarchy2"/>
-    <dgm:cxn modelId="{BFB12DA3-FB09-46FF-9355-18BFACD95E5B}" type="presOf" srcId="{1107B486-66DA-4467-B265-B9BB6D25C89E}" destId="{76C44328-C429-4B8E-8943-749D68B41096}" srcOrd="0" destOrd="0" presId="urn:microsoft.com/office/officeart/2005/8/layout/hierarchy2"/>
-    <dgm:cxn modelId="{9173CDFE-037B-4159-839A-DAFF135FC9B8}" type="presOf" srcId="{997B22A9-7A9A-47F2-A81F-51496B24A70A}" destId="{FB2FCD18-76B6-492D-9870-7E618187F42D}" srcOrd="1" destOrd="0" presId="urn:microsoft.com/office/officeart/2005/8/layout/hierarchy2"/>
+    <dgm:cxn modelId="{CB881F44-57DE-4070-AC1E-9ACA56E50484}" type="presOf" srcId="{2FD38B3C-F7AF-423D-9A03-09F39895E615}" destId="{5000CCD5-CE23-40BA-A435-DCA65BD58E03}" srcOrd="1" destOrd="0" presId="urn:microsoft.com/office/officeart/2005/8/layout/hierarchy2"/>
+    <dgm:cxn modelId="{C52E42D6-BB17-433B-81FF-8063B2F01CBE}" type="presOf" srcId="{90E0FCFF-F99F-46AD-9B30-A64FF29D7AE9}" destId="{CB4B2F64-68CA-4E1B-8642-9B025130B600}" srcOrd="0" destOrd="0" presId="urn:microsoft.com/office/officeart/2005/8/layout/hierarchy2"/>
+    <dgm:cxn modelId="{1828586D-CC69-4056-AF47-C6985110952C}" type="presOf" srcId="{997B22A9-7A9A-47F2-A81F-51496B24A70A}" destId="{D87CAD9C-6C40-48CD-9F6D-FA10FDE293AB}" srcOrd="0" destOrd="0" presId="urn:microsoft.com/office/officeart/2005/8/layout/hierarchy2"/>
+    <dgm:cxn modelId="{D093AE20-0496-48EB-95D8-FC6A67DA49E0}" srcId="{2B34C0D0-0427-4FCF-B0CE-F88159005310}" destId="{67B957ED-B652-4F6F-B5C3-29C926605502}" srcOrd="1" destOrd="0" parTransId="{41F701C1-AB6B-4534-BBCD-65EF4FCA0FF5}" sibTransId="{EDEF3758-89F3-4EE6-BB14-CA9F8059F6A4}"/>
+    <dgm:cxn modelId="{18D9B636-76E1-43EC-A47E-9082EA98297A}" srcId="{FD33CB7D-0CFA-4123-8088-35E1BAB61094}" destId="{B73E0221-3AB0-4846-8F18-0FEC41E4DF76}" srcOrd="1" destOrd="0" parTransId="{27D8A2A3-364E-4EBC-94D2-693AC1EB6A5F}" sibTransId="{8518D4D3-A2F6-47C5-96CB-4F4EF2CFA07F}"/>
+    <dgm:cxn modelId="{6D5E968D-A69A-490B-868E-5625FEF44316}" srcId="{67B957ED-B652-4F6F-B5C3-29C926605502}" destId="{CB6D139A-E2F2-44A0-A928-E19864FEDBFF}" srcOrd="2" destOrd="0" parTransId="{32148FF5-C658-4B04-B1D1-EF1D7FEB302B}" sibTransId="{244016DC-AE6C-4D9D-A3E2-DFF03DDF6BDF}"/>
+    <dgm:cxn modelId="{5613D715-96B3-44A5-A660-E40181DE61E0}" type="presOf" srcId="{844012A5-1A2C-44F9-8F8C-504262B6F3FA}" destId="{686015E4-624F-4645-AB83-C5F169247764}" srcOrd="0" destOrd="0" presId="urn:microsoft.com/office/officeart/2005/8/layout/hierarchy2"/>
+    <dgm:cxn modelId="{635B26DF-1590-462F-B02D-69FF5CC8C403}" type="presOf" srcId="{B93838B7-5FBC-444D-A256-7C90E608C556}" destId="{4B9169A5-7B5C-4754-AD08-306A58D0E00C}" srcOrd="1" destOrd="0" presId="urn:microsoft.com/office/officeart/2005/8/layout/hierarchy2"/>
+    <dgm:cxn modelId="{8FEFBA25-5EE4-40BD-AA6B-A2C0EC584E86}" type="presOf" srcId="{DEF60B52-25E8-45E3-9A09-4FE0B7AEC98D}" destId="{13CF11C2-5ECD-4167-8D6D-B393DC1B1968}" srcOrd="0" destOrd="0" presId="urn:microsoft.com/office/officeart/2005/8/layout/hierarchy2"/>
+    <dgm:cxn modelId="{B534BBF4-6F3E-45F9-B889-AE5DE8DA64E6}" type="presOf" srcId="{6C8D6AE0-B592-4A0D-9CB4-B1C7574A7995}" destId="{7C490B60-FA8D-484A-836F-826884A4144C}" srcOrd="0" destOrd="0" presId="urn:microsoft.com/office/officeart/2005/8/layout/hierarchy2"/>
     <dgm:cxn modelId="{FC9D8316-2BCE-4121-82D8-3D932E39A99C}" srcId="{2B34C0D0-0427-4FCF-B0CE-F88159005310}" destId="{9E248D7D-11CF-4651-B633-E49BA1E6C993}" srcOrd="0" destOrd="0" parTransId="{B93838B7-5FBC-444D-A256-7C90E608C556}" sibTransId="{EEE1431D-5EAF-4867-8BBC-78F9D8169B15}"/>
-    <dgm:cxn modelId="{2BE0568B-28D6-4303-B0A5-5BE9D1F85D6B}" srcId="{51D08088-CE24-4351-911A-446E47849BA8}" destId="{DEF60B52-25E8-45E3-9A09-4FE0B7AEC98D}" srcOrd="0" destOrd="0" parTransId="{8E9BFD0A-C039-4FCB-ADB5-9FDED32BC968}" sibTransId="{27A03842-FA66-4672-94FF-122EA7305481}"/>
-    <dgm:cxn modelId="{FF6CCF6F-4B68-469D-AA6E-3E17E332D7EC}" type="presOf" srcId="{FD33CB7D-0CFA-4123-8088-35E1BAB61094}" destId="{B0E6AFAE-3D33-4058-9B43-A6B555118481}" srcOrd="0" destOrd="0" presId="urn:microsoft.com/office/officeart/2005/8/layout/hierarchy2"/>
-    <dgm:cxn modelId="{DC1690DC-57E8-4934-BE46-1F583E1DE069}" type="presOf" srcId="{41F701C1-AB6B-4534-BBCD-65EF4FCA0FF5}" destId="{997C16F2-0CAE-45CD-94A6-D4A95FA1E042}" srcOrd="1" destOrd="0" presId="urn:microsoft.com/office/officeart/2005/8/layout/hierarchy2"/>
-    <dgm:cxn modelId="{1BC80537-B1ED-4269-9765-D230B577C49A}" type="presOf" srcId="{E64F80B3-2217-4B54-9AEA-2A28A56FEDED}" destId="{D1D63429-6988-4124-83C6-A8AAD4A02CC3}" srcOrd="0" destOrd="0" presId="urn:microsoft.com/office/officeart/2005/8/layout/hierarchy2"/>
-    <dgm:cxn modelId="{5BD71031-C5D0-418B-8349-3CF8E4536395}" type="presOf" srcId="{51D08088-CE24-4351-911A-446E47849BA8}" destId="{BC7151B0-FF63-4A92-85D7-38E8C3A7F946}" srcOrd="0" destOrd="0" presId="urn:microsoft.com/office/officeart/2005/8/layout/hierarchy2"/>
-    <dgm:cxn modelId="{64D924F1-6DE1-481A-A563-EC9F584E0B12}" srcId="{AE7C1E1E-1DB4-439D-BE4A-BE5AECF203D6}" destId="{FD33CB7D-0CFA-4123-8088-35E1BAB61094}" srcOrd="0" destOrd="0" parTransId="{E64F80B3-2217-4B54-9AEA-2A28A56FEDED}" sibTransId="{ECF9C6F7-0CD5-40E2-B39F-65607DCB0AFE}"/>
-    <dgm:cxn modelId="{3AE2A92F-79DC-449B-99A6-545F717259D6}" type="presOf" srcId="{CC30DE32-949E-45DB-A4D1-B7CF6C1182B3}" destId="{054BBE82-3A4B-4B29-89D9-2381ED8BBB38}" srcOrd="0" destOrd="0" presId="urn:microsoft.com/office/officeart/2005/8/layout/hierarchy2"/>
-    <dgm:cxn modelId="{AFFBF60A-0C9E-4985-B82F-6981E8DDDBF7}" type="presOf" srcId="{08B64510-3549-4788-9676-1CC66D5548BB}" destId="{0B5C7D4A-EC10-46D3-A80F-A3A5427ED4C0}" srcOrd="1" destOrd="0" presId="urn:microsoft.com/office/officeart/2005/8/layout/hierarchy2"/>
     <dgm:cxn modelId="{D28EA09A-3983-48EA-9885-4DD17D17C893}" srcId="{2B34C0D0-0427-4FCF-B0CE-F88159005310}" destId="{51D08088-CE24-4351-911A-446E47849BA8}" srcOrd="2" destOrd="0" parTransId="{2FD38B3C-F7AF-423D-9A03-09F39895E615}" sibTransId="{AF1FD999-91E3-4B55-A13C-505F92DBDAA2}"/>
-    <dgm:cxn modelId="{266619A3-34E3-4F22-9355-F9CD105BDC2A}" type="presOf" srcId="{CE713C6A-5D2F-41C5-9CED-7E0706E79594}" destId="{A5B526D0-92CC-4DFA-8BDB-CC84869CCB24}" srcOrd="0" destOrd="0" presId="urn:microsoft.com/office/officeart/2005/8/layout/hierarchy2"/>
-    <dgm:cxn modelId="{9F10C747-482B-4B00-93DA-DF5BE16C3AA6}" srcId="{67B957ED-B652-4F6F-B5C3-29C926605502}" destId="{C77D26FC-E89A-4106-94AD-BF5E89E09A23}" srcOrd="0" destOrd="0" parTransId="{08B64510-3549-4788-9676-1CC66D5548BB}" sibTransId="{497444F3-3781-4708-8F3F-8FEE7309F035}"/>
-    <dgm:cxn modelId="{470E36CF-F73D-4B00-AC72-F85FC243D1EE}" type="presOf" srcId="{D49C76B9-9E92-43AA-8116-19290E589E76}" destId="{021E59B9-7AB5-46B9-8B50-F8DCE1E8C5F4}" srcOrd="0" destOrd="0" presId="urn:microsoft.com/office/officeart/2005/8/layout/hierarchy2"/>
-    <dgm:cxn modelId="{C52E42D6-BB17-433B-81FF-8063B2F01CBE}" type="presOf" srcId="{90E0FCFF-F99F-46AD-9B30-A64FF29D7AE9}" destId="{CB4B2F64-68CA-4E1B-8642-9B025130B600}" srcOrd="0" destOrd="0" presId="urn:microsoft.com/office/officeart/2005/8/layout/hierarchy2"/>
-    <dgm:cxn modelId="{B62C6E2C-E551-4720-BEE6-7E80BC62777C}" type="presOf" srcId="{6C8D6AE0-B592-4A0D-9CB4-B1C7574A7995}" destId="{0B6F7730-28A3-4830-81EC-BDD4A7998E01}" srcOrd="1" destOrd="0" presId="urn:microsoft.com/office/officeart/2005/8/layout/hierarchy2"/>
-    <dgm:cxn modelId="{6FC25C60-5D67-4852-8F0B-5EFE5D5BF84A}" type="presOf" srcId="{67B957ED-B652-4F6F-B5C3-29C926605502}" destId="{6FC7BD8A-EB7C-4249-964E-6968596950E4}" srcOrd="0" destOrd="0" presId="urn:microsoft.com/office/officeart/2005/8/layout/hierarchy2"/>
-    <dgm:cxn modelId="{298ABDAA-6B9A-4365-9DC1-E33093F1A0AD}" srcId="{376C8C0B-8B5B-4F27-9FA0-05E0A8B8CCAF}" destId="{2B34C0D0-0427-4FCF-B0CE-F88159005310}" srcOrd="0" destOrd="0" parTransId="{33BBB9F3-E305-4C41-81B8-4D986A226A36}" sibTransId="{255CBC43-E3C5-4326-A16B-E05E57B16AFD}"/>
-    <dgm:cxn modelId="{3E41FAC6-BE81-42A5-A472-265D1D5F456F}" type="presOf" srcId="{32148FF5-C658-4B04-B1D1-EF1D7FEB302B}" destId="{01C2B481-D7AF-42F5-A884-C475CC4CD149}" srcOrd="1" destOrd="0" presId="urn:microsoft.com/office/officeart/2005/8/layout/hierarchy2"/>
+    <dgm:cxn modelId="{E69F6835-E8BD-4A27-8394-8E6632634B74}" type="presOf" srcId="{48A6C4E0-4144-4D58-BC99-DA8BCC58B999}" destId="{65F03B46-B937-4053-B00A-811351AC1B45}" srcOrd="0" destOrd="0" presId="urn:microsoft.com/office/officeart/2005/8/layout/hierarchy2"/>
     <dgm:cxn modelId="{159D1D5A-77EA-471A-9E91-916151976A0A}" type="presOf" srcId="{FD299C1D-C091-4EFD-B618-B3D4397D3F3F}" destId="{3EF98639-E38A-4DBA-BD77-E5A2724666A3}" srcOrd="0" destOrd="0" presId="urn:microsoft.com/office/officeart/2005/8/layout/hierarchy2"/>
-    <dgm:cxn modelId="{8FEFBA25-5EE4-40BD-AA6B-A2C0EC584E86}" type="presOf" srcId="{DEF60B52-25E8-45E3-9A09-4FE0B7AEC98D}" destId="{13CF11C2-5ECD-4167-8D6D-B393DC1B1968}" srcOrd="0" destOrd="0" presId="urn:microsoft.com/office/officeart/2005/8/layout/hierarchy2"/>
-    <dgm:cxn modelId="{3D958D4F-6C91-4154-8D65-AEDC61488E36}" type="presOf" srcId="{EFD0E23E-B1DE-4E8D-B070-7983817294DD}" destId="{D972B0AE-F330-4709-8FC1-E386BD696EA9}" srcOrd="0" destOrd="0" presId="urn:microsoft.com/office/officeart/2005/8/layout/hierarchy2"/>
-    <dgm:cxn modelId="{925F6557-AE11-4656-9F68-BD1DF49E01D0}" type="presOf" srcId="{EB566AE8-920D-4231-AEA8-DA3EB51A7773}" destId="{A05EE5B6-B96D-47E1-B8C5-D61DEBBA0C0B}" srcOrd="0" destOrd="0" presId="urn:microsoft.com/office/officeart/2005/8/layout/hierarchy2"/>
-    <dgm:cxn modelId="{D093AE20-0496-48EB-95D8-FC6A67DA49E0}" srcId="{2B34C0D0-0427-4FCF-B0CE-F88159005310}" destId="{67B957ED-B652-4F6F-B5C3-29C926605502}" srcOrd="1" destOrd="0" parTransId="{41F701C1-AB6B-4534-BBCD-65EF4FCA0FF5}" sibTransId="{EDEF3758-89F3-4EE6-BB14-CA9F8059F6A4}"/>
-    <dgm:cxn modelId="{3A18D85A-A750-4E9A-BBEB-DBB0E4FE5042}" srcId="{9E248D7D-11CF-4651-B633-E49BA1E6C993}" destId="{EFD0E23E-B1DE-4E8D-B070-7983817294DD}" srcOrd="0" destOrd="0" parTransId="{844012A5-1A2C-44F9-8F8C-504262B6F3FA}" sibTransId="{5CF35C62-4870-434A-961B-95B4477EA207}"/>
-    <dgm:cxn modelId="{E838778F-F45E-4E37-8D94-06F361430E05}" type="presOf" srcId="{84076E8B-51F9-430D-88B6-82F7FBD665B5}" destId="{E3A5BAC6-8C2E-4773-B685-BB1949EA588C}" srcOrd="1" destOrd="0" presId="urn:microsoft.com/office/officeart/2005/8/layout/hierarchy2"/>
-    <dgm:cxn modelId="{FDFB9F71-41D8-460A-B1D7-9C6F9237415E}" type="presOf" srcId="{48A6C4E0-4144-4D58-BC99-DA8BCC58B999}" destId="{489DD955-8D67-4455-ADE0-0C69D7C92C47}" srcOrd="1" destOrd="0" presId="urn:microsoft.com/office/officeart/2005/8/layout/hierarchy2"/>
-    <dgm:cxn modelId="{635B26DF-1590-462F-B02D-69FF5CC8C403}" type="presOf" srcId="{B93838B7-5FBC-444D-A256-7C90E608C556}" destId="{4B9169A5-7B5C-4754-AD08-306A58D0E00C}" srcOrd="1" destOrd="0" presId="urn:microsoft.com/office/officeart/2005/8/layout/hierarchy2"/>
-    <dgm:cxn modelId="{824C04F1-1584-43E3-9342-6CB6DBAFF49A}" type="presOf" srcId="{08B64510-3549-4788-9676-1CC66D5548BB}" destId="{9E4E5924-8B10-4FB3-B0C7-24C989EAAD5E}" srcOrd="0" destOrd="0" presId="urn:microsoft.com/office/officeart/2005/8/layout/hierarchy2"/>
-    <dgm:cxn modelId="{4A0A0326-E64C-4E1A-8A99-FFB324094172}" type="presOf" srcId="{8E9BFD0A-C039-4FCB-ADB5-9FDED32BC968}" destId="{A16EC794-E2B7-49E6-BEF2-EC017C2B4860}" srcOrd="1" destOrd="0" presId="urn:microsoft.com/office/officeart/2005/8/layout/hierarchy2"/>
-    <dgm:cxn modelId="{920ECA7A-462F-486B-9CA8-84BE12D26C3A}" type="presOf" srcId="{84076E8B-51F9-430D-88B6-82F7FBD665B5}" destId="{638A594B-EB8C-48EF-AD7B-62AB385114F5}" srcOrd="0" destOrd="0" presId="urn:microsoft.com/office/officeart/2005/8/layout/hierarchy2"/>
     <dgm:cxn modelId="{7B6E1C6B-A194-4EE8-8C19-C1CD0003AA46}" type="presOf" srcId="{844012A5-1A2C-44F9-8F8C-504262B6F3FA}" destId="{78BE82F5-C505-4ABC-B861-9F261B4F7A5D}" srcOrd="1" destOrd="0" presId="urn:microsoft.com/office/officeart/2005/8/layout/hierarchy2"/>
-    <dgm:cxn modelId="{E69F6835-E8BD-4A27-8394-8E6632634B74}" type="presOf" srcId="{48A6C4E0-4144-4D58-BC99-DA8BCC58B999}" destId="{65F03B46-B937-4053-B00A-811351AC1B45}" srcOrd="0" destOrd="0" presId="urn:microsoft.com/office/officeart/2005/8/layout/hierarchy2"/>
-    <dgm:cxn modelId="{1828586D-CC69-4056-AF47-C6985110952C}" type="presOf" srcId="{997B22A9-7A9A-47F2-A81F-51496B24A70A}" destId="{D87CAD9C-6C40-48CD-9F6D-FA10FDE293AB}" srcOrd="0" destOrd="0" presId="urn:microsoft.com/office/officeart/2005/8/layout/hierarchy2"/>
-    <dgm:cxn modelId="{F765EB25-556E-4412-B72F-D53E449B90B2}" type="presOf" srcId="{B93838B7-5FBC-444D-A256-7C90E608C556}" destId="{5CF556B3-C70F-46AB-A0CD-A5FB58AA4E3D}" srcOrd="0" destOrd="0" presId="urn:microsoft.com/office/officeart/2005/8/layout/hierarchy2"/>
-    <dgm:cxn modelId="{B534BBF4-6F3E-45F9-B889-AE5DE8DA64E6}" type="presOf" srcId="{6C8D6AE0-B592-4A0D-9CB4-B1C7574A7995}" destId="{7C490B60-FA8D-484A-836F-826884A4144C}" srcOrd="0" destOrd="0" presId="urn:microsoft.com/office/officeart/2005/8/layout/hierarchy2"/>
-    <dgm:cxn modelId="{5FD6C47F-47FC-4E55-8DB9-534115B8EE34}" type="presOf" srcId="{32148FF5-C658-4B04-B1D1-EF1D7FEB302B}" destId="{C84981A7-BA86-4046-A2D9-E876DB26B204}" srcOrd="0" destOrd="0" presId="urn:microsoft.com/office/officeart/2005/8/layout/hierarchy2"/>
-    <dgm:cxn modelId="{6D5E968D-A69A-490B-868E-5625FEF44316}" srcId="{67B957ED-B652-4F6F-B5C3-29C926605502}" destId="{CB6D139A-E2F2-44A0-A928-E19864FEDBFF}" srcOrd="2" destOrd="0" parTransId="{32148FF5-C658-4B04-B1D1-EF1D7FEB302B}" sibTransId="{244016DC-AE6C-4D9D-A3E2-DFF03DDF6BDF}"/>
-    <dgm:cxn modelId="{18D9B636-76E1-43EC-A47E-9082EA98297A}" srcId="{FD33CB7D-0CFA-4123-8088-35E1BAB61094}" destId="{B73E0221-3AB0-4846-8F18-0FEC41E4DF76}" srcOrd="1" destOrd="0" parTransId="{27D8A2A3-364E-4EBC-94D2-693AC1EB6A5F}" sibTransId="{8518D4D3-A2F6-47C5-96CB-4F4EF2CFA07F}"/>
-    <dgm:cxn modelId="{A4587BEE-6719-4D67-8A85-54E7BC560C7B}" srcId="{FD33CB7D-0CFA-4123-8088-35E1BAB61094}" destId="{90E0FCFF-F99F-46AD-9B30-A64FF29D7AE9}" srcOrd="0" destOrd="0" parTransId="{48A6C4E0-4144-4D58-BC99-DA8BCC58B999}" sibTransId="{02822AE3-DB8D-4856-B822-42C48CB0C02F}"/>
-    <dgm:cxn modelId="{4C0DCC2D-AB08-4C99-B1C7-5A3151029A35}" type="presOf" srcId="{41F701C1-AB6B-4534-BBCD-65EF4FCA0FF5}" destId="{F8919B99-9AF3-41AD-86D7-757D388A7A26}" srcOrd="0" destOrd="0" presId="urn:microsoft.com/office/officeart/2005/8/layout/hierarchy2"/>
-    <dgm:cxn modelId="{61BDCB18-2F77-473E-8528-B4AFB30D9911}" type="presOf" srcId="{2B34C0D0-0427-4FCF-B0CE-F88159005310}" destId="{B78E3BE7-5DBC-4AEB-A549-A441E56EDC83}" srcOrd="0" destOrd="0" presId="urn:microsoft.com/office/officeart/2005/8/layout/hierarchy2"/>
-    <dgm:cxn modelId="{5613D715-96B3-44A5-A660-E40181DE61E0}" type="presOf" srcId="{844012A5-1A2C-44F9-8F8C-504262B6F3FA}" destId="{686015E4-624F-4645-AB83-C5F169247764}" srcOrd="0" destOrd="0" presId="urn:microsoft.com/office/officeart/2005/8/layout/hierarchy2"/>
-    <dgm:cxn modelId="{67950A05-FCFC-4FF7-9705-ADE2EC28F0F7}" type="presOf" srcId="{B73E0221-3AB0-4846-8F18-0FEC41E4DF76}" destId="{0C0BCE7C-8977-433D-88D0-79E880E690B5}" srcOrd="0" destOrd="0" presId="urn:microsoft.com/office/officeart/2005/8/layout/hierarchy2"/>
-    <dgm:cxn modelId="{A42DC175-ABAE-45A8-9803-98836996BE2E}" type="presOf" srcId="{C77D26FC-E89A-4106-94AD-BF5E89E09A23}" destId="{D9BEB6BE-8A86-4D87-9CF4-F1555AA1A74F}" srcOrd="0" destOrd="0" presId="urn:microsoft.com/office/officeart/2005/8/layout/hierarchy2"/>
-    <dgm:cxn modelId="{4D6CCCA5-575F-457A-BB97-E00D2BC95C34}" type="presOf" srcId="{8E9BFD0A-C039-4FCB-ADB5-9FDED32BC968}" destId="{5C405B8F-27A5-4529-B766-E964315DFA9F}" srcOrd="0" destOrd="0" presId="urn:microsoft.com/office/officeart/2005/8/layout/hierarchy2"/>
-    <dgm:cxn modelId="{D034BEA6-A0A7-4426-9ECE-B1E3979B2CC9}" srcId="{2B34C0D0-0427-4FCF-B0CE-F88159005310}" destId="{AE7C1E1E-1DB4-439D-BE4A-BE5AECF203D6}" srcOrd="3" destOrd="0" parTransId="{6C8D6AE0-B592-4A0D-9CB4-B1C7574A7995}" sibTransId="{F92B2E1F-67D8-46BF-9252-32901E1950E1}"/>
-    <dgm:cxn modelId="{86BA717B-11DA-4BBE-9173-22FEC044F95B}" type="presOf" srcId="{FD299C1D-C091-4EFD-B618-B3D4397D3F3F}" destId="{A0356657-9685-4996-A7CA-CA8544F3820D}" srcOrd="1" destOrd="0" presId="urn:microsoft.com/office/officeart/2005/8/layout/hierarchy2"/>
-    <dgm:cxn modelId="{AFF6E0F9-1953-49C4-8B47-B848F557E524}" type="presOf" srcId="{9E248D7D-11CF-4651-B633-E49BA1E6C993}" destId="{BCE6A073-6E02-43E3-A189-D47C8D048586}" srcOrd="0" destOrd="0" presId="urn:microsoft.com/office/officeart/2005/8/layout/hierarchy2"/>
-    <dgm:cxn modelId="{CB881F44-57DE-4070-AC1E-9ACA56E50484}" type="presOf" srcId="{2FD38B3C-F7AF-423D-9A03-09F39895E615}" destId="{5000CCD5-CE23-40BA-A435-DCA65BD58E03}" srcOrd="1" destOrd="0" presId="urn:microsoft.com/office/officeart/2005/8/layout/hierarchy2"/>
-    <dgm:cxn modelId="{F9A30945-006F-4644-8AB1-9B9089C5DDDB}" type="presOf" srcId="{376C8C0B-8B5B-4F27-9FA0-05E0A8B8CCAF}" destId="{1ADB88C2-BE36-4788-A498-65B5A59B4E01}" srcOrd="0" destOrd="0" presId="urn:microsoft.com/office/officeart/2005/8/layout/hierarchy2"/>
-    <dgm:cxn modelId="{3CB80DE9-A3B6-4812-9158-90DEDE1ED201}" type="presOf" srcId="{E64F80B3-2217-4B54-9AEA-2A28A56FEDED}" destId="{8BD9BF80-89D0-4D10-BB38-297A4899842D}" srcOrd="1" destOrd="0" presId="urn:microsoft.com/office/officeart/2005/8/layout/hierarchy2"/>
-    <dgm:cxn modelId="{EE72F78B-95DB-4B12-BC22-D4EB90328145}" srcId="{67B957ED-B652-4F6F-B5C3-29C926605502}" destId="{1107B486-66DA-4467-B265-B9BB6D25C89E}" srcOrd="1" destOrd="0" parTransId="{EF9E58E1-99D8-47F5-A323-7D531C1A582F}" sibTransId="{819F652E-B7E1-4440-AA04-975C7333FC3B}"/>
     <dgm:cxn modelId="{4F01538D-F26E-4035-B283-DED96FBFF4DF}" type="presParOf" srcId="{1ADB88C2-BE36-4788-A498-65B5A59B4E01}" destId="{A634B3C4-DD48-4825-AD94-C58666848D03}" srcOrd="0" destOrd="0" presId="urn:microsoft.com/office/officeart/2005/8/layout/hierarchy2"/>
     <dgm:cxn modelId="{66B94F08-D11A-402B-ACEF-44ACAD8BF839}" type="presParOf" srcId="{A634B3C4-DD48-4825-AD94-C58666848D03}" destId="{B78E3BE7-5DBC-4AEB-A549-A441E56EDC83}" srcOrd="0" destOrd="0" presId="urn:microsoft.com/office/officeart/2005/8/layout/hierarchy2"/>
     <dgm:cxn modelId="{890C4787-1C96-44A9-BEBF-79917C542A1D}" type="presParOf" srcId="{A634B3C4-DD48-4825-AD94-C58666848D03}" destId="{D421AC58-ABEF-4038-B47A-570571FEC5BD}" srcOrd="1" destOrd="0" presId="urn:microsoft.com/office/officeart/2005/8/layout/hierarchy2"/>
@@ -13994,6 +14440,13 @@
         </dgm:presLayoutVars>
       </dgm:prSet>
       <dgm:spPr/>
+      <dgm:t>
+        <a:bodyPr/>
+        <a:lstStyle/>
+        <a:p>
+          <a:endParaRPr lang="en-US"/>
+        </a:p>
+      </dgm:t>
     </dgm:pt>
     <dgm:pt modelId="{F97680FD-D54D-4C6D-AF30-1E6228FC27A5}" type="pres">
       <dgm:prSet presAssocID="{C6503B06-AA0B-4A5E-B789-7E6A52D819A7}" presName="parentText" presStyleLbl="node1" presStyleIdx="0" presStyleCnt="3">
@@ -14091,7 +14544,22 @@
       </dgm:t>
     </dgm:pt>
     <dgm:pt modelId="{E977DC67-6407-4F72-8643-C14723FF1685}">
-      <dgm:prSet/>
+      <dgm:prSet>
+        <dgm:style>
+          <a:lnRef idx="3">
+            <a:schemeClr val="lt1"/>
+          </a:lnRef>
+          <a:fillRef idx="1">
+            <a:schemeClr val="accent1"/>
+          </a:fillRef>
+          <a:effectRef idx="1">
+            <a:schemeClr val="accent1"/>
+          </a:effectRef>
+          <a:fontRef idx="minor">
+            <a:schemeClr val="lt1"/>
+          </a:fontRef>
+        </dgm:style>
+      </dgm:prSet>
       <dgm:spPr/>
       <dgm:t>
         <a:bodyPr/>
@@ -14136,9 +14604,16 @@
         </dgm:presLayoutVars>
       </dgm:prSet>
       <dgm:spPr/>
+      <dgm:t>
+        <a:bodyPr/>
+        <a:lstStyle/>
+        <a:p>
+          <a:endParaRPr lang="en-US"/>
+        </a:p>
+      </dgm:t>
     </dgm:pt>
     <dgm:pt modelId="{58074586-0C3F-4DFB-9DAB-2C21F0AAE123}" type="pres">
-      <dgm:prSet presAssocID="{E977DC67-6407-4F72-8643-C14723FF1685}" presName="parentText" presStyleLbl="node1" presStyleIdx="0" presStyleCnt="1">
+      <dgm:prSet presAssocID="{E977DC67-6407-4F72-8643-C14723FF1685}" presName="parentText" presStyleLbl="node1" presStyleIdx="0" presStyleCnt="1" custLinFactNeighborX="25000" custLinFactNeighborY="32679">
         <dgm:presLayoutVars>
           <dgm:chMax val="0"/>
           <dgm:bulletEnabled val="1"/>
@@ -14185,7 +14660,22 @@
       </dgm:t>
     </dgm:pt>
     <dgm:pt modelId="{22BF2C5E-2B9A-4314-BF05-1ED70640C8D5}">
-      <dgm:prSet custT="1"/>
+      <dgm:prSet custT="1">
+        <dgm:style>
+          <a:lnRef idx="3">
+            <a:schemeClr val="lt1"/>
+          </a:lnRef>
+          <a:fillRef idx="1">
+            <a:schemeClr val="accent1"/>
+          </a:fillRef>
+          <a:effectRef idx="1">
+            <a:schemeClr val="accent1"/>
+          </a:effectRef>
+          <a:fontRef idx="minor">
+            <a:schemeClr val="lt1"/>
+          </a:fontRef>
+        </dgm:style>
+      </dgm:prSet>
       <dgm:spPr/>
       <dgm:t>
         <a:bodyPr/>
@@ -14238,15 +14728,29 @@
         </dgm:presLayoutVars>
       </dgm:prSet>
       <dgm:spPr/>
+      <dgm:t>
+        <a:bodyPr/>
+        <a:lstStyle/>
+        <a:p>
+          <a:endParaRPr lang="en-US"/>
+        </a:p>
+      </dgm:t>
     </dgm:pt>
     <dgm:pt modelId="{83B8F7EA-0580-4C7E-BF11-68FDD8A24ED7}" type="pres">
-      <dgm:prSet presAssocID="{22BF2C5E-2B9A-4314-BF05-1ED70640C8D5}" presName="parentText" presStyleLbl="node1" presStyleIdx="0" presStyleCnt="1" custAng="20028680" custScaleY="299649" custLinFactNeighborX="-27475" custLinFactNeighborY="50057">
+      <dgm:prSet presAssocID="{22BF2C5E-2B9A-4314-BF05-1ED70640C8D5}" presName="parentText" presStyleLbl="node1" presStyleIdx="0" presStyleCnt="1" custAng="20028680" custScaleY="299649" custLinFactNeighborX="-8178" custLinFactNeighborY="40604">
         <dgm:presLayoutVars>
           <dgm:chMax val="0"/>
           <dgm:bulletEnabled val="1"/>
         </dgm:presLayoutVars>
       </dgm:prSet>
       <dgm:spPr/>
+      <dgm:t>
+        <a:bodyPr/>
+        <a:lstStyle/>
+        <a:p>
+          <a:endParaRPr lang="en-US"/>
+        </a:p>
+      </dgm:t>
     </dgm:pt>
   </dgm:ptLst>
   <dgm:cxnLst>
@@ -14280,22 +14784,33 @@
       </dgm:t>
     </dgm:pt>
     <dgm:pt modelId="{E124AC40-A21B-4047-8DFB-C67E0C6B480E}">
-      <dgm:prSet/>
-      <dgm:spPr>
-        <a:solidFill>
-          <a:schemeClr val="accent2"/>
-        </a:solidFill>
-      </dgm:spPr>
+      <dgm:prSet custT="1">
+        <dgm:style>
+          <a:lnRef idx="3">
+            <a:schemeClr val="lt1"/>
+          </a:lnRef>
+          <a:fillRef idx="1">
+            <a:schemeClr val="accent2"/>
+          </a:fillRef>
+          <a:effectRef idx="1">
+            <a:schemeClr val="accent2"/>
+          </a:effectRef>
+          <a:fontRef idx="minor">
+            <a:schemeClr val="lt1"/>
+          </a:fontRef>
+        </dgm:style>
+      </dgm:prSet>
+      <dgm:spPr/>
       <dgm:t>
         <a:bodyPr/>
         <a:lstStyle/>
         <a:p>
           <a:pPr rtl="0"/>
           <a:r>
-            <a:rPr lang="en-US" dirty="0" smtClean="0"/>
+            <a:rPr lang="en-US" sz="1200" dirty="0" smtClean="0"/>
             <a:t>model.dll</a:t>
           </a:r>
-          <a:endParaRPr lang="en-US" dirty="0"/>
+          <a:endParaRPr lang="en-US" sz="1200" dirty="0"/>
         </a:p>
       </dgm:t>
     </dgm:pt>
@@ -14329,6 +14844,13 @@
         </dgm:presLayoutVars>
       </dgm:prSet>
       <dgm:spPr/>
+      <dgm:t>
+        <a:bodyPr/>
+        <a:lstStyle/>
+        <a:p>
+          <a:endParaRPr lang="en-US"/>
+        </a:p>
+      </dgm:t>
     </dgm:pt>
     <dgm:pt modelId="{667D9300-21F3-42F2-832D-9F31A7ECB11D}" type="pres">
       <dgm:prSet presAssocID="{E124AC40-A21B-4047-8DFB-C67E0C6B480E}" presName="parentText" presStyleLbl="node1" presStyleIdx="0" presStyleCnt="1" custLinFactNeighborX="-75000" custLinFactNeighborY="-2242">
@@ -14378,7 +14900,22 @@
       </dgm:t>
     </dgm:pt>
     <dgm:pt modelId="{A27257C7-927E-4C34-B902-2BD65D4D712F}">
-      <dgm:prSet/>
+      <dgm:prSet>
+        <dgm:style>
+          <a:lnRef idx="3">
+            <a:schemeClr val="lt1"/>
+          </a:lnRef>
+          <a:fillRef idx="1">
+            <a:schemeClr val="accent1"/>
+          </a:fillRef>
+          <a:effectRef idx="1">
+            <a:schemeClr val="accent1"/>
+          </a:effectRef>
+          <a:fontRef idx="minor">
+            <a:schemeClr val="lt1"/>
+          </a:fontRef>
+        </dgm:style>
+      </dgm:prSet>
       <dgm:spPr/>
       <dgm:t>
         <a:bodyPr/>
@@ -14431,9 +14968,16 @@
         </dgm:presLayoutVars>
       </dgm:prSet>
       <dgm:spPr/>
+      <dgm:t>
+        <a:bodyPr/>
+        <a:lstStyle/>
+        <a:p>
+          <a:endParaRPr lang="en-US"/>
+        </a:p>
+      </dgm:t>
     </dgm:pt>
     <dgm:pt modelId="{BCBEE087-19EF-4A3F-82F9-5E9402D8A34D}" type="pres">
-      <dgm:prSet presAssocID="{A27257C7-927E-4C34-B902-2BD65D4D712F}" presName="parentText" presStyleLbl="node1" presStyleIdx="0" presStyleCnt="1" custLinFactNeighborX="43750" custLinFactNeighborY="-19656">
+      <dgm:prSet presAssocID="{A27257C7-927E-4C34-B902-2BD65D4D712F}" presName="parentText" presStyleLbl="node1" presStyleIdx="0" presStyleCnt="1" custLinFactNeighborX="16000" custLinFactNeighborY="7640">
         <dgm:presLayoutVars>
           <dgm:chMax val="0"/>
           <dgm:bulletEnabled val="1"/>
@@ -14480,22 +15024,44 @@
       </dgm:t>
     </dgm:pt>
     <dgm:pt modelId="{0FD0CC97-899D-42B8-B728-47AF9BE58463}">
-      <dgm:prSet/>
-      <dgm:spPr>
-        <a:solidFill>
-          <a:schemeClr val="accent2"/>
-        </a:solidFill>
-      </dgm:spPr>
+      <dgm:prSet custT="1">
+        <dgm:style>
+          <a:lnRef idx="3">
+            <a:schemeClr val="lt1"/>
+          </a:lnRef>
+          <a:fillRef idx="1">
+            <a:schemeClr val="accent2"/>
+          </a:fillRef>
+          <a:effectRef idx="1">
+            <a:schemeClr val="accent2"/>
+          </a:effectRef>
+          <a:fontRef idx="minor">
+            <a:schemeClr val="lt1"/>
+          </a:fontRef>
+        </dgm:style>
+      </dgm:prSet>
+      <dgm:spPr/>
       <dgm:t>
         <a:bodyPr/>
         <a:lstStyle/>
         <a:p>
           <a:pPr rtl="0"/>
           <a:r>
-            <a:rPr lang="en-US" dirty="0" smtClean="0"/>
-            <a:t>Data output</a:t>
+            <a:rPr lang="en-US" sz="1200" dirty="0" smtClean="0"/>
+            <a:t>Data </a:t>
           </a:r>
-          <a:endParaRPr lang="en-US" dirty="0"/>
+          <a:r>
+            <a:rPr lang="en-US" sz="1200" dirty="0" smtClean="0"/>
+            <a:t>output</a:t>
+          </a:r>
+        </a:p>
+        <a:p>
+          <a:pPr rtl="0"/>
+          <a:r>
+            <a:rPr lang="en-US" sz="1200" dirty="0" smtClean="0"/>
+            <a:t>model.csv</a:t>
+          </a:r>
+          <a:endParaRPr lang="en-US" sz="1200" dirty="0"/>
         </a:p>
       </dgm:t>
     </dgm:pt>
@@ -14529,6 +15095,13 @@
         </dgm:presLayoutVars>
       </dgm:prSet>
       <dgm:spPr/>
+      <dgm:t>
+        <a:bodyPr/>
+        <a:lstStyle/>
+        <a:p>
+          <a:endParaRPr lang="en-US"/>
+        </a:p>
+      </dgm:t>
     </dgm:pt>
     <dgm:pt modelId="{DEB96885-A6B5-4546-BB01-1F8606C408F9}" type="pres">
       <dgm:prSet presAssocID="{0FD0CC97-899D-42B8-B728-47AF9BE58463}" presName="parentText" presStyleLbl="node1" presStyleIdx="0" presStyleCnt="1" custLinFactNeighborX="46154" custLinFactNeighborY="-13851">
@@ -14578,7 +15151,22 @@
       </dgm:t>
     </dgm:pt>
     <dgm:pt modelId="{AEF190F3-080C-4B3A-8026-24AD9DD8E5FA}">
-      <dgm:prSet/>
+      <dgm:prSet custT="1">
+        <dgm:style>
+          <a:lnRef idx="3">
+            <a:schemeClr val="lt1"/>
+          </a:lnRef>
+          <a:fillRef idx="1">
+            <a:schemeClr val="accent2"/>
+          </a:fillRef>
+          <a:effectRef idx="1">
+            <a:schemeClr val="accent2"/>
+          </a:effectRef>
+          <a:fontRef idx="minor">
+            <a:schemeClr val="lt1"/>
+          </a:fontRef>
+        </dgm:style>
+      </dgm:prSet>
       <dgm:spPr/>
       <dgm:t>
         <a:bodyPr/>
@@ -14586,29 +15174,33 @@
         <a:p>
           <a:pPr rtl="0"/>
           <a:r>
-            <a:rPr lang="en-US" dirty="0" err="1" smtClean="0"/>
+            <a:rPr lang="en-US" sz="1200" dirty="0" err="1" smtClean="0"/>
             <a:t>model.h</a:t>
           </a:r>
           <a:r>
-            <a:rPr lang="en-US" dirty="0" smtClean="0"/>
-            <a:t> and </a:t>
+            <a:rPr lang="en-US" sz="1200" dirty="0" smtClean="0"/>
+            <a:t> </a:t>
           </a:r>
           <a:r>
-            <a:rPr lang="en-US" dirty="0" err="1" smtClean="0"/>
+            <a:rPr lang="en-US" sz="1200" dirty="0" smtClean="0"/>
+            <a:t> </a:t>
+          </a:r>
+          <a:r>
+            <a:rPr lang="en-US" sz="1200" dirty="0" err="1" smtClean="0"/>
             <a:t>model.c</a:t>
           </a:r>
           <a:r>
-            <a:rPr lang="en-US" dirty="0" smtClean="0"/>
+            <a:rPr lang="en-US" sz="1200" dirty="0" smtClean="0"/>
             <a:t> </a:t>
           </a:r>
         </a:p>
         <a:p>
           <a:pPr rtl="0"/>
           <a:r>
-            <a:rPr lang="en-US" dirty="0" smtClean="0"/>
+            <a:rPr lang="en-US" sz="1200" dirty="0" smtClean="0"/>
             <a:t>C-Code source Files</a:t>
           </a:r>
-          <a:endParaRPr lang="en-US" dirty="0"/>
+          <a:endParaRPr lang="en-US" sz="1200" dirty="0"/>
         </a:p>
       </dgm:t>
     </dgm:pt>
@@ -14642,9 +15234,16 @@
         </dgm:presLayoutVars>
       </dgm:prSet>
       <dgm:spPr/>
+      <dgm:t>
+        <a:bodyPr/>
+        <a:lstStyle/>
+        <a:p>
+          <a:endParaRPr lang="en-US"/>
+        </a:p>
+      </dgm:t>
     </dgm:pt>
     <dgm:pt modelId="{6CF0BF48-D7E2-4817-BAD6-C5D04FE5C43E}" type="pres">
-      <dgm:prSet presAssocID="{AEF190F3-080C-4B3A-8026-24AD9DD8E5FA}" presName="parentText" presStyleLbl="node1" presStyleIdx="0" presStyleCnt="1" custLinFactNeighborX="13333" custLinFactNeighborY="31445">
+      <dgm:prSet presAssocID="{AEF190F3-080C-4B3A-8026-24AD9DD8E5FA}" presName="parentText" presStyleLbl="node1" presStyleIdx="0" presStyleCnt="1" custScaleY="174220" custLinFactNeighborX="13333" custLinFactNeighborY="31445">
         <dgm:presLayoutVars>
           <dgm:chMax val="0"/>
           <dgm:bulletEnabled val="1"/>
@@ -15376,6 +15975,13 @@
         </dgm:presLayoutVars>
       </dgm:prSet>
       <dgm:spPr/>
+      <dgm:t>
+        <a:bodyPr/>
+        <a:lstStyle/>
+        <a:p>
+          <a:endParaRPr lang="en-US"/>
+        </a:p>
+      </dgm:t>
     </dgm:pt>
     <dgm:pt modelId="{425BC42B-1E28-4C9A-8DE5-A1DFE0368494}" type="pres">
       <dgm:prSet presAssocID="{376C8C0B-8B5B-4F27-9FA0-05E0A8B8CCAF}" presName="hierFlow" presStyleCnt="0"/>
@@ -15417,6 +16023,13 @@
     <dgm:pt modelId="{48DB2C70-6B1A-466A-9701-B958B4F14DEB}" type="pres">
       <dgm:prSet presAssocID="{B93838B7-5FBC-444D-A256-7C90E608C556}" presName="Name19" presStyleLbl="parChTrans1D2" presStyleIdx="0" presStyleCnt="4"/>
       <dgm:spPr/>
+      <dgm:t>
+        <a:bodyPr/>
+        <a:lstStyle/>
+        <a:p>
+          <a:endParaRPr lang="en-US"/>
+        </a:p>
+      </dgm:t>
     </dgm:pt>
     <dgm:pt modelId="{11702050-304E-43A5-9976-01CA7ACA28F5}" type="pres">
       <dgm:prSet presAssocID="{9E248D7D-11CF-4651-B633-E49BA1E6C993}" presName="Name21" presStyleCnt="0"/>
@@ -15425,6 +16038,13 @@
     <dgm:pt modelId="{82362910-608B-40EE-B962-2276479BB01D}" type="pres">
       <dgm:prSet presAssocID="{9E248D7D-11CF-4651-B633-E49BA1E6C993}" presName="level2Shape" presStyleLbl="node2" presStyleIdx="0" presStyleCnt="4"/>
       <dgm:spPr/>
+      <dgm:t>
+        <a:bodyPr/>
+        <a:lstStyle/>
+        <a:p>
+          <a:endParaRPr lang="en-US"/>
+        </a:p>
+      </dgm:t>
     </dgm:pt>
     <dgm:pt modelId="{567A878F-D901-4B5A-8FC9-79033DD562FE}" type="pres">
       <dgm:prSet presAssocID="{9E248D7D-11CF-4651-B633-E49BA1E6C993}" presName="hierChild3" presStyleCnt="0"/>
@@ -15433,6 +16053,13 @@
     <dgm:pt modelId="{6E68624F-5284-4EB3-830C-985697674C65}" type="pres">
       <dgm:prSet presAssocID="{844012A5-1A2C-44F9-8F8C-504262B6F3FA}" presName="Name19" presStyleLbl="parChTrans1D3" presStyleIdx="0" presStyleCnt="7"/>
       <dgm:spPr/>
+      <dgm:t>
+        <a:bodyPr/>
+        <a:lstStyle/>
+        <a:p>
+          <a:endParaRPr lang="en-US"/>
+        </a:p>
+      </dgm:t>
     </dgm:pt>
     <dgm:pt modelId="{364229DD-904B-4790-9137-3F938B96C4E6}" type="pres">
       <dgm:prSet presAssocID="{EFD0E23E-B1DE-4E8D-B070-7983817294DD}" presName="Name21" presStyleCnt="0"/>
@@ -15441,6 +16068,13 @@
     <dgm:pt modelId="{F32CF18A-68FB-47C8-89F5-1389D41F3BCA}" type="pres">
       <dgm:prSet presAssocID="{EFD0E23E-B1DE-4E8D-B070-7983817294DD}" presName="level2Shape" presStyleLbl="node3" presStyleIdx="0" presStyleCnt="7"/>
       <dgm:spPr/>
+      <dgm:t>
+        <a:bodyPr/>
+        <a:lstStyle/>
+        <a:p>
+          <a:endParaRPr lang="en-US"/>
+        </a:p>
+      </dgm:t>
     </dgm:pt>
     <dgm:pt modelId="{6F946E13-CCD1-4A13-90FD-B0C2533362C6}" type="pres">
       <dgm:prSet presAssocID="{EFD0E23E-B1DE-4E8D-B070-7983817294DD}" presName="hierChild3" presStyleCnt="0"/>
@@ -15449,6 +16083,13 @@
     <dgm:pt modelId="{FD1E59BD-F0DD-4903-8821-04F7CE1AA02E}" type="pres">
       <dgm:prSet presAssocID="{41F701C1-AB6B-4534-BBCD-65EF4FCA0FF5}" presName="Name19" presStyleLbl="parChTrans1D2" presStyleIdx="1" presStyleCnt="4"/>
       <dgm:spPr/>
+      <dgm:t>
+        <a:bodyPr/>
+        <a:lstStyle/>
+        <a:p>
+          <a:endParaRPr lang="en-US"/>
+        </a:p>
+      </dgm:t>
     </dgm:pt>
     <dgm:pt modelId="{58DE9D91-22E8-4B86-8F9C-96DD8825F2E3}" type="pres">
       <dgm:prSet presAssocID="{67B957ED-B652-4F6F-B5C3-29C926605502}" presName="Name21" presStyleCnt="0"/>
@@ -15457,6 +16098,13 @@
     <dgm:pt modelId="{AACACAC4-553A-4B5D-BA68-6C271597FD4F}" type="pres">
       <dgm:prSet presAssocID="{67B957ED-B652-4F6F-B5C3-29C926605502}" presName="level2Shape" presStyleLbl="node2" presStyleIdx="1" presStyleCnt="4"/>
       <dgm:spPr/>
+      <dgm:t>
+        <a:bodyPr/>
+        <a:lstStyle/>
+        <a:p>
+          <a:endParaRPr lang="en-US"/>
+        </a:p>
+      </dgm:t>
     </dgm:pt>
     <dgm:pt modelId="{F54106FC-9EF3-4EA8-A511-88CE0A10952F}" type="pres">
       <dgm:prSet presAssocID="{67B957ED-B652-4F6F-B5C3-29C926605502}" presName="hierChild3" presStyleCnt="0"/>
@@ -15465,6 +16113,13 @@
     <dgm:pt modelId="{22EFEE33-31BF-48F2-968B-C1640BA411E7}" type="pres">
       <dgm:prSet presAssocID="{08B64510-3549-4788-9676-1CC66D5548BB}" presName="Name19" presStyleLbl="parChTrans1D3" presStyleIdx="1" presStyleCnt="7"/>
       <dgm:spPr/>
+      <dgm:t>
+        <a:bodyPr/>
+        <a:lstStyle/>
+        <a:p>
+          <a:endParaRPr lang="en-US"/>
+        </a:p>
+      </dgm:t>
     </dgm:pt>
     <dgm:pt modelId="{3535B99E-0D3F-4BA2-AD9B-4813B3107615}" type="pres">
       <dgm:prSet presAssocID="{C77D26FC-E89A-4106-94AD-BF5E89E09A23}" presName="Name21" presStyleCnt="0"/>
@@ -15488,6 +16143,13 @@
     <dgm:pt modelId="{1A02EEBC-3DF1-4C44-8724-E3419B87EE80}" type="pres">
       <dgm:prSet presAssocID="{EF9E58E1-99D8-47F5-A323-7D531C1A582F}" presName="Name19" presStyleLbl="parChTrans1D3" presStyleIdx="2" presStyleCnt="7"/>
       <dgm:spPr/>
+      <dgm:t>
+        <a:bodyPr/>
+        <a:lstStyle/>
+        <a:p>
+          <a:endParaRPr lang="en-US"/>
+        </a:p>
+      </dgm:t>
     </dgm:pt>
     <dgm:pt modelId="{5429EB8C-C21D-4447-83F5-D4D0EEB38C41}" type="pres">
       <dgm:prSet presAssocID="{1107B486-66DA-4467-B265-B9BB6D25C89E}" presName="Name21" presStyleCnt="0"/>
@@ -15511,6 +16173,13 @@
     <dgm:pt modelId="{8D75BC55-6D80-4AFC-B8A9-2582479A76A1}" type="pres">
       <dgm:prSet presAssocID="{32148FF5-C658-4B04-B1D1-EF1D7FEB302B}" presName="Name19" presStyleLbl="parChTrans1D3" presStyleIdx="3" presStyleCnt="7"/>
       <dgm:spPr/>
+      <dgm:t>
+        <a:bodyPr/>
+        <a:lstStyle/>
+        <a:p>
+          <a:endParaRPr lang="en-US"/>
+        </a:p>
+      </dgm:t>
     </dgm:pt>
     <dgm:pt modelId="{54A0720E-31AD-4701-B2C6-0936198BE646}" type="pres">
       <dgm:prSet presAssocID="{CB6D139A-E2F2-44A0-A928-E19864FEDBFF}" presName="Name21" presStyleCnt="0"/>
@@ -15519,6 +16188,13 @@
     <dgm:pt modelId="{BAD1AA79-528C-4909-AAC6-F928330C2D5E}" type="pres">
       <dgm:prSet presAssocID="{CB6D139A-E2F2-44A0-A928-E19864FEDBFF}" presName="level2Shape" presStyleLbl="node3" presStyleIdx="3" presStyleCnt="7"/>
       <dgm:spPr/>
+      <dgm:t>
+        <a:bodyPr/>
+        <a:lstStyle/>
+        <a:p>
+          <a:endParaRPr lang="en-US"/>
+        </a:p>
+      </dgm:t>
     </dgm:pt>
     <dgm:pt modelId="{A7D0599F-7D8B-48A4-A079-DE6BD7529AC0}" type="pres">
       <dgm:prSet presAssocID="{CB6D139A-E2F2-44A0-A928-E19864FEDBFF}" presName="hierChild3" presStyleCnt="0"/>
@@ -15527,6 +16203,13 @@
     <dgm:pt modelId="{7EC6B981-9253-4CD1-A661-A7249822F36D}" type="pres">
       <dgm:prSet presAssocID="{2FD38B3C-F7AF-423D-9A03-09F39895E615}" presName="Name19" presStyleLbl="parChTrans1D2" presStyleIdx="2" presStyleCnt="4"/>
       <dgm:spPr/>
+      <dgm:t>
+        <a:bodyPr/>
+        <a:lstStyle/>
+        <a:p>
+          <a:endParaRPr lang="en-US"/>
+        </a:p>
+      </dgm:t>
     </dgm:pt>
     <dgm:pt modelId="{A6991806-2795-4C46-8E37-EDA6BE669196}" type="pres">
       <dgm:prSet presAssocID="{51D08088-CE24-4351-911A-446E47849BA8}" presName="Name21" presStyleCnt="0"/>
@@ -15535,6 +16218,13 @@
     <dgm:pt modelId="{F1493E6E-04EB-4B32-94D6-95F7600C8EAA}" type="pres">
       <dgm:prSet presAssocID="{51D08088-CE24-4351-911A-446E47849BA8}" presName="level2Shape" presStyleLbl="node2" presStyleIdx="2" presStyleCnt="4"/>
       <dgm:spPr/>
+      <dgm:t>
+        <a:bodyPr/>
+        <a:lstStyle/>
+        <a:p>
+          <a:endParaRPr lang="en-US"/>
+        </a:p>
+      </dgm:t>
     </dgm:pt>
     <dgm:pt modelId="{9AB30374-9782-4884-B606-61AE90B0FA0A}" type="pres">
       <dgm:prSet presAssocID="{51D08088-CE24-4351-911A-446E47849BA8}" presName="hierChild3" presStyleCnt="0"/>
@@ -15543,6 +16233,13 @@
     <dgm:pt modelId="{F541A084-BDA7-499E-A24D-7BA6F2A500C1}" type="pres">
       <dgm:prSet presAssocID="{8E9BFD0A-C039-4FCB-ADB5-9FDED32BC968}" presName="Name19" presStyleLbl="parChTrans1D3" presStyleIdx="4" presStyleCnt="7"/>
       <dgm:spPr/>
+      <dgm:t>
+        <a:bodyPr/>
+        <a:lstStyle/>
+        <a:p>
+          <a:endParaRPr lang="en-US"/>
+        </a:p>
+      </dgm:t>
     </dgm:pt>
     <dgm:pt modelId="{D04A758A-D35F-4974-BA3B-BBC6CFE52C17}" type="pres">
       <dgm:prSet presAssocID="{DEF60B52-25E8-45E3-9A09-4FE0B7AEC98D}" presName="Name21" presStyleCnt="0"/>
@@ -15551,6 +16248,13 @@
     <dgm:pt modelId="{5E695EFE-6F06-484B-9B12-FC531258C6C8}" type="pres">
       <dgm:prSet presAssocID="{DEF60B52-25E8-45E3-9A09-4FE0B7AEC98D}" presName="level2Shape" presStyleLbl="node3" presStyleIdx="4" presStyleCnt="7"/>
       <dgm:spPr/>
+      <dgm:t>
+        <a:bodyPr/>
+        <a:lstStyle/>
+        <a:p>
+          <a:endParaRPr lang="en-US"/>
+        </a:p>
+      </dgm:t>
     </dgm:pt>
     <dgm:pt modelId="{BA79C01F-B054-494F-86F9-D12D9D642EC4}" type="pres">
       <dgm:prSet presAssocID="{DEF60B52-25E8-45E3-9A09-4FE0B7AEC98D}" presName="hierChild3" presStyleCnt="0"/>
@@ -15559,6 +16263,13 @@
     <dgm:pt modelId="{F02D2EAB-E6C1-4F12-A95F-CFF6548FBBC9}" type="pres">
       <dgm:prSet presAssocID="{997B22A9-7A9A-47F2-A81F-51496B24A70A}" presName="Name19" presStyleLbl="parChTrans1D4" presStyleIdx="0" presStyleCnt="5"/>
       <dgm:spPr/>
+      <dgm:t>
+        <a:bodyPr/>
+        <a:lstStyle/>
+        <a:p>
+          <a:endParaRPr lang="en-US"/>
+        </a:p>
+      </dgm:t>
     </dgm:pt>
     <dgm:pt modelId="{E9CD8751-609D-4CAC-A94B-2BFB35B81333}" type="pres">
       <dgm:prSet presAssocID="{CE713C6A-5D2F-41C5-9CED-7E0706E79594}" presName="Name21" presStyleCnt="0"/>
@@ -15567,6 +16278,13 @@
     <dgm:pt modelId="{F5DA597A-EE50-404D-82C1-EF316AF82E71}" type="pres">
       <dgm:prSet presAssocID="{CE713C6A-5D2F-41C5-9CED-7E0706E79594}" presName="level2Shape" presStyleLbl="node4" presStyleIdx="0" presStyleCnt="5"/>
       <dgm:spPr/>
+      <dgm:t>
+        <a:bodyPr/>
+        <a:lstStyle/>
+        <a:p>
+          <a:endParaRPr lang="en-US"/>
+        </a:p>
+      </dgm:t>
     </dgm:pt>
     <dgm:pt modelId="{3752C76F-CDEB-4ABF-B281-181CC1E99FD3}" type="pres">
       <dgm:prSet presAssocID="{CE713C6A-5D2F-41C5-9CED-7E0706E79594}" presName="hierChild3" presStyleCnt="0"/>
@@ -15575,6 +16293,13 @@
     <dgm:pt modelId="{C35E72D2-B49D-4340-B68F-04FB70E7B989}" type="pres">
       <dgm:prSet presAssocID="{FD299C1D-C091-4EFD-B618-B3D4397D3F3F}" presName="Name19" presStyleLbl="parChTrans1D4" presStyleIdx="1" presStyleCnt="5"/>
       <dgm:spPr/>
+      <dgm:t>
+        <a:bodyPr/>
+        <a:lstStyle/>
+        <a:p>
+          <a:endParaRPr lang="en-US"/>
+        </a:p>
+      </dgm:t>
     </dgm:pt>
     <dgm:pt modelId="{74AB933A-8663-408E-B145-5CA03E6A543A}" type="pres">
       <dgm:prSet presAssocID="{D49C76B9-9E92-43AA-8116-19290E589E76}" presName="Name21" presStyleCnt="0"/>
@@ -15583,6 +16308,13 @@
     <dgm:pt modelId="{6F6FFD58-ECBA-4655-BF72-F3CC32789C3A}" type="pres">
       <dgm:prSet presAssocID="{D49C76B9-9E92-43AA-8116-19290E589E76}" presName="level2Shape" presStyleLbl="node4" presStyleIdx="1" presStyleCnt="5"/>
       <dgm:spPr/>
+      <dgm:t>
+        <a:bodyPr/>
+        <a:lstStyle/>
+        <a:p>
+          <a:endParaRPr lang="en-US"/>
+        </a:p>
+      </dgm:t>
     </dgm:pt>
     <dgm:pt modelId="{219581DF-545B-4BC8-8CEF-AFF28223675A}" type="pres">
       <dgm:prSet presAssocID="{D49C76B9-9E92-43AA-8116-19290E589E76}" presName="hierChild3" presStyleCnt="0"/>
@@ -15591,6 +16323,13 @@
     <dgm:pt modelId="{BC14D6DF-0A3B-465A-AEA3-EAB3287899C8}" type="pres">
       <dgm:prSet presAssocID="{84076E8B-51F9-430D-88B6-82F7FBD665B5}" presName="Name19" presStyleLbl="parChTrans1D3" presStyleIdx="5" presStyleCnt="7"/>
       <dgm:spPr/>
+      <dgm:t>
+        <a:bodyPr/>
+        <a:lstStyle/>
+        <a:p>
+          <a:endParaRPr lang="en-US"/>
+        </a:p>
+      </dgm:t>
     </dgm:pt>
     <dgm:pt modelId="{86D694DC-34CD-432F-A078-0CF11691A11A}" type="pres">
       <dgm:prSet presAssocID="{BF585F2C-7A18-430B-ACD8-3D98320CAD6B}" presName="Name21" presStyleCnt="0"/>
@@ -15614,6 +16353,13 @@
     <dgm:pt modelId="{AB8DA338-1AE4-480E-B0EC-BAFC9AB76AE8}" type="pres">
       <dgm:prSet presAssocID="{6C8D6AE0-B592-4A0D-9CB4-B1C7574A7995}" presName="Name19" presStyleLbl="parChTrans1D2" presStyleIdx="3" presStyleCnt="4"/>
       <dgm:spPr/>
+      <dgm:t>
+        <a:bodyPr/>
+        <a:lstStyle/>
+        <a:p>
+          <a:endParaRPr lang="en-US"/>
+        </a:p>
+      </dgm:t>
     </dgm:pt>
     <dgm:pt modelId="{30288F18-9381-4545-A5F0-D7823C1F07BC}" type="pres">
       <dgm:prSet presAssocID="{AE7C1E1E-1DB4-439D-BE4A-BE5AECF203D6}" presName="Name21" presStyleCnt="0"/>
@@ -15622,6 +16368,13 @@
     <dgm:pt modelId="{6A14424B-E010-439C-B876-F8AA49F9F395}" type="pres">
       <dgm:prSet presAssocID="{AE7C1E1E-1DB4-439D-BE4A-BE5AECF203D6}" presName="level2Shape" presStyleLbl="node2" presStyleIdx="3" presStyleCnt="4"/>
       <dgm:spPr/>
+      <dgm:t>
+        <a:bodyPr/>
+        <a:lstStyle/>
+        <a:p>
+          <a:endParaRPr lang="en-US"/>
+        </a:p>
+      </dgm:t>
     </dgm:pt>
     <dgm:pt modelId="{E112E4BF-9CB4-496D-AE78-C7EAB0B97FC0}" type="pres">
       <dgm:prSet presAssocID="{AE7C1E1E-1DB4-439D-BE4A-BE5AECF203D6}" presName="hierChild3" presStyleCnt="0"/>
@@ -15630,6 +16383,13 @@
     <dgm:pt modelId="{6EB9CB91-906A-4CD8-A16D-44F9415523D8}" type="pres">
       <dgm:prSet presAssocID="{E64F80B3-2217-4B54-9AEA-2A28A56FEDED}" presName="Name19" presStyleLbl="parChTrans1D3" presStyleIdx="6" presStyleCnt="7"/>
       <dgm:spPr/>
+      <dgm:t>
+        <a:bodyPr/>
+        <a:lstStyle/>
+        <a:p>
+          <a:endParaRPr lang="en-US"/>
+        </a:p>
+      </dgm:t>
     </dgm:pt>
     <dgm:pt modelId="{50EEB45A-20A8-4BAD-ADF9-7DF85055BC5A}" type="pres">
       <dgm:prSet presAssocID="{FD33CB7D-0CFA-4123-8088-35E1BAB61094}" presName="Name21" presStyleCnt="0"/>
@@ -15653,6 +16413,13 @@
     <dgm:pt modelId="{BA206CD3-7416-4A2A-B353-23B26F3A6FEB}" type="pres">
       <dgm:prSet presAssocID="{48A6C4E0-4144-4D58-BC99-DA8BCC58B999}" presName="Name19" presStyleLbl="parChTrans1D4" presStyleIdx="2" presStyleCnt="5"/>
       <dgm:spPr/>
+      <dgm:t>
+        <a:bodyPr/>
+        <a:lstStyle/>
+        <a:p>
+          <a:endParaRPr lang="en-US"/>
+        </a:p>
+      </dgm:t>
     </dgm:pt>
     <dgm:pt modelId="{DEF35E0F-06D5-4497-896D-827DE3DFD760}" type="pres">
       <dgm:prSet presAssocID="{90E0FCFF-F99F-46AD-9B30-A64FF29D7AE9}" presName="Name21" presStyleCnt="0"/>
@@ -15676,6 +16443,13 @@
     <dgm:pt modelId="{D2186E00-5186-46BC-952C-52F648F1BA4C}" type="pres">
       <dgm:prSet presAssocID="{27D8A2A3-364E-4EBC-94D2-693AC1EB6A5F}" presName="Name19" presStyleLbl="parChTrans1D4" presStyleIdx="3" presStyleCnt="5"/>
       <dgm:spPr/>
+      <dgm:t>
+        <a:bodyPr/>
+        <a:lstStyle/>
+        <a:p>
+          <a:endParaRPr lang="en-US"/>
+        </a:p>
+      </dgm:t>
     </dgm:pt>
     <dgm:pt modelId="{969E6EC7-36D0-423F-BE0C-E2D3871AF0FA}" type="pres">
       <dgm:prSet presAssocID="{B73E0221-3AB0-4846-8F18-0FEC41E4DF76}" presName="Name21" presStyleCnt="0"/>
@@ -15699,6 +16473,13 @@
     <dgm:pt modelId="{54790D52-DA9E-4AE7-A40D-C6031541C6C6}" type="pres">
       <dgm:prSet presAssocID="{EB566AE8-920D-4231-AEA8-DA3EB51A7773}" presName="Name19" presStyleLbl="parChTrans1D4" presStyleIdx="4" presStyleCnt="5"/>
       <dgm:spPr/>
+      <dgm:t>
+        <a:bodyPr/>
+        <a:lstStyle/>
+        <a:p>
+          <a:endParaRPr lang="en-US"/>
+        </a:p>
+      </dgm:t>
     </dgm:pt>
     <dgm:pt modelId="{45F2845B-9270-4F90-8004-81EC87EFF69B}" type="pres">
       <dgm:prSet presAssocID="{CC30DE32-949E-45DB-A4D1-B7CF6C1182B3}" presName="Name21" presStyleCnt="0"/>
@@ -15725,57 +16506,57 @@
     </dgm:pt>
   </dgm:ptLst>
   <dgm:cxnLst>
+    <dgm:cxn modelId="{9E3E1A58-8FFF-4627-983C-7F3E00758F37}" type="presOf" srcId="{FD299C1D-C091-4EFD-B618-B3D4397D3F3F}" destId="{C35E72D2-B49D-4340-B68F-04FB70E7B989}" srcOrd="0" destOrd="0" presId="urn:microsoft.com/office/officeart/2005/8/layout/hierarchy6"/>
+    <dgm:cxn modelId="{E61189E9-3740-4FB1-8C04-87612FAC5CA1}" type="presOf" srcId="{DEF60B52-25E8-45E3-9A09-4FE0B7AEC98D}" destId="{5E695EFE-6F06-484B-9B12-FC531258C6C8}" srcOrd="0" destOrd="0" presId="urn:microsoft.com/office/officeart/2005/8/layout/hierarchy6"/>
+    <dgm:cxn modelId="{C3BD76F5-17A4-4ACF-9E92-A8E6EDE0A826}" type="presOf" srcId="{90E0FCFF-F99F-46AD-9B30-A64FF29D7AE9}" destId="{44C5087C-BC70-4970-9600-734223B3444E}" srcOrd="0" destOrd="0" presId="urn:microsoft.com/office/officeart/2005/8/layout/hierarchy6"/>
+    <dgm:cxn modelId="{96325ACA-A4C4-4BE4-A21B-2F844EFD3F6D}" type="presOf" srcId="{EB566AE8-920D-4231-AEA8-DA3EB51A7773}" destId="{54790D52-DA9E-4AE7-A40D-C6031541C6C6}" srcOrd="0" destOrd="0" presId="urn:microsoft.com/office/officeart/2005/8/layout/hierarchy6"/>
+    <dgm:cxn modelId="{D034BEA6-A0A7-4426-9ECE-B1E3979B2CC9}" srcId="{2B34C0D0-0427-4FCF-B0CE-F88159005310}" destId="{AE7C1E1E-1DB4-439D-BE4A-BE5AECF203D6}" srcOrd="3" destOrd="0" parTransId="{6C8D6AE0-B592-4A0D-9CB4-B1C7574A7995}" sibTransId="{F92B2E1F-67D8-46BF-9252-32901E1950E1}"/>
+    <dgm:cxn modelId="{FC9D8316-2BCE-4121-82D8-3D932E39A99C}" srcId="{2B34C0D0-0427-4FCF-B0CE-F88159005310}" destId="{9E248D7D-11CF-4651-B633-E49BA1E6C993}" srcOrd="0" destOrd="0" parTransId="{B93838B7-5FBC-444D-A256-7C90E608C556}" sibTransId="{EEE1431D-5EAF-4867-8BBC-78F9D8169B15}"/>
+    <dgm:cxn modelId="{465FC358-9AEF-4210-B1EF-9E14C70EACBA}" type="presOf" srcId="{27D8A2A3-364E-4EBC-94D2-693AC1EB6A5F}" destId="{D2186E00-5186-46BC-952C-52F648F1BA4C}" srcOrd="0" destOrd="0" presId="urn:microsoft.com/office/officeart/2005/8/layout/hierarchy6"/>
+    <dgm:cxn modelId="{95EC78BA-7832-4509-ABD4-7D634534DEA6}" srcId="{51D08088-CE24-4351-911A-446E47849BA8}" destId="{BF585F2C-7A18-430B-ACD8-3D98320CAD6B}" srcOrd="1" destOrd="0" parTransId="{84076E8B-51F9-430D-88B6-82F7FBD665B5}" sibTransId="{D929B721-B43E-44A9-8534-5E20997D2513}"/>
+    <dgm:cxn modelId="{A2397AA1-EAE8-4A25-A463-1C8931ED8BF2}" type="presOf" srcId="{D49C76B9-9E92-43AA-8116-19290E589E76}" destId="{6F6FFD58-ECBA-4655-BF72-F3CC32789C3A}" srcOrd="0" destOrd="0" presId="urn:microsoft.com/office/officeart/2005/8/layout/hierarchy6"/>
+    <dgm:cxn modelId="{DD7C1388-85E6-4C0D-A475-BC771E81A43F}" type="presOf" srcId="{9E248D7D-11CF-4651-B633-E49BA1E6C993}" destId="{82362910-608B-40EE-B962-2276479BB01D}" srcOrd="0" destOrd="0" presId="urn:microsoft.com/office/officeart/2005/8/layout/hierarchy6"/>
+    <dgm:cxn modelId="{F6A2CE2D-8FFA-41DF-92FB-DD4A39B367EC}" type="presOf" srcId="{48A6C4E0-4144-4D58-BC99-DA8BCC58B999}" destId="{BA206CD3-7416-4A2A-B353-23B26F3A6FEB}" srcOrd="0" destOrd="0" presId="urn:microsoft.com/office/officeart/2005/8/layout/hierarchy6"/>
+    <dgm:cxn modelId="{42761977-0E51-43DA-81E0-AA74BA8AE4DA}" type="presOf" srcId="{2B34C0D0-0427-4FCF-B0CE-F88159005310}" destId="{A2360C90-8067-4BE1-8930-F6EF4EA4DF0C}" srcOrd="0" destOrd="0" presId="urn:microsoft.com/office/officeart/2005/8/layout/hierarchy6"/>
+    <dgm:cxn modelId="{2BE0568B-28D6-4303-B0A5-5BE9D1F85D6B}" srcId="{51D08088-CE24-4351-911A-446E47849BA8}" destId="{DEF60B52-25E8-45E3-9A09-4FE0B7AEC98D}" srcOrd="0" destOrd="0" parTransId="{8E9BFD0A-C039-4FCB-ADB5-9FDED32BC968}" sibTransId="{27A03842-FA66-4672-94FF-122EA7305481}"/>
+    <dgm:cxn modelId="{9F10C747-482B-4B00-93DA-DF5BE16C3AA6}" srcId="{67B957ED-B652-4F6F-B5C3-29C926605502}" destId="{C77D26FC-E89A-4106-94AD-BF5E89E09A23}" srcOrd="0" destOrd="0" parTransId="{08B64510-3549-4788-9676-1CC66D5548BB}" sibTransId="{497444F3-3781-4708-8F3F-8FEE7309F035}"/>
+    <dgm:cxn modelId="{43D5F635-4487-480A-B189-B6EDC036951B}" srcId="{DEF60B52-25E8-45E3-9A09-4FE0B7AEC98D}" destId="{D49C76B9-9E92-43AA-8116-19290E589E76}" srcOrd="1" destOrd="0" parTransId="{FD299C1D-C091-4EFD-B618-B3D4397D3F3F}" sibTransId="{F60223E2-C0D5-4FD8-931B-9FC9ABBACDBE}"/>
+    <dgm:cxn modelId="{298ABDAA-6B9A-4365-9DC1-E33093F1A0AD}" srcId="{376C8C0B-8B5B-4F27-9FA0-05E0A8B8CCAF}" destId="{2B34C0D0-0427-4FCF-B0CE-F88159005310}" srcOrd="0" destOrd="0" parTransId="{33BBB9F3-E305-4C41-81B8-4D986A226A36}" sibTransId="{255CBC43-E3C5-4326-A16B-E05E57B16AFD}"/>
+    <dgm:cxn modelId="{CB39660A-75A3-4060-BC97-53506F421AC6}" type="presOf" srcId="{B73E0221-3AB0-4846-8F18-0FEC41E4DF76}" destId="{BDE84C9E-5060-4F84-905A-5F1681DC00A1}" srcOrd="0" destOrd="0" presId="urn:microsoft.com/office/officeart/2005/8/layout/hierarchy6"/>
+    <dgm:cxn modelId="{3262CD68-A675-47A1-B837-9A3AE3EE4DFE}" type="presOf" srcId="{997B22A9-7A9A-47F2-A81F-51496B24A70A}" destId="{F02D2EAB-E6C1-4F12-A95F-CFF6548FBBC9}" srcOrd="0" destOrd="0" presId="urn:microsoft.com/office/officeart/2005/8/layout/hierarchy6"/>
+    <dgm:cxn modelId="{6D5E968D-A69A-490B-868E-5625FEF44316}" srcId="{67B957ED-B652-4F6F-B5C3-29C926605502}" destId="{CB6D139A-E2F2-44A0-A928-E19864FEDBFF}" srcOrd="2" destOrd="0" parTransId="{32148FF5-C658-4B04-B1D1-EF1D7FEB302B}" sibTransId="{244016DC-AE6C-4D9D-A3E2-DFF03DDF6BDF}"/>
+    <dgm:cxn modelId="{B36E453D-687A-40E6-9B42-597EA19C6B5F}" srcId="{FD33CB7D-0CFA-4123-8088-35E1BAB61094}" destId="{CC30DE32-949E-45DB-A4D1-B7CF6C1182B3}" srcOrd="2" destOrd="0" parTransId="{EB566AE8-920D-4231-AEA8-DA3EB51A7773}" sibTransId="{B548CA1D-6040-451A-9563-83BC88DF20ED}"/>
+    <dgm:cxn modelId="{760D5C05-1D00-43FD-861D-B9EDBDCA0D19}" type="presOf" srcId="{2FD38B3C-F7AF-423D-9A03-09F39895E615}" destId="{7EC6B981-9253-4CD1-A661-A7249822F36D}" srcOrd="0" destOrd="0" presId="urn:microsoft.com/office/officeart/2005/8/layout/hierarchy6"/>
+    <dgm:cxn modelId="{B89C5D2F-7A1F-446D-98A7-B25E8E26AB74}" type="presOf" srcId="{08B64510-3549-4788-9676-1CC66D5548BB}" destId="{22EFEE33-31BF-48F2-968B-C1640BA411E7}" srcOrd="0" destOrd="0" presId="urn:microsoft.com/office/officeart/2005/8/layout/hierarchy6"/>
+    <dgm:cxn modelId="{254696BD-D4E4-4BF5-8181-6E114F67467F}" type="presOf" srcId="{CE713C6A-5D2F-41C5-9CED-7E0706E79594}" destId="{F5DA597A-EE50-404D-82C1-EF316AF82E71}" srcOrd="0" destOrd="0" presId="urn:microsoft.com/office/officeart/2005/8/layout/hierarchy6"/>
+    <dgm:cxn modelId="{D28EA09A-3983-48EA-9885-4DD17D17C893}" srcId="{2B34C0D0-0427-4FCF-B0CE-F88159005310}" destId="{51D08088-CE24-4351-911A-446E47849BA8}" srcOrd="2" destOrd="0" parTransId="{2FD38B3C-F7AF-423D-9A03-09F39895E615}" sibTransId="{AF1FD999-91E3-4B55-A13C-505F92DBDAA2}"/>
+    <dgm:cxn modelId="{42A19E5E-9F09-4F33-A714-B5224771D80A}" type="presOf" srcId="{41F701C1-AB6B-4534-BBCD-65EF4FCA0FF5}" destId="{FD1E59BD-F0DD-4903-8821-04F7CE1AA02E}" srcOrd="0" destOrd="0" presId="urn:microsoft.com/office/officeart/2005/8/layout/hierarchy6"/>
     <dgm:cxn modelId="{3A18D85A-A750-4E9A-BBEB-DBB0E4FE5042}" srcId="{9E248D7D-11CF-4651-B633-E49BA1E6C993}" destId="{EFD0E23E-B1DE-4E8D-B070-7983817294DD}" srcOrd="0" destOrd="0" parTransId="{844012A5-1A2C-44F9-8F8C-504262B6F3FA}" sibTransId="{5CF35C62-4870-434A-961B-95B4477EA207}"/>
+    <dgm:cxn modelId="{7177F565-7F2F-4AEF-B185-D5149983D135}" type="presOf" srcId="{BF585F2C-7A18-430B-ACD8-3D98320CAD6B}" destId="{8A3A2B34-6FB4-4B80-973B-43878A1D6D30}" srcOrd="0" destOrd="0" presId="urn:microsoft.com/office/officeart/2005/8/layout/hierarchy6"/>
+    <dgm:cxn modelId="{860A1D27-D943-403B-9A5F-702112B1DB64}" type="presOf" srcId="{1107B486-66DA-4467-B265-B9BB6D25C89E}" destId="{8399738B-098F-4465-96CC-27E9B17A5A10}" srcOrd="0" destOrd="0" presId="urn:microsoft.com/office/officeart/2005/8/layout/hierarchy6"/>
+    <dgm:cxn modelId="{1549026F-C301-4DF7-A8FF-70F1C8402D9B}" type="presOf" srcId="{67B957ED-B652-4F6F-B5C3-29C926605502}" destId="{AACACAC4-553A-4B5D-BA68-6C271597FD4F}" srcOrd="0" destOrd="0" presId="urn:microsoft.com/office/officeart/2005/8/layout/hierarchy6"/>
+    <dgm:cxn modelId="{915201E5-3E6E-41B6-87F4-BC4DCA842EAE}" srcId="{DEF60B52-25E8-45E3-9A09-4FE0B7AEC98D}" destId="{CE713C6A-5D2F-41C5-9CED-7E0706E79594}" srcOrd="0" destOrd="0" parTransId="{997B22A9-7A9A-47F2-A81F-51496B24A70A}" sibTransId="{5C683008-1D88-44EA-BE59-B10203A10A1B}"/>
+    <dgm:cxn modelId="{40C9C806-1769-49BF-91B2-5A8E26BC7D38}" type="presOf" srcId="{84076E8B-51F9-430D-88B6-82F7FBD665B5}" destId="{BC14D6DF-0A3B-465A-AEA3-EAB3287899C8}" srcOrd="0" destOrd="0" presId="urn:microsoft.com/office/officeart/2005/8/layout/hierarchy6"/>
+    <dgm:cxn modelId="{EE72F78B-95DB-4B12-BC22-D4EB90328145}" srcId="{67B957ED-B652-4F6F-B5C3-29C926605502}" destId="{1107B486-66DA-4467-B265-B9BB6D25C89E}" srcOrd="1" destOrd="0" parTransId="{EF9E58E1-99D8-47F5-A323-7D531C1A582F}" sibTransId="{819F652E-B7E1-4440-AA04-975C7333FC3B}"/>
+    <dgm:cxn modelId="{ED81BC4F-5FEC-4CCA-A2C7-2A2EDCE0B789}" type="presOf" srcId="{CC30DE32-949E-45DB-A4D1-B7CF6C1182B3}" destId="{6A4491AE-9611-45CC-AC38-645CA332C362}" srcOrd="0" destOrd="0" presId="urn:microsoft.com/office/officeart/2005/8/layout/hierarchy6"/>
+    <dgm:cxn modelId="{D97F3093-6098-4EE6-BD47-76ECC2A9C60F}" type="presOf" srcId="{51D08088-CE24-4351-911A-446E47849BA8}" destId="{F1493E6E-04EB-4B32-94D6-95F7600C8EAA}" srcOrd="0" destOrd="0" presId="urn:microsoft.com/office/officeart/2005/8/layout/hierarchy6"/>
+    <dgm:cxn modelId="{64D924F1-6DE1-481A-A563-EC9F584E0B12}" srcId="{AE7C1E1E-1DB4-439D-BE4A-BE5AECF203D6}" destId="{FD33CB7D-0CFA-4123-8088-35E1BAB61094}" srcOrd="0" destOrd="0" parTransId="{E64F80B3-2217-4B54-9AEA-2A28A56FEDED}" sibTransId="{ECF9C6F7-0CD5-40E2-B39F-65607DCB0AFE}"/>
     <dgm:cxn modelId="{18D9B636-76E1-43EC-A47E-9082EA98297A}" srcId="{FD33CB7D-0CFA-4123-8088-35E1BAB61094}" destId="{B73E0221-3AB0-4846-8F18-0FEC41E4DF76}" srcOrd="1" destOrd="0" parTransId="{27D8A2A3-364E-4EBC-94D2-693AC1EB6A5F}" sibTransId="{8518D4D3-A2F6-47C5-96CB-4F4EF2CFA07F}"/>
-    <dgm:cxn modelId="{ED81BC4F-5FEC-4CCA-A2C7-2A2EDCE0B789}" type="presOf" srcId="{CC30DE32-949E-45DB-A4D1-B7CF6C1182B3}" destId="{6A4491AE-9611-45CC-AC38-645CA332C362}" srcOrd="0" destOrd="0" presId="urn:microsoft.com/office/officeart/2005/8/layout/hierarchy6"/>
-    <dgm:cxn modelId="{42761977-0E51-43DA-81E0-AA74BA8AE4DA}" type="presOf" srcId="{2B34C0D0-0427-4FCF-B0CE-F88159005310}" destId="{A2360C90-8067-4BE1-8930-F6EF4EA4DF0C}" srcOrd="0" destOrd="0" presId="urn:microsoft.com/office/officeart/2005/8/layout/hierarchy6"/>
+    <dgm:cxn modelId="{3D3ADE3C-9565-4C56-B3D7-002206B92BF7}" type="presOf" srcId="{E64F80B3-2217-4B54-9AEA-2A28A56FEDED}" destId="{6EB9CB91-906A-4CD8-A16D-44F9415523D8}" srcOrd="0" destOrd="0" presId="urn:microsoft.com/office/officeart/2005/8/layout/hierarchy6"/>
+    <dgm:cxn modelId="{D093AE20-0496-48EB-95D8-FC6A67DA49E0}" srcId="{2B34C0D0-0427-4FCF-B0CE-F88159005310}" destId="{67B957ED-B652-4F6F-B5C3-29C926605502}" srcOrd="1" destOrd="0" parTransId="{41F701C1-AB6B-4534-BBCD-65EF4FCA0FF5}" sibTransId="{EDEF3758-89F3-4EE6-BB14-CA9F8059F6A4}"/>
     <dgm:cxn modelId="{F6157463-8A87-4719-ADB7-DF4A98F15DB2}" type="presOf" srcId="{32148FF5-C658-4B04-B1D1-EF1D7FEB302B}" destId="{8D75BC55-6D80-4AFC-B8A9-2582479A76A1}" srcOrd="0" destOrd="0" presId="urn:microsoft.com/office/officeart/2005/8/layout/hierarchy6"/>
+    <dgm:cxn modelId="{44E4FE2D-C462-493A-BC2B-AC925A132FA7}" type="presOf" srcId="{EF9E58E1-99D8-47F5-A323-7D531C1A582F}" destId="{1A02EEBC-3DF1-4C44-8724-E3419B87EE80}" srcOrd="0" destOrd="0" presId="urn:microsoft.com/office/officeart/2005/8/layout/hierarchy6"/>
+    <dgm:cxn modelId="{7718F5DB-8506-4D7E-90E1-CBC4B05E2A17}" type="presOf" srcId="{EFD0E23E-B1DE-4E8D-B070-7983817294DD}" destId="{F32CF18A-68FB-47C8-89F5-1389D41F3BCA}" srcOrd="0" destOrd="0" presId="urn:microsoft.com/office/officeart/2005/8/layout/hierarchy6"/>
+    <dgm:cxn modelId="{291F8893-9BD9-4B33-BD58-02786D7F8C79}" type="presOf" srcId="{C77D26FC-E89A-4106-94AD-BF5E89E09A23}" destId="{CD7188AA-C932-4496-B890-4C732BCC9C44}" srcOrd="0" destOrd="0" presId="urn:microsoft.com/office/officeart/2005/8/layout/hierarchy6"/>
+    <dgm:cxn modelId="{2514D04F-7416-41EB-B913-ABCDC6CC33CF}" type="presOf" srcId="{844012A5-1A2C-44F9-8F8C-504262B6F3FA}" destId="{6E68624F-5284-4EB3-830C-985697674C65}" srcOrd="0" destOrd="0" presId="urn:microsoft.com/office/officeart/2005/8/layout/hierarchy6"/>
+    <dgm:cxn modelId="{DD70EE55-F50C-49AB-B8D6-8A1D622EFDF7}" type="presOf" srcId="{FD33CB7D-0CFA-4123-8088-35E1BAB61094}" destId="{4F009F8E-8E49-4D02-A975-FD13CED950BD}" srcOrd="0" destOrd="0" presId="urn:microsoft.com/office/officeart/2005/8/layout/hierarchy6"/>
     <dgm:cxn modelId="{122D3243-A589-498B-B3BB-609CB0D3A731}" type="presOf" srcId="{6C8D6AE0-B592-4A0D-9CB4-B1C7574A7995}" destId="{AB8DA338-1AE4-480E-B0EC-BAFC9AB76AE8}" srcOrd="0" destOrd="0" presId="urn:microsoft.com/office/officeart/2005/8/layout/hierarchy6"/>
-    <dgm:cxn modelId="{42A19E5E-9F09-4F33-A714-B5224771D80A}" type="presOf" srcId="{41F701C1-AB6B-4534-BBCD-65EF4FCA0FF5}" destId="{FD1E59BD-F0DD-4903-8821-04F7CE1AA02E}" srcOrd="0" destOrd="0" presId="urn:microsoft.com/office/officeart/2005/8/layout/hierarchy6"/>
-    <dgm:cxn modelId="{3262CD68-A675-47A1-B837-9A3AE3EE4DFE}" type="presOf" srcId="{997B22A9-7A9A-47F2-A81F-51496B24A70A}" destId="{F02D2EAB-E6C1-4F12-A95F-CFF6548FBBC9}" srcOrd="0" destOrd="0" presId="urn:microsoft.com/office/officeart/2005/8/layout/hierarchy6"/>
-    <dgm:cxn modelId="{254696BD-D4E4-4BF5-8181-6E114F67467F}" type="presOf" srcId="{CE713C6A-5D2F-41C5-9CED-7E0706E79594}" destId="{F5DA597A-EE50-404D-82C1-EF316AF82E71}" srcOrd="0" destOrd="0" presId="urn:microsoft.com/office/officeart/2005/8/layout/hierarchy6"/>
-    <dgm:cxn modelId="{291F8893-9BD9-4B33-BD58-02786D7F8C79}" type="presOf" srcId="{C77D26FC-E89A-4106-94AD-BF5E89E09A23}" destId="{CD7188AA-C932-4496-B890-4C732BCC9C44}" srcOrd="0" destOrd="0" presId="urn:microsoft.com/office/officeart/2005/8/layout/hierarchy6"/>
-    <dgm:cxn modelId="{1549026F-C301-4DF7-A8FF-70F1C8402D9B}" type="presOf" srcId="{67B957ED-B652-4F6F-B5C3-29C926605502}" destId="{AACACAC4-553A-4B5D-BA68-6C271597FD4F}" srcOrd="0" destOrd="0" presId="urn:microsoft.com/office/officeart/2005/8/layout/hierarchy6"/>
-    <dgm:cxn modelId="{C3BD76F5-17A4-4ACF-9E92-A8E6EDE0A826}" type="presOf" srcId="{90E0FCFF-F99F-46AD-9B30-A64FF29D7AE9}" destId="{44C5087C-BC70-4970-9600-734223B3444E}" srcOrd="0" destOrd="0" presId="urn:microsoft.com/office/officeart/2005/8/layout/hierarchy6"/>
-    <dgm:cxn modelId="{64D924F1-6DE1-481A-A563-EC9F584E0B12}" srcId="{AE7C1E1E-1DB4-439D-BE4A-BE5AECF203D6}" destId="{FD33CB7D-0CFA-4123-8088-35E1BAB61094}" srcOrd="0" destOrd="0" parTransId="{E64F80B3-2217-4B54-9AEA-2A28A56FEDED}" sibTransId="{ECF9C6F7-0CD5-40E2-B39F-65607DCB0AFE}"/>
-    <dgm:cxn modelId="{B89C5D2F-7A1F-446D-98A7-B25E8E26AB74}" type="presOf" srcId="{08B64510-3549-4788-9676-1CC66D5548BB}" destId="{22EFEE33-31BF-48F2-968B-C1640BA411E7}" srcOrd="0" destOrd="0" presId="urn:microsoft.com/office/officeart/2005/8/layout/hierarchy6"/>
+    <dgm:cxn modelId="{6C18BD2B-C3E3-47AD-B311-537A421F2B84}" type="presOf" srcId="{8E9BFD0A-C039-4FCB-ADB5-9FDED32BC968}" destId="{F541A084-BDA7-499E-A24D-7BA6F2A500C1}" srcOrd="0" destOrd="0" presId="urn:microsoft.com/office/officeart/2005/8/layout/hierarchy6"/>
+    <dgm:cxn modelId="{ABA90F48-9FEA-42CC-82A1-2F11F1BCDB2D}" type="presOf" srcId="{AE7C1E1E-1DB4-439D-BE4A-BE5AECF203D6}" destId="{6A14424B-E010-439C-B876-F8AA49F9F395}" srcOrd="0" destOrd="0" presId="urn:microsoft.com/office/officeart/2005/8/layout/hierarchy6"/>
+    <dgm:cxn modelId="{EBA57880-4ADE-4835-9A04-FE7410124E1D}" type="presOf" srcId="{CB6D139A-E2F2-44A0-A928-E19864FEDBFF}" destId="{BAD1AA79-528C-4909-AAC6-F928330C2D5E}" srcOrd="0" destOrd="0" presId="urn:microsoft.com/office/officeart/2005/8/layout/hierarchy6"/>
     <dgm:cxn modelId="{A4587BEE-6719-4D67-8A85-54E7BC560C7B}" srcId="{FD33CB7D-0CFA-4123-8088-35E1BAB61094}" destId="{90E0FCFF-F99F-46AD-9B30-A64FF29D7AE9}" srcOrd="0" destOrd="0" parTransId="{48A6C4E0-4144-4D58-BC99-DA8BCC58B999}" sibTransId="{02822AE3-DB8D-4856-B822-42C48CB0C02F}"/>
-    <dgm:cxn modelId="{F6A2CE2D-8FFA-41DF-92FB-DD4A39B367EC}" type="presOf" srcId="{48A6C4E0-4144-4D58-BC99-DA8BCC58B999}" destId="{BA206CD3-7416-4A2A-B353-23B26F3A6FEB}" srcOrd="0" destOrd="0" presId="urn:microsoft.com/office/officeart/2005/8/layout/hierarchy6"/>
-    <dgm:cxn modelId="{D28EA09A-3983-48EA-9885-4DD17D17C893}" srcId="{2B34C0D0-0427-4FCF-B0CE-F88159005310}" destId="{51D08088-CE24-4351-911A-446E47849BA8}" srcOrd="2" destOrd="0" parTransId="{2FD38B3C-F7AF-423D-9A03-09F39895E615}" sibTransId="{AF1FD999-91E3-4B55-A13C-505F92DBDAA2}"/>
-    <dgm:cxn modelId="{DD70EE55-F50C-49AB-B8D6-8A1D622EFDF7}" type="presOf" srcId="{FD33CB7D-0CFA-4123-8088-35E1BAB61094}" destId="{4F009F8E-8E49-4D02-A975-FD13CED950BD}" srcOrd="0" destOrd="0" presId="urn:microsoft.com/office/officeart/2005/8/layout/hierarchy6"/>
-    <dgm:cxn modelId="{7718F5DB-8506-4D7E-90E1-CBC4B05E2A17}" type="presOf" srcId="{EFD0E23E-B1DE-4E8D-B070-7983817294DD}" destId="{F32CF18A-68FB-47C8-89F5-1389D41F3BCA}" srcOrd="0" destOrd="0" presId="urn:microsoft.com/office/officeart/2005/8/layout/hierarchy6"/>
-    <dgm:cxn modelId="{298ABDAA-6B9A-4365-9DC1-E33093F1A0AD}" srcId="{376C8C0B-8B5B-4F27-9FA0-05E0A8B8CCAF}" destId="{2B34C0D0-0427-4FCF-B0CE-F88159005310}" srcOrd="0" destOrd="0" parTransId="{33BBB9F3-E305-4C41-81B8-4D986A226A36}" sibTransId="{255CBC43-E3C5-4326-A16B-E05E57B16AFD}"/>
-    <dgm:cxn modelId="{44E4FE2D-C462-493A-BC2B-AC925A132FA7}" type="presOf" srcId="{EF9E58E1-99D8-47F5-A323-7D531C1A582F}" destId="{1A02EEBC-3DF1-4C44-8724-E3419B87EE80}" srcOrd="0" destOrd="0" presId="urn:microsoft.com/office/officeart/2005/8/layout/hierarchy6"/>
-    <dgm:cxn modelId="{2514D04F-7416-41EB-B913-ABCDC6CC33CF}" type="presOf" srcId="{844012A5-1A2C-44F9-8F8C-504262B6F3FA}" destId="{6E68624F-5284-4EB3-830C-985697674C65}" srcOrd="0" destOrd="0" presId="urn:microsoft.com/office/officeart/2005/8/layout/hierarchy6"/>
-    <dgm:cxn modelId="{96325ACA-A4C4-4BE4-A21B-2F844EFD3F6D}" type="presOf" srcId="{EB566AE8-920D-4231-AEA8-DA3EB51A7773}" destId="{54790D52-DA9E-4AE7-A40D-C6031541C6C6}" srcOrd="0" destOrd="0" presId="urn:microsoft.com/office/officeart/2005/8/layout/hierarchy6"/>
-    <dgm:cxn modelId="{760D5C05-1D00-43FD-861D-B9EDBDCA0D19}" type="presOf" srcId="{2FD38B3C-F7AF-423D-9A03-09F39895E615}" destId="{7EC6B981-9253-4CD1-A661-A7249822F36D}" srcOrd="0" destOrd="0" presId="urn:microsoft.com/office/officeart/2005/8/layout/hierarchy6"/>
-    <dgm:cxn modelId="{D97F3093-6098-4EE6-BD47-76ECC2A9C60F}" type="presOf" srcId="{51D08088-CE24-4351-911A-446E47849BA8}" destId="{F1493E6E-04EB-4B32-94D6-95F7600C8EAA}" srcOrd="0" destOrd="0" presId="urn:microsoft.com/office/officeart/2005/8/layout/hierarchy6"/>
-    <dgm:cxn modelId="{6D5E968D-A69A-490B-868E-5625FEF44316}" srcId="{67B957ED-B652-4F6F-B5C3-29C926605502}" destId="{CB6D139A-E2F2-44A0-A928-E19864FEDBFF}" srcOrd="2" destOrd="0" parTransId="{32148FF5-C658-4B04-B1D1-EF1D7FEB302B}" sibTransId="{244016DC-AE6C-4D9D-A3E2-DFF03DDF6BDF}"/>
-    <dgm:cxn modelId="{EBA57880-4ADE-4835-9A04-FE7410124E1D}" type="presOf" srcId="{CB6D139A-E2F2-44A0-A928-E19864FEDBFF}" destId="{BAD1AA79-528C-4909-AAC6-F928330C2D5E}" srcOrd="0" destOrd="0" presId="urn:microsoft.com/office/officeart/2005/8/layout/hierarchy6"/>
-    <dgm:cxn modelId="{D093AE20-0496-48EB-95D8-FC6A67DA49E0}" srcId="{2B34C0D0-0427-4FCF-B0CE-F88159005310}" destId="{67B957ED-B652-4F6F-B5C3-29C926605502}" srcOrd="1" destOrd="0" parTransId="{41F701C1-AB6B-4534-BBCD-65EF4FCA0FF5}" sibTransId="{EDEF3758-89F3-4EE6-BB14-CA9F8059F6A4}"/>
-    <dgm:cxn modelId="{B36E453D-687A-40E6-9B42-597EA19C6B5F}" srcId="{FD33CB7D-0CFA-4123-8088-35E1BAB61094}" destId="{CC30DE32-949E-45DB-A4D1-B7CF6C1182B3}" srcOrd="2" destOrd="0" parTransId="{EB566AE8-920D-4231-AEA8-DA3EB51A7773}" sibTransId="{B548CA1D-6040-451A-9563-83BC88DF20ED}"/>
-    <dgm:cxn modelId="{7177F565-7F2F-4AEF-B185-D5149983D135}" type="presOf" srcId="{BF585F2C-7A18-430B-ACD8-3D98320CAD6B}" destId="{8A3A2B34-6FB4-4B80-973B-43878A1D6D30}" srcOrd="0" destOrd="0" presId="urn:microsoft.com/office/officeart/2005/8/layout/hierarchy6"/>
-    <dgm:cxn modelId="{43D5F635-4487-480A-B189-B6EDC036951B}" srcId="{DEF60B52-25E8-45E3-9A09-4FE0B7AEC98D}" destId="{D49C76B9-9E92-43AA-8116-19290E589E76}" srcOrd="1" destOrd="0" parTransId="{FD299C1D-C091-4EFD-B618-B3D4397D3F3F}" sibTransId="{F60223E2-C0D5-4FD8-931B-9FC9ABBACDBE}"/>
-    <dgm:cxn modelId="{EE72F78B-95DB-4B12-BC22-D4EB90328145}" srcId="{67B957ED-B652-4F6F-B5C3-29C926605502}" destId="{1107B486-66DA-4467-B265-B9BB6D25C89E}" srcOrd="1" destOrd="0" parTransId="{EF9E58E1-99D8-47F5-A323-7D531C1A582F}" sibTransId="{819F652E-B7E1-4440-AA04-975C7333FC3B}"/>
-    <dgm:cxn modelId="{40C9C806-1769-49BF-91B2-5A8E26BC7D38}" type="presOf" srcId="{84076E8B-51F9-430D-88B6-82F7FBD665B5}" destId="{BC14D6DF-0A3B-465A-AEA3-EAB3287899C8}" srcOrd="0" destOrd="0" presId="urn:microsoft.com/office/officeart/2005/8/layout/hierarchy6"/>
-    <dgm:cxn modelId="{9F10C747-482B-4B00-93DA-DF5BE16C3AA6}" srcId="{67B957ED-B652-4F6F-B5C3-29C926605502}" destId="{C77D26FC-E89A-4106-94AD-BF5E89E09A23}" srcOrd="0" destOrd="0" parTransId="{08B64510-3549-4788-9676-1CC66D5548BB}" sibTransId="{497444F3-3781-4708-8F3F-8FEE7309F035}"/>
-    <dgm:cxn modelId="{3D3ADE3C-9565-4C56-B3D7-002206B92BF7}" type="presOf" srcId="{E64F80B3-2217-4B54-9AEA-2A28A56FEDED}" destId="{6EB9CB91-906A-4CD8-A16D-44F9415523D8}" srcOrd="0" destOrd="0" presId="urn:microsoft.com/office/officeart/2005/8/layout/hierarchy6"/>
-    <dgm:cxn modelId="{A2397AA1-EAE8-4A25-A463-1C8931ED8BF2}" type="presOf" srcId="{D49C76B9-9E92-43AA-8116-19290E589E76}" destId="{6F6FFD58-ECBA-4655-BF72-F3CC32789C3A}" srcOrd="0" destOrd="0" presId="urn:microsoft.com/office/officeart/2005/8/layout/hierarchy6"/>
-    <dgm:cxn modelId="{6C18BD2B-C3E3-47AD-B311-537A421F2B84}" type="presOf" srcId="{8E9BFD0A-C039-4FCB-ADB5-9FDED32BC968}" destId="{F541A084-BDA7-499E-A24D-7BA6F2A500C1}" srcOrd="0" destOrd="0" presId="urn:microsoft.com/office/officeart/2005/8/layout/hierarchy6"/>
-    <dgm:cxn modelId="{FC9D8316-2BCE-4121-82D8-3D932E39A99C}" srcId="{2B34C0D0-0427-4FCF-B0CE-F88159005310}" destId="{9E248D7D-11CF-4651-B633-E49BA1E6C993}" srcOrd="0" destOrd="0" parTransId="{B93838B7-5FBC-444D-A256-7C90E608C556}" sibTransId="{EEE1431D-5EAF-4867-8BBC-78F9D8169B15}"/>
-    <dgm:cxn modelId="{D034BEA6-A0A7-4426-9ECE-B1E3979B2CC9}" srcId="{2B34C0D0-0427-4FCF-B0CE-F88159005310}" destId="{AE7C1E1E-1DB4-439D-BE4A-BE5AECF203D6}" srcOrd="3" destOrd="0" parTransId="{6C8D6AE0-B592-4A0D-9CB4-B1C7574A7995}" sibTransId="{F92B2E1F-67D8-46BF-9252-32901E1950E1}"/>
-    <dgm:cxn modelId="{860A1D27-D943-403B-9A5F-702112B1DB64}" type="presOf" srcId="{1107B486-66DA-4467-B265-B9BB6D25C89E}" destId="{8399738B-098F-4465-96CC-27E9B17A5A10}" srcOrd="0" destOrd="0" presId="urn:microsoft.com/office/officeart/2005/8/layout/hierarchy6"/>
+    <dgm:cxn modelId="{CAFC8A8D-73A5-4C42-94E6-1AB630CA62C8}" type="presOf" srcId="{376C8C0B-8B5B-4F27-9FA0-05E0A8B8CCAF}" destId="{98DB4DE6-2B02-4F1A-BDD9-07A2BF699AA2}" srcOrd="0" destOrd="0" presId="urn:microsoft.com/office/officeart/2005/8/layout/hierarchy6"/>
     <dgm:cxn modelId="{22DB934F-B362-4266-BDD4-40A37227992A}" type="presOf" srcId="{B93838B7-5FBC-444D-A256-7C90E608C556}" destId="{48DB2C70-6B1A-466A-9701-B958B4F14DEB}" srcOrd="0" destOrd="0" presId="urn:microsoft.com/office/officeart/2005/8/layout/hierarchy6"/>
-    <dgm:cxn modelId="{465FC358-9AEF-4210-B1EF-9E14C70EACBA}" type="presOf" srcId="{27D8A2A3-364E-4EBC-94D2-693AC1EB6A5F}" destId="{D2186E00-5186-46BC-952C-52F648F1BA4C}" srcOrd="0" destOrd="0" presId="urn:microsoft.com/office/officeart/2005/8/layout/hierarchy6"/>
-    <dgm:cxn modelId="{CAFC8A8D-73A5-4C42-94E6-1AB630CA62C8}" type="presOf" srcId="{376C8C0B-8B5B-4F27-9FA0-05E0A8B8CCAF}" destId="{98DB4DE6-2B02-4F1A-BDD9-07A2BF699AA2}" srcOrd="0" destOrd="0" presId="urn:microsoft.com/office/officeart/2005/8/layout/hierarchy6"/>
-    <dgm:cxn modelId="{ABA90F48-9FEA-42CC-82A1-2F11F1BCDB2D}" type="presOf" srcId="{AE7C1E1E-1DB4-439D-BE4A-BE5AECF203D6}" destId="{6A14424B-E010-439C-B876-F8AA49F9F395}" srcOrd="0" destOrd="0" presId="urn:microsoft.com/office/officeart/2005/8/layout/hierarchy6"/>
-    <dgm:cxn modelId="{95EC78BA-7832-4509-ABD4-7D634534DEA6}" srcId="{51D08088-CE24-4351-911A-446E47849BA8}" destId="{BF585F2C-7A18-430B-ACD8-3D98320CAD6B}" srcOrd="1" destOrd="0" parTransId="{84076E8B-51F9-430D-88B6-82F7FBD665B5}" sibTransId="{D929B721-B43E-44A9-8534-5E20997D2513}"/>
-    <dgm:cxn modelId="{9E3E1A58-8FFF-4627-983C-7F3E00758F37}" type="presOf" srcId="{FD299C1D-C091-4EFD-B618-B3D4397D3F3F}" destId="{C35E72D2-B49D-4340-B68F-04FB70E7B989}" srcOrd="0" destOrd="0" presId="urn:microsoft.com/office/officeart/2005/8/layout/hierarchy6"/>
-    <dgm:cxn modelId="{CB39660A-75A3-4060-BC97-53506F421AC6}" type="presOf" srcId="{B73E0221-3AB0-4846-8F18-0FEC41E4DF76}" destId="{BDE84C9E-5060-4F84-905A-5F1681DC00A1}" srcOrd="0" destOrd="0" presId="urn:microsoft.com/office/officeart/2005/8/layout/hierarchy6"/>
-    <dgm:cxn modelId="{915201E5-3E6E-41B6-87F4-BC4DCA842EAE}" srcId="{DEF60B52-25E8-45E3-9A09-4FE0B7AEC98D}" destId="{CE713C6A-5D2F-41C5-9CED-7E0706E79594}" srcOrd="0" destOrd="0" parTransId="{997B22A9-7A9A-47F2-A81F-51496B24A70A}" sibTransId="{5C683008-1D88-44EA-BE59-B10203A10A1B}"/>
-    <dgm:cxn modelId="{DD7C1388-85E6-4C0D-A475-BC771E81A43F}" type="presOf" srcId="{9E248D7D-11CF-4651-B633-E49BA1E6C993}" destId="{82362910-608B-40EE-B962-2276479BB01D}" srcOrd="0" destOrd="0" presId="urn:microsoft.com/office/officeart/2005/8/layout/hierarchy6"/>
-    <dgm:cxn modelId="{E61189E9-3740-4FB1-8C04-87612FAC5CA1}" type="presOf" srcId="{DEF60B52-25E8-45E3-9A09-4FE0B7AEC98D}" destId="{5E695EFE-6F06-484B-9B12-FC531258C6C8}" srcOrd="0" destOrd="0" presId="urn:microsoft.com/office/officeart/2005/8/layout/hierarchy6"/>
-    <dgm:cxn modelId="{2BE0568B-28D6-4303-B0A5-5BE9D1F85D6B}" srcId="{51D08088-CE24-4351-911A-446E47849BA8}" destId="{DEF60B52-25E8-45E3-9A09-4FE0B7AEC98D}" srcOrd="0" destOrd="0" parTransId="{8E9BFD0A-C039-4FCB-ADB5-9FDED32BC968}" sibTransId="{27A03842-FA66-4672-94FF-122EA7305481}"/>
     <dgm:cxn modelId="{57811DF7-85CD-4A80-92B8-FE267B395ED2}" type="presParOf" srcId="{98DB4DE6-2B02-4F1A-BDD9-07A2BF699AA2}" destId="{425BC42B-1E28-4C9A-8DE5-A1DFE0368494}" srcOrd="0" destOrd="0" presId="urn:microsoft.com/office/officeart/2005/8/layout/hierarchy6"/>
     <dgm:cxn modelId="{0F974EC0-070A-416E-A8CF-32840C39775A}" type="presParOf" srcId="{425BC42B-1E28-4C9A-8DE5-A1DFE0368494}" destId="{7573B479-0B8C-47DB-87D3-9E810F4E5F19}" srcOrd="0" destOrd="0" presId="urn:microsoft.com/office/officeart/2005/8/layout/hierarchy6"/>
     <dgm:cxn modelId="{4FC37A26-339D-48C1-9D8D-1254A2FEAFEF}" type="presParOf" srcId="{7573B479-0B8C-47DB-87D3-9E810F4E5F19}" destId="{E1409956-A938-4A76-869C-400DD2FFDC3E}" srcOrd="0" destOrd="0" presId="urn:microsoft.com/office/officeart/2005/8/layout/hierarchy6"/>
@@ -16513,6 +17294,13 @@
         </dgm:presLayoutVars>
       </dgm:prSet>
       <dgm:spPr/>
+      <dgm:t>
+        <a:bodyPr/>
+        <a:lstStyle/>
+        <a:p>
+          <a:endParaRPr lang="en-US"/>
+        </a:p>
+      </dgm:t>
     </dgm:pt>
     <dgm:pt modelId="{A5A8BE85-7208-4A9F-B600-A5F3929EB6A0}" type="pres">
       <dgm:prSet presAssocID="{D9827C83-225F-4E74-9B72-6D6F53866594}" presName="root1" presStyleCnt="0"/>
@@ -16525,6 +17313,13 @@
         </dgm:presLayoutVars>
       </dgm:prSet>
       <dgm:spPr/>
+      <dgm:t>
+        <a:bodyPr/>
+        <a:lstStyle/>
+        <a:p>
+          <a:endParaRPr lang="en-US"/>
+        </a:p>
+      </dgm:t>
     </dgm:pt>
     <dgm:pt modelId="{395B7206-9278-44EB-B78C-C516001B84F7}" type="pres">
       <dgm:prSet presAssocID="{D9827C83-225F-4E74-9B72-6D6F53866594}" presName="level2hierChild" presStyleCnt="0"/>
@@ -16533,10 +17328,24 @@
     <dgm:pt modelId="{CEB74504-39BE-4570-95F0-25484362EF04}" type="pres">
       <dgm:prSet presAssocID="{E090DB10-81EA-43B9-B622-AE61487106F6}" presName="conn2-1" presStyleLbl="parChTrans1D2" presStyleIdx="0" presStyleCnt="6"/>
       <dgm:spPr/>
+      <dgm:t>
+        <a:bodyPr/>
+        <a:lstStyle/>
+        <a:p>
+          <a:endParaRPr lang="en-US"/>
+        </a:p>
+      </dgm:t>
     </dgm:pt>
     <dgm:pt modelId="{7D2D3FDC-37D1-4838-8512-B0AC4E0F263C}" type="pres">
       <dgm:prSet presAssocID="{E090DB10-81EA-43B9-B622-AE61487106F6}" presName="connTx" presStyleLbl="parChTrans1D2" presStyleIdx="0" presStyleCnt="6"/>
       <dgm:spPr/>
+      <dgm:t>
+        <a:bodyPr/>
+        <a:lstStyle/>
+        <a:p>
+          <a:endParaRPr lang="en-US"/>
+        </a:p>
+      </dgm:t>
     </dgm:pt>
     <dgm:pt modelId="{0AB81AEB-060E-41BD-8AA3-283FF85CB72A}" type="pres">
       <dgm:prSet presAssocID="{2AAB9FA6-9098-4D32-B4BD-D10AE1162F1F}" presName="root2" presStyleCnt="0"/>
@@ -16549,6 +17358,13 @@
         </dgm:presLayoutVars>
       </dgm:prSet>
       <dgm:spPr/>
+      <dgm:t>
+        <a:bodyPr/>
+        <a:lstStyle/>
+        <a:p>
+          <a:endParaRPr lang="en-US"/>
+        </a:p>
+      </dgm:t>
     </dgm:pt>
     <dgm:pt modelId="{10F4C5F3-FE1E-462F-B3C3-4F6F32305536}" type="pres">
       <dgm:prSet presAssocID="{2AAB9FA6-9098-4D32-B4BD-D10AE1162F1F}" presName="level3hierChild" presStyleCnt="0"/>
@@ -16557,10 +17373,24 @@
     <dgm:pt modelId="{5E01EFB3-B07D-4269-845F-D56465CCA431}" type="pres">
       <dgm:prSet presAssocID="{9B76B8A0-E5AA-4035-ACB8-72C6E06B473F}" presName="conn2-1" presStyleLbl="parChTrans1D3" presStyleIdx="0" presStyleCnt="8"/>
       <dgm:spPr/>
+      <dgm:t>
+        <a:bodyPr/>
+        <a:lstStyle/>
+        <a:p>
+          <a:endParaRPr lang="en-US"/>
+        </a:p>
+      </dgm:t>
     </dgm:pt>
     <dgm:pt modelId="{869F9AF0-2B43-4E99-BE26-6A3F4D110BF9}" type="pres">
       <dgm:prSet presAssocID="{9B76B8A0-E5AA-4035-ACB8-72C6E06B473F}" presName="connTx" presStyleLbl="parChTrans1D3" presStyleIdx="0" presStyleCnt="8"/>
       <dgm:spPr/>
+      <dgm:t>
+        <a:bodyPr/>
+        <a:lstStyle/>
+        <a:p>
+          <a:endParaRPr lang="en-US"/>
+        </a:p>
+      </dgm:t>
     </dgm:pt>
     <dgm:pt modelId="{A51F46E6-D13B-48A6-A7B5-7186667DF86E}" type="pres">
       <dgm:prSet presAssocID="{F670C2D4-759B-4500-845C-282BF5AE914E}" presName="root2" presStyleCnt="0"/>
@@ -16588,10 +17418,24 @@
     <dgm:pt modelId="{7E10655B-A42C-47C4-8854-6532CDFC8170}" type="pres">
       <dgm:prSet presAssocID="{D2CA4A93-A1A6-46A0-A2A6-EA5F6E0FEEC2}" presName="conn2-1" presStyleLbl="parChTrans1D2" presStyleIdx="1" presStyleCnt="6"/>
       <dgm:spPr/>
+      <dgm:t>
+        <a:bodyPr/>
+        <a:lstStyle/>
+        <a:p>
+          <a:endParaRPr lang="en-US"/>
+        </a:p>
+      </dgm:t>
     </dgm:pt>
     <dgm:pt modelId="{4540CFC9-DCB1-4F26-8948-6F08DF70D868}" type="pres">
       <dgm:prSet presAssocID="{D2CA4A93-A1A6-46A0-A2A6-EA5F6E0FEEC2}" presName="connTx" presStyleLbl="parChTrans1D2" presStyleIdx="1" presStyleCnt="6"/>
       <dgm:spPr/>
+      <dgm:t>
+        <a:bodyPr/>
+        <a:lstStyle/>
+        <a:p>
+          <a:endParaRPr lang="en-US"/>
+        </a:p>
+      </dgm:t>
     </dgm:pt>
     <dgm:pt modelId="{71A94868-CE17-4B75-A512-76681BECBEE4}" type="pres">
       <dgm:prSet presAssocID="{B154B264-5F61-4D23-B01C-908F665D3999}" presName="root2" presStyleCnt="0"/>
@@ -16619,10 +17463,24 @@
     <dgm:pt modelId="{1150736D-A061-498C-99AE-83B05F7B8547}" type="pres">
       <dgm:prSet presAssocID="{6ECC0A22-9FFD-4BDB-B36F-F5D8FBEB1244}" presName="conn2-1" presStyleLbl="parChTrans1D3" presStyleIdx="1" presStyleCnt="8"/>
       <dgm:spPr/>
+      <dgm:t>
+        <a:bodyPr/>
+        <a:lstStyle/>
+        <a:p>
+          <a:endParaRPr lang="en-US"/>
+        </a:p>
+      </dgm:t>
     </dgm:pt>
     <dgm:pt modelId="{A28E566D-10E0-478F-AA5B-8870EF0EBF3D}" type="pres">
       <dgm:prSet presAssocID="{6ECC0A22-9FFD-4BDB-B36F-F5D8FBEB1244}" presName="connTx" presStyleLbl="parChTrans1D3" presStyleIdx="1" presStyleCnt="8"/>
       <dgm:spPr/>
+      <dgm:t>
+        <a:bodyPr/>
+        <a:lstStyle/>
+        <a:p>
+          <a:endParaRPr lang="en-US"/>
+        </a:p>
+      </dgm:t>
     </dgm:pt>
     <dgm:pt modelId="{60C2D422-702B-4556-9A90-621E4A39702C}" type="pres">
       <dgm:prSet presAssocID="{495568F9-CC5B-4A75-B440-4ACEB1F5D089}" presName="root2" presStyleCnt="0"/>
@@ -16650,10 +17508,24 @@
     <dgm:pt modelId="{F0E30E18-CB16-4326-BD28-0AE9002EA79C}" type="pres">
       <dgm:prSet presAssocID="{AE6613A0-817D-4D02-A7ED-9C9E29B83BAC}" presName="conn2-1" presStyleLbl="parChTrans1D2" presStyleIdx="2" presStyleCnt="6"/>
       <dgm:spPr/>
+      <dgm:t>
+        <a:bodyPr/>
+        <a:lstStyle/>
+        <a:p>
+          <a:endParaRPr lang="en-US"/>
+        </a:p>
+      </dgm:t>
     </dgm:pt>
     <dgm:pt modelId="{9B0CC315-D3EB-469B-9B39-8BCCA0412973}" type="pres">
       <dgm:prSet presAssocID="{AE6613A0-817D-4D02-A7ED-9C9E29B83BAC}" presName="connTx" presStyleLbl="parChTrans1D2" presStyleIdx="2" presStyleCnt="6"/>
       <dgm:spPr/>
+      <dgm:t>
+        <a:bodyPr/>
+        <a:lstStyle/>
+        <a:p>
+          <a:endParaRPr lang="en-US"/>
+        </a:p>
+      </dgm:t>
     </dgm:pt>
     <dgm:pt modelId="{DB8B08C8-D5B7-4106-88B5-BF6CC6BB58C7}" type="pres">
       <dgm:prSet presAssocID="{07DC7643-8FCE-40A7-A8DF-2746CE4B21A1}" presName="root2" presStyleCnt="0"/>
@@ -16666,6 +17538,13 @@
         </dgm:presLayoutVars>
       </dgm:prSet>
       <dgm:spPr/>
+      <dgm:t>
+        <a:bodyPr/>
+        <a:lstStyle/>
+        <a:p>
+          <a:endParaRPr lang="en-US"/>
+        </a:p>
+      </dgm:t>
     </dgm:pt>
     <dgm:pt modelId="{16548488-F2B0-4B86-A76B-D211113CA899}" type="pres">
       <dgm:prSet presAssocID="{07DC7643-8FCE-40A7-A8DF-2746CE4B21A1}" presName="level3hierChild" presStyleCnt="0"/>
@@ -16674,10 +17553,24 @@
     <dgm:pt modelId="{D46B8337-0083-48B9-8361-84CCE456A021}" type="pres">
       <dgm:prSet presAssocID="{A2054D7A-A86F-4510-A2E7-B4830882E5C9}" presName="conn2-1" presStyleLbl="parChTrans1D3" presStyleIdx="2" presStyleCnt="8"/>
       <dgm:spPr/>
+      <dgm:t>
+        <a:bodyPr/>
+        <a:lstStyle/>
+        <a:p>
+          <a:endParaRPr lang="en-US"/>
+        </a:p>
+      </dgm:t>
     </dgm:pt>
     <dgm:pt modelId="{B540A779-F35B-4980-8138-5EE7666C28A2}" type="pres">
       <dgm:prSet presAssocID="{A2054D7A-A86F-4510-A2E7-B4830882E5C9}" presName="connTx" presStyleLbl="parChTrans1D3" presStyleIdx="2" presStyleCnt="8"/>
       <dgm:spPr/>
+      <dgm:t>
+        <a:bodyPr/>
+        <a:lstStyle/>
+        <a:p>
+          <a:endParaRPr lang="en-US"/>
+        </a:p>
+      </dgm:t>
     </dgm:pt>
     <dgm:pt modelId="{85F8CFE8-C813-4B6F-804E-9C315DC55DDF}" type="pres">
       <dgm:prSet presAssocID="{D6599AD4-EBD0-4F0F-BD06-7EDCEF9BD180}" presName="root2" presStyleCnt="0"/>
@@ -16705,10 +17598,24 @@
     <dgm:pt modelId="{23023063-3D8D-4D0F-AEA7-70ED51FEFD84}" type="pres">
       <dgm:prSet presAssocID="{C9CD3B76-5E79-46B2-B7EB-0380043191F3}" presName="conn2-1" presStyleLbl="parChTrans1D3" presStyleIdx="3" presStyleCnt="8"/>
       <dgm:spPr/>
+      <dgm:t>
+        <a:bodyPr/>
+        <a:lstStyle/>
+        <a:p>
+          <a:endParaRPr lang="en-US"/>
+        </a:p>
+      </dgm:t>
     </dgm:pt>
     <dgm:pt modelId="{A93C0AAD-04A3-40DB-B8E0-68B6D049AC47}" type="pres">
       <dgm:prSet presAssocID="{C9CD3B76-5E79-46B2-B7EB-0380043191F3}" presName="connTx" presStyleLbl="parChTrans1D3" presStyleIdx="3" presStyleCnt="8"/>
       <dgm:spPr/>
+      <dgm:t>
+        <a:bodyPr/>
+        <a:lstStyle/>
+        <a:p>
+          <a:endParaRPr lang="en-US"/>
+        </a:p>
+      </dgm:t>
     </dgm:pt>
     <dgm:pt modelId="{B7285ED1-7E02-4DAB-8284-89E6200BF361}" type="pres">
       <dgm:prSet presAssocID="{E2712F78-C68F-43BB-BADC-65495F54189E}" presName="root2" presStyleCnt="0"/>
@@ -16736,10 +17643,24 @@
     <dgm:pt modelId="{CCFDF677-4C6D-4077-BFFF-EDCBDD0351B4}" type="pres">
       <dgm:prSet presAssocID="{479CE35F-4087-4AE3-94BF-E63199486D7E}" presName="conn2-1" presStyleLbl="parChTrans1D3" presStyleIdx="4" presStyleCnt="8"/>
       <dgm:spPr/>
+      <dgm:t>
+        <a:bodyPr/>
+        <a:lstStyle/>
+        <a:p>
+          <a:endParaRPr lang="en-US"/>
+        </a:p>
+      </dgm:t>
     </dgm:pt>
     <dgm:pt modelId="{D2992E14-83CA-411C-9BA9-D1006DF7CEF8}" type="pres">
       <dgm:prSet presAssocID="{479CE35F-4087-4AE3-94BF-E63199486D7E}" presName="connTx" presStyleLbl="parChTrans1D3" presStyleIdx="4" presStyleCnt="8"/>
       <dgm:spPr/>
+      <dgm:t>
+        <a:bodyPr/>
+        <a:lstStyle/>
+        <a:p>
+          <a:endParaRPr lang="en-US"/>
+        </a:p>
+      </dgm:t>
     </dgm:pt>
     <dgm:pt modelId="{663F8EF7-8E5C-4270-890C-FC607F778F57}" type="pres">
       <dgm:prSet presAssocID="{4C2815C3-5FA1-4E14-A905-6FEF7BC3D11C}" presName="root2" presStyleCnt="0"/>
@@ -16767,10 +17688,24 @@
     <dgm:pt modelId="{2FBA0196-8A84-4D91-9A19-44983C0C3DC7}" type="pres">
       <dgm:prSet presAssocID="{FDFE7580-B32D-4CA3-BE8D-990C484D1221}" presName="conn2-1" presStyleLbl="parChTrans1D2" presStyleIdx="3" presStyleCnt="6"/>
       <dgm:spPr/>
+      <dgm:t>
+        <a:bodyPr/>
+        <a:lstStyle/>
+        <a:p>
+          <a:endParaRPr lang="en-US"/>
+        </a:p>
+      </dgm:t>
     </dgm:pt>
     <dgm:pt modelId="{0E62D5CF-C955-4F55-8431-D0B9CA7A60FE}" type="pres">
       <dgm:prSet presAssocID="{FDFE7580-B32D-4CA3-BE8D-990C484D1221}" presName="connTx" presStyleLbl="parChTrans1D2" presStyleIdx="3" presStyleCnt="6"/>
       <dgm:spPr/>
+      <dgm:t>
+        <a:bodyPr/>
+        <a:lstStyle/>
+        <a:p>
+          <a:endParaRPr lang="en-US"/>
+        </a:p>
+      </dgm:t>
     </dgm:pt>
     <dgm:pt modelId="{E84317D1-9902-43A7-A9CD-8D2C088F358A}" type="pres">
       <dgm:prSet presAssocID="{5DEA2378-DCDC-4090-AE80-F4B740FE307E}" presName="root2" presStyleCnt="0"/>
@@ -16783,6 +17718,13 @@
         </dgm:presLayoutVars>
       </dgm:prSet>
       <dgm:spPr/>
+      <dgm:t>
+        <a:bodyPr/>
+        <a:lstStyle/>
+        <a:p>
+          <a:endParaRPr lang="en-US"/>
+        </a:p>
+      </dgm:t>
     </dgm:pt>
     <dgm:pt modelId="{AF569EF2-DB34-48CB-BBF6-31F2831A7F59}" type="pres">
       <dgm:prSet presAssocID="{5DEA2378-DCDC-4090-AE80-F4B740FE307E}" presName="level3hierChild" presStyleCnt="0"/>
@@ -16791,10 +17733,24 @@
     <dgm:pt modelId="{217DF4AE-DEC3-4D65-BCEF-60FBDD91F78D}" type="pres">
       <dgm:prSet presAssocID="{F53700BE-1ECA-49AC-B52A-03122E7839B4}" presName="conn2-1" presStyleLbl="parChTrans1D3" presStyleIdx="5" presStyleCnt="8"/>
       <dgm:spPr/>
+      <dgm:t>
+        <a:bodyPr/>
+        <a:lstStyle/>
+        <a:p>
+          <a:endParaRPr lang="en-US"/>
+        </a:p>
+      </dgm:t>
     </dgm:pt>
     <dgm:pt modelId="{BB9E5803-9B77-40FE-882F-FC08D0146550}" type="pres">
       <dgm:prSet presAssocID="{F53700BE-1ECA-49AC-B52A-03122E7839B4}" presName="connTx" presStyleLbl="parChTrans1D3" presStyleIdx="5" presStyleCnt="8"/>
       <dgm:spPr/>
+      <dgm:t>
+        <a:bodyPr/>
+        <a:lstStyle/>
+        <a:p>
+          <a:endParaRPr lang="en-US"/>
+        </a:p>
+      </dgm:t>
     </dgm:pt>
     <dgm:pt modelId="{769317FE-0E74-4F77-A5E7-9D34D7A73FE2}" type="pres">
       <dgm:prSet presAssocID="{6CF95012-6A70-4C09-829B-28ABC41FD1EE}" presName="root2" presStyleCnt="0"/>
@@ -16822,10 +17778,24 @@
     <dgm:pt modelId="{0F1E0CBC-0D4C-45BE-B8F8-730BBDB32DEF}" type="pres">
       <dgm:prSet presAssocID="{9EE1445F-E9F9-4D6A-8C3E-18FE33EBFB66}" presName="conn2-1" presStyleLbl="parChTrans1D4" presStyleIdx="0" presStyleCnt="1"/>
       <dgm:spPr/>
+      <dgm:t>
+        <a:bodyPr/>
+        <a:lstStyle/>
+        <a:p>
+          <a:endParaRPr lang="en-US"/>
+        </a:p>
+      </dgm:t>
     </dgm:pt>
     <dgm:pt modelId="{355F8301-3818-4F1B-98DC-50F9C191CE13}" type="pres">
       <dgm:prSet presAssocID="{9EE1445F-E9F9-4D6A-8C3E-18FE33EBFB66}" presName="connTx" presStyleLbl="parChTrans1D4" presStyleIdx="0" presStyleCnt="1"/>
       <dgm:spPr/>
+      <dgm:t>
+        <a:bodyPr/>
+        <a:lstStyle/>
+        <a:p>
+          <a:endParaRPr lang="en-US"/>
+        </a:p>
+      </dgm:t>
     </dgm:pt>
     <dgm:pt modelId="{6678036F-459B-4C09-95BA-23B6330D51B5}" type="pres">
       <dgm:prSet presAssocID="{6FA80B42-8F5C-4424-8F90-7D1C91E95CE5}" presName="root2" presStyleCnt="0"/>
@@ -16853,10 +17823,24 @@
     <dgm:pt modelId="{630BC88B-9848-4E1C-AF76-9E2C21B51218}" type="pres">
       <dgm:prSet presAssocID="{57D62849-EE8E-40C3-BF8C-4E1DC84B9654}" presName="conn2-1" presStyleLbl="parChTrans1D3" presStyleIdx="6" presStyleCnt="8"/>
       <dgm:spPr/>
+      <dgm:t>
+        <a:bodyPr/>
+        <a:lstStyle/>
+        <a:p>
+          <a:endParaRPr lang="en-US"/>
+        </a:p>
+      </dgm:t>
     </dgm:pt>
     <dgm:pt modelId="{6148AFC8-7323-4882-B6F0-35328044A0FF}" type="pres">
       <dgm:prSet presAssocID="{57D62849-EE8E-40C3-BF8C-4E1DC84B9654}" presName="connTx" presStyleLbl="parChTrans1D3" presStyleIdx="6" presStyleCnt="8"/>
       <dgm:spPr/>
+      <dgm:t>
+        <a:bodyPr/>
+        <a:lstStyle/>
+        <a:p>
+          <a:endParaRPr lang="en-US"/>
+        </a:p>
+      </dgm:t>
     </dgm:pt>
     <dgm:pt modelId="{D4EC7684-99C7-4C5F-B0CB-97AB48E8DD04}" type="pres">
       <dgm:prSet presAssocID="{32268716-F77F-4F42-89D8-0F625C98EF5C}" presName="root2" presStyleCnt="0"/>
@@ -16869,6 +17853,13 @@
         </dgm:presLayoutVars>
       </dgm:prSet>
       <dgm:spPr/>
+      <dgm:t>
+        <a:bodyPr/>
+        <a:lstStyle/>
+        <a:p>
+          <a:endParaRPr lang="en-US"/>
+        </a:p>
+      </dgm:t>
     </dgm:pt>
     <dgm:pt modelId="{F71CD749-900B-470D-BAB5-0332E9506953}" type="pres">
       <dgm:prSet presAssocID="{32268716-F77F-4F42-89D8-0F625C98EF5C}" presName="level3hierChild" presStyleCnt="0"/>
@@ -16877,10 +17868,24 @@
     <dgm:pt modelId="{1A6E4B0A-55AC-4A97-A585-1453278C7DB8}" type="pres">
       <dgm:prSet presAssocID="{88CFD8A0-2587-44D1-9607-50604A1380AA}" presName="conn2-1" presStyleLbl="parChTrans1D2" presStyleIdx="4" presStyleCnt="6"/>
       <dgm:spPr/>
+      <dgm:t>
+        <a:bodyPr/>
+        <a:lstStyle/>
+        <a:p>
+          <a:endParaRPr lang="en-US"/>
+        </a:p>
+      </dgm:t>
     </dgm:pt>
     <dgm:pt modelId="{95C96F62-5B1E-4F7D-B341-40682A3F12BA}" type="pres">
       <dgm:prSet presAssocID="{88CFD8A0-2587-44D1-9607-50604A1380AA}" presName="connTx" presStyleLbl="parChTrans1D2" presStyleIdx="4" presStyleCnt="6"/>
       <dgm:spPr/>
+      <dgm:t>
+        <a:bodyPr/>
+        <a:lstStyle/>
+        <a:p>
+          <a:endParaRPr lang="en-US"/>
+        </a:p>
+      </dgm:t>
     </dgm:pt>
     <dgm:pt modelId="{0BBCA81C-E31F-4116-B80F-0EE338D80417}" type="pres">
       <dgm:prSet presAssocID="{5A6CB75E-3DD2-4EF2-A872-6855EDB6A63C}" presName="root2" presStyleCnt="0"/>
@@ -16893,6 +17898,13 @@
         </dgm:presLayoutVars>
       </dgm:prSet>
       <dgm:spPr/>
+      <dgm:t>
+        <a:bodyPr/>
+        <a:lstStyle/>
+        <a:p>
+          <a:endParaRPr lang="en-US"/>
+        </a:p>
+      </dgm:t>
     </dgm:pt>
     <dgm:pt modelId="{CD10C309-16D0-4CDC-B450-88B6CC72146D}" type="pres">
       <dgm:prSet presAssocID="{5A6CB75E-3DD2-4EF2-A872-6855EDB6A63C}" presName="level3hierChild" presStyleCnt="0"/>
@@ -16901,10 +17913,24 @@
     <dgm:pt modelId="{482623F6-AC96-4061-BEE3-44C9AB06CD46}" type="pres">
       <dgm:prSet presAssocID="{911183DF-A9C0-44A8-B207-39C1919DBFB0}" presName="conn2-1" presStyleLbl="parChTrans1D2" presStyleIdx="5" presStyleCnt="6"/>
       <dgm:spPr/>
+      <dgm:t>
+        <a:bodyPr/>
+        <a:lstStyle/>
+        <a:p>
+          <a:endParaRPr lang="en-US"/>
+        </a:p>
+      </dgm:t>
     </dgm:pt>
     <dgm:pt modelId="{6B26BC28-9709-4A7F-9021-11EBB6833498}" type="pres">
       <dgm:prSet presAssocID="{911183DF-A9C0-44A8-B207-39C1919DBFB0}" presName="connTx" presStyleLbl="parChTrans1D2" presStyleIdx="5" presStyleCnt="6"/>
       <dgm:spPr/>
+      <dgm:t>
+        <a:bodyPr/>
+        <a:lstStyle/>
+        <a:p>
+          <a:endParaRPr lang="en-US"/>
+        </a:p>
+      </dgm:t>
     </dgm:pt>
     <dgm:pt modelId="{81B8A69B-DD30-4413-BDFA-1B1C62D05225}" type="pres">
       <dgm:prSet presAssocID="{611F766B-2557-4EA5-82EB-945C644ACCC9}" presName="root2" presStyleCnt="0"/>
@@ -16917,6 +17943,13 @@
         </dgm:presLayoutVars>
       </dgm:prSet>
       <dgm:spPr/>
+      <dgm:t>
+        <a:bodyPr/>
+        <a:lstStyle/>
+        <a:p>
+          <a:endParaRPr lang="en-US"/>
+        </a:p>
+      </dgm:t>
     </dgm:pt>
     <dgm:pt modelId="{646C5C83-1C5A-40F3-BCE5-EF348C9BB786}" type="pres">
       <dgm:prSet presAssocID="{611F766B-2557-4EA5-82EB-945C644ACCC9}" presName="level3hierChild" presStyleCnt="0"/>
@@ -16925,10 +17958,24 @@
     <dgm:pt modelId="{4AF68AA3-0930-404F-BBF2-A63B6E656700}" type="pres">
       <dgm:prSet presAssocID="{66EE07A4-65EF-4266-8695-E4E922DC2B0C}" presName="conn2-1" presStyleLbl="parChTrans1D3" presStyleIdx="7" presStyleCnt="8"/>
       <dgm:spPr/>
+      <dgm:t>
+        <a:bodyPr/>
+        <a:lstStyle/>
+        <a:p>
+          <a:endParaRPr lang="en-US"/>
+        </a:p>
+      </dgm:t>
     </dgm:pt>
     <dgm:pt modelId="{BA89FEA2-1A66-40A8-98A9-FFE15ADF2856}" type="pres">
       <dgm:prSet presAssocID="{66EE07A4-65EF-4266-8695-E4E922DC2B0C}" presName="connTx" presStyleLbl="parChTrans1D3" presStyleIdx="7" presStyleCnt="8"/>
       <dgm:spPr/>
+      <dgm:t>
+        <a:bodyPr/>
+        <a:lstStyle/>
+        <a:p>
+          <a:endParaRPr lang="en-US"/>
+        </a:p>
+      </dgm:t>
     </dgm:pt>
     <dgm:pt modelId="{EE0E89B5-0A56-480E-8CBE-15406FF1093F}" type="pres">
       <dgm:prSet presAssocID="{B9EBBE94-5C1D-43A1-BC70-6F64D54031BA}" presName="root2" presStyleCnt="0"/>
@@ -16965,15 +18012,15 @@
     <dgm:cxn modelId="{9DD22794-514B-4267-BA0A-25A11C00AE5C}" srcId="{6CF95012-6A70-4C09-829B-28ABC41FD1EE}" destId="{6FA80B42-8F5C-4424-8F90-7D1C91E95CE5}" srcOrd="0" destOrd="0" parTransId="{9EE1445F-E9F9-4D6A-8C3E-18FE33EBFB66}" sibTransId="{08FAEAED-7629-4897-9BF9-99A4D84C78F9}"/>
     <dgm:cxn modelId="{6A2ACD64-343E-414D-895E-A997C055F457}" srcId="{D9827C83-225F-4E74-9B72-6D6F53866594}" destId="{2AAB9FA6-9098-4D32-B4BD-D10AE1162F1F}" srcOrd="0" destOrd="0" parTransId="{E090DB10-81EA-43B9-B622-AE61487106F6}" sibTransId="{14F9F823-378E-4E7F-930B-6C21B57C8277}"/>
     <dgm:cxn modelId="{F6B1C046-16D3-4CA4-89F4-AEA266ADA70B}" type="presOf" srcId="{32268716-F77F-4F42-89D8-0F625C98EF5C}" destId="{79682B10-B3AA-44E0-B78B-91E9D12B3979}" srcOrd="0" destOrd="0" presId="urn:microsoft.com/office/officeart/2005/8/layout/hierarchy2"/>
+    <dgm:cxn modelId="{FABCA4E3-A7C6-4538-8F91-782743A0AD45}" type="presOf" srcId="{F53700BE-1ECA-49AC-B52A-03122E7839B4}" destId="{217DF4AE-DEC3-4D65-BCEF-60FBDD91F78D}" srcOrd="0" destOrd="0" presId="urn:microsoft.com/office/officeart/2005/8/layout/hierarchy2"/>
     <dgm:cxn modelId="{F292CDEC-85EC-4EA4-BA5A-6D48F28A3595}" srcId="{2AAB9FA6-9098-4D32-B4BD-D10AE1162F1F}" destId="{F670C2D4-759B-4500-845C-282BF5AE914E}" srcOrd="0" destOrd="0" parTransId="{9B76B8A0-E5AA-4035-ACB8-72C6E06B473F}" sibTransId="{EE46ED47-693B-47FB-B5EC-955D45B4AEF7}"/>
-    <dgm:cxn modelId="{FABCA4E3-A7C6-4538-8F91-782743A0AD45}" type="presOf" srcId="{F53700BE-1ECA-49AC-B52A-03122E7839B4}" destId="{217DF4AE-DEC3-4D65-BCEF-60FBDD91F78D}" srcOrd="0" destOrd="0" presId="urn:microsoft.com/office/officeart/2005/8/layout/hierarchy2"/>
     <dgm:cxn modelId="{3A8B03F8-BFE7-4646-B6A6-275D77907D47}" type="presOf" srcId="{F53700BE-1ECA-49AC-B52A-03122E7839B4}" destId="{BB9E5803-9B77-40FE-882F-FC08D0146550}" srcOrd="1" destOrd="0" presId="urn:microsoft.com/office/officeart/2005/8/layout/hierarchy2"/>
     <dgm:cxn modelId="{A80A05A5-5C09-4D5A-B1EC-C9130EB3A320}" type="presOf" srcId="{AE6613A0-817D-4D02-A7ED-9C9E29B83BAC}" destId="{9B0CC315-D3EB-469B-9B39-8BCCA0412973}" srcOrd="1" destOrd="0" presId="urn:microsoft.com/office/officeart/2005/8/layout/hierarchy2"/>
     <dgm:cxn modelId="{4A6F4633-504C-4868-BF08-3CB159A63B5F}" type="presOf" srcId="{57D62849-EE8E-40C3-BF8C-4E1DC84B9654}" destId="{630BC88B-9848-4E1C-AF76-9E2C21B51218}" srcOrd="0" destOrd="0" presId="urn:microsoft.com/office/officeart/2005/8/layout/hierarchy2"/>
     <dgm:cxn modelId="{D8080773-7E9B-44BF-9231-7A446A78189E}" type="presOf" srcId="{479CE35F-4087-4AE3-94BF-E63199486D7E}" destId="{CCFDF677-4C6D-4077-BFFF-EDCBDD0351B4}" srcOrd="0" destOrd="0" presId="urn:microsoft.com/office/officeart/2005/8/layout/hierarchy2"/>
     <dgm:cxn modelId="{F242FA30-587E-4A9B-8C39-EA7D510917B5}" type="presOf" srcId="{C9CD3B76-5E79-46B2-B7EB-0380043191F3}" destId="{23023063-3D8D-4D0F-AEA7-70ED51FEFD84}" srcOrd="0" destOrd="0" presId="urn:microsoft.com/office/officeart/2005/8/layout/hierarchy2"/>
+    <dgm:cxn modelId="{FF4AEBB2-CB2D-43CA-BB85-4265DC542DF6}" type="presOf" srcId="{9B76B8A0-E5AA-4035-ACB8-72C6E06B473F}" destId="{5E01EFB3-B07D-4269-845F-D56465CCA431}" srcOrd="0" destOrd="0" presId="urn:microsoft.com/office/officeart/2005/8/layout/hierarchy2"/>
     <dgm:cxn modelId="{E87157F0-DB39-483F-8237-E55C151106F0}" type="presOf" srcId="{A2054D7A-A86F-4510-A2E7-B4830882E5C9}" destId="{B540A779-F35B-4980-8138-5EE7666C28A2}" srcOrd="1" destOrd="0" presId="urn:microsoft.com/office/officeart/2005/8/layout/hierarchy2"/>
-    <dgm:cxn modelId="{FF4AEBB2-CB2D-43CA-BB85-4265DC542DF6}" type="presOf" srcId="{9B76B8A0-E5AA-4035-ACB8-72C6E06B473F}" destId="{5E01EFB3-B07D-4269-845F-D56465CCA431}" srcOrd="0" destOrd="0" presId="urn:microsoft.com/office/officeart/2005/8/layout/hierarchy2"/>
     <dgm:cxn modelId="{AA350AAE-F152-4DF4-9FA7-DB525C578B6E}" type="presOf" srcId="{6ECC0A22-9FFD-4BDB-B36F-F5D8FBEB1244}" destId="{1150736D-A061-498C-99AE-83B05F7B8547}" srcOrd="0" destOrd="0" presId="urn:microsoft.com/office/officeart/2005/8/layout/hierarchy2"/>
     <dgm:cxn modelId="{F2819A9F-68E5-4FFE-9637-8B75D9EF5583}" type="presOf" srcId="{6ECC0A22-9FFD-4BDB-B36F-F5D8FBEB1244}" destId="{A28E566D-10E0-478F-AA5B-8870EF0EBF3D}" srcOrd="1" destOrd="0" presId="urn:microsoft.com/office/officeart/2005/8/layout/hierarchy2"/>
     <dgm:cxn modelId="{330F8849-7A76-4932-821B-6204622DD2AE}" srcId="{611F766B-2557-4EA5-82EB-945C644ACCC9}" destId="{B9EBBE94-5C1D-43A1-BC70-6F64D54031BA}" srcOrd="0" destOrd="0" parTransId="{66EE07A4-65EF-4266-8695-E4E922DC2B0C}" sibTransId="{3FD16B47-E008-46CF-A29D-3D5288CB848F}"/>
@@ -16986,16 +18033,16 @@
     <dgm:cxn modelId="{95F5958B-F6C7-4220-9DC1-1E9A3AFFA6D0}" type="presOf" srcId="{B154B264-5F61-4D23-B01C-908F665D3999}" destId="{9714A3DF-47B8-4BC8-8854-DE491F2927FF}" srcOrd="0" destOrd="0" presId="urn:microsoft.com/office/officeart/2005/8/layout/hierarchy2"/>
     <dgm:cxn modelId="{56530DE2-82F9-4198-8E28-C54DBE589B54}" type="presOf" srcId="{FDFE7580-B32D-4CA3-BE8D-990C484D1221}" destId="{2FBA0196-8A84-4D91-9A19-44983C0C3DC7}" srcOrd="0" destOrd="0" presId="urn:microsoft.com/office/officeart/2005/8/layout/hierarchy2"/>
     <dgm:cxn modelId="{0A856860-48CE-49FD-A9FA-A4CAFC09543A}" type="presOf" srcId="{911183DF-A9C0-44A8-B207-39C1919DBFB0}" destId="{6B26BC28-9709-4A7F-9021-11EBB6833498}" srcOrd="1" destOrd="0" presId="urn:microsoft.com/office/officeart/2005/8/layout/hierarchy2"/>
+    <dgm:cxn modelId="{75DF4128-3749-4CF1-A650-43C3D2CA7079}" type="presOf" srcId="{5DEA2378-DCDC-4090-AE80-F4B740FE307E}" destId="{DD5ED1F7-529C-44EA-93FC-9FD782BBEDDE}" srcOrd="0" destOrd="0" presId="urn:microsoft.com/office/officeart/2005/8/layout/hierarchy2"/>
     <dgm:cxn modelId="{46516137-2519-44C9-A00B-2F62ABBED98D}" type="presOf" srcId="{2AAB9FA6-9098-4D32-B4BD-D10AE1162F1F}" destId="{4A8574A8-688C-4730-83CC-1D0F1451C4A1}" srcOrd="0" destOrd="0" presId="urn:microsoft.com/office/officeart/2005/8/layout/hierarchy2"/>
-    <dgm:cxn modelId="{75DF4128-3749-4CF1-A650-43C3D2CA7079}" type="presOf" srcId="{5DEA2378-DCDC-4090-AE80-F4B740FE307E}" destId="{DD5ED1F7-529C-44EA-93FC-9FD782BBEDDE}" srcOrd="0" destOrd="0" presId="urn:microsoft.com/office/officeart/2005/8/layout/hierarchy2"/>
     <dgm:cxn modelId="{784BAF33-E69D-4C8A-B42A-4984348C2832}" srcId="{D9827C83-225F-4E74-9B72-6D6F53866594}" destId="{5A6CB75E-3DD2-4EF2-A872-6855EDB6A63C}" srcOrd="4" destOrd="0" parTransId="{88CFD8A0-2587-44D1-9607-50604A1380AA}" sibTransId="{7B32CC5B-348E-44AE-9A14-70709380E049}"/>
     <dgm:cxn modelId="{4F0D461D-6542-4CED-9DFA-093829112F39}" type="presOf" srcId="{D9827C83-225F-4E74-9B72-6D6F53866594}" destId="{6D459CE0-6162-429C-B06A-FFD47C6D4597}" srcOrd="0" destOrd="0" presId="urn:microsoft.com/office/officeart/2005/8/layout/hierarchy2"/>
     <dgm:cxn modelId="{187F6DFE-4682-483A-BDC9-6123D103A64E}" type="presOf" srcId="{E090DB10-81EA-43B9-B622-AE61487106F6}" destId="{7D2D3FDC-37D1-4838-8512-B0AC4E0F263C}" srcOrd="1" destOrd="0" presId="urn:microsoft.com/office/officeart/2005/8/layout/hierarchy2"/>
     <dgm:cxn modelId="{B83C8223-9258-485C-BB84-2DBEA8085E29}" type="presOf" srcId="{5A6CB75E-3DD2-4EF2-A872-6855EDB6A63C}" destId="{59AEAFDB-3DCC-4D5E-BD30-A56A287E76A1}" srcOrd="0" destOrd="0" presId="urn:microsoft.com/office/officeart/2005/8/layout/hierarchy2"/>
     <dgm:cxn modelId="{60C7DDD9-0D19-49E9-B251-9B2D4798A81F}" type="presOf" srcId="{FC670DF3-C29F-496A-BF82-C37660D4A2AD}" destId="{1F4BCE92-F605-4346-8303-F9D8C3D34123}" srcOrd="0" destOrd="0" presId="urn:microsoft.com/office/officeart/2005/8/layout/hierarchy2"/>
     <dgm:cxn modelId="{2CE9B158-6D8D-4BAE-8BF5-945848672C77}" type="presOf" srcId="{611F766B-2557-4EA5-82EB-945C644ACCC9}" destId="{53733738-17EE-42DA-A70D-98ABD9E1E00D}" srcOrd="0" destOrd="0" presId="urn:microsoft.com/office/officeart/2005/8/layout/hierarchy2"/>
+    <dgm:cxn modelId="{9151928F-B2AB-4F1B-9B51-9ED0B61D2623}" type="presOf" srcId="{07DC7643-8FCE-40A7-A8DF-2746CE4B21A1}" destId="{B2379A68-A7A9-421F-9D65-D790421B665E}" srcOrd="0" destOrd="0" presId="urn:microsoft.com/office/officeart/2005/8/layout/hierarchy2"/>
     <dgm:cxn modelId="{66354783-7D6B-4E6E-9C0E-176EA4EE2638}" srcId="{D9827C83-225F-4E74-9B72-6D6F53866594}" destId="{B154B264-5F61-4D23-B01C-908F665D3999}" srcOrd="1" destOrd="0" parTransId="{D2CA4A93-A1A6-46A0-A2A6-EA5F6E0FEEC2}" sibTransId="{79F7FFAA-D592-4173-8A4D-F0E712449022}"/>
-    <dgm:cxn modelId="{9151928F-B2AB-4F1B-9B51-9ED0B61D2623}" type="presOf" srcId="{07DC7643-8FCE-40A7-A8DF-2746CE4B21A1}" destId="{B2379A68-A7A9-421F-9D65-D790421B665E}" srcOrd="0" destOrd="0" presId="urn:microsoft.com/office/officeart/2005/8/layout/hierarchy2"/>
     <dgm:cxn modelId="{46913627-310F-4BD4-A6DE-EC685B92CDC5}" srcId="{5DEA2378-DCDC-4090-AE80-F4B740FE307E}" destId="{32268716-F77F-4F42-89D8-0F625C98EF5C}" srcOrd="1" destOrd="0" parTransId="{57D62849-EE8E-40C3-BF8C-4E1DC84B9654}" sibTransId="{3992A18F-2D4F-48FF-BB88-2B3797BA8CB3}"/>
     <dgm:cxn modelId="{35518296-DF93-489E-9865-A8BADE5FFE9A}" srcId="{D9827C83-225F-4E74-9B72-6D6F53866594}" destId="{07DC7643-8FCE-40A7-A8DF-2746CE4B21A1}" srcOrd="2" destOrd="0" parTransId="{AE6613A0-817D-4D02-A7ED-9C9E29B83BAC}" sibTransId="{42012944-DF65-45A3-AC3C-7E8A56999A27}"/>
     <dgm:cxn modelId="{73E1933E-40D6-4F01-9935-7D3C92B4CE18}" srcId="{07DC7643-8FCE-40A7-A8DF-2746CE4B21A1}" destId="{E2712F78-C68F-43BB-BADC-65495F54189E}" srcOrd="1" destOrd="0" parTransId="{C9CD3B76-5E79-46B2-B7EB-0380043191F3}" sibTransId="{3CF10EA7-E570-4992-B861-0B33311FD6FE}"/>
@@ -17009,8 +18056,8 @@
     <dgm:cxn modelId="{F36B1CAA-5E94-4B20-8A4B-AE79599EDA24}" srcId="{07DC7643-8FCE-40A7-A8DF-2746CE4B21A1}" destId="{D6599AD4-EBD0-4F0F-BD06-7EDCEF9BD180}" srcOrd="0" destOrd="0" parTransId="{A2054D7A-A86F-4510-A2E7-B4830882E5C9}" sibTransId="{7294795F-A626-45A1-B8AE-5F578BF3BA43}"/>
     <dgm:cxn modelId="{B1BC726D-2C51-4D0D-B195-A60A2EC9A8A4}" type="presOf" srcId="{9B76B8A0-E5AA-4035-ACB8-72C6E06B473F}" destId="{869F9AF0-2B43-4E99-BE26-6A3F4D110BF9}" srcOrd="1" destOrd="0" presId="urn:microsoft.com/office/officeart/2005/8/layout/hierarchy2"/>
     <dgm:cxn modelId="{D8F1F61A-0232-4F4A-B5F5-53EEA754760F}" type="presOf" srcId="{479CE35F-4087-4AE3-94BF-E63199486D7E}" destId="{D2992E14-83CA-411C-9BA9-D1006DF7CEF8}" srcOrd="1" destOrd="0" presId="urn:microsoft.com/office/officeart/2005/8/layout/hierarchy2"/>
+    <dgm:cxn modelId="{6F559775-D4DA-4C54-9080-F62E84E4D8C0}" type="presOf" srcId="{88CFD8A0-2587-44D1-9607-50604A1380AA}" destId="{95C96F62-5B1E-4F7D-B341-40682A3F12BA}" srcOrd="1" destOrd="0" presId="urn:microsoft.com/office/officeart/2005/8/layout/hierarchy2"/>
     <dgm:cxn modelId="{519B1DC5-5B3D-423D-B428-391026AA603B}" srcId="{FC670DF3-C29F-496A-BF82-C37660D4A2AD}" destId="{D9827C83-225F-4E74-9B72-6D6F53866594}" srcOrd="0" destOrd="0" parTransId="{F570169B-5389-4037-A4E2-4634B07106F0}" sibTransId="{DFB9C7AB-39C6-4266-837A-514CE46257E0}"/>
-    <dgm:cxn modelId="{6F559775-D4DA-4C54-9080-F62E84E4D8C0}" type="presOf" srcId="{88CFD8A0-2587-44D1-9607-50604A1380AA}" destId="{95C96F62-5B1E-4F7D-B341-40682A3F12BA}" srcOrd="1" destOrd="0" presId="urn:microsoft.com/office/officeart/2005/8/layout/hierarchy2"/>
     <dgm:cxn modelId="{07AC33F1-87C7-47C2-B5DB-EE8D3D33AC4E}" srcId="{D9827C83-225F-4E74-9B72-6D6F53866594}" destId="{5DEA2378-DCDC-4090-AE80-F4B740FE307E}" srcOrd="3" destOrd="0" parTransId="{FDFE7580-B32D-4CA3-BE8D-990C484D1221}" sibTransId="{52A5767A-4FF9-4394-B79D-6D9811B83FE9}"/>
     <dgm:cxn modelId="{2FD5F4DC-85CF-4C94-BA07-A31405ECA9FB}" type="presOf" srcId="{911183DF-A9C0-44A8-B207-39C1919DBFB0}" destId="{482623F6-AC96-4061-BEE3-44C9AB06CD46}" srcOrd="0" destOrd="0" presId="urn:microsoft.com/office/officeart/2005/8/layout/hierarchy2"/>
     <dgm:cxn modelId="{C5F7DDB6-A10B-4895-A043-F382531AFE99}" type="presOf" srcId="{9EE1445F-E9F9-4D6A-8C3E-18FE33EBFB66}" destId="{0F1E0CBC-0D4C-45BE-B8F8-730BBDB32DEF}" srcOrd="0" destOrd="0" presId="urn:microsoft.com/office/officeart/2005/8/layout/hierarchy2"/>
@@ -17101,7 +18148,7 @@
   <dgm:whole/>
   <dgm:extLst>
     <a:ext uri="http://schemas.microsoft.com/office/drawing/2008/diagram">
-      <dsp:dataModelExt xmlns:dsp="http://schemas.microsoft.com/office/drawing/2008/diagram" xmlns="" relId="rId6" minVer="http://schemas.openxmlformats.org/drawingml/2006/diagram"/>
+      <dsp:dataModelExt xmlns:dsp="http://schemas.microsoft.com/office/drawing/2008/diagram" xmlns="" relId="rId7" minVer="http://schemas.openxmlformats.org/drawingml/2006/diagram"/>
     </a:ext>
   </dgm:extLst>
 </dgm:dataModel>
@@ -17122,54 +18169,50 @@
       </dsp:nvSpPr>
       <dsp:spPr>
         <a:xfrm>
-          <a:off x="0" y="112919"/>
-          <a:ext cx="1143000" cy="383760"/>
+          <a:off x="0" y="5279"/>
+          <a:ext cx="1143000" cy="599040"/>
         </a:xfrm>
         <a:prstGeom prst="roundRect">
           <a:avLst/>
         </a:prstGeom>
         <a:solidFill>
-          <a:schemeClr val="accent1">
-            <a:hueOff val="0"/>
-            <a:satOff val="0"/>
-            <a:lumOff val="0"/>
-            <a:alphaOff val="0"/>
-          </a:schemeClr>
+          <a:schemeClr val="accent2"/>
         </a:solidFill>
-        <a:ln w="25400" cap="flat" cmpd="sng" algn="ctr">
+        <a:ln w="38100" cap="flat" cmpd="sng" algn="ctr">
           <a:solidFill>
-            <a:schemeClr val="lt1">
-              <a:hueOff val="0"/>
-              <a:satOff val="0"/>
-              <a:lumOff val="0"/>
-              <a:alphaOff val="0"/>
-            </a:schemeClr>
+            <a:schemeClr val="lt1"/>
           </a:solidFill>
           <a:prstDash val="solid"/>
         </a:ln>
-        <a:effectLst/>
+        <a:effectLst>
+          <a:outerShdw blurRad="40000" dist="20000" dir="5400000" rotWithShape="0">
+            <a:srgbClr val="000000">
+              <a:alpha val="38000"/>
+            </a:srgbClr>
+          </a:outerShdw>
+        </a:effectLst>
       </dsp:spPr>
       <dsp:style>
-        <a:lnRef idx="2">
-          <a:scrgbClr r="0" g="0" b="0"/>
+        <a:lnRef idx="3">
+          <a:schemeClr val="lt1"/>
         </a:lnRef>
         <a:fillRef idx="1">
-          <a:scrgbClr r="0" g="0" b="0"/>
+          <a:schemeClr val="accent2"/>
         </a:fillRef>
-        <a:effectRef idx="0">
-          <a:scrgbClr r="0" g="0" b="0"/>
+        <a:effectRef idx="1">
+          <a:schemeClr val="accent2"/>
         </a:effectRef>
         <a:fontRef idx="minor">
           <a:schemeClr val="lt1"/>
         </a:fontRef>
       </dsp:style>
       <dsp:txBody>
-        <a:bodyPr spcFirstLastPara="0" vert="horz" wrap="square" lIns="60960" tIns="60960" rIns="60960" bIns="60960" numCol="1" spcCol="1270" anchor="ctr" anchorCtr="0">
+        <a:bodyPr spcFirstLastPara="0" vert="horz" wrap="square" lIns="45720" tIns="45720" rIns="45720" bIns="45720" numCol="1" spcCol="1270" anchor="ctr" anchorCtr="0">
           <a:noAutofit/>
         </a:bodyPr>
         <a:lstStyle/>
         <a:p>
-          <a:pPr lvl="0" algn="l" defTabSz="711200" rtl="0">
+          <a:pPr lvl="0" algn="l" defTabSz="533400" rtl="0">
             <a:lnSpc>
               <a:spcPct val="90000"/>
             </a:lnSpc>
@@ -17181,15 +18224,15 @@
             </a:spcAft>
           </a:pPr>
           <a:r>
-            <a:rPr lang="en-US" sz="1600" kern="1200" dirty="0" smtClean="0"/>
-            <a:t>Load SBML</a:t>
+            <a:rPr lang="en-US" sz="1200" kern="1200" dirty="0" smtClean="0"/>
+            <a:t>model.xml</a:t>
           </a:r>
-          <a:endParaRPr lang="en-US" sz="1600" kern="1200" dirty="0"/>
+          <a:endParaRPr lang="en-US" sz="1200" kern="1200" dirty="0"/>
         </a:p>
       </dsp:txBody>
       <dsp:txXfrm>
-        <a:off x="0" y="112919"/>
-        <a:ext cx="1143000" cy="383760"/>
+        <a:off x="0" y="5279"/>
+        <a:ext cx="1143000" cy="599040"/>
       </dsp:txXfrm>
     </dsp:sp>
   </dsp:spTree>
@@ -18740,8 +19783,8 @@
       </dsp:nvSpPr>
       <dsp:spPr>
         <a:xfrm>
-          <a:off x="228601" y="76198"/>
-          <a:ext cx="723955" cy="361977"/>
+          <a:off x="520602" y="390767"/>
+          <a:ext cx="642360" cy="321180"/>
         </a:xfrm>
         <a:prstGeom prst="roundRect">
           <a:avLst>
@@ -18784,12 +19827,12 @@
         </a:fontRef>
       </dsp:style>
       <dsp:txBody>
-        <a:bodyPr spcFirstLastPara="0" vert="horz" wrap="square" lIns="3810" tIns="3810" rIns="3810" bIns="3810" numCol="1" spcCol="1270" anchor="ctr" anchorCtr="0">
+        <a:bodyPr spcFirstLastPara="0" vert="horz" wrap="square" lIns="3175" tIns="3175" rIns="3175" bIns="3175" numCol="1" spcCol="1270" anchor="ctr" anchorCtr="0">
           <a:noAutofit/>
         </a:bodyPr>
         <a:lstStyle/>
         <a:p>
-          <a:pPr lvl="0" algn="ctr" defTabSz="266700">
+          <a:pPr lvl="0" algn="ctr" defTabSz="222250">
             <a:lnSpc>
               <a:spcPct val="90000"/>
             </a:lnSpc>
@@ -18801,15 +19844,15 @@
             </a:spcAft>
           </a:pPr>
           <a:r>
-            <a:rPr lang="en-US" sz="600" kern="1200" dirty="0" smtClean="0"/>
+            <a:rPr lang="en-US" sz="500" kern="1200" dirty="0" smtClean="0"/>
             <a:t>C:\rrInstall</a:t>
           </a:r>
-          <a:endParaRPr lang="en-US" sz="600" kern="1200" dirty="0"/>
+          <a:endParaRPr lang="en-US" sz="500" kern="1200" dirty="0"/>
         </a:p>
       </dsp:txBody>
       <dsp:txXfrm>
-        <a:off x="228601" y="76198"/>
-        <a:ext cx="723955" cy="361977"/>
+        <a:off x="520602" y="390767"/>
+        <a:ext cx="642360" cy="321180"/>
       </dsp:txXfrm>
     </dsp:sp>
     <dsp:sp modelId="{DFB04D63-BCBA-400A-B88A-3638DD78C457}">
@@ -18818,9 +19861,9 @@
         <dsp:cNvSpPr/>
       </dsp:nvSpPr>
       <dsp:spPr>
-        <a:xfrm rot="1716834">
-          <a:off x="923407" y="361545"/>
-          <a:ext cx="477339" cy="19885"/>
+        <a:xfrm rot="1370909">
+          <a:off x="1147134" y="620868"/>
+          <a:ext cx="403469" cy="17644"/>
         </a:xfrm>
         <a:custGeom>
           <a:avLst/>
@@ -18831,10 +19874,10 @@
           <a:pathLst>
             <a:path>
               <a:moveTo>
-                <a:pt x="0" y="9942"/>
+                <a:pt x="0" y="8822"/>
               </a:moveTo>
               <a:lnTo>
-                <a:pt x="477339" y="9942"/>
+                <a:pt x="403469" y="8822"/>
               </a:lnTo>
             </a:path>
           </a:pathLst>
@@ -18872,7 +19915,7 @@
         </a:bodyPr>
         <a:lstStyle/>
         <a:p>
-          <a:pPr lvl="0" algn="ctr" defTabSz="222250">
+          <a:pPr lvl="0" algn="ctr" defTabSz="177800">
             <a:lnSpc>
               <a:spcPct val="90000"/>
             </a:lnSpc>
@@ -18883,12 +19926,12 @@
               <a:spcPct val="35000"/>
             </a:spcAft>
           </a:pPr>
-          <a:endParaRPr lang="en-US" sz="500" kern="1200"/>
+          <a:endParaRPr lang="en-US" sz="400" kern="1200"/>
         </a:p>
       </dsp:txBody>
-      <dsp:txXfrm rot="1716834">
-        <a:off x="1150143" y="359554"/>
-        <a:ext cx="23866" cy="23866"/>
+      <dsp:txXfrm rot="1370909">
+        <a:off x="1338782" y="619604"/>
+        <a:ext cx="20173" cy="20173"/>
       </dsp:txXfrm>
     </dsp:sp>
     <dsp:sp modelId="{2CFF4762-B327-495E-BF34-ED878EEF48C7}">
@@ -18898,8 +19941,8 @@
       </dsp:nvSpPr>
       <dsp:spPr>
         <a:xfrm>
-          <a:off x="1371596" y="304798"/>
-          <a:ext cx="723955" cy="361977"/>
+          <a:off x="1534774" y="547433"/>
+          <a:ext cx="642360" cy="321180"/>
         </a:xfrm>
         <a:prstGeom prst="roundRect">
           <a:avLst>
@@ -18942,12 +19985,12 @@
         </a:fontRef>
       </dsp:style>
       <dsp:txBody>
-        <a:bodyPr spcFirstLastPara="0" vert="horz" wrap="square" lIns="3810" tIns="3810" rIns="3810" bIns="3810" numCol="1" spcCol="1270" anchor="ctr" anchorCtr="0">
+        <a:bodyPr spcFirstLastPara="0" vert="horz" wrap="square" lIns="3175" tIns="3175" rIns="3175" bIns="3175" numCol="1" spcCol="1270" anchor="ctr" anchorCtr="0">
           <a:noAutofit/>
         </a:bodyPr>
         <a:lstStyle/>
         <a:p>
-          <a:pPr lvl="0" algn="ctr" defTabSz="266700">
+          <a:pPr lvl="0" algn="ctr" defTabSz="222250">
             <a:lnSpc>
               <a:spcPct val="90000"/>
             </a:lnSpc>
@@ -18959,15 +20002,15 @@
             </a:spcAft>
           </a:pPr>
           <a:r>
-            <a:rPr lang="en-US" sz="600" kern="1200" dirty="0" smtClean="0"/>
+            <a:rPr lang="en-US" sz="500" kern="1200" dirty="0" smtClean="0"/>
             <a:t>\VS</a:t>
           </a:r>
-          <a:endParaRPr lang="en-US" sz="600" kern="1200" dirty="0"/>
+          <a:endParaRPr lang="en-US" sz="500" kern="1200" dirty="0"/>
         </a:p>
       </dsp:txBody>
       <dsp:txXfrm>
-        <a:off x="1371596" y="304798"/>
-        <a:ext cx="723955" cy="361977"/>
+        <a:off x="1534774" y="547433"/>
+        <a:ext cx="642360" cy="321180"/>
       </dsp:txXfrm>
     </dsp:sp>
     <dsp:sp modelId="{ED5C3287-D56B-40BC-A911-213A20B58F07}">
@@ -18976,9 +20019,9 @@
         <dsp:cNvSpPr/>
       </dsp:nvSpPr>
       <dsp:spPr>
-        <a:xfrm rot="22">
-          <a:off x="2095552" y="475846"/>
-          <a:ext cx="571447" cy="19885"/>
+        <a:xfrm rot="20980745">
+          <a:off x="2172966" y="653033"/>
+          <a:ext cx="515380" cy="17644"/>
         </a:xfrm>
         <a:custGeom>
           <a:avLst/>
@@ -18989,10 +20032,10 @@
           <a:pathLst>
             <a:path>
               <a:moveTo>
-                <a:pt x="0" y="9942"/>
+                <a:pt x="0" y="8822"/>
               </a:moveTo>
               <a:lnTo>
-                <a:pt x="571447" y="9942"/>
+                <a:pt x="515380" y="8822"/>
               </a:lnTo>
             </a:path>
           </a:pathLst>
@@ -19030,7 +20073,7 @@
         </a:bodyPr>
         <a:lstStyle/>
         <a:p>
-          <a:pPr lvl="0" algn="ctr" defTabSz="222250">
+          <a:pPr lvl="0" algn="ctr" defTabSz="177800">
             <a:lnSpc>
               <a:spcPct val="90000"/>
             </a:lnSpc>
@@ -19041,12 +20084,12 @@
               <a:spcPct val="35000"/>
             </a:spcAft>
           </a:pPr>
-          <a:endParaRPr lang="en-US" sz="500" kern="1200"/>
+          <a:endParaRPr lang="en-US" sz="400" kern="1200"/>
         </a:p>
       </dsp:txBody>
-      <dsp:txXfrm rot="22">
-        <a:off x="2366990" y="471503"/>
-        <a:ext cx="28572" cy="28572"/>
+      <dsp:txXfrm rot="20980745">
+        <a:off x="2417771" y="648970"/>
+        <a:ext cx="25769" cy="25769"/>
       </dsp:txXfrm>
     </dsp:sp>
     <dsp:sp modelId="{EAD1D4BA-5CB1-4599-BE71-900C836342F2}">
@@ -19056,8 +20099,8 @@
       </dsp:nvSpPr>
       <dsp:spPr>
         <a:xfrm>
-          <a:off x="2667000" y="304802"/>
-          <a:ext cx="723955" cy="361977"/>
+          <a:off x="2684176" y="455097"/>
+          <a:ext cx="642360" cy="321180"/>
         </a:xfrm>
         <a:prstGeom prst="roundRect">
           <a:avLst>
@@ -19100,12 +20143,12 @@
         </a:fontRef>
       </dsp:style>
       <dsp:txBody>
-        <a:bodyPr spcFirstLastPara="0" vert="horz" wrap="square" lIns="3810" tIns="3810" rIns="3810" bIns="3810" numCol="1" spcCol="1270" anchor="ctr" anchorCtr="0">
+        <a:bodyPr spcFirstLastPara="0" vert="horz" wrap="square" lIns="3175" tIns="3175" rIns="3175" bIns="3175" numCol="1" spcCol="1270" anchor="ctr" anchorCtr="0">
           <a:noAutofit/>
         </a:bodyPr>
         <a:lstStyle/>
         <a:p>
-          <a:pPr lvl="0" algn="ctr" defTabSz="266700">
+          <a:pPr lvl="0" algn="ctr" defTabSz="222250">
             <a:lnSpc>
               <a:spcPct val="90000"/>
             </a:lnSpc>
@@ -19117,26 +20160,26 @@
             </a:spcAft>
           </a:pPr>
           <a:r>
-            <a:rPr lang="en-US" sz="600" kern="1200" dirty="0" smtClean="0"/>
+            <a:rPr lang="en-US" sz="500" kern="1200" dirty="0" smtClean="0"/>
             <a:t>\include</a:t>
           </a:r>
-          <a:endParaRPr lang="en-US" sz="600" kern="1200" dirty="0"/>
+          <a:endParaRPr lang="en-US" sz="500" kern="1200" dirty="0"/>
         </a:p>
       </dsp:txBody>
       <dsp:txXfrm>
-        <a:off x="2667000" y="304802"/>
-        <a:ext cx="723955" cy="361977"/>
+        <a:off x="2684176" y="455097"/>
+        <a:ext cx="642360" cy="321180"/>
       </dsp:txXfrm>
     </dsp:sp>
-    <dsp:sp modelId="{364E0390-8CC9-4C80-9A2E-1F6E043611FE}">
+    <dsp:sp modelId="{C0A43192-73B4-460C-82C5-C915CEE636A2}">
       <dsp:nvSpPr>
         <dsp:cNvPr id="0" name=""/>
         <dsp:cNvSpPr/>
       </dsp:nvSpPr>
       <dsp:spPr>
-        <a:xfrm rot="19954624">
-          <a:off x="3353814" y="323622"/>
-          <a:ext cx="661055" cy="19885"/>
+        <a:xfrm rot="19131624">
+          <a:off x="3241196" y="379456"/>
+          <a:ext cx="691320" cy="17644"/>
         </a:xfrm>
         <a:custGeom>
           <a:avLst/>
@@ -19147,10 +20190,10 @@
           <a:pathLst>
             <a:path>
               <a:moveTo>
-                <a:pt x="0" y="9942"/>
+                <a:pt x="0" y="8822"/>
               </a:moveTo>
               <a:lnTo>
-                <a:pt x="661055" y="9942"/>
+                <a:pt x="691320" y="8822"/>
               </a:lnTo>
             </a:path>
           </a:pathLst>
@@ -19188,7 +20231,7 @@
         </a:bodyPr>
         <a:lstStyle/>
         <a:p>
-          <a:pPr lvl="0" algn="ctr" defTabSz="222250">
+          <a:pPr lvl="0" algn="ctr" defTabSz="177800">
             <a:lnSpc>
               <a:spcPct val="90000"/>
             </a:lnSpc>
@@ -19199,23 +20242,23 @@
               <a:spcPct val="35000"/>
             </a:spcAft>
           </a:pPr>
-          <a:endParaRPr lang="en-US" sz="500" kern="1200"/>
+          <a:endParaRPr lang="en-US" sz="400" kern="1200"/>
         </a:p>
       </dsp:txBody>
-      <dsp:txXfrm rot="19954624">
-        <a:off x="3667816" y="317038"/>
-        <a:ext cx="33052" cy="33052"/>
+      <dsp:txXfrm rot="19131624">
+        <a:off x="3569574" y="370995"/>
+        <a:ext cx="34566" cy="34566"/>
       </dsp:txXfrm>
     </dsp:sp>
-    <dsp:sp modelId="{5075A0CF-8038-4E02-9225-0C2EFAE6CF25}">
+    <dsp:sp modelId="{50CD4E3A-AB48-476B-BDF2-DB5F21EC75F3}">
       <dsp:nvSpPr>
         <dsp:cNvPr id="0" name=""/>
         <dsp:cNvSpPr/>
       </dsp:nvSpPr>
       <dsp:spPr>
         <a:xfrm>
-          <a:off x="3977729" y="349"/>
-          <a:ext cx="723955" cy="361977"/>
+          <a:off x="3847177" y="279"/>
+          <a:ext cx="642360" cy="321180"/>
         </a:xfrm>
         <a:prstGeom prst="roundRect">
           <a:avLst>
@@ -19258,12 +20301,12 @@
         </a:fontRef>
       </dsp:style>
       <dsp:txBody>
-        <a:bodyPr spcFirstLastPara="0" vert="horz" wrap="square" lIns="3810" tIns="3810" rIns="3810" bIns="3810" numCol="1" spcCol="1270" anchor="ctr" anchorCtr="0">
+        <a:bodyPr spcFirstLastPara="0" vert="horz" wrap="square" lIns="3175" tIns="3175" rIns="3175" bIns="3175" numCol="1" spcCol="1270" anchor="ctr" anchorCtr="0">
           <a:noAutofit/>
         </a:bodyPr>
         <a:lstStyle/>
         <a:p>
-          <a:pPr lvl="0" algn="ctr" defTabSz="266700">
+          <a:pPr lvl="0" algn="ctr" defTabSz="222250">
             <a:lnSpc>
               <a:spcPct val="90000"/>
             </a:lnSpc>
@@ -19275,30 +20318,30 @@
             </a:spcAft>
           </a:pPr>
           <a:r>
-            <a:rPr lang="en-US" sz="600" kern="1200" dirty="0" smtClean="0"/>
+            <a:rPr lang="en-US" sz="500" kern="1200" dirty="0" smtClean="0"/>
             <a:t>\</a:t>
           </a:r>
           <a:r>
-            <a:rPr lang="en-US" sz="600" kern="1200" dirty="0" err="1" smtClean="0"/>
-            <a:t>clapack</a:t>
+            <a:rPr lang="en-US" sz="500" kern="1200" dirty="0" err="1" smtClean="0"/>
+            <a:t>rr</a:t>
           </a:r>
-          <a:endParaRPr lang="en-US" sz="600" kern="1200" dirty="0"/>
+          <a:endParaRPr lang="en-US" sz="500" kern="1200" dirty="0"/>
         </a:p>
       </dsp:txBody>
       <dsp:txXfrm>
-        <a:off x="3977729" y="349"/>
-        <a:ext cx="723955" cy="361977"/>
+        <a:off x="3847177" y="279"/>
+        <a:ext cx="642360" cy="321180"/>
       </dsp:txXfrm>
     </dsp:sp>
-    <dsp:sp modelId="{A6961D34-4306-4684-8627-AB2F6F5A9BEF}">
+    <dsp:sp modelId="{364E0390-8CC9-4C80-9A2E-1F6E043611FE}">
       <dsp:nvSpPr>
         <dsp:cNvPr id="0" name=""/>
         <dsp:cNvSpPr/>
       </dsp:nvSpPr>
       <dsp:spPr>
-        <a:xfrm rot="647374">
-          <a:off x="3385675" y="531759"/>
-          <a:ext cx="597333" cy="19885"/>
+        <a:xfrm rot="21040703">
+          <a:off x="3323053" y="564135"/>
+          <a:ext cx="527607" cy="17644"/>
         </a:xfrm>
         <a:custGeom>
           <a:avLst/>
@@ -19309,10 +20352,10 @@
           <a:pathLst>
             <a:path>
               <a:moveTo>
-                <a:pt x="0" y="9942"/>
+                <a:pt x="0" y="8822"/>
               </a:moveTo>
               <a:lnTo>
-                <a:pt x="597333" y="9942"/>
+                <a:pt x="527607" y="8822"/>
               </a:lnTo>
             </a:path>
           </a:pathLst>
@@ -19350,7 +20393,7 @@
         </a:bodyPr>
         <a:lstStyle/>
         <a:p>
-          <a:pPr lvl="0" algn="ctr" defTabSz="222250">
+          <a:pPr lvl="0" algn="ctr" defTabSz="177800">
             <a:lnSpc>
               <a:spcPct val="90000"/>
             </a:lnSpc>
@@ -19361,23 +20404,23 @@
               <a:spcPct val="35000"/>
             </a:spcAft>
           </a:pPr>
-          <a:endParaRPr lang="en-US" sz="500" kern="1200"/>
+          <a:endParaRPr lang="en-US" sz="400" kern="1200"/>
         </a:p>
       </dsp:txBody>
-      <dsp:txXfrm rot="647374">
-        <a:off x="3669409" y="526769"/>
-        <a:ext cx="29866" cy="29866"/>
+      <dsp:txXfrm rot="21040703">
+        <a:off x="3573667" y="559767"/>
+        <a:ext cx="26380" cy="26380"/>
       </dsp:txXfrm>
     </dsp:sp>
-    <dsp:sp modelId="{BC6992AB-A65D-4B0F-A8D6-DA54D38C86BD}">
+    <dsp:sp modelId="{5075A0CF-8038-4E02-9225-0C2EFAE6CF25}">
       <dsp:nvSpPr>
         <dsp:cNvPr id="0" name=""/>
         <dsp:cNvSpPr/>
       </dsp:nvSpPr>
       <dsp:spPr>
         <a:xfrm>
-          <a:off x="3977729" y="416624"/>
-          <a:ext cx="723955" cy="361977"/>
+          <a:off x="3847177" y="369637"/>
+          <a:ext cx="642360" cy="321180"/>
         </a:xfrm>
         <a:prstGeom prst="roundRect">
           <a:avLst>
@@ -19420,12 +20463,12 @@
         </a:fontRef>
       </dsp:style>
       <dsp:txBody>
-        <a:bodyPr spcFirstLastPara="0" vert="horz" wrap="square" lIns="3810" tIns="3810" rIns="3810" bIns="3810" numCol="1" spcCol="1270" anchor="ctr" anchorCtr="0">
+        <a:bodyPr spcFirstLastPara="0" vert="horz" wrap="square" lIns="3175" tIns="3175" rIns="3175" bIns="3175" numCol="1" spcCol="1270" anchor="ctr" anchorCtr="0">
           <a:noAutofit/>
         </a:bodyPr>
         <a:lstStyle/>
         <a:p>
-          <a:pPr lvl="0" algn="ctr" defTabSz="266700">
+          <a:pPr lvl="0" algn="ctr" defTabSz="222250">
             <a:lnSpc>
               <a:spcPct val="90000"/>
             </a:lnSpc>
@@ -19437,26 +20480,30 @@
             </a:spcAft>
           </a:pPr>
           <a:r>
-            <a:rPr lang="en-US" sz="600" kern="1200" dirty="0" smtClean="0"/>
-            <a:t>\Sundials</a:t>
+            <a:rPr lang="en-US" sz="500" kern="1200" dirty="0" smtClean="0"/>
+            <a:t>\</a:t>
           </a:r>
-          <a:endParaRPr lang="en-US" sz="600" kern="1200" dirty="0"/>
+          <a:r>
+            <a:rPr lang="en-US" sz="500" kern="1200" dirty="0" err="1" smtClean="0"/>
+            <a:t>clapack</a:t>
+          </a:r>
+          <a:endParaRPr lang="en-US" sz="500" kern="1200" dirty="0"/>
         </a:p>
       </dsp:txBody>
       <dsp:txXfrm>
-        <a:off x="3977729" y="416624"/>
-        <a:ext cx="723955" cy="361977"/>
+        <a:off x="3847177" y="369637"/>
+        <a:ext cx="642360" cy="321180"/>
       </dsp:txXfrm>
     </dsp:sp>
-    <dsp:sp modelId="{D2732B44-E249-4628-ABC4-C12B82BC4B16}">
+    <dsp:sp modelId="{A6961D34-4306-4684-8627-AB2F6F5A9BEF}">
       <dsp:nvSpPr>
         <dsp:cNvPr id="0" name=""/>
         <dsp:cNvSpPr/>
       </dsp:nvSpPr>
       <dsp:spPr>
-        <a:xfrm rot="2519235">
-          <a:off x="3289630" y="739897"/>
-          <a:ext cx="789423" cy="19885"/>
+        <a:xfrm rot="1716182">
+          <a:off x="3290351" y="748814"/>
+          <a:ext cx="593012" cy="17644"/>
         </a:xfrm>
         <a:custGeom>
           <a:avLst/>
@@ -19467,10 +20514,10 @@
           <a:pathLst>
             <a:path>
               <a:moveTo>
-                <a:pt x="0" y="9942"/>
+                <a:pt x="0" y="8822"/>
               </a:moveTo>
               <a:lnTo>
-                <a:pt x="789423" y="9942"/>
+                <a:pt x="593012" y="8822"/>
               </a:lnTo>
             </a:path>
           </a:pathLst>
@@ -19508,7 +20555,7 @@
         </a:bodyPr>
         <a:lstStyle/>
         <a:p>
-          <a:pPr lvl="0" algn="ctr" defTabSz="222250">
+          <a:pPr lvl="0" algn="ctr" defTabSz="177800">
             <a:lnSpc>
               <a:spcPct val="90000"/>
             </a:lnSpc>
@@ -19519,23 +20566,23 @@
               <a:spcPct val="35000"/>
             </a:spcAft>
           </a:pPr>
-          <a:endParaRPr lang="en-US" sz="500" kern="1200"/>
+          <a:endParaRPr lang="en-US" sz="400" kern="1200"/>
         </a:p>
       </dsp:txBody>
-      <dsp:txXfrm rot="2519235">
-        <a:off x="3664607" y="730104"/>
-        <a:ext cx="39471" cy="39471"/>
+      <dsp:txXfrm rot="1716182">
+        <a:off x="3572032" y="742810"/>
+        <a:ext cx="29650" cy="29650"/>
       </dsp:txXfrm>
     </dsp:sp>
-    <dsp:sp modelId="{EF681EB4-1791-43FB-A1ED-E90F2682930E}">
+    <dsp:sp modelId="{BC6992AB-A65D-4B0F-A8D6-DA54D38C86BD}">
       <dsp:nvSpPr>
         <dsp:cNvPr id="0" name=""/>
         <dsp:cNvSpPr/>
       </dsp:nvSpPr>
       <dsp:spPr>
         <a:xfrm>
-          <a:off x="3977729" y="832899"/>
-          <a:ext cx="723955" cy="361977"/>
+          <a:off x="3847177" y="738994"/>
+          <a:ext cx="642360" cy="321180"/>
         </a:xfrm>
         <a:prstGeom prst="roundRect">
           <a:avLst>
@@ -19578,12 +20625,12 @@
         </a:fontRef>
       </dsp:style>
       <dsp:txBody>
-        <a:bodyPr spcFirstLastPara="0" vert="horz" wrap="square" lIns="3810" tIns="3810" rIns="3810" bIns="3810" numCol="1" spcCol="1270" anchor="ctr" anchorCtr="0">
+        <a:bodyPr spcFirstLastPara="0" vert="horz" wrap="square" lIns="3175" tIns="3175" rIns="3175" bIns="3175" numCol="1" spcCol="1270" anchor="ctr" anchorCtr="0">
           <a:noAutofit/>
         </a:bodyPr>
         <a:lstStyle/>
         <a:p>
-          <a:pPr lvl="0" algn="ctr" defTabSz="266700">
+          <a:pPr lvl="0" algn="ctr" defTabSz="222250">
             <a:lnSpc>
               <a:spcPct val="90000"/>
             </a:lnSpc>
@@ -19595,30 +20642,26 @@
             </a:spcAft>
           </a:pPr>
           <a:r>
-            <a:rPr lang="en-US" sz="600" kern="1200" dirty="0" smtClean="0"/>
-            <a:t>\</a:t>
+            <a:rPr lang="en-US" sz="500" kern="1200" dirty="0" smtClean="0"/>
+            <a:t>\Sundials</a:t>
           </a:r>
-          <a:r>
-            <a:rPr lang="en-US" sz="600" kern="1200" dirty="0" err="1" smtClean="0"/>
-            <a:t>libSBML</a:t>
-          </a:r>
-          <a:endParaRPr lang="en-US" sz="600" kern="1200" dirty="0"/>
+          <a:endParaRPr lang="en-US" sz="500" kern="1200" dirty="0"/>
         </a:p>
       </dsp:txBody>
       <dsp:txXfrm>
-        <a:off x="3977729" y="832899"/>
-        <a:ext cx="723955" cy="361977"/>
+        <a:off x="3847177" y="738994"/>
+        <a:ext cx="642360" cy="321180"/>
       </dsp:txXfrm>
     </dsp:sp>
-    <dsp:sp modelId="{21D06EAA-C937-4961-8C03-9EC7B884F5F0}">
+    <dsp:sp modelId="{D2732B44-E249-4628-ABC4-C12B82BC4B16}">
       <dsp:nvSpPr>
         <dsp:cNvPr id="0" name=""/>
         <dsp:cNvSpPr/>
       </dsp:nvSpPr>
       <dsp:spPr>
-        <a:xfrm rot="2319756">
-          <a:off x="2015357" y="704446"/>
-          <a:ext cx="731838" cy="19885"/>
+        <a:xfrm rot="3086724">
+          <a:off x="3169182" y="933492"/>
+          <a:ext cx="835349" cy="17644"/>
         </a:xfrm>
         <a:custGeom>
           <a:avLst/>
@@ -19629,10 +20672,10 @@
           <a:pathLst>
             <a:path>
               <a:moveTo>
-                <a:pt x="0" y="9942"/>
+                <a:pt x="0" y="8822"/>
               </a:moveTo>
               <a:lnTo>
-                <a:pt x="731838" y="9942"/>
+                <a:pt x="835349" y="8822"/>
               </a:lnTo>
             </a:path>
           </a:pathLst>
@@ -19670,7 +20713,7 @@
         </a:bodyPr>
         <a:lstStyle/>
         <a:p>
-          <a:pPr lvl="0" algn="ctr" defTabSz="222250">
+          <a:pPr lvl="0" algn="ctr" defTabSz="177800">
             <a:lnSpc>
               <a:spcPct val="90000"/>
             </a:lnSpc>
@@ -19681,23 +20724,23 @@
               <a:spcPct val="35000"/>
             </a:spcAft>
           </a:pPr>
-          <a:endParaRPr lang="en-US" sz="500" kern="1200"/>
+          <a:endParaRPr lang="en-US" sz="400" kern="1200"/>
         </a:p>
       </dsp:txBody>
-      <dsp:txXfrm rot="2319756">
-        <a:off x="2362980" y="696093"/>
-        <a:ext cx="36591" cy="36591"/>
+      <dsp:txXfrm rot="3086724">
+        <a:off x="3565973" y="921431"/>
+        <a:ext cx="41767" cy="41767"/>
       </dsp:txXfrm>
     </dsp:sp>
-    <dsp:sp modelId="{27B4BC06-2753-4CEB-AFD5-52F756AD8536}">
+    <dsp:sp modelId="{EF681EB4-1791-43FB-A1ED-E90F2682930E}">
       <dsp:nvSpPr>
         <dsp:cNvPr id="0" name=""/>
         <dsp:cNvSpPr/>
       </dsp:nvSpPr>
       <dsp:spPr>
         <a:xfrm>
-          <a:off x="2667000" y="762002"/>
-          <a:ext cx="723955" cy="361977"/>
+          <a:off x="3847177" y="1108352"/>
+          <a:ext cx="642360" cy="321180"/>
         </a:xfrm>
         <a:prstGeom prst="roundRect">
           <a:avLst>
@@ -19740,12 +20783,12 @@
         </a:fontRef>
       </dsp:style>
       <dsp:txBody>
-        <a:bodyPr spcFirstLastPara="0" vert="horz" wrap="square" lIns="3810" tIns="3810" rIns="3810" bIns="3810" numCol="1" spcCol="1270" anchor="ctr" anchorCtr="0">
+        <a:bodyPr spcFirstLastPara="0" vert="horz" wrap="square" lIns="3175" tIns="3175" rIns="3175" bIns="3175" numCol="1" spcCol="1270" anchor="ctr" anchorCtr="0">
           <a:noAutofit/>
         </a:bodyPr>
         <a:lstStyle/>
         <a:p>
-          <a:pPr lvl="0" algn="ctr" defTabSz="266700">
+          <a:pPr lvl="0" algn="ctr" defTabSz="222250">
             <a:lnSpc>
               <a:spcPct val="90000"/>
             </a:lnSpc>
@@ -19757,26 +20800,30 @@
             </a:spcAft>
           </a:pPr>
           <a:r>
-            <a:rPr lang="en-US" sz="600" kern="1200" dirty="0" smtClean="0"/>
-            <a:t>\lib</a:t>
+            <a:rPr lang="en-US" sz="500" kern="1200" dirty="0" smtClean="0"/>
+            <a:t>\</a:t>
           </a:r>
-          <a:endParaRPr lang="en-US" sz="600" kern="1200" dirty="0"/>
+          <a:r>
+            <a:rPr lang="en-US" sz="500" kern="1200" dirty="0" err="1" smtClean="0"/>
+            <a:t>libSBML</a:t>
+          </a:r>
+          <a:endParaRPr lang="en-US" sz="500" kern="1200" dirty="0"/>
         </a:p>
       </dsp:txBody>
       <dsp:txXfrm>
-        <a:off x="2667000" y="762002"/>
-        <a:ext cx="723955" cy="361977"/>
+        <a:off x="3847177" y="1108352"/>
+        <a:ext cx="642360" cy="321180"/>
       </dsp:txXfrm>
     </dsp:sp>
-    <dsp:sp modelId="{08FE2B73-5CB1-4A09-A09F-630BAAFB378F}">
+    <dsp:sp modelId="{21D06EAA-C937-4961-8C03-9EC7B884F5F0}">
       <dsp:nvSpPr>
         <dsp:cNvPr id="0" name=""/>
         <dsp:cNvSpPr/>
       </dsp:nvSpPr>
       <dsp:spPr>
-        <a:xfrm rot="2382079">
-          <a:off x="3303016" y="1176634"/>
-          <a:ext cx="762652" cy="19885"/>
+        <a:xfrm rot="2669120">
+          <a:off x="2075301" y="948207"/>
+          <a:ext cx="710708" cy="17644"/>
         </a:xfrm>
         <a:custGeom>
           <a:avLst/>
@@ -19787,10 +20834,10 @@
           <a:pathLst>
             <a:path>
               <a:moveTo>
-                <a:pt x="0" y="9942"/>
+                <a:pt x="0" y="8822"/>
               </a:moveTo>
               <a:lnTo>
-                <a:pt x="762652" y="9942"/>
+                <a:pt x="710708" y="8822"/>
               </a:lnTo>
             </a:path>
           </a:pathLst>
@@ -19828,7 +20875,7 @@
         </a:bodyPr>
         <a:lstStyle/>
         <a:p>
-          <a:pPr lvl="0" algn="ctr" defTabSz="222250">
+          <a:pPr lvl="0" algn="ctr" defTabSz="177800">
             <a:lnSpc>
               <a:spcPct val="90000"/>
             </a:lnSpc>
@@ -19839,23 +20886,23 @@
               <a:spcPct val="35000"/>
             </a:spcAft>
           </a:pPr>
-          <a:endParaRPr lang="en-US" sz="500" kern="1200"/>
+          <a:endParaRPr lang="en-US" sz="400" kern="1200"/>
         </a:p>
       </dsp:txBody>
-      <dsp:txXfrm rot="2382079">
-        <a:off x="3665276" y="1167510"/>
-        <a:ext cx="38132" cy="38132"/>
+      <dsp:txXfrm rot="2669120">
+        <a:off x="2412888" y="939262"/>
+        <a:ext cx="35535" cy="35535"/>
       </dsp:txXfrm>
     </dsp:sp>
-    <dsp:sp modelId="{93E76143-D554-49FB-84C3-94625A2EDE5F}">
+    <dsp:sp modelId="{27B4BC06-2753-4CEB-AFD5-52F756AD8536}">
       <dsp:nvSpPr>
         <dsp:cNvPr id="0" name=""/>
         <dsp:cNvSpPr/>
       </dsp:nvSpPr>
       <dsp:spPr>
         <a:xfrm>
-          <a:off x="3977729" y="1249173"/>
-          <a:ext cx="723955" cy="361977"/>
+          <a:off x="2684176" y="1045445"/>
+          <a:ext cx="642360" cy="321180"/>
         </a:xfrm>
         <a:prstGeom prst="roundRect">
           <a:avLst>
@@ -19898,12 +20945,12 @@
         </a:fontRef>
       </dsp:style>
       <dsp:txBody>
-        <a:bodyPr spcFirstLastPara="0" vert="horz" wrap="square" lIns="3810" tIns="3810" rIns="3810" bIns="3810" numCol="1" spcCol="1270" anchor="ctr" anchorCtr="0">
+        <a:bodyPr spcFirstLastPara="0" vert="horz" wrap="square" lIns="3175" tIns="3175" rIns="3175" bIns="3175" numCol="1" spcCol="1270" anchor="ctr" anchorCtr="0">
           <a:noAutofit/>
         </a:bodyPr>
         <a:lstStyle/>
         <a:p>
-          <a:pPr lvl="0" algn="ctr" defTabSz="266700">
+          <a:pPr lvl="0" algn="ctr" defTabSz="222250">
             <a:lnSpc>
               <a:spcPct val="90000"/>
             </a:lnSpc>
@@ -19915,26 +20962,26 @@
             </a:spcAft>
           </a:pPr>
           <a:r>
-            <a:rPr lang="en-US" sz="600" kern="1200" dirty="0" smtClean="0"/>
-            <a:t>Contains all .lib files</a:t>
+            <a:rPr lang="en-US" sz="500" kern="1200" dirty="0" smtClean="0"/>
+            <a:t>\lib</a:t>
           </a:r>
-          <a:endParaRPr lang="en-US" sz="600" kern="1200" dirty="0"/>
+          <a:endParaRPr lang="en-US" sz="500" kern="1200" dirty="0"/>
         </a:p>
       </dsp:txBody>
       <dsp:txXfrm>
-        <a:off x="3977729" y="1249173"/>
-        <a:ext cx="723955" cy="361977"/>
+        <a:off x="2684176" y="1045445"/>
+        <a:ext cx="642360" cy="321180"/>
       </dsp:txXfrm>
     </dsp:sp>
-    <dsp:sp modelId="{6AF4E026-ED8D-4B3B-8AB8-56F4136F48FA}">
+    <dsp:sp modelId="{08FE2B73-5CB1-4A09-A09F-630BAAFB378F}">
       <dsp:nvSpPr>
         <dsp:cNvPr id="0" name=""/>
         <dsp:cNvSpPr/>
       </dsp:nvSpPr>
       <dsp:spPr>
-        <a:xfrm rot="3601244">
-          <a:off x="1809470" y="971146"/>
-          <a:ext cx="1143611" cy="19885"/>
+        <a:xfrm rot="2382079">
+          <a:off x="3248509" y="1413346"/>
+          <a:ext cx="676696" cy="17644"/>
         </a:xfrm>
         <a:custGeom>
           <a:avLst/>
@@ -19945,10 +20992,10 @@
           <a:pathLst>
             <a:path>
               <a:moveTo>
-                <a:pt x="0" y="9942"/>
+                <a:pt x="0" y="8822"/>
               </a:moveTo>
               <a:lnTo>
-                <a:pt x="1143611" y="9942"/>
+                <a:pt x="676696" y="8822"/>
               </a:lnTo>
             </a:path>
           </a:pathLst>
@@ -19986,7 +21033,7 @@
         </a:bodyPr>
         <a:lstStyle/>
         <a:p>
-          <a:pPr lvl="0" algn="ctr" defTabSz="222250">
+          <a:pPr lvl="0" algn="ctr" defTabSz="177800">
             <a:lnSpc>
               <a:spcPct val="90000"/>
             </a:lnSpc>
@@ -19997,23 +21044,23 @@
               <a:spcPct val="35000"/>
             </a:spcAft>
           </a:pPr>
-          <a:endParaRPr lang="en-US" sz="500" kern="1200"/>
+          <a:endParaRPr lang="en-US" sz="400" kern="1200"/>
         </a:p>
       </dsp:txBody>
-      <dsp:txXfrm rot="3601244">
-        <a:off x="2352686" y="952499"/>
-        <a:ext cx="57180" cy="57180"/>
+      <dsp:txXfrm rot="2382079">
+        <a:off x="3569939" y="1405250"/>
+        <a:ext cx="33834" cy="33834"/>
       </dsp:txXfrm>
     </dsp:sp>
-    <dsp:sp modelId="{743735B5-4825-44E7-8D66-97D71D496F87}">
+    <dsp:sp modelId="{93E76143-D554-49FB-84C3-94625A2EDE5F}">
       <dsp:nvSpPr>
         <dsp:cNvPr id="0" name=""/>
         <dsp:cNvSpPr/>
       </dsp:nvSpPr>
       <dsp:spPr>
         <a:xfrm>
-          <a:off x="2667000" y="1295401"/>
-          <a:ext cx="723955" cy="361977"/>
+          <a:off x="3847177" y="1477709"/>
+          <a:ext cx="642360" cy="321180"/>
         </a:xfrm>
         <a:prstGeom prst="roundRect">
           <a:avLst>
@@ -20056,12 +21103,12 @@
         </a:fontRef>
       </dsp:style>
       <dsp:txBody>
-        <a:bodyPr spcFirstLastPara="0" vert="horz" wrap="square" lIns="3810" tIns="3810" rIns="3810" bIns="3810" numCol="1" spcCol="1270" anchor="ctr" anchorCtr="0">
+        <a:bodyPr spcFirstLastPara="0" vert="horz" wrap="square" lIns="3175" tIns="3175" rIns="3175" bIns="3175" numCol="1" spcCol="1270" anchor="ctr" anchorCtr="0">
           <a:noAutofit/>
         </a:bodyPr>
         <a:lstStyle/>
         <a:p>
-          <a:pPr lvl="0" algn="ctr" defTabSz="266700">
+          <a:pPr lvl="0" algn="ctr" defTabSz="222250">
             <a:lnSpc>
               <a:spcPct val="90000"/>
             </a:lnSpc>
@@ -20073,26 +21120,26 @@
             </a:spcAft>
           </a:pPr>
           <a:r>
-            <a:rPr lang="en-US" sz="600" kern="1200" dirty="0" smtClean="0"/>
-            <a:t>\bin</a:t>
+            <a:rPr lang="en-US" sz="500" kern="1200" dirty="0" smtClean="0"/>
+            <a:t>Contains all .lib files</a:t>
           </a:r>
-          <a:endParaRPr lang="en-US" sz="600" kern="1200" dirty="0"/>
+          <a:endParaRPr lang="en-US" sz="500" kern="1200" dirty="0"/>
         </a:p>
       </dsp:txBody>
       <dsp:txXfrm>
-        <a:off x="2667000" y="1295401"/>
-        <a:ext cx="723955" cy="361977"/>
+        <a:off x="3847177" y="1477709"/>
+        <a:ext cx="642360" cy="321180"/>
       </dsp:txXfrm>
     </dsp:sp>
-    <dsp:sp modelId="{9DF0F7A4-CD0C-49F1-923B-D38E1706F80A}">
+    <dsp:sp modelId="{6AF4E026-ED8D-4B3B-8AB8-56F4136F48FA}">
       <dsp:nvSpPr>
         <dsp:cNvPr id="0" name=""/>
         <dsp:cNvSpPr/>
       </dsp:nvSpPr>
       <dsp:spPr>
-        <a:xfrm rot="1934245">
-          <a:off x="3337486" y="1651471"/>
-          <a:ext cx="693712" cy="19885"/>
+        <a:xfrm rot="3746056">
+          <a:off x="1882818" y="1184848"/>
+          <a:ext cx="1095674" cy="17644"/>
         </a:xfrm>
         <a:custGeom>
           <a:avLst/>
@@ -20103,10 +21150,10 @@
           <a:pathLst>
             <a:path>
               <a:moveTo>
-                <a:pt x="0" y="9942"/>
+                <a:pt x="0" y="8822"/>
               </a:moveTo>
               <a:lnTo>
-                <a:pt x="693712" y="9942"/>
+                <a:pt x="1095674" y="8822"/>
               </a:lnTo>
             </a:path>
           </a:pathLst>
@@ -20144,7 +21191,7 @@
         </a:bodyPr>
         <a:lstStyle/>
         <a:p>
-          <a:pPr lvl="0" algn="ctr" defTabSz="222250">
+          <a:pPr lvl="0" algn="ctr" defTabSz="177800">
             <a:lnSpc>
               <a:spcPct val="90000"/>
             </a:lnSpc>
@@ -20155,23 +21202,23 @@
               <a:spcPct val="35000"/>
             </a:spcAft>
           </a:pPr>
-          <a:endParaRPr lang="en-US" sz="500" kern="1200"/>
+          <a:endParaRPr lang="en-US" sz="400" kern="1200"/>
         </a:p>
       </dsp:txBody>
-      <dsp:txXfrm rot="1934245">
-        <a:off x="3666999" y="1644071"/>
-        <a:ext cx="34685" cy="34685"/>
+      <dsp:txXfrm rot="3746056">
+        <a:off x="2403264" y="1166278"/>
+        <a:ext cx="54783" cy="54783"/>
       </dsp:txXfrm>
     </dsp:sp>
-    <dsp:sp modelId="{20CDCD73-D8E5-4BD7-815F-4932230220E5}">
+    <dsp:sp modelId="{743735B5-4825-44E7-8D66-97D71D496F87}">
       <dsp:nvSpPr>
         <dsp:cNvPr id="0" name=""/>
         <dsp:cNvSpPr/>
       </dsp:nvSpPr>
       <dsp:spPr>
         <a:xfrm>
-          <a:off x="3977729" y="1665448"/>
-          <a:ext cx="723955" cy="361977"/>
+          <a:off x="2684176" y="1518727"/>
+          <a:ext cx="642360" cy="321180"/>
         </a:xfrm>
         <a:prstGeom prst="roundRect">
           <a:avLst>
@@ -20214,12 +21261,12 @@
         </a:fontRef>
       </dsp:style>
       <dsp:txBody>
-        <a:bodyPr spcFirstLastPara="0" vert="horz" wrap="square" lIns="3810" tIns="3810" rIns="3810" bIns="3810" numCol="1" spcCol="1270" anchor="ctr" anchorCtr="0">
+        <a:bodyPr spcFirstLastPara="0" vert="horz" wrap="square" lIns="3175" tIns="3175" rIns="3175" bIns="3175" numCol="1" spcCol="1270" anchor="ctr" anchorCtr="0">
           <a:noAutofit/>
         </a:bodyPr>
         <a:lstStyle/>
         <a:p>
-          <a:pPr lvl="0" algn="ctr" defTabSz="266700">
+          <a:pPr lvl="0" algn="ctr" defTabSz="222250">
             <a:lnSpc>
               <a:spcPct val="90000"/>
             </a:lnSpc>
@@ -20231,59 +21278,26 @@
             </a:spcAft>
           </a:pPr>
           <a:r>
-            <a:rPr lang="en-US" sz="600" kern="1200" dirty="0" smtClean="0"/>
-            <a:t>Contains all  </a:t>
+            <a:rPr lang="en-US" sz="500" kern="1200" dirty="0" smtClean="0"/>
+            <a:t>\bin</a:t>
           </a:r>
-          <a:r>
-            <a:rPr lang="en-US" sz="600" kern="1200" dirty="0" err="1" smtClean="0"/>
-            <a:t>vs</a:t>
-          </a:r>
-          <a:r>
-            <a:rPr lang="en-US" sz="600" kern="1200" dirty="0" smtClean="0"/>
-            <a:t> binary files (.</a:t>
-          </a:r>
-          <a:r>
-            <a:rPr lang="en-US" sz="600" kern="1200" dirty="0" err="1" smtClean="0"/>
-            <a:t>dll</a:t>
-          </a:r>
-          <a:r>
-            <a:rPr lang="en-US" sz="600" kern="1200" dirty="0" smtClean="0"/>
-            <a:t>, .exe)</a:t>
-          </a:r>
-        </a:p>
-        <a:p>
-          <a:pPr lvl="0" algn="ctr" defTabSz="266700">
-            <a:lnSpc>
-              <a:spcPct val="90000"/>
-            </a:lnSpc>
-            <a:spcBef>
-              <a:spcPct val="0"/>
-            </a:spcBef>
-            <a:spcAft>
-              <a:spcPct val="35000"/>
-            </a:spcAft>
-          </a:pPr>
-          <a:r>
-            <a:rPr lang="en-US" sz="600" kern="1200" dirty="0" smtClean="0"/>
-            <a:t>	</a:t>
-          </a:r>
-          <a:endParaRPr lang="en-US" sz="600" kern="1200" dirty="0"/>
+          <a:endParaRPr lang="en-US" sz="500" kern="1200" dirty="0"/>
         </a:p>
       </dsp:txBody>
       <dsp:txXfrm>
-        <a:off x="3977729" y="1665448"/>
-        <a:ext cx="723955" cy="361977"/>
+        <a:off x="2684176" y="1518727"/>
+        <a:ext cx="642360" cy="321180"/>
       </dsp:txXfrm>
     </dsp:sp>
-    <dsp:sp modelId="{6824BADE-53F3-47CB-8E07-97AF3ECBD468}">
+    <dsp:sp modelId="{9DF0F7A4-CD0C-49F1-923B-D38E1706F80A}">
       <dsp:nvSpPr>
         <dsp:cNvPr id="0" name=""/>
         <dsp:cNvSpPr/>
       </dsp:nvSpPr>
       <dsp:spPr>
-        <a:xfrm rot="4519538">
-          <a:off x="334997" y="1047346"/>
-          <a:ext cx="1654159" cy="19885"/>
+        <a:xfrm rot="1934245">
+          <a:off x="3279094" y="1834665"/>
+          <a:ext cx="615526" cy="17644"/>
         </a:xfrm>
         <a:custGeom>
           <a:avLst/>
@@ -20294,10 +21308,10 @@
           <a:pathLst>
             <a:path>
               <a:moveTo>
-                <a:pt x="0" y="9942"/>
+                <a:pt x="0" y="8822"/>
               </a:moveTo>
               <a:lnTo>
-                <a:pt x="1654159" y="9942"/>
+                <a:pt x="615526" y="8822"/>
               </a:lnTo>
             </a:path>
           </a:pathLst>
@@ -20306,7 +21320,7 @@
         <a:ln w="25400" cap="flat" cmpd="sng" algn="ctr">
           <a:solidFill>
             <a:schemeClr val="accent1">
-              <a:shade val="60000"/>
+              <a:shade val="80000"/>
               <a:hueOff val="0"/>
               <a:satOff val="0"/>
               <a:lumOff val="0"/>
@@ -20335,7 +21349,7 @@
         </a:bodyPr>
         <a:lstStyle/>
         <a:p>
-          <a:pPr lvl="0" algn="ctr" defTabSz="222250">
+          <a:pPr lvl="0" algn="ctr" defTabSz="177800">
             <a:lnSpc>
               <a:spcPct val="90000"/>
             </a:lnSpc>
@@ -20346,23 +21360,23 @@
               <a:spcPct val="35000"/>
             </a:spcAft>
           </a:pPr>
-          <a:endParaRPr lang="en-US" sz="500" kern="1200"/>
+          <a:endParaRPr lang="en-US" sz="400" kern="1200"/>
         </a:p>
       </dsp:txBody>
-      <dsp:txXfrm rot="4519538">
-        <a:off x="1120722" y="1015935"/>
-        <a:ext cx="82707" cy="82707"/>
+      <dsp:txXfrm rot="1934245">
+        <a:off x="3571469" y="1828099"/>
+        <a:ext cx="30776" cy="30776"/>
       </dsp:txXfrm>
     </dsp:sp>
-    <dsp:sp modelId="{7B939A6D-5C91-4A44-A73E-3FBA4A8852A5}">
+    <dsp:sp modelId="{20CDCD73-D8E5-4BD7-815F-4932230220E5}">
       <dsp:nvSpPr>
         <dsp:cNvPr id="0" name=""/>
         <dsp:cNvSpPr/>
       </dsp:nvSpPr>
       <dsp:spPr>
         <a:xfrm>
-          <a:off x="1371596" y="1676401"/>
-          <a:ext cx="723955" cy="361977"/>
+          <a:off x="3847177" y="1847067"/>
+          <a:ext cx="642360" cy="321180"/>
         </a:xfrm>
         <a:prstGeom prst="roundRect">
           <a:avLst>
@@ -20405,12 +21419,12 @@
         </a:fontRef>
       </dsp:style>
       <dsp:txBody>
-        <a:bodyPr spcFirstLastPara="0" vert="horz" wrap="square" lIns="3810" tIns="3810" rIns="3810" bIns="3810" numCol="1" spcCol="1270" anchor="ctr" anchorCtr="0">
+        <a:bodyPr spcFirstLastPara="0" vert="horz" wrap="square" lIns="3175" tIns="3175" rIns="3175" bIns="3175" numCol="1" spcCol="1270" anchor="ctr" anchorCtr="0">
           <a:noAutofit/>
         </a:bodyPr>
         <a:lstStyle/>
         <a:p>
-          <a:pPr lvl="0" algn="ctr" defTabSz="266700">
+          <a:pPr lvl="0" algn="ctr" defTabSz="222250">
             <a:lnSpc>
               <a:spcPct val="90000"/>
             </a:lnSpc>
@@ -20422,26 +21436,59 @@
             </a:spcAft>
           </a:pPr>
           <a:r>
-            <a:rPr lang="en-US" sz="600" kern="1200" dirty="0" smtClean="0"/>
-            <a:t>\XE</a:t>
+            <a:rPr lang="en-US" sz="500" kern="1200" dirty="0" smtClean="0"/>
+            <a:t>Contains all  </a:t>
           </a:r>
-          <a:endParaRPr lang="en-US" sz="600" kern="1200" dirty="0"/>
+          <a:r>
+            <a:rPr lang="en-US" sz="500" kern="1200" dirty="0" err="1" smtClean="0"/>
+            <a:t>vs</a:t>
+          </a:r>
+          <a:r>
+            <a:rPr lang="en-US" sz="500" kern="1200" dirty="0" smtClean="0"/>
+            <a:t> binary files (.</a:t>
+          </a:r>
+          <a:r>
+            <a:rPr lang="en-US" sz="500" kern="1200" dirty="0" err="1" smtClean="0"/>
+            <a:t>dll</a:t>
+          </a:r>
+          <a:r>
+            <a:rPr lang="en-US" sz="500" kern="1200" dirty="0" smtClean="0"/>
+            <a:t>, .exe)</a:t>
+          </a:r>
+        </a:p>
+        <a:p>
+          <a:pPr lvl="0" algn="ctr" defTabSz="222250">
+            <a:lnSpc>
+              <a:spcPct val="90000"/>
+            </a:lnSpc>
+            <a:spcBef>
+              <a:spcPct val="0"/>
+            </a:spcBef>
+            <a:spcAft>
+              <a:spcPct val="35000"/>
+            </a:spcAft>
+          </a:pPr>
+          <a:r>
+            <a:rPr lang="en-US" sz="500" kern="1200" dirty="0" smtClean="0"/>
+            <a:t>	</a:t>
+          </a:r>
+          <a:endParaRPr lang="en-US" sz="500" kern="1200" dirty="0"/>
         </a:p>
       </dsp:txBody>
       <dsp:txXfrm>
-        <a:off x="1371596" y="1676401"/>
-        <a:ext cx="723955" cy="361977"/>
+        <a:off x="3847177" y="1847067"/>
+        <a:ext cx="642360" cy="321180"/>
       </dsp:txXfrm>
     </dsp:sp>
-    <dsp:sp modelId="{2C4AEAF2-E96B-4876-B4AD-98D1A217E811}">
+    <dsp:sp modelId="{6824BADE-53F3-47CB-8E07-97AF3ECBD468}">
       <dsp:nvSpPr>
         <dsp:cNvPr id="0" name=""/>
         <dsp:cNvSpPr/>
       </dsp:nvSpPr>
       <dsp:spPr>
-        <a:xfrm rot="2436412">
-          <a:off x="2053264" y="1961748"/>
-          <a:ext cx="351224" cy="19885"/>
+        <a:xfrm rot="4546123">
+          <a:off x="592652" y="1275545"/>
+          <a:ext cx="1512432" cy="17644"/>
         </a:xfrm>
         <a:custGeom>
           <a:avLst/>
@@ -20452,10 +21499,10 @@
           <a:pathLst>
             <a:path>
               <a:moveTo>
-                <a:pt x="0" y="9942"/>
+                <a:pt x="0" y="8822"/>
               </a:moveTo>
               <a:lnTo>
-                <a:pt x="351224" y="9942"/>
+                <a:pt x="1512432" y="8822"/>
               </a:lnTo>
             </a:path>
           </a:pathLst>
@@ -20464,7 +21511,7 @@
         <a:ln w="25400" cap="flat" cmpd="sng" algn="ctr">
           <a:solidFill>
             <a:schemeClr val="accent1">
-              <a:shade val="80000"/>
+              <a:shade val="60000"/>
               <a:hueOff val="0"/>
               <a:satOff val="0"/>
               <a:lumOff val="0"/>
@@ -20493,7 +21540,7 @@
         </a:bodyPr>
         <a:lstStyle/>
         <a:p>
-          <a:pPr lvl="0" algn="ctr" defTabSz="222250">
+          <a:pPr lvl="0" algn="ctr" defTabSz="177800">
             <a:lnSpc>
               <a:spcPct val="90000"/>
             </a:lnSpc>
@@ -20504,23 +21551,23 @@
               <a:spcPct val="35000"/>
             </a:spcAft>
           </a:pPr>
-          <a:endParaRPr lang="en-US" sz="500" kern="1200"/>
+          <a:endParaRPr lang="en-US" sz="400" kern="1200"/>
         </a:p>
       </dsp:txBody>
-      <dsp:txXfrm rot="2436412">
-        <a:off x="2220095" y="1962910"/>
-        <a:ext cx="17561" cy="17561"/>
+      <dsp:txXfrm rot="4546123">
+        <a:off x="1311058" y="1246556"/>
+        <a:ext cx="75621" cy="75621"/>
       </dsp:txXfrm>
     </dsp:sp>
-    <dsp:sp modelId="{D1729183-3EA1-4EA7-9B0B-BEC208BFBB91}">
+    <dsp:sp modelId="{7B939A6D-5C91-4A44-A73E-3FBA4A8852A5}">
       <dsp:nvSpPr>
         <dsp:cNvPr id="0" name=""/>
         <dsp:cNvSpPr/>
       </dsp:nvSpPr>
       <dsp:spPr>
         <a:xfrm>
-          <a:off x="2362200" y="1905001"/>
-          <a:ext cx="723955" cy="361977"/>
+          <a:off x="1534774" y="1856786"/>
+          <a:ext cx="642360" cy="321180"/>
         </a:xfrm>
         <a:prstGeom prst="roundRect">
           <a:avLst>
@@ -20563,12 +21610,12 @@
         </a:fontRef>
       </dsp:style>
       <dsp:txBody>
-        <a:bodyPr spcFirstLastPara="0" vert="horz" wrap="square" lIns="3810" tIns="3810" rIns="3810" bIns="3810" numCol="1" spcCol="1270" anchor="ctr" anchorCtr="0">
+        <a:bodyPr spcFirstLastPara="0" vert="horz" wrap="square" lIns="3175" tIns="3175" rIns="3175" bIns="3175" numCol="1" spcCol="1270" anchor="ctr" anchorCtr="0">
           <a:noAutofit/>
         </a:bodyPr>
         <a:lstStyle/>
         <a:p>
-          <a:pPr lvl="0" algn="ctr" defTabSz="266700">
+          <a:pPr lvl="0" algn="ctr" defTabSz="222250">
             <a:lnSpc>
               <a:spcPct val="90000"/>
             </a:lnSpc>
@@ -20580,26 +21627,26 @@
             </a:spcAft>
           </a:pPr>
           <a:r>
-            <a:rPr lang="en-US" sz="600" kern="1200" dirty="0" smtClean="0"/>
-            <a:t>\include</a:t>
+            <a:rPr lang="en-US" sz="500" kern="1200" dirty="0" smtClean="0"/>
+            <a:t>\XE</a:t>
           </a:r>
-          <a:endParaRPr lang="en-US" sz="600" kern="1200" dirty="0"/>
+          <a:endParaRPr lang="en-US" sz="500" kern="1200" dirty="0"/>
         </a:p>
       </dsp:txBody>
       <dsp:txXfrm>
-        <a:off x="2362200" y="1905001"/>
-        <a:ext cx="723955" cy="361977"/>
+        <a:off x="1534774" y="1856786"/>
+        <a:ext cx="642360" cy="321180"/>
       </dsp:txXfrm>
     </dsp:sp>
-    <dsp:sp modelId="{73125112-E16B-498F-B15C-A349D52BC86E}">
+    <dsp:sp modelId="{2C4AEAF2-E96B-4876-B4AD-98D1A217E811}">
       <dsp:nvSpPr>
         <dsp:cNvPr id="0" name=""/>
         <dsp:cNvSpPr/>
       </dsp:nvSpPr>
       <dsp:spPr>
-        <a:xfrm rot="4052132">
-          <a:off x="1879962" y="2169885"/>
-          <a:ext cx="697828" cy="19885"/>
+        <a:xfrm rot="2436412">
+          <a:off x="2139613" y="2109971"/>
+          <a:ext cx="311639" cy="17644"/>
         </a:xfrm>
         <a:custGeom>
           <a:avLst/>
@@ -20610,10 +21657,10 @@
           <a:pathLst>
             <a:path>
               <a:moveTo>
-                <a:pt x="0" y="9942"/>
+                <a:pt x="0" y="8822"/>
               </a:moveTo>
               <a:lnTo>
-                <a:pt x="697828" y="9942"/>
+                <a:pt x="311639" y="8822"/>
               </a:lnTo>
             </a:path>
           </a:pathLst>
@@ -20651,7 +21698,7 @@
         </a:bodyPr>
         <a:lstStyle/>
         <a:p>
-          <a:pPr lvl="0" algn="ctr" defTabSz="222250">
+          <a:pPr lvl="0" algn="ctr" defTabSz="177800">
             <a:lnSpc>
               <a:spcPct val="90000"/>
             </a:lnSpc>
@@ -20662,23 +21709,23 @@
               <a:spcPct val="35000"/>
             </a:spcAft>
           </a:pPr>
-          <a:endParaRPr lang="en-US" sz="500" kern="1200"/>
+          <a:endParaRPr lang="en-US" sz="400" kern="1200"/>
         </a:p>
       </dsp:txBody>
-      <dsp:txXfrm rot="4052132">
-        <a:off x="2211430" y="2162382"/>
-        <a:ext cx="34891" cy="34891"/>
+      <dsp:txXfrm rot="2436412">
+        <a:off x="2287641" y="2111002"/>
+        <a:ext cx="15581" cy="15581"/>
       </dsp:txXfrm>
     </dsp:sp>
-    <dsp:sp modelId="{06F98F29-730F-4666-9D94-EF6932ECF93A}">
+    <dsp:sp modelId="{D1729183-3EA1-4EA7-9B0B-BEC208BFBB91}">
       <dsp:nvSpPr>
         <dsp:cNvPr id="0" name=""/>
         <dsp:cNvSpPr/>
       </dsp:nvSpPr>
       <dsp:spPr>
         <a:xfrm>
-          <a:off x="2362200" y="2321276"/>
-          <a:ext cx="723955" cy="361977"/>
+          <a:off x="2413729" y="2059621"/>
+          <a:ext cx="642360" cy="321180"/>
         </a:xfrm>
         <a:prstGeom prst="roundRect">
           <a:avLst>
@@ -20721,12 +21768,12 @@
         </a:fontRef>
       </dsp:style>
       <dsp:txBody>
-        <a:bodyPr spcFirstLastPara="0" vert="horz" wrap="square" lIns="3810" tIns="3810" rIns="3810" bIns="3810" numCol="1" spcCol="1270" anchor="ctr" anchorCtr="0">
+        <a:bodyPr spcFirstLastPara="0" vert="horz" wrap="square" lIns="3175" tIns="3175" rIns="3175" bIns="3175" numCol="1" spcCol="1270" anchor="ctr" anchorCtr="0">
           <a:noAutofit/>
         </a:bodyPr>
         <a:lstStyle/>
         <a:p>
-          <a:pPr lvl="0" algn="ctr" defTabSz="266700">
+          <a:pPr lvl="0" algn="ctr" defTabSz="222250">
             <a:lnSpc>
               <a:spcPct val="90000"/>
             </a:lnSpc>
@@ -20738,26 +21785,26 @@
             </a:spcAft>
           </a:pPr>
           <a:r>
-            <a:rPr lang="en-US" sz="600" kern="1200" dirty="0" smtClean="0"/>
-            <a:t>\lib</a:t>
+            <a:rPr lang="en-US" sz="500" kern="1200" dirty="0" smtClean="0"/>
+            <a:t>\include</a:t>
           </a:r>
-          <a:endParaRPr lang="en-US" sz="600" kern="1200" dirty="0"/>
+          <a:endParaRPr lang="en-US" sz="500" kern="1200" dirty="0"/>
         </a:p>
       </dsp:txBody>
       <dsp:txXfrm>
-        <a:off x="2362200" y="2321276"/>
-        <a:ext cx="723955" cy="361977"/>
+        <a:off x="2413729" y="2059621"/>
+        <a:ext cx="642360" cy="321180"/>
       </dsp:txXfrm>
     </dsp:sp>
-    <dsp:sp modelId="{30C0BB43-75A9-40E4-8205-49B187705BCA}">
+    <dsp:sp modelId="{73125112-E16B-498F-B15C-A349D52BC86E}">
       <dsp:nvSpPr>
         <dsp:cNvPr id="0" name=""/>
         <dsp:cNvSpPr/>
       </dsp:nvSpPr>
       <dsp:spPr>
-        <a:xfrm rot="4553679">
-          <a:off x="1681807" y="2378022"/>
-          <a:ext cx="1094138" cy="19885"/>
+        <a:xfrm rot="4052132">
+          <a:off x="1985843" y="2294650"/>
+          <a:ext cx="619177" cy="17644"/>
         </a:xfrm>
         <a:custGeom>
           <a:avLst/>
@@ -20768,10 +21815,10 @@
           <a:pathLst>
             <a:path>
               <a:moveTo>
-                <a:pt x="0" y="9942"/>
+                <a:pt x="0" y="8822"/>
               </a:moveTo>
               <a:lnTo>
-                <a:pt x="1094138" y="9942"/>
+                <a:pt x="619177" y="8822"/>
               </a:lnTo>
             </a:path>
           </a:pathLst>
@@ -20809,7 +21856,7 @@
         </a:bodyPr>
         <a:lstStyle/>
         <a:p>
-          <a:pPr lvl="0" algn="ctr" defTabSz="222250">
+          <a:pPr lvl="0" algn="ctr" defTabSz="177800">
             <a:lnSpc>
               <a:spcPct val="90000"/>
             </a:lnSpc>
@@ -20820,23 +21867,23 @@
               <a:spcPct val="35000"/>
             </a:spcAft>
           </a:pPr>
-          <a:endParaRPr lang="en-US" sz="500" kern="1200"/>
+          <a:endParaRPr lang="en-US" sz="400" kern="1200"/>
         </a:p>
       </dsp:txBody>
-      <dsp:txXfrm rot="4553679">
-        <a:off x="2201523" y="2360611"/>
-        <a:ext cx="54706" cy="54706"/>
+      <dsp:txXfrm rot="4052132">
+        <a:off x="2279953" y="2287993"/>
+        <a:ext cx="30958" cy="30958"/>
       </dsp:txXfrm>
     </dsp:sp>
-    <dsp:sp modelId="{74D450EC-B317-4AC8-8AF1-17EEC0564DC8}">
+    <dsp:sp modelId="{06F98F29-730F-4666-9D94-EF6932ECF93A}">
       <dsp:nvSpPr>
         <dsp:cNvPr id="0" name=""/>
         <dsp:cNvSpPr/>
       </dsp:nvSpPr>
       <dsp:spPr>
         <a:xfrm>
-          <a:off x="2362200" y="2737550"/>
-          <a:ext cx="723955" cy="361977"/>
+          <a:off x="2413729" y="2428978"/>
+          <a:ext cx="642360" cy="321180"/>
         </a:xfrm>
         <a:prstGeom prst="roundRect">
           <a:avLst>
@@ -20879,12 +21926,12 @@
         </a:fontRef>
       </dsp:style>
       <dsp:txBody>
-        <a:bodyPr spcFirstLastPara="0" vert="horz" wrap="square" lIns="3810" tIns="3810" rIns="3810" bIns="3810" numCol="1" spcCol="1270" anchor="ctr" anchorCtr="0">
+        <a:bodyPr spcFirstLastPara="0" vert="horz" wrap="square" lIns="3175" tIns="3175" rIns="3175" bIns="3175" numCol="1" spcCol="1270" anchor="ctr" anchorCtr="0">
           <a:noAutofit/>
         </a:bodyPr>
         <a:lstStyle/>
         <a:p>
-          <a:pPr lvl="0" algn="ctr" defTabSz="266700">
+          <a:pPr lvl="0" algn="ctr" defTabSz="222250">
             <a:lnSpc>
               <a:spcPct val="90000"/>
             </a:lnSpc>
@@ -20896,15 +21943,173 @@
             </a:spcAft>
           </a:pPr>
           <a:r>
-            <a:rPr lang="en-US" sz="600" kern="1200" dirty="0" smtClean="0"/>
+            <a:rPr lang="en-US" sz="500" kern="1200" dirty="0" smtClean="0"/>
+            <a:t>\lib</a:t>
+          </a:r>
+          <a:endParaRPr lang="en-US" sz="500" kern="1200" dirty="0"/>
+        </a:p>
+      </dsp:txBody>
+      <dsp:txXfrm>
+        <a:off x="2413729" y="2428978"/>
+        <a:ext cx="642360" cy="321180"/>
+      </dsp:txXfrm>
+    </dsp:sp>
+    <dsp:sp modelId="{30C0BB43-75A9-40E4-8205-49B187705BCA}">
+      <dsp:nvSpPr>
+        <dsp:cNvPr id="0" name=""/>
+        <dsp:cNvSpPr/>
+      </dsp:nvSpPr>
+      <dsp:spPr>
+        <a:xfrm rot="4553679">
+          <a:off x="1810022" y="2479329"/>
+          <a:ext cx="970820" cy="17644"/>
+        </a:xfrm>
+        <a:custGeom>
+          <a:avLst/>
+          <a:gdLst/>
+          <a:ahLst/>
+          <a:cxnLst/>
+          <a:rect l="0" t="0" r="0" b="0"/>
+          <a:pathLst>
+            <a:path>
+              <a:moveTo>
+                <a:pt x="0" y="8822"/>
+              </a:moveTo>
+              <a:lnTo>
+                <a:pt x="970820" y="8822"/>
+              </a:lnTo>
+            </a:path>
+          </a:pathLst>
+        </a:custGeom>
+        <a:noFill/>
+        <a:ln w="25400" cap="flat" cmpd="sng" algn="ctr">
+          <a:solidFill>
+            <a:schemeClr val="accent1">
+              <a:shade val="80000"/>
+              <a:hueOff val="0"/>
+              <a:satOff val="0"/>
+              <a:lumOff val="0"/>
+              <a:alphaOff val="0"/>
+            </a:schemeClr>
+          </a:solidFill>
+          <a:prstDash val="solid"/>
+        </a:ln>
+        <a:effectLst/>
+      </dsp:spPr>
+      <dsp:style>
+        <a:lnRef idx="2">
+          <a:scrgbClr r="0" g="0" b="0"/>
+        </a:lnRef>
+        <a:fillRef idx="0">
+          <a:scrgbClr r="0" g="0" b="0"/>
+        </a:fillRef>
+        <a:effectRef idx="0">
+          <a:scrgbClr r="0" g="0" b="0"/>
+        </a:effectRef>
+        <a:fontRef idx="minor"/>
+      </dsp:style>
+      <dsp:txBody>
+        <a:bodyPr spcFirstLastPara="0" vert="horz" wrap="square" lIns="12700" tIns="0" rIns="12700" bIns="0" numCol="1" spcCol="1270" anchor="ctr" anchorCtr="0">
+          <a:noAutofit/>
+        </a:bodyPr>
+        <a:lstStyle/>
+        <a:p>
+          <a:pPr lvl="0" algn="ctr" defTabSz="177800">
+            <a:lnSpc>
+              <a:spcPct val="90000"/>
+            </a:lnSpc>
+            <a:spcBef>
+              <a:spcPct val="0"/>
+            </a:spcBef>
+            <a:spcAft>
+              <a:spcPct val="35000"/>
+            </a:spcAft>
+          </a:pPr>
+          <a:endParaRPr lang="en-US" sz="400" kern="1200"/>
+        </a:p>
+      </dsp:txBody>
+      <dsp:txXfrm rot="4553679">
+        <a:off x="2271162" y="2463880"/>
+        <a:ext cx="48541" cy="48541"/>
+      </dsp:txXfrm>
+    </dsp:sp>
+    <dsp:sp modelId="{74D450EC-B317-4AC8-8AF1-17EEC0564DC8}">
+      <dsp:nvSpPr>
+        <dsp:cNvPr id="0" name=""/>
+        <dsp:cNvSpPr/>
+      </dsp:nvSpPr>
+      <dsp:spPr>
+        <a:xfrm>
+          <a:off x="2413729" y="2798336"/>
+          <a:ext cx="642360" cy="321180"/>
+        </a:xfrm>
+        <a:prstGeom prst="roundRect">
+          <a:avLst>
+            <a:gd name="adj" fmla="val 10000"/>
+          </a:avLst>
+        </a:prstGeom>
+        <a:solidFill>
+          <a:schemeClr val="accent1">
+            <a:hueOff val="0"/>
+            <a:satOff val="0"/>
+            <a:lumOff val="0"/>
+            <a:alphaOff val="0"/>
+          </a:schemeClr>
+        </a:solidFill>
+        <a:ln w="25400" cap="flat" cmpd="sng" algn="ctr">
+          <a:solidFill>
+            <a:schemeClr val="lt1">
+              <a:hueOff val="0"/>
+              <a:satOff val="0"/>
+              <a:lumOff val="0"/>
+              <a:alphaOff val="0"/>
+            </a:schemeClr>
+          </a:solidFill>
+          <a:prstDash val="solid"/>
+        </a:ln>
+        <a:effectLst/>
+      </dsp:spPr>
+      <dsp:style>
+        <a:lnRef idx="2">
+          <a:scrgbClr r="0" g="0" b="0"/>
+        </a:lnRef>
+        <a:fillRef idx="1">
+          <a:scrgbClr r="0" g="0" b="0"/>
+        </a:fillRef>
+        <a:effectRef idx="0">
+          <a:scrgbClr r="0" g="0" b="0"/>
+        </a:effectRef>
+        <a:fontRef idx="minor">
+          <a:schemeClr val="lt1"/>
+        </a:fontRef>
+      </dsp:style>
+      <dsp:txBody>
+        <a:bodyPr spcFirstLastPara="0" vert="horz" wrap="square" lIns="3175" tIns="3175" rIns="3175" bIns="3175" numCol="1" spcCol="1270" anchor="ctr" anchorCtr="0">
+          <a:noAutofit/>
+        </a:bodyPr>
+        <a:lstStyle/>
+        <a:p>
+          <a:pPr lvl="0" algn="ctr" defTabSz="222250">
+            <a:lnSpc>
+              <a:spcPct val="90000"/>
+            </a:lnSpc>
+            <a:spcBef>
+              <a:spcPct val="0"/>
+            </a:spcBef>
+            <a:spcAft>
+              <a:spcPct val="35000"/>
+            </a:spcAft>
+          </a:pPr>
+          <a:r>
+            <a:rPr lang="en-US" sz="500" kern="1200" dirty="0" smtClean="0"/>
             <a:t>\bin</a:t>
           </a:r>
-          <a:endParaRPr lang="en-US" sz="600" kern="1200" dirty="0"/>
+          <a:endParaRPr lang="en-US" sz="500" kern="1200" dirty="0"/>
         </a:p>
       </dsp:txBody>
       <dsp:txXfrm>
-        <a:off x="2362200" y="2737550"/>
-        <a:ext cx="723955" cy="361977"/>
+        <a:off x="2413729" y="2798336"/>
+        <a:ext cx="642360" cy="321180"/>
       </dsp:txXfrm>
     </dsp:sp>
   </dsp:spTree>
@@ -24109,54 +25314,50 @@
       </dsp:nvSpPr>
       <dsp:spPr>
         <a:xfrm>
-          <a:off x="0" y="8639"/>
-          <a:ext cx="914400" cy="439920"/>
+          <a:off x="0" y="135599"/>
+          <a:ext cx="1295400" cy="397800"/>
         </a:xfrm>
         <a:prstGeom prst="roundRect">
           <a:avLst/>
         </a:prstGeom>
         <a:solidFill>
-          <a:schemeClr val="accent1">
-            <a:hueOff val="0"/>
-            <a:satOff val="0"/>
-            <a:lumOff val="0"/>
-            <a:alphaOff val="0"/>
-          </a:schemeClr>
+          <a:schemeClr val="accent1"/>
         </a:solidFill>
-        <a:ln w="25400" cap="flat" cmpd="sng" algn="ctr">
+        <a:ln w="38100" cap="flat" cmpd="sng" algn="ctr">
           <a:solidFill>
-            <a:schemeClr val="lt1">
-              <a:hueOff val="0"/>
-              <a:satOff val="0"/>
-              <a:lumOff val="0"/>
-              <a:alphaOff val="0"/>
-            </a:schemeClr>
+            <a:schemeClr val="lt1"/>
           </a:solidFill>
           <a:prstDash val="solid"/>
         </a:ln>
-        <a:effectLst/>
+        <a:effectLst>
+          <a:outerShdw blurRad="40000" dist="20000" dir="5400000" rotWithShape="0">
+            <a:srgbClr val="000000">
+              <a:alpha val="38000"/>
+            </a:srgbClr>
+          </a:outerShdw>
+        </a:effectLst>
       </dsp:spPr>
       <dsp:style>
-        <a:lnRef idx="2">
-          <a:scrgbClr r="0" g="0" b="0"/>
+        <a:lnRef idx="3">
+          <a:schemeClr val="lt1"/>
         </a:lnRef>
         <a:fillRef idx="1">
-          <a:scrgbClr r="0" g="0" b="0"/>
+          <a:schemeClr val="accent1"/>
         </a:fillRef>
-        <a:effectRef idx="0">
-          <a:scrgbClr r="0" g="0" b="0"/>
+        <a:effectRef idx="1">
+          <a:schemeClr val="accent1"/>
         </a:effectRef>
         <a:fontRef idx="minor">
           <a:schemeClr val="lt1"/>
         </a:fontRef>
       </dsp:style>
       <dsp:txBody>
-        <a:bodyPr spcFirstLastPara="0" vert="horz" wrap="square" lIns="30480" tIns="30480" rIns="30480" bIns="30480" numCol="1" spcCol="1270" anchor="ctr" anchorCtr="0">
+        <a:bodyPr spcFirstLastPara="0" vert="horz" wrap="square" lIns="38100" tIns="38100" rIns="38100" bIns="38100" numCol="1" spcCol="1270" anchor="ctr" anchorCtr="0">
           <a:noAutofit/>
         </a:bodyPr>
         <a:lstStyle/>
         <a:p>
-          <a:pPr lvl="0" algn="l" defTabSz="355600" rtl="0">
+          <a:pPr lvl="0" algn="l" defTabSz="444500" rtl="0">
             <a:lnSpc>
               <a:spcPct val="90000"/>
             </a:lnSpc>
@@ -24168,15 +25369,15 @@
             </a:spcAft>
           </a:pPr>
           <a:r>
-            <a:rPr lang="en-US" sz="800" kern="1200" dirty="0" smtClean="0"/>
+            <a:rPr lang="en-US" sz="1000" kern="1200" dirty="0" smtClean="0"/>
             <a:t>Create internal model  representation</a:t>
           </a:r>
-          <a:endParaRPr lang="en-US" sz="800" kern="1200" dirty="0"/>
+          <a:endParaRPr lang="en-US" sz="1000" kern="1200" dirty="0"/>
         </a:p>
       </dsp:txBody>
       <dsp:txXfrm>
-        <a:off x="0" y="8639"/>
-        <a:ext cx="914400" cy="439920"/>
+        <a:off x="0" y="135599"/>
+        <a:ext cx="1295400" cy="397800"/>
       </dsp:txXfrm>
     </dsp:sp>
   </dsp:spTree>
@@ -24198,42 +25399,38 @@
       </dsp:nvSpPr>
       <dsp:spPr>
         <a:xfrm rot="20028680">
-          <a:off x="0" y="89279"/>
+          <a:off x="0" y="72468"/>
           <a:ext cx="1143000" cy="532879"/>
         </a:xfrm>
         <a:prstGeom prst="roundRect">
           <a:avLst/>
         </a:prstGeom>
         <a:solidFill>
-          <a:schemeClr val="accent1">
-            <a:hueOff val="0"/>
-            <a:satOff val="0"/>
-            <a:lumOff val="0"/>
-            <a:alphaOff val="0"/>
-          </a:schemeClr>
+          <a:schemeClr val="accent1"/>
         </a:solidFill>
-        <a:ln w="25400" cap="flat" cmpd="sng" algn="ctr">
+        <a:ln w="38100" cap="flat" cmpd="sng" algn="ctr">
           <a:solidFill>
-            <a:schemeClr val="lt1">
-              <a:hueOff val="0"/>
-              <a:satOff val="0"/>
-              <a:lumOff val="0"/>
-              <a:alphaOff val="0"/>
-            </a:schemeClr>
+            <a:schemeClr val="lt1"/>
           </a:solidFill>
           <a:prstDash val="solid"/>
         </a:ln>
-        <a:effectLst/>
+        <a:effectLst>
+          <a:outerShdw blurRad="40000" dist="20000" dir="5400000" rotWithShape="0">
+            <a:srgbClr val="000000">
+              <a:alpha val="38000"/>
+            </a:srgbClr>
+          </a:outerShdw>
+        </a:effectLst>
       </dsp:spPr>
       <dsp:style>
-        <a:lnRef idx="2">
-          <a:scrgbClr r="0" g="0" b="0"/>
+        <a:lnRef idx="3">
+          <a:schemeClr val="lt1"/>
         </a:lnRef>
         <a:fillRef idx="1">
-          <a:scrgbClr r="0" g="0" b="0"/>
+          <a:schemeClr val="accent1"/>
         </a:fillRef>
-        <a:effectRef idx="0">
-          <a:scrgbClr r="0" g="0" b="0"/>
+        <a:effectRef idx="1">
+          <a:schemeClr val="accent1"/>
         </a:effectRef>
         <a:fontRef idx="minor">
           <a:schemeClr val="lt1"/>
@@ -24272,7 +25469,7 @@
         </a:p>
       </dsp:txBody>
       <dsp:txXfrm rot="20028680">
-        <a:off x="0" y="89279"/>
+        <a:off x="0" y="72468"/>
         <a:ext cx="1143000" cy="532879"/>
       </dsp:txXfrm>
     </dsp:sp>
@@ -24295,8 +25492,8 @@
       </dsp:nvSpPr>
       <dsp:spPr>
         <a:xfrm>
-          <a:off x="0" y="40646"/>
-          <a:ext cx="914400" cy="359774"/>
+          <a:off x="0" y="0"/>
+          <a:ext cx="914400" cy="449280"/>
         </a:xfrm>
         <a:prstGeom prst="roundRect">
           <a:avLst/>
@@ -24304,40 +25501,41 @@
         <a:solidFill>
           <a:schemeClr val="accent2"/>
         </a:solidFill>
-        <a:ln w="25400" cap="flat" cmpd="sng" algn="ctr">
+        <a:ln w="38100" cap="flat" cmpd="sng" algn="ctr">
           <a:solidFill>
-            <a:schemeClr val="lt1">
-              <a:hueOff val="0"/>
-              <a:satOff val="0"/>
-              <a:lumOff val="0"/>
-              <a:alphaOff val="0"/>
-            </a:schemeClr>
+            <a:schemeClr val="lt1"/>
           </a:solidFill>
           <a:prstDash val="solid"/>
         </a:ln>
-        <a:effectLst/>
+        <a:effectLst>
+          <a:outerShdw blurRad="40000" dist="20000" dir="5400000" rotWithShape="0">
+            <a:srgbClr val="000000">
+              <a:alpha val="38000"/>
+            </a:srgbClr>
+          </a:outerShdw>
+        </a:effectLst>
       </dsp:spPr>
       <dsp:style>
-        <a:lnRef idx="2">
-          <a:scrgbClr r="0" g="0" b="0"/>
+        <a:lnRef idx="3">
+          <a:schemeClr val="lt1"/>
         </a:lnRef>
         <a:fillRef idx="1">
-          <a:scrgbClr r="0" g="0" b="0"/>
+          <a:schemeClr val="accent2"/>
         </a:fillRef>
-        <a:effectRef idx="0">
-          <a:scrgbClr r="0" g="0" b="0"/>
+        <a:effectRef idx="1">
+          <a:schemeClr val="accent2"/>
         </a:effectRef>
         <a:fontRef idx="minor">
           <a:schemeClr val="lt1"/>
         </a:fontRef>
       </dsp:style>
       <dsp:txBody>
-        <a:bodyPr spcFirstLastPara="0" vert="horz" wrap="square" lIns="57150" tIns="57150" rIns="57150" bIns="57150" numCol="1" spcCol="1270" anchor="ctr" anchorCtr="0">
+        <a:bodyPr spcFirstLastPara="0" vert="horz" wrap="square" lIns="45720" tIns="45720" rIns="45720" bIns="45720" numCol="1" spcCol="1270" anchor="ctr" anchorCtr="0">
           <a:noAutofit/>
         </a:bodyPr>
         <a:lstStyle/>
         <a:p>
-          <a:pPr lvl="0" algn="l" defTabSz="666750" rtl="0">
+          <a:pPr lvl="0" algn="l" defTabSz="533400" rtl="0">
             <a:lnSpc>
               <a:spcPct val="90000"/>
             </a:lnSpc>
@@ -24349,15 +25547,15 @@
             </a:spcAft>
           </a:pPr>
           <a:r>
-            <a:rPr lang="en-US" sz="1500" kern="1200" dirty="0" smtClean="0"/>
+            <a:rPr lang="en-US" sz="1200" kern="1200" dirty="0" smtClean="0"/>
             <a:t>model.dll</a:t>
           </a:r>
-          <a:endParaRPr lang="en-US" sz="1500" kern="1200" dirty="0"/>
+          <a:endParaRPr lang="en-US" sz="1200" kern="1200" dirty="0"/>
         </a:p>
       </dsp:txBody>
       <dsp:txXfrm>
-        <a:off x="0" y="40646"/>
-        <a:ext cx="914400" cy="359774"/>
+        <a:off x="0" y="0"/>
+        <a:ext cx="914400" cy="449280"/>
       </dsp:txXfrm>
     </dsp:sp>
   </dsp:spTree>
@@ -24379,42 +25577,38 @@
       </dsp:nvSpPr>
       <dsp:spPr>
         <a:xfrm>
-          <a:off x="0" y="54195"/>
+          <a:off x="0" y="152399"/>
           <a:ext cx="1905000" cy="359774"/>
         </a:xfrm>
         <a:prstGeom prst="roundRect">
           <a:avLst/>
         </a:prstGeom>
         <a:solidFill>
-          <a:schemeClr val="accent1">
-            <a:hueOff val="0"/>
-            <a:satOff val="0"/>
-            <a:lumOff val="0"/>
-            <a:alphaOff val="0"/>
-          </a:schemeClr>
+          <a:schemeClr val="accent1"/>
         </a:solidFill>
-        <a:ln w="25400" cap="flat" cmpd="sng" algn="ctr">
+        <a:ln w="38100" cap="flat" cmpd="sng" algn="ctr">
           <a:solidFill>
-            <a:schemeClr val="lt1">
-              <a:hueOff val="0"/>
-              <a:satOff val="0"/>
-              <a:lumOff val="0"/>
-              <a:alphaOff val="0"/>
-            </a:schemeClr>
+            <a:schemeClr val="lt1"/>
           </a:solidFill>
           <a:prstDash val="solid"/>
         </a:ln>
-        <a:effectLst/>
+        <a:effectLst>
+          <a:outerShdw blurRad="40000" dist="20000" dir="5400000" rotWithShape="0">
+            <a:srgbClr val="000000">
+              <a:alpha val="38000"/>
+            </a:srgbClr>
+          </a:outerShdw>
+        </a:effectLst>
       </dsp:spPr>
       <dsp:style>
-        <a:lnRef idx="2">
-          <a:scrgbClr r="0" g="0" b="0"/>
+        <a:lnRef idx="3">
+          <a:schemeClr val="lt1"/>
         </a:lnRef>
         <a:fillRef idx="1">
-          <a:scrgbClr r="0" g="0" b="0"/>
+          <a:schemeClr val="accent1"/>
         </a:fillRef>
-        <a:effectRef idx="0">
-          <a:scrgbClr r="0" g="0" b="0"/>
+        <a:effectRef idx="1">
+          <a:schemeClr val="accent1"/>
         </a:effectRef>
         <a:fontRef idx="minor">
           <a:schemeClr val="lt1"/>
@@ -24453,7 +25647,7 @@
         </a:p>
       </dsp:txBody>
       <dsp:txXfrm>
-        <a:off x="0" y="54195"/>
+        <a:off x="0" y="152399"/>
         <a:ext cx="1905000" cy="359774"/>
       </dsp:txXfrm>
     </dsp:sp>
@@ -24477,7 +25671,7 @@
       <dsp:spPr>
         <a:xfrm>
           <a:off x="0" y="0"/>
-          <a:ext cx="990600" cy="596700"/>
+          <a:ext cx="990600" cy="599040"/>
         </a:xfrm>
         <a:prstGeom prst="roundRect">
           <a:avLst/>
@@ -24485,40 +25679,41 @@
         <a:solidFill>
           <a:schemeClr val="accent2"/>
         </a:solidFill>
-        <a:ln w="25400" cap="flat" cmpd="sng" algn="ctr">
+        <a:ln w="38100" cap="flat" cmpd="sng" algn="ctr">
           <a:solidFill>
-            <a:schemeClr val="lt1">
-              <a:hueOff val="0"/>
-              <a:satOff val="0"/>
-              <a:lumOff val="0"/>
-              <a:alphaOff val="0"/>
-            </a:schemeClr>
+            <a:schemeClr val="lt1"/>
           </a:solidFill>
           <a:prstDash val="solid"/>
         </a:ln>
-        <a:effectLst/>
+        <a:effectLst>
+          <a:outerShdw blurRad="40000" dist="20000" dir="5400000" rotWithShape="0">
+            <a:srgbClr val="000000">
+              <a:alpha val="38000"/>
+            </a:srgbClr>
+          </a:outerShdw>
+        </a:effectLst>
       </dsp:spPr>
       <dsp:style>
-        <a:lnRef idx="2">
-          <a:scrgbClr r="0" g="0" b="0"/>
+        <a:lnRef idx="3">
+          <a:schemeClr val="lt1"/>
         </a:lnRef>
         <a:fillRef idx="1">
-          <a:scrgbClr r="0" g="0" b="0"/>
+          <a:schemeClr val="accent2"/>
         </a:fillRef>
-        <a:effectRef idx="0">
-          <a:scrgbClr r="0" g="0" b="0"/>
+        <a:effectRef idx="1">
+          <a:schemeClr val="accent2"/>
         </a:effectRef>
         <a:fontRef idx="minor">
           <a:schemeClr val="lt1"/>
         </a:fontRef>
       </dsp:style>
       <dsp:txBody>
-        <a:bodyPr spcFirstLastPara="0" vert="horz" wrap="square" lIns="57150" tIns="57150" rIns="57150" bIns="57150" numCol="1" spcCol="1270" anchor="ctr" anchorCtr="0">
+        <a:bodyPr spcFirstLastPara="0" vert="horz" wrap="square" lIns="45720" tIns="45720" rIns="45720" bIns="45720" numCol="1" spcCol="1270" anchor="ctr" anchorCtr="0">
           <a:noAutofit/>
         </a:bodyPr>
         <a:lstStyle/>
         <a:p>
-          <a:pPr lvl="0" algn="l" defTabSz="666750" rtl="0">
+          <a:pPr lvl="0" algn="l" defTabSz="533400" rtl="0">
             <a:lnSpc>
               <a:spcPct val="90000"/>
             </a:lnSpc>
@@ -24530,15 +25725,36 @@
             </a:spcAft>
           </a:pPr>
           <a:r>
-            <a:rPr lang="en-US" sz="1500" kern="1200" dirty="0" smtClean="0"/>
-            <a:t>Data output</a:t>
+            <a:rPr lang="en-US" sz="1200" kern="1200" dirty="0" smtClean="0"/>
+            <a:t>Data </a:t>
           </a:r>
-          <a:endParaRPr lang="en-US" sz="1500" kern="1200" dirty="0"/>
+          <a:r>
+            <a:rPr lang="en-US" sz="1200" kern="1200" dirty="0" smtClean="0"/>
+            <a:t>output</a:t>
+          </a:r>
+        </a:p>
+        <a:p>
+          <a:pPr lvl="0" algn="l" defTabSz="533400" rtl="0">
+            <a:lnSpc>
+              <a:spcPct val="90000"/>
+            </a:lnSpc>
+            <a:spcBef>
+              <a:spcPct val="0"/>
+            </a:spcBef>
+            <a:spcAft>
+              <a:spcPct val="35000"/>
+            </a:spcAft>
+          </a:pPr>
+          <a:r>
+            <a:rPr lang="en-US" sz="1200" kern="1200" dirty="0" smtClean="0"/>
+            <a:t>model.csv</a:t>
+          </a:r>
+          <a:endParaRPr lang="en-US" sz="1200" kern="1200" dirty="0"/>
         </a:p>
       </dsp:txBody>
       <dsp:txXfrm>
         <a:off x="0" y="0"/>
-        <a:ext cx="990600" cy="596700"/>
+        <a:ext cx="990600" cy="599040"/>
       </dsp:txXfrm>
     </dsp:sp>
   </dsp:spTree>
@@ -24560,54 +25776,50 @@
       </dsp:nvSpPr>
       <dsp:spPr>
         <a:xfrm>
-          <a:off x="0" y="304800"/>
-          <a:ext cx="1143000" cy="410669"/>
+          <a:off x="0" y="71771"/>
+          <a:ext cx="1371600" cy="766428"/>
         </a:xfrm>
         <a:prstGeom prst="roundRect">
           <a:avLst/>
         </a:prstGeom>
         <a:solidFill>
-          <a:schemeClr val="accent2">
-            <a:hueOff val="0"/>
-            <a:satOff val="0"/>
-            <a:lumOff val="0"/>
-            <a:alphaOff val="0"/>
-          </a:schemeClr>
+          <a:schemeClr val="accent2"/>
         </a:solidFill>
-        <a:ln w="25400" cap="flat" cmpd="sng" algn="ctr">
+        <a:ln w="38100" cap="flat" cmpd="sng" algn="ctr">
           <a:solidFill>
-            <a:schemeClr val="lt1">
-              <a:hueOff val="0"/>
-              <a:satOff val="0"/>
-              <a:lumOff val="0"/>
-              <a:alphaOff val="0"/>
-            </a:schemeClr>
+            <a:schemeClr val="lt1"/>
           </a:solidFill>
           <a:prstDash val="solid"/>
         </a:ln>
-        <a:effectLst/>
+        <a:effectLst>
+          <a:outerShdw blurRad="40000" dist="20000" dir="5400000" rotWithShape="0">
+            <a:srgbClr val="000000">
+              <a:alpha val="38000"/>
+            </a:srgbClr>
+          </a:outerShdw>
+        </a:effectLst>
       </dsp:spPr>
       <dsp:style>
-        <a:lnRef idx="2">
-          <a:scrgbClr r="0" g="0" b="0"/>
+        <a:lnRef idx="3">
+          <a:schemeClr val="lt1"/>
         </a:lnRef>
         <a:fillRef idx="1">
-          <a:scrgbClr r="0" g="0" b="0"/>
+          <a:schemeClr val="accent2"/>
         </a:fillRef>
-        <a:effectRef idx="0">
-          <a:scrgbClr r="0" g="0" b="0"/>
+        <a:effectRef idx="1">
+          <a:schemeClr val="accent2"/>
         </a:effectRef>
         <a:fontRef idx="minor">
           <a:schemeClr val="lt1"/>
         </a:fontRef>
       </dsp:style>
       <dsp:txBody>
-        <a:bodyPr spcFirstLastPara="0" vert="horz" wrap="square" lIns="34290" tIns="34290" rIns="34290" bIns="34290" numCol="1" spcCol="1270" anchor="ctr" anchorCtr="0">
+        <a:bodyPr spcFirstLastPara="0" vert="horz" wrap="square" lIns="45720" tIns="45720" rIns="45720" bIns="45720" numCol="1" spcCol="1270" anchor="ctr" anchorCtr="0">
           <a:noAutofit/>
         </a:bodyPr>
         <a:lstStyle/>
         <a:p>
-          <a:pPr lvl="0" algn="l" defTabSz="400050" rtl="0">
+          <a:pPr lvl="0" algn="l" defTabSz="533400" rtl="0">
             <a:lnSpc>
               <a:spcPct val="90000"/>
             </a:lnSpc>
@@ -24619,24 +25831,28 @@
             </a:spcAft>
           </a:pPr>
           <a:r>
-            <a:rPr lang="en-US" sz="900" kern="1200" dirty="0" err="1" smtClean="0"/>
+            <a:rPr lang="en-US" sz="1200" kern="1200" dirty="0" err="1" smtClean="0"/>
             <a:t>model.h</a:t>
           </a:r>
           <a:r>
-            <a:rPr lang="en-US" sz="900" kern="1200" dirty="0" smtClean="0"/>
-            <a:t> and </a:t>
+            <a:rPr lang="en-US" sz="1200" kern="1200" dirty="0" smtClean="0"/>
+            <a:t> </a:t>
           </a:r>
           <a:r>
-            <a:rPr lang="en-US" sz="900" kern="1200" dirty="0" err="1" smtClean="0"/>
+            <a:rPr lang="en-US" sz="1200" kern="1200" dirty="0" smtClean="0"/>
+            <a:t> </a:t>
+          </a:r>
+          <a:r>
+            <a:rPr lang="en-US" sz="1200" kern="1200" dirty="0" err="1" smtClean="0"/>
             <a:t>model.c</a:t>
           </a:r>
           <a:r>
-            <a:rPr lang="en-US" sz="900" kern="1200" dirty="0" smtClean="0"/>
+            <a:rPr lang="en-US" sz="1200" kern="1200" dirty="0" smtClean="0"/>
             <a:t> </a:t>
           </a:r>
         </a:p>
         <a:p>
-          <a:pPr lvl="0" algn="l" defTabSz="400050" rtl="0">
+          <a:pPr lvl="0" algn="l" defTabSz="533400" rtl="0">
             <a:lnSpc>
               <a:spcPct val="90000"/>
             </a:lnSpc>
@@ -24648,15 +25864,15 @@
             </a:spcAft>
           </a:pPr>
           <a:r>
-            <a:rPr lang="en-US" sz="900" kern="1200" dirty="0" smtClean="0"/>
+            <a:rPr lang="en-US" sz="1200" kern="1200" dirty="0" smtClean="0"/>
             <a:t>C-Code source Files</a:t>
           </a:r>
-          <a:endParaRPr lang="en-US" sz="900" kern="1200" dirty="0"/>
+          <a:endParaRPr lang="en-US" sz="1200" kern="1200" dirty="0"/>
         </a:p>
       </dsp:txBody>
       <dsp:txXfrm>
-        <a:off x="0" y="304800"/>
-        <a:ext cx="1143000" cy="410669"/>
+        <a:off x="0" y="71771"/>
+        <a:ext cx="1371600" cy="766428"/>
       </dsp:txXfrm>
     </dsp:sp>
   </dsp:spTree>
@@ -46976,7 +48192,8 @@
           <a:p>
             <a:fld id="{C0F60E00-82C5-48D0-B8AA-BB249A684C17}" type="datetimeFigureOut">
               <a:rPr lang="en-US" smtClean="0"/>
-              <a:t>5/29/2012</a:t>
+              <a:pPr/>
+              <a:t>5/30/2012</a:t>
             </a:fld>
             <a:endParaRPr lang="en-US"/>
           </a:p>
@@ -47137,6 +48354,7 @@
           <a:p>
             <a:fld id="{560A750C-35FF-41F3-8CF5-A1BB4600A37B}" type="slidenum">
               <a:rPr lang="en-US" smtClean="0"/>
+              <a:pPr/>
               <a:t>‹#›</a:t>
             </a:fld>
             <a:endParaRPr lang="en-US"/>
@@ -47422,7 +48640,8 @@
           <a:p>
             <a:fld id="{58350A34-9210-4858-9CF5-4AD71E1515E8}" type="datetime1">
               <a:rPr lang="en-US" smtClean="0"/>
-              <a:t>5/29/2012</a:t>
+              <a:pPr/>
+              <a:t>5/30/2012</a:t>
             </a:fld>
             <a:endParaRPr lang="en-US"/>
           </a:p>
@@ -47588,7 +48807,8 @@
           <a:p>
             <a:fld id="{D0673BCA-BC9F-4FE3-82DC-C74CD05D85D3}" type="datetime1">
               <a:rPr lang="en-US" smtClean="0"/>
-              <a:t>5/29/2012</a:t>
+              <a:pPr/>
+              <a:t>5/30/2012</a:t>
             </a:fld>
             <a:endParaRPr lang="en-US"/>
           </a:p>
@@ -47764,7 +48984,8 @@
           <a:p>
             <a:fld id="{DCEF6AC6-802F-4EC2-B95F-26BDE3918C9B}" type="datetime1">
               <a:rPr lang="en-US" smtClean="0"/>
-              <a:t>5/29/2012</a:t>
+              <a:pPr/>
+              <a:t>5/30/2012</a:t>
             </a:fld>
             <a:endParaRPr lang="en-US"/>
           </a:p>
@@ -47930,7 +49151,8 @@
           <a:p>
             <a:fld id="{3801169F-8B32-4B10-B7FE-0E8BB677B50F}" type="datetime1">
               <a:rPr lang="en-US" smtClean="0"/>
-              <a:t>5/29/2012</a:t>
+              <a:pPr/>
+              <a:t>5/30/2012</a:t>
             </a:fld>
             <a:endParaRPr lang="en-US"/>
           </a:p>
@@ -48172,7 +49394,8 @@
           <a:p>
             <a:fld id="{DE638527-A72E-46B2-8837-790CEA50F6A0}" type="datetime1">
               <a:rPr lang="en-US" smtClean="0"/>
-              <a:t>5/29/2012</a:t>
+              <a:pPr/>
+              <a:t>5/30/2012</a:t>
             </a:fld>
             <a:endParaRPr lang="en-US"/>
           </a:p>
@@ -48456,7 +49679,8 @@
           <a:p>
             <a:fld id="{24BC9E96-4BBA-42FE-B9E7-04D3F9C62F0F}" type="datetime1">
               <a:rPr lang="en-US" smtClean="0"/>
-              <a:t>5/29/2012</a:t>
+              <a:pPr/>
+              <a:t>5/30/2012</a:t>
             </a:fld>
             <a:endParaRPr lang="en-US"/>
           </a:p>
@@ -48874,7 +50098,8 @@
           <a:p>
             <a:fld id="{DE8C6F10-D4FD-4D60-BE1B-69C313079AD2}" type="datetime1">
               <a:rPr lang="en-US" smtClean="0"/>
-              <a:t>5/29/2012</a:t>
+              <a:pPr/>
+              <a:t>5/30/2012</a:t>
             </a:fld>
             <a:endParaRPr lang="en-US"/>
           </a:p>
@@ -48988,7 +50213,8 @@
           <a:p>
             <a:fld id="{DEB057BE-5DB6-43C4-A7CF-5BF80F53E275}" type="datetime1">
               <a:rPr lang="en-US" smtClean="0"/>
-              <a:t>5/29/2012</a:t>
+              <a:pPr/>
+              <a:t>5/30/2012</a:t>
             </a:fld>
             <a:endParaRPr lang="en-US"/>
           </a:p>
@@ -49079,7 +50305,8 @@
           <a:p>
             <a:fld id="{D0E37876-538F-4556-9E86-7A58485BAC2F}" type="datetime1">
               <a:rPr lang="en-US" smtClean="0"/>
-              <a:t>5/29/2012</a:t>
+              <a:pPr/>
+              <a:t>5/30/2012</a:t>
             </a:fld>
             <a:endParaRPr lang="en-US"/>
           </a:p>
@@ -49352,7 +50579,8 @@
           <a:p>
             <a:fld id="{05386AA4-3C79-4798-ACFF-8DBBCD0B7E73}" type="datetime1">
               <a:rPr lang="en-US" smtClean="0"/>
-              <a:t>5/29/2012</a:t>
+              <a:pPr/>
+              <a:t>5/30/2012</a:t>
             </a:fld>
             <a:endParaRPr lang="en-US"/>
           </a:p>
@@ -49601,7 +50829,8 @@
           <a:p>
             <a:fld id="{65952B37-72AF-4DE3-B6D9-C281C4A40ADA}" type="datetime1">
               <a:rPr lang="en-US" smtClean="0"/>
-              <a:t>5/29/2012</a:t>
+              <a:pPr/>
+              <a:t>5/30/2012</a:t>
             </a:fld>
             <a:endParaRPr lang="en-US"/>
           </a:p>
@@ -49810,7 +51039,8 @@
           <a:p>
             <a:fld id="{F3A3E9C0-9FAF-4301-AC19-6A355EC78F46}" type="datetime1">
               <a:rPr lang="en-US" smtClean="0"/>
-              <a:t>5/29/2012</a:t>
+              <a:pPr/>
+              <a:t>5/30/2012</a:t>
             </a:fld>
             <a:endParaRPr lang="en-US"/>
           </a:p>
@@ -50421,7 +51651,15 @@
             </a:pPr>
             <a:r>
               <a:rPr lang="en-US" dirty="0" smtClean="0"/>
-              <a:t>Replaces GNU auto tools ? (GNU auto hell as I read somewhere)</a:t>
+              <a:t>Replaces GNU auto tools ? (GNU auto hell as </a:t>
+            </a:r>
+            <a:r>
+              <a:rPr lang="en-US" dirty="0" smtClean="0"/>
+              <a:t>read </a:t>
+            </a:r>
+            <a:r>
+              <a:rPr lang="en-US" dirty="0" smtClean="0"/>
+              <a:t>somewhere)</a:t>
             </a:r>
             <a:endParaRPr lang="en-US" dirty="0"/>
           </a:p>
@@ -50466,7 +51704,7 @@
         <p:spPr>
           <a:xfrm>
             <a:off x="533400" y="3352800"/>
-            <a:ext cx="8413970" cy="1754326"/>
+            <a:ext cx="8520409" cy="2308324"/>
           </a:xfrm>
           <a:prstGeom prst="rect">
             <a:avLst/>
@@ -50498,8 +51736,16 @@
             </a:br>
             <a:r>
               <a:rPr lang="en-US" dirty="0" smtClean="0"/>
-              <a:t>to do in that particular folder</a:t>
+              <a:t>to do in that particular </a:t>
             </a:r>
+            <a:r>
+              <a:rPr lang="en-US" dirty="0" smtClean="0"/>
+              <a:t>folder</a:t>
+            </a:r>
+            <a:br>
+              <a:rPr lang="en-US" dirty="0" smtClean="0"/>
+            </a:br>
+            <a:endParaRPr lang="en-US" dirty="0" smtClean="0"/>
           </a:p>
           <a:p>
             <a:pPr lvl="1">
@@ -50512,8 +51758,16 @@
             </a:r>
             <a:r>
               <a:rPr lang="en-US" dirty="0" smtClean="0"/>
-              <a:t> “includes” subfolders</a:t>
+              <a:t> “includes” </a:t>
             </a:r>
+            <a:r>
+              <a:rPr lang="en-US" dirty="0" smtClean="0"/>
+              <a:t>subfolders</a:t>
+            </a:r>
+            <a:br>
+              <a:rPr lang="en-US" dirty="0" smtClean="0"/>
+            </a:br>
+            <a:endParaRPr lang="en-US" dirty="0" smtClean="0"/>
           </a:p>
           <a:p>
             <a:pPr lvl="1">
@@ -50530,7 +51784,23 @@
             </a:r>
             <a:r>
               <a:rPr lang="en-US" dirty="0" smtClean="0"/>
-              <a:t>, allowing the creation of “setup.exe” targets automatically.</a:t>
+              <a:t>, allowing the creation of </a:t>
+            </a:r>
+            <a:r>
+              <a:rPr lang="en-US" dirty="0" smtClean="0"/>
+              <a:t>a “setup.exe</a:t>
+            </a:r>
+            <a:r>
+              <a:rPr lang="en-US" dirty="0" smtClean="0"/>
+              <a:t>” </a:t>
+            </a:r>
+            <a:r>
+              <a:rPr lang="en-US" dirty="0" smtClean="0"/>
+              <a:t>target </a:t>
+            </a:r>
+            <a:r>
+              <a:rPr lang="en-US" dirty="0" smtClean="0"/>
+              <a:t>automatically.</a:t>
             </a:r>
           </a:p>
           <a:p>
@@ -50587,7 +51857,11 @@
             <a:pPr algn="l"/>
             <a:r>
               <a:rPr lang="en-US" dirty="0" smtClean="0"/>
-              <a:t>CMake concepts</a:t>
+              <a:t>CMake </a:t>
+            </a:r>
+            <a:r>
+              <a:rPr lang="en-US" dirty="0" smtClean="0"/>
+              <a:t>UI</a:t>
             </a:r>
             <a:endParaRPr lang="en-US" dirty="0"/>
           </a:p>
@@ -50932,13 +52206,13 @@
           </a:ln>
         </p:spPr>
         <p:style>
-          <a:lnRef idx="1">
+          <a:lnRef idx="3">
             <a:schemeClr val="accent1"/>
           </a:lnRef>
           <a:fillRef idx="0">
             <a:schemeClr val="accent1"/>
           </a:fillRef>
-          <a:effectRef idx="0">
+          <a:effectRef idx="2">
             <a:schemeClr val="accent1"/>
           </a:effectRef>
           <a:fontRef idx="minor">
@@ -51029,7 +52303,11 @@
           <a:p>
             <a:r>
               <a:rPr lang="en-US" dirty="0" smtClean="0"/>
-              <a:t>Build the binaries folder’</a:t>
+              <a:t>Build the binaries folder</a:t>
+            </a:r>
+            <a:r>
+              <a:rPr lang="en-US" dirty="0" smtClean="0"/>
+              <a:t>’ (if using Visual Studio)</a:t>
             </a:r>
             <a:endParaRPr lang="en-US" dirty="0"/>
           </a:p>
@@ -51095,7 +52373,6 @@
               <a:rPr lang="en-US" dirty="0" smtClean="0"/>
               <a:t> development</a:t>
             </a:r>
-            <a:endParaRPr lang="en-US" dirty="0" smtClean="0"/>
           </a:p>
         </p:txBody>
       </p:sp>
@@ -51130,7 +52407,7 @@
           <p:nvPr/>
         </p:nvGraphicFramePr>
         <p:xfrm>
-          <a:off x="1752600" y="1295400"/>
+          <a:off x="2438400" y="1828800"/>
           <a:ext cx="3505200" cy="2717800"/>
         </p:xfrm>
         <a:graphic>
@@ -51148,7 +52425,7 @@
         <p:spPr>
           <a:xfrm>
             <a:off x="457200" y="1219200"/>
-            <a:ext cx="1269835" cy="646331"/>
+            <a:ext cx="2750240" cy="646331"/>
           </a:xfrm>
           <a:prstGeom prst="rect">
             <a:avLst/>
@@ -51163,13 +52440,17 @@
           <a:p>
             <a:r>
               <a:rPr lang="en-US" dirty="0" smtClean="0"/>
-              <a:t>Build folder</a:t>
+              <a:t>Suggestion of a build </a:t>
+            </a:r>
+            <a:r>
+              <a:rPr lang="en-US" dirty="0" smtClean="0"/>
+              <a:t>folder</a:t>
             </a:r>
           </a:p>
           <a:p>
             <a:r>
               <a:rPr lang="en-US" dirty="0" smtClean="0"/>
-              <a:t>Structure</a:t>
+              <a:t>structure</a:t>
             </a:r>
             <a:endParaRPr lang="en-US" dirty="0"/>
           </a:p>
@@ -51316,7 +52597,7 @@
         <p:spPr>
           <a:xfrm>
             <a:off x="152400" y="2209800"/>
-            <a:ext cx="8415317" cy="923330"/>
+            <a:ext cx="7502182" cy="923330"/>
           </a:xfrm>
           <a:prstGeom prst="rect">
             <a:avLst/>
@@ -51339,13 +52620,26 @@
             </a:r>
             <a:r>
               <a:rPr lang="en-US" dirty="0" smtClean="0"/>
-              <a:t> development platform</a:t>
+              <a:t> development </a:t>
             </a:r>
+            <a:r>
+              <a:rPr lang="en-US" dirty="0" smtClean="0"/>
+              <a:t>platform it </a:t>
+            </a:r>
+            <a:r>
+              <a:rPr lang="en-US" dirty="0" smtClean="0"/>
+              <a:t>is encouraged to have all </a:t>
+            </a:r>
+            <a:endParaRPr lang="en-US" dirty="0" smtClean="0"/>
           </a:p>
           <a:p>
             <a:r>
               <a:rPr lang="en-US" dirty="0" smtClean="0"/>
-              <a:t>It is encouraged to have all deliverables using the </a:t>
+              <a:t>deliverables </a:t>
+            </a:r>
+            <a:r>
+              <a:rPr lang="en-US" dirty="0" smtClean="0"/>
+              <a:t>using the </a:t>
             </a:r>
             <a:r>
               <a:rPr lang="en-US" b="1" dirty="0" smtClean="0">
@@ -51363,12 +52657,24 @@
               <a:rPr lang="en-US" dirty="0" err="1" smtClean="0"/>
               <a:t>i.e</a:t>
             </a:r>
+            <a:r>
+              <a:rPr lang="en-US" dirty="0" smtClean="0"/>
+              <a:t> the </a:t>
+            </a:r>
+            <a:r>
+              <a:rPr lang="en-US" dirty="0" smtClean="0"/>
+              <a:t>same setting for  </a:t>
+            </a:r>
             <a:endParaRPr lang="en-US" dirty="0" smtClean="0"/>
           </a:p>
           <a:p>
             <a:r>
               <a:rPr lang="en-US" dirty="0" smtClean="0"/>
-              <a:t>the same setting for  CMAKE_INSTALL_PREFIX for all 3</a:t>
+              <a:t>CMAKE_INSTALL_PREFIX, </a:t>
+            </a:r>
+            <a:r>
+              <a:rPr lang="en-US" dirty="0" smtClean="0"/>
+              <a:t>for all 3</a:t>
             </a:r>
             <a:r>
               <a:rPr lang="en-US" baseline="30000" dirty="0" smtClean="0"/>
@@ -51623,6 +52929,59 @@
           </a:ln>
         </p:spPr>
       </p:pic>
+      <p:sp>
+        <p:nvSpPr>
+          <p:cNvPr id="5" name="TextBox 4"/>
+          <p:cNvSpPr txBox="1"/>
+          <p:nvPr/>
+        </p:nvSpPr>
+        <p:spPr>
+          <a:xfrm>
+            <a:off x="4191000" y="2514600"/>
+            <a:ext cx="1949573" cy="400110"/>
+          </a:xfrm>
+          <a:prstGeom prst="rect">
+            <a:avLst/>
+          </a:prstGeom>
+        </p:spPr>
+        <p:style>
+          <a:lnRef idx="1">
+            <a:schemeClr val="accent3"/>
+          </a:lnRef>
+          <a:fillRef idx="2">
+            <a:schemeClr val="accent3"/>
+          </a:fillRef>
+          <a:effectRef idx="1">
+            <a:schemeClr val="accent3"/>
+          </a:effectRef>
+          <a:fontRef idx="minor">
+            <a:schemeClr val="dk1"/>
+          </a:fontRef>
+        </p:style>
+        <p:txBody>
+          <a:bodyPr wrap="none" rtlCol="0">
+            <a:spAutoFit/>
+          </a:bodyPr>
+          <a:lstStyle/>
+          <a:p>
+            <a:r>
+              <a:rPr lang="en-US" sz="1000" dirty="0" err="1" smtClean="0"/>
+              <a:t>RoadRunner</a:t>
+            </a:r>
+            <a:r>
+              <a:rPr lang="en-US" sz="1000" dirty="0" smtClean="0"/>
+              <a:t> seem only to need</a:t>
+            </a:r>
+          </a:p>
+          <a:p>
+            <a:r>
+              <a:rPr lang="en-US" sz="1000" dirty="0" smtClean="0"/>
+              <a:t>BUILD_CVODE and BUILD_KINSOL</a:t>
+            </a:r>
+            <a:endParaRPr lang="en-US" sz="1000" dirty="0"/>
+          </a:p>
+        </p:txBody>
+      </p:sp>
     </p:spTree>
   </p:cSld>
   <p:clrMapOvr>
@@ -51749,13 +53108,26 @@
         <p:spPr>
           <a:xfrm>
             <a:off x="4495800" y="3733800"/>
-            <a:ext cx="2973827" cy="646331"/>
+            <a:ext cx="3231782" cy="646331"/>
           </a:xfrm>
           <a:prstGeom prst="rect">
             <a:avLst/>
           </a:prstGeom>
-          <a:noFill/>
         </p:spPr>
+        <p:style>
+          <a:lnRef idx="1">
+            <a:schemeClr val="accent3"/>
+          </a:lnRef>
+          <a:fillRef idx="2">
+            <a:schemeClr val="accent3"/>
+          </a:fillRef>
+          <a:effectRef idx="1">
+            <a:schemeClr val="accent3"/>
+          </a:effectRef>
+          <a:fontRef idx="minor">
+            <a:schemeClr val="dk1"/>
+          </a:fontRef>
+        </p:style>
         <p:txBody>
           <a:bodyPr wrap="none" rtlCol="0">
             <a:spAutoFit/>
@@ -51765,32 +53137,53 @@
             <a:r>
               <a:rPr lang="en-US" dirty="0" smtClean="0">
                 <a:solidFill>
-                  <a:srgbClr val="FF0000"/>
+                  <a:schemeClr val="tx1"/>
                 </a:solidFill>
               </a:rPr>
-              <a:t>Uncheck all, except WITH CPP</a:t>
+              <a:t>Uncheck all, except </a:t>
             </a:r>
+            <a:r>
+              <a:rPr lang="en-US" dirty="0" smtClean="0">
+                <a:solidFill>
+                  <a:schemeClr val="tx1"/>
+                </a:solidFill>
+              </a:rPr>
+              <a:t>WITH_CPP_</a:t>
+            </a:r>
+            <a:endParaRPr lang="en-US" dirty="0" smtClean="0">
+              <a:solidFill>
+                <a:schemeClr val="tx1"/>
+              </a:solidFill>
+            </a:endParaRPr>
           </a:p>
           <a:p>
             <a:r>
               <a:rPr lang="en-US" dirty="0" smtClean="0">
                 <a:solidFill>
-                  <a:srgbClr val="FF0000"/>
+                  <a:schemeClr val="tx1"/>
                 </a:solidFill>
               </a:rPr>
-              <a:t>Namespace and with </a:t>
+              <a:t>NAMESPACE </a:t>
             </a:r>
             <a:r>
-              <a:rPr lang="en-US" dirty="0" err="1" smtClean="0">
+              <a:rPr lang="en-US" dirty="0" smtClean="0">
                 <a:solidFill>
-                  <a:srgbClr val="FF0000"/>
+                  <a:schemeClr val="tx1"/>
                 </a:solidFill>
               </a:rPr>
-              <a:t>LibXML</a:t>
+              <a:t>and </a:t>
+            </a:r>
+            <a:r>
+              <a:rPr lang="en-US" dirty="0" smtClean="0">
+                <a:solidFill>
+                  <a:schemeClr val="tx1"/>
+                </a:solidFill>
+              </a:rPr>
+              <a:t>WITH_LIBXML</a:t>
             </a:r>
             <a:endParaRPr lang="en-US" dirty="0">
               <a:solidFill>
-                <a:srgbClr val="FF0000"/>
+                <a:schemeClr val="tx1"/>
               </a:solidFill>
             </a:endParaRPr>
           </a:p>
@@ -51811,6 +53204,20 @@
             <a:avLst/>
           </a:prstGeom>
         </p:spPr>
+        <p:style>
+          <a:lnRef idx="1">
+            <a:schemeClr val="accent3"/>
+          </a:lnRef>
+          <a:fillRef idx="2">
+            <a:schemeClr val="accent3"/>
+          </a:fillRef>
+          <a:effectRef idx="1">
+            <a:schemeClr val="accent3"/>
+          </a:effectRef>
+          <a:fontRef idx="minor">
+            <a:schemeClr val="dk1"/>
+          </a:fontRef>
+        </p:style>
         <p:txBody>
           <a:bodyPr wrap="square">
             <a:spAutoFit/>
@@ -51820,14 +53227,14 @@
             <a:r>
               <a:rPr lang="en-US" dirty="0" smtClean="0">
                 <a:solidFill>
-                  <a:srgbClr val="FF0000"/>
+                  <a:schemeClr val="tx1"/>
                 </a:solidFill>
               </a:rPr>
               <a:t>Setup CMAKE_INSTALL_LIBDIR</a:t>
             </a:r>
             <a:endParaRPr lang="en-US" dirty="0">
               <a:solidFill>
-                <a:srgbClr val="FF0000"/>
+                <a:schemeClr val="tx1"/>
               </a:solidFill>
             </a:endParaRPr>
           </a:p>
@@ -51950,21 +53357,21 @@
         <p:spPr>
           <a:xfrm>
             <a:off x="4572000" y="2133600"/>
-            <a:ext cx="2133600" cy="253916"/>
+            <a:ext cx="2133600" cy="415498"/>
           </a:xfrm>
           <a:prstGeom prst="rect">
             <a:avLst/>
           </a:prstGeom>
         </p:spPr>
         <p:style>
-          <a:lnRef idx="2">
-            <a:schemeClr val="accent6"/>
+          <a:lnRef idx="1">
+            <a:schemeClr val="accent3"/>
           </a:lnRef>
-          <a:fillRef idx="1">
-            <a:schemeClr val="lt1"/>
+          <a:fillRef idx="2">
+            <a:schemeClr val="accent3"/>
           </a:fillRef>
-          <a:effectRef idx="0">
-            <a:schemeClr val="accent6"/>
+          <a:effectRef idx="1">
+            <a:schemeClr val="accent3"/>
           </a:effectRef>
           <a:fontRef idx="minor">
             <a:schemeClr val="dk1"/>
@@ -51995,6 +53402,12 @@
             <a:r>
               <a:rPr lang="en-US" sz="1050" dirty="0" smtClean="0"/>
               <a:t>folder</a:t>
+            </a:r>
+          </a:p>
+          <a:p>
+            <a:r>
+              <a:rPr lang="en-US" sz="1050" dirty="0" smtClean="0"/>
+              <a:t>and CVODE, LIBSML install folders</a:t>
             </a:r>
             <a:endParaRPr lang="en-US" sz="1050" dirty="0"/>
           </a:p>
@@ -52081,7 +53494,7 @@
         <p:spPr>
           <a:xfrm>
             <a:off x="1219200" y="1676400"/>
-            <a:ext cx="7140288" cy="2031325"/>
+            <a:ext cx="7724487" cy="2862322"/>
           </a:xfrm>
           <a:prstGeom prst="rect">
             <a:avLst/>
@@ -52103,13 +53516,29 @@
               <a:t>Open Visual </a:t>
             </a:r>
             <a:r>
-              <a:rPr lang="en-US" dirty="0" err="1" smtClean="0"/>
-              <a:t>Studion</a:t>
+              <a:rPr lang="en-US" dirty="0" smtClean="0"/>
+              <a:t>Studio </a:t>
             </a:r>
             <a:r>
               <a:rPr lang="en-US" dirty="0" smtClean="0"/>
-              <a:t> solution files in build folders</a:t>
+              <a:t>solution files in build </a:t>
             </a:r>
+            <a:r>
+              <a:rPr lang="en-US" dirty="0" smtClean="0"/>
+              <a:t>folders, or for command line compilers</a:t>
+            </a:r>
+            <a:br>
+              <a:rPr lang="en-US" dirty="0" smtClean="0"/>
+            </a:br>
+            <a:r>
+              <a:rPr lang="en-US" dirty="0" err="1" smtClean="0"/>
+              <a:t>cd</a:t>
+            </a:r>
+            <a:r>
+              <a:rPr lang="en-US" dirty="0" smtClean="0"/>
+              <a:t> into the actual build folder and type ‘make install’</a:t>
+            </a:r>
+            <a:endParaRPr lang="en-US" dirty="0" smtClean="0"/>
           </a:p>
           <a:p>
             <a:pPr>
@@ -52142,7 +53571,11 @@
             </a:pPr>
             <a:r>
               <a:rPr lang="en-US" dirty="0" smtClean="0"/>
-              <a:t>Compile the ‘Install’ target -&gt; copies all deliverables to the “install” folder.</a:t>
+              <a:t>Compile the ‘Install’ target -&gt; copies all deliverables to the “install” folder</a:t>
+            </a:r>
+            <a:r>
+              <a:rPr lang="en-US" dirty="0" smtClean="0"/>
+              <a:t>.</a:t>
             </a:r>
           </a:p>
           <a:p>
@@ -52167,7 +53600,29 @@
             </a:r>
             <a:r>
               <a:rPr lang="en-US" dirty="0" smtClean="0"/>
-              <a:t> don’t have an install target)</a:t>
+              <a:t> don’t have an install target</a:t>
+            </a:r>
+            <a:r>
+              <a:rPr lang="en-US" dirty="0" smtClean="0"/>
+              <a:t>)</a:t>
+            </a:r>
+            <a:br>
+              <a:rPr lang="en-US" dirty="0" smtClean="0"/>
+            </a:br>
+            <a:endParaRPr lang="en-US" dirty="0" smtClean="0"/>
+          </a:p>
+          <a:p>
+            <a:pPr>
+              <a:buFont typeface="Arial" pitchFamily="34" charset="0"/>
+              <a:buChar char="•"/>
+            </a:pPr>
+            <a:r>
+              <a:rPr lang="en-US" dirty="0" err="1" smtClean="0"/>
+              <a:t>RoadRunner</a:t>
+            </a:r>
+            <a:r>
+              <a:rPr lang="en-US" dirty="0" smtClean="0"/>
+              <a:t> also have a PACKAGE target -&gt; creates a roadrunner installer</a:t>
             </a:r>
             <a:endParaRPr lang="en-US" dirty="0"/>
           </a:p>
@@ -52662,19 +54117,32 @@
               <a:t>Dependencies: </a:t>
             </a:r>
             <a:r>
-              <a:rPr lang="en-US" dirty="0" err="1" smtClean="0"/>
-              <a:t>clapack</a:t>
+              <a:rPr lang="en-US" dirty="0" smtClean="0"/>
+              <a:t>3</a:t>
+            </a:r>
+            <a:r>
+              <a:rPr lang="en-US" baseline="30000" dirty="0" smtClean="0"/>
+              <a:t>rd</a:t>
             </a:r>
             <a:r>
               <a:rPr lang="en-US" dirty="0" smtClean="0"/>
-              <a:t>, libstruct, sundials, libsbml, NOM</a:t>
+              <a:t> Party </a:t>
             </a:r>
+            <a:r>
+              <a:rPr lang="en-US" dirty="0" err="1" smtClean="0"/>
+              <a:t>libs</a:t>
+            </a:r>
+            <a:endParaRPr lang="en-US" dirty="0" smtClean="0"/>
           </a:p>
           <a:p>
             <a:pPr lvl="1"/>
             <a:r>
               <a:rPr lang="en-US" dirty="0" smtClean="0"/>
-              <a:t>Source code core</a:t>
+              <a:t>Source </a:t>
+            </a:r>
+            <a:r>
+              <a:rPr lang="en-US" dirty="0" smtClean="0"/>
+              <a:t>code core</a:t>
             </a:r>
           </a:p>
           <a:p>
@@ -52701,8 +54169,9 @@
             <a:pPr lvl="1"/>
             <a:r>
               <a:rPr lang="en-US" dirty="0" smtClean="0"/>
-              <a:t>Concepts</a:t>
+              <a:t>CMake concepts</a:t>
             </a:r>
+            <a:endParaRPr lang="en-US" dirty="0" smtClean="0"/>
           </a:p>
           <a:p>
             <a:r>
@@ -52751,8 +54220,9 @@
             <a:pPr lvl="1"/>
             <a:r>
               <a:rPr lang="en-US" dirty="0" smtClean="0"/>
-              <a:t>API philosophies</a:t>
+              <a:t>The API</a:t>
             </a:r>
+            <a:endParaRPr lang="en-US" dirty="0" smtClean="0"/>
           </a:p>
           <a:p>
             <a:r>
@@ -52816,6 +54286,13 @@
   <p:clrMapOvr>
     <a:masterClrMapping/>
   </p:clrMapOvr>
+  <p:timing>
+    <p:tnLst>
+      <p:par>
+        <p:cTn id="1" dur="indefinite" restart="never" nodeType="tmRoot"/>
+      </p:par>
+    </p:tnLst>
+  </p:timing>
 </p:sld>
 </file>
 
@@ -53005,7 +54482,15 @@
           <a:p>
             <a:r>
               <a:rPr lang="en-US" dirty="0" smtClean="0"/>
-              <a:t>all this is complex</a:t>
+              <a:t>all this is </a:t>
+            </a:r>
+            <a:r>
+              <a:rPr lang="en-US" i="1" dirty="0" smtClean="0">
+                <a:solidFill>
+                  <a:srgbClr val="FF0000"/>
+                </a:solidFill>
+              </a:rPr>
+              <a:t>complex</a:t>
             </a:r>
           </a:p>
           <a:p>
@@ -53022,7 +54507,7 @@
         <p:spPr>
           <a:xfrm>
             <a:off x="5715000" y="4876800"/>
-            <a:ext cx="2572884" cy="1200329"/>
+            <a:ext cx="3250955" cy="1200329"/>
           </a:xfrm>
           <a:prstGeom prst="rect">
             <a:avLst/>
@@ -53051,18 +54536,23 @@
             </a:pPr>
             <a:r>
               <a:rPr lang="en-US" dirty="0" smtClean="0"/>
-              <a:t>Distributed as one single</a:t>
+              <a:t>Can be distributed </a:t>
+            </a:r>
+            <a:r>
+              <a:rPr lang="en-US" dirty="0" smtClean="0"/>
+              <a:t>as one single</a:t>
             </a:r>
           </a:p>
           <a:p>
-            <a:pPr>
-              <a:buFont typeface="Arial" pitchFamily="34" charset="0"/>
-              <a:buChar char="•"/>
-            </a:pPr>
             <a:r>
               <a:rPr lang="en-US" dirty="0" smtClean="0"/>
-              <a:t>pre-built library (DLL)</a:t>
+              <a:t>pre-built </a:t>
             </a:r>
+            <a:r>
+              <a:rPr lang="en-US" dirty="0" smtClean="0"/>
+              <a:t>library</a:t>
+            </a:r>
+            <a:endParaRPr lang="en-US" dirty="0" smtClean="0"/>
           </a:p>
           <a:p>
             <a:endParaRPr lang="en-US" dirty="0" smtClean="0"/>
@@ -53187,7 +54677,7 @@
         <p:spPr>
           <a:xfrm>
             <a:off x="533400" y="1600200"/>
-            <a:ext cx="8375883" cy="4247317"/>
+            <a:ext cx="8166466" cy="4247317"/>
           </a:xfrm>
           <a:prstGeom prst="rect">
             <a:avLst/>
@@ -53206,7 +54696,19 @@
             </a:pPr>
             <a:r>
               <a:rPr lang="en-US" dirty="0" smtClean="0"/>
-              <a:t>Aim for a C- API deliverable being only one .DLL, .h and .lib file and associated bindings</a:t>
+              <a:t>Aim for a C- API deliverable </a:t>
+            </a:r>
+            <a:r>
+              <a:rPr lang="en-US" dirty="0" smtClean="0"/>
+              <a:t>having only </a:t>
+            </a:r>
+            <a:r>
+              <a:rPr lang="en-US" dirty="0" smtClean="0"/>
+              <a:t>one </a:t>
+            </a:r>
+            <a:r>
+              <a:rPr lang="en-US" dirty="0" smtClean="0"/>
+              <a:t>shared library.</a:t>
             </a:r>
           </a:p>
           <a:p>
@@ -53219,7 +54721,15 @@
             </a:r>
             <a:r>
               <a:rPr lang="en-US" dirty="0" smtClean="0"/>
-              <a:t>Build </a:t>
+              <a:t>Would requires </a:t>
+            </a:r>
+            <a:r>
+              <a:rPr lang="en-US" dirty="0" smtClean="0"/>
+              <a:t>to b</a:t>
+            </a:r>
+            <a:r>
+              <a:rPr lang="en-US" dirty="0" smtClean="0"/>
+              <a:t>uild </a:t>
             </a:r>
             <a:r>
               <a:rPr lang="en-US" dirty="0" err="1" smtClean="0"/>
@@ -53227,8 +54737,13 @@
             </a:r>
             <a:r>
               <a:rPr lang="en-US" dirty="0" smtClean="0"/>
-              <a:t> with no ‘shared’ dependencies</a:t>
+              <a:t> with no ‘shared’ </a:t>
             </a:r>
+            <a:r>
+              <a:rPr lang="en-US" dirty="0" smtClean="0"/>
+              <a:t>dependencies (not easy ?)</a:t>
+            </a:r>
+            <a:endParaRPr lang="en-US" dirty="0" smtClean="0"/>
           </a:p>
           <a:p>
             <a:endParaRPr lang="en-US" dirty="0" smtClean="0"/>
@@ -53243,11 +54758,7 @@
           <a:p>
             <a:r>
               <a:rPr lang="en-US" dirty="0" smtClean="0"/>
-              <a:t>	Create bindings for Python, Delphi(?), C</a:t>
-            </a:r>
-            <a:r>
-              <a:rPr lang="en-US" dirty="0" smtClean="0"/>
-              <a:t>#(?)</a:t>
+              <a:t>	Create bindings for Python, Delphi(?), C#(?)</a:t>
             </a:r>
           </a:p>
           <a:p>
@@ -53273,15 +54784,23 @@
             </a:r>
             <a:r>
               <a:rPr lang="en-US" dirty="0" smtClean="0"/>
-              <a:t>file</a:t>
+              <a:t>system.</a:t>
             </a:r>
+            <a:endParaRPr lang="en-US" dirty="0" smtClean="0"/>
           </a:p>
           <a:p>
             <a:r>
               <a:rPr lang="en-US" dirty="0" smtClean="0"/>
-              <a:t>	then one build, builds all in one go.</a:t>
+              <a:t>	</a:t>
             </a:r>
-            <a:endParaRPr lang="en-US" dirty="0" smtClean="0"/>
+            <a:r>
+              <a:rPr lang="en-US" dirty="0" smtClean="0"/>
+              <a:t>Then </a:t>
+            </a:r>
+            <a:r>
+              <a:rPr lang="en-US" dirty="0" smtClean="0"/>
+              <a:t>one build, builds all in one go.</a:t>
+            </a:r>
           </a:p>
           <a:p>
             <a:endParaRPr lang="en-US" dirty="0" smtClean="0"/>
@@ -53295,11 +54814,7 @@
           <a:p>
             <a:r>
               <a:rPr lang="en-US" dirty="0" smtClean="0"/>
-              <a:t>	</a:t>
-            </a:r>
-            <a:r>
-              <a:rPr lang="en-US" dirty="0" smtClean="0"/>
-              <a:t>Still need work to conform to </a:t>
+              <a:t>	Still need work to conform to </a:t>
             </a:r>
             <a:r>
               <a:rPr lang="en-US" dirty="0" err="1" smtClean="0"/>
@@ -53796,7 +55311,7 @@
         </p:nvSpPr>
         <p:spPr>
           <a:xfrm>
-            <a:off x="5257800" y="2819400"/>
+            <a:off x="4953000" y="2590800"/>
             <a:ext cx="856325" cy="369332"/>
           </a:xfrm>
           <a:prstGeom prst="rect">
@@ -53830,7 +55345,7 @@
         <p:spPr>
           <a:xfrm>
             <a:off x="5257800" y="3314700"/>
-            <a:ext cx="914400" cy="152400"/>
+            <a:ext cx="609600" cy="38100"/>
           </a:xfrm>
           <a:prstGeom prst="curvedConnector3">
             <a:avLst>
@@ -53867,8 +55382,8 @@
         </p:nvSpPr>
         <p:spPr>
           <a:xfrm>
-            <a:off x="6172200" y="2743200"/>
-            <a:ext cx="1905000" cy="1447800"/>
+            <a:off x="5867400" y="2133600"/>
+            <a:ext cx="2514600" cy="2438400"/>
           </a:xfrm>
           <a:prstGeom prst="rect">
             <a:avLst/>
@@ -53916,8 +55431,8 @@
         </p:blipFill>
         <p:spPr bwMode="auto">
           <a:xfrm>
-            <a:off x="6477000" y="2819400"/>
-            <a:ext cx="1422400" cy="1219200"/>
+            <a:off x="5943600" y="2286000"/>
+            <a:ext cx="2311400" cy="1981200"/>
           </a:xfrm>
           <a:prstGeom prst="rect">
             <a:avLst/>
@@ -53954,6 +55469,13 @@
   <p:clrMapOvr>
     <a:masterClrMapping/>
   </p:clrMapOvr>
+  <p:timing>
+    <p:tnLst>
+      <p:par>
+        <p:cTn id="1" dur="indefinite" restart="never" nodeType="tmRoot"/>
+      </p:par>
+    </p:tnLst>
+  </p:timing>
 </p:sld>
 </file>
 
@@ -54014,39 +55536,6 @@
           </a:graphicData>
         </a:graphic>
       </p:graphicFrame>
-      <p:cxnSp>
-        <p:nvCxnSpPr>
-          <p:cNvPr id="5" name="Straight Arrow Connector 4"/>
-          <p:cNvCxnSpPr/>
-          <p:nvPr/>
-        </p:nvCxnSpPr>
-        <p:spPr>
-          <a:xfrm>
-            <a:off x="2438400" y="2057400"/>
-            <a:ext cx="457200" cy="0"/>
-          </a:xfrm>
-          <a:prstGeom prst="straightConnector1">
-            <a:avLst/>
-          </a:prstGeom>
-          <a:ln w="22225">
-            <a:tailEnd type="arrow"/>
-          </a:ln>
-        </p:spPr>
-        <p:style>
-          <a:lnRef idx="1">
-            <a:schemeClr val="accent1"/>
-          </a:lnRef>
-          <a:fillRef idx="0">
-            <a:schemeClr val="accent1"/>
-          </a:fillRef>
-          <a:effectRef idx="0">
-            <a:schemeClr val="accent1"/>
-          </a:effectRef>
-          <a:fontRef idx="minor">
-            <a:schemeClr val="tx1"/>
-          </a:fontRef>
-        </p:style>
-      </p:cxnSp>
       <p:graphicFrame>
         <p:nvGraphicFramePr>
           <p:cNvPr id="6" name="Diagram 5"/>
@@ -54054,8 +55543,8 @@
           <p:nvPr/>
         </p:nvGraphicFramePr>
         <p:xfrm>
-          <a:off x="3352800" y="1828800"/>
-          <a:ext cx="914400" cy="457200"/>
+          <a:off x="3429000" y="1371600"/>
+          <a:ext cx="1295400" cy="533400"/>
         </p:xfrm>
         <a:graphic>
           <a:graphicData uri="http://schemas.openxmlformats.org/drawingml/2006/diagram">
@@ -54102,7 +55591,7 @@
           <p:nvPr/>
         </p:nvGraphicFramePr>
         <p:xfrm>
-          <a:off x="3124200" y="4648200"/>
+          <a:off x="3276600" y="4572000"/>
           <a:ext cx="1905000" cy="609600"/>
         </p:xfrm>
         <a:graphic>
@@ -54168,8 +55657,8 @@
         </p:nvCxnSpPr>
         <p:spPr>
           <a:xfrm>
-            <a:off x="4800600" y="2057400"/>
-            <a:ext cx="1219200" cy="0"/>
+            <a:off x="2514600" y="2057400"/>
+            <a:ext cx="3505200" cy="0"/>
           </a:xfrm>
           <a:prstGeom prst="straightConnector1">
             <a:avLst/>
@@ -54200,8 +55689,8 @@
           <p:nvPr/>
         </p:nvGraphicFramePr>
         <p:xfrm>
-          <a:off x="6781800" y="1447800"/>
-          <a:ext cx="1143000" cy="762000"/>
+          <a:off x="6324600" y="1676400"/>
+          <a:ext cx="1371600" cy="838200"/>
         </p:xfrm>
         <a:graphic>
           <a:graphicData uri="http://schemas.openxmlformats.org/drawingml/2006/diagram">
@@ -54217,8 +55706,8 @@
         </p:nvCxnSpPr>
         <p:spPr>
           <a:xfrm flipH="1">
-            <a:off x="1600200" y="2286000"/>
-            <a:ext cx="5181600" cy="2438400"/>
+            <a:off x="1600200" y="2438400"/>
+            <a:ext cx="4572000" cy="2286000"/>
           </a:xfrm>
           <a:prstGeom prst="straightConnector1">
             <a:avLst/>
@@ -54271,6 +55760,13 @@
   <p:clrMapOvr>
     <a:masterClrMapping/>
   </p:clrMapOvr>
+  <p:timing>
+    <p:tnLst>
+      <p:par>
+        <p:cTn id="1" dur="indefinite" restart="never" nodeType="tmRoot"/>
+      </p:par>
+    </p:tnLst>
+  </p:timing>
 </p:sld>
 </file>
 
@@ -54574,6 +56070,13 @@
   <p:clrMapOvr>
     <a:masterClrMapping/>
   </p:clrMapOvr>
+  <p:timing>
+    <p:tnLst>
+      <p:par>
+        <p:cTn id="1" dur="indefinite" restart="never" nodeType="tmRoot"/>
+      </p:par>
+    </p:tnLst>
+  </p:timing>
 </p:sld>
 </file>
 
@@ -54804,14 +56307,16 @@
       </p:sp>
       <p:pic>
         <p:nvPicPr>
-          <p:cNvPr id="22530" name="Picture 2" descr="C:\rrw\Docs\Doxy\html\inherit_graph_6.png"/>
+          <p:cNvPr id="22530" name="Picture 2" descr="C:\rrw\Docs\Doxy\html\inherit_graph_6.png">
+            <a:hlinkClick r:id="rId2" action="ppaction://hlinkpres?slideindex=1&amp;slidetitle="/>
+          </p:cNvPr>
           <p:cNvPicPr>
             <a:picLocks noChangeAspect="1" noChangeArrowheads="1"/>
           </p:cNvPicPr>
           <p:nvPr/>
         </p:nvPicPr>
         <p:blipFill>
-          <a:blip r:embed="rId2" cstate="print"/>
+          <a:blip r:embed="rId3" cstate="print"/>
           <a:srcRect/>
           <a:stretch>
             <a:fillRect/>
@@ -54833,6 +56338,13 @@
   <p:clrMapOvr>
     <a:masterClrMapping/>
   </p:clrMapOvr>
+  <p:timing>
+    <p:tnLst>
+      <p:par>
+        <p:cTn id="1" dur="indefinite" restart="never" nodeType="tmRoot"/>
+      </p:par>
+    </p:tnLst>
+  </p:timing>
 </p:sld>
 </file>
 
@@ -54870,7 +56382,11 @@
           <a:p>
             <a:r>
               <a:rPr lang="en-US" dirty="0" smtClean="0"/>
-              <a:t>Main Class: </a:t>
+              <a:t>Main </a:t>
+            </a:r>
+            <a:r>
+              <a:rPr lang="en-US" dirty="0" smtClean="0"/>
+              <a:t>C++ class - </a:t>
             </a:r>
             <a:r>
               <a:rPr lang="en-US" dirty="0" err="1" smtClean="0"/>
@@ -55055,7 +56571,11 @@
           <a:p>
             <a:r>
               <a:rPr lang="en-US" dirty="0" smtClean="0"/>
-              <a:t>Other characteristics</a:t>
+              <a:t>Other </a:t>
+            </a:r>
+            <a:r>
+              <a:rPr lang="en-US" dirty="0" smtClean="0"/>
+              <a:t>characteristics</a:t>
             </a:r>
           </a:p>
           <a:p>
@@ -55065,7 +56585,15 @@
             </a:pPr>
             <a:r>
               <a:rPr lang="en-US" dirty="0" smtClean="0"/>
-              <a:t>A lot of code/functionality</a:t>
+              <a:t>L</a:t>
+            </a:r>
+            <a:r>
+              <a:rPr lang="en-US" dirty="0" smtClean="0"/>
+              <a:t>ot </a:t>
+            </a:r>
+            <a:r>
+              <a:rPr lang="en-US" dirty="0" smtClean="0"/>
+              <a:t>of code/functionality</a:t>
             </a:r>
           </a:p>
           <a:p>
@@ -55265,7 +56793,7 @@
         <p:spPr>
           <a:xfrm>
             <a:off x="609600" y="1295400"/>
-            <a:ext cx="7899470" cy="3693319"/>
+            <a:ext cx="7444026" cy="4801314"/>
           </a:xfrm>
           <a:prstGeom prst="rect">
             <a:avLst/>
@@ -55311,7 +56839,15 @@
             </a:pPr>
             <a:r>
               <a:rPr lang="en-US" dirty="0" smtClean="0"/>
-              <a:t>Keep track of changes and allow anyone to help in improving the library</a:t>
+              <a:t>Keep track of changes and allow anyone to </a:t>
+            </a:r>
+            <a:r>
+              <a:rPr lang="en-US" dirty="0" smtClean="0"/>
+              <a:t>improve </a:t>
+            </a:r>
+            <a:r>
+              <a:rPr lang="en-US" dirty="0" smtClean="0"/>
+              <a:t>the library</a:t>
             </a:r>
           </a:p>
           <a:p>
@@ -55338,15 +56874,35 @@
             </a:pPr>
             <a:r>
               <a:rPr lang="en-US" dirty="0" smtClean="0"/>
-              <a:t>allow the source code to be compiled on various platforms </a:t>
+              <a:t>Automate generation of build files </a:t>
+            </a:r>
+            <a:r>
+              <a:rPr lang="en-US" dirty="0" smtClean="0"/>
+              <a:t>on various platforms </a:t>
+            </a:r>
+            <a:r>
+              <a:rPr lang="en-US" dirty="0" smtClean="0"/>
+              <a:t>and</a:t>
+            </a:r>
+            <a:r>
+              <a:rPr lang="en-US" dirty="0" smtClean="0"/>
+              <a:t/>
             </a:r>
             <a:br>
               <a:rPr lang="en-US" dirty="0" smtClean="0"/>
             </a:br>
             <a:r>
               <a:rPr lang="en-US" dirty="0" smtClean="0"/>
-              <a:t>using various compilers</a:t>
+              <a:t>using various </a:t>
             </a:r>
+            <a:r>
+              <a:rPr lang="en-US" dirty="0" smtClean="0"/>
+              <a:t>compilers</a:t>
+            </a:r>
+            <a:br>
+              <a:rPr lang="en-US" dirty="0" smtClean="0"/>
+            </a:br>
+            <a:endParaRPr lang="en-US" dirty="0" smtClean="0"/>
           </a:p>
           <a:p>
             <a:pPr lvl="2">
@@ -55355,8 +56911,46 @@
             </a:pPr>
             <a:r>
               <a:rPr lang="en-US" dirty="0" smtClean="0"/>
-              <a:t>Helps in creating automated software management tasks</a:t>
+              <a:t>Automate other software </a:t>
             </a:r>
+            <a:r>
+              <a:rPr lang="en-US" dirty="0" smtClean="0"/>
+              <a:t>management </a:t>
+            </a:r>
+            <a:r>
+              <a:rPr lang="en-US" dirty="0" smtClean="0"/>
+              <a:t>tasks, such as document </a:t>
+            </a:r>
+            <a:br>
+              <a:rPr lang="en-US" dirty="0" smtClean="0"/>
+            </a:br>
+            <a:r>
+              <a:rPr lang="en-US" dirty="0" smtClean="0"/>
+              <a:t>generation (</a:t>
+            </a:r>
+            <a:r>
+              <a:rPr lang="en-US" dirty="0" err="1" smtClean="0"/>
+              <a:t>Doxygen</a:t>
+            </a:r>
+            <a:r>
+              <a:rPr lang="en-US" dirty="0" smtClean="0"/>
+              <a:t>), and setup.exe installers</a:t>
+            </a:r>
+            <a:br>
+              <a:rPr lang="en-US" dirty="0" smtClean="0"/>
+            </a:br>
+            <a:endParaRPr lang="en-US" dirty="0" smtClean="0"/>
+          </a:p>
+          <a:p>
+            <a:pPr lvl="2">
+              <a:buFont typeface="Arial" pitchFamily="34" charset="0"/>
+              <a:buChar char="•"/>
+            </a:pPr>
+            <a:r>
+              <a:rPr lang="en-US" dirty="0" smtClean="0"/>
+              <a:t>Automate generation of front-end language API’s using swig.</a:t>
+            </a:r>
+            <a:endParaRPr lang="en-US" dirty="0" smtClean="0"/>
           </a:p>
           <a:p>
             <a:pPr lvl="2"/>
@@ -55392,6 +56986,13 @@
   <p:clrMapOvr>
     <a:masterClrMapping/>
   </p:clrMapOvr>
+  <p:timing>
+    <p:tnLst>
+      <p:par>
+        <p:cTn id="1" dur="indefinite" restart="never" nodeType="tmRoot"/>
+      </p:par>
+    </p:tnLst>
+  </p:timing>
 </p:sld>
 </file>
 
@@ -55439,12 +57040,12 @@
               <a:t> </a:t>
             </a:r>
             <a:r>
-              <a:rPr lang="en-US" dirty="0" err="1" smtClean="0"/>
-              <a:t>svn</a:t>
+              <a:rPr lang="en-US" dirty="0" smtClean="0"/>
+              <a:t>sandbox </a:t>
             </a:r>
             <a:r>
               <a:rPr lang="en-US" dirty="0" smtClean="0"/>
-              <a:t> </a:t>
+              <a:t/>
             </a:r>
             <a:br>
               <a:rPr lang="en-US" dirty="0" smtClean="0"/>
@@ -55458,7 +57059,9 @@
               <a:t>: </a:t>
             </a:r>
             <a:r>
-              <a:rPr lang="en-US" sz="2000" dirty="0" smtClean="0"/>
+              <a:rPr lang="en-US" sz="2000" dirty="0" smtClean="0">
+                <a:hlinkClick r:id="rId2"/>
+              </a:rPr>
               <a:t>https://roadrunnerwork.googlecode.com/svn/trunk</a:t>
             </a:r>
             <a:endParaRPr lang="en-US" dirty="0"/>
@@ -55501,7 +57104,7 @@
         </p:xfrm>
         <a:graphic>
           <a:graphicData uri="http://schemas.openxmlformats.org/drawingml/2006/diagram">
-            <dgm:relIds xmlns:dgm="http://schemas.openxmlformats.org/drawingml/2006/diagram" xmlns:r="http://schemas.openxmlformats.org/officeDocument/2006/relationships" r:dm="rId2" r:lo="rId3" r:qs="rId4" r:cs="rId5"/>
+            <dgm:relIds xmlns:dgm="http://schemas.openxmlformats.org/drawingml/2006/diagram" xmlns:r="http://schemas.openxmlformats.org/officeDocument/2006/relationships" r:dm="rId3" r:lo="rId4" r:qs="rId5" r:cs="rId6"/>
           </a:graphicData>
         </a:graphic>
       </p:graphicFrame>
@@ -55510,6 +57113,13 @@
   <p:clrMapOvr>
     <a:masterClrMapping/>
   </p:clrMapOvr>
+  <p:timing>
+    <p:tnLst>
+      <p:par>
+        <p:cTn id="1" dur="indefinite" restart="never" nodeType="tmRoot"/>
+      </p:par>
+    </p:tnLst>
+  </p:timing>
 </p:sld>
 </file>
 

--- a/trunk/Docs/RoadRunnerPPT.pptx
+++ b/trunk/Docs/RoadRunnerPPT.pptx
@@ -5,7 +5,7 @@
     <p:sldMasterId id="2147483648" r:id="rId1"/>
   </p:sldMasterIdLst>
   <p:notesMasterIdLst>
-    <p:notesMasterId r:id="rId23"/>
+    <p:notesMasterId r:id="rId22"/>
   </p:notesMasterIdLst>
   <p:sldIdLst>
     <p:sldId id="256" r:id="rId2"/>
@@ -17,18 +17,17 @@
     <p:sldId id="269" r:id="rId8"/>
     <p:sldId id="270" r:id="rId9"/>
     <p:sldId id="271" r:id="rId10"/>
-    <p:sldId id="272" r:id="rId11"/>
-    <p:sldId id="273" r:id="rId12"/>
-    <p:sldId id="274" r:id="rId13"/>
-    <p:sldId id="275" r:id="rId14"/>
-    <p:sldId id="276" r:id="rId15"/>
-    <p:sldId id="277" r:id="rId16"/>
-    <p:sldId id="278" r:id="rId17"/>
-    <p:sldId id="279" r:id="rId18"/>
-    <p:sldId id="280" r:id="rId19"/>
-    <p:sldId id="281" r:id="rId20"/>
-    <p:sldId id="282" r:id="rId21"/>
-    <p:sldId id="283" r:id="rId22"/>
+    <p:sldId id="273" r:id="rId11"/>
+    <p:sldId id="274" r:id="rId12"/>
+    <p:sldId id="275" r:id="rId13"/>
+    <p:sldId id="276" r:id="rId14"/>
+    <p:sldId id="277" r:id="rId15"/>
+    <p:sldId id="278" r:id="rId16"/>
+    <p:sldId id="279" r:id="rId17"/>
+    <p:sldId id="280" r:id="rId18"/>
+    <p:sldId id="281" r:id="rId19"/>
+    <p:sldId id="282" r:id="rId20"/>
+    <p:sldId id="283" r:id="rId21"/>
   </p:sldIdLst>
   <p:sldSz cx="9144000" cy="6858000" type="screen4x3"/>
   <p:notesSz cx="7010400" cy="9236075"/>
@@ -11737,10 +11736,24 @@
     <dgm:pt modelId="{C0A43192-73B4-460C-82C5-C915CEE636A2}" type="pres">
       <dgm:prSet presAssocID="{E7B0427E-3F5E-4265-94B6-1E631BA4EBE9}" presName="conn2-1" presStyleLbl="parChTrans1D4" presStyleIdx="0" presStyleCnt="6"/>
       <dgm:spPr/>
+      <dgm:t>
+        <a:bodyPr/>
+        <a:lstStyle/>
+        <a:p>
+          <a:endParaRPr lang="en-US"/>
+        </a:p>
+      </dgm:t>
     </dgm:pt>
     <dgm:pt modelId="{A1E8536D-3759-49D3-B353-D3C7313D03B1}" type="pres">
       <dgm:prSet presAssocID="{E7B0427E-3F5E-4265-94B6-1E631BA4EBE9}" presName="connTx" presStyleLbl="parChTrans1D4" presStyleIdx="0" presStyleCnt="6"/>
       <dgm:spPr/>
+      <dgm:t>
+        <a:bodyPr/>
+        <a:lstStyle/>
+        <a:p>
+          <a:endParaRPr lang="en-US"/>
+        </a:p>
+      </dgm:t>
     </dgm:pt>
     <dgm:pt modelId="{B3C5DA2A-3842-4196-8F14-8447EBE6BF4C}" type="pres">
       <dgm:prSet presAssocID="{75995F7A-6922-45B8-99CE-04FD746F5721}" presName="root2" presStyleCnt="0"/>
@@ -12262,65 +12275,65 @@
     </dgm:pt>
   </dgm:ptLst>
   <dgm:cxnLst>
+    <dgm:cxn modelId="{E8CF0466-553D-4FB4-89A2-9978902C9E9B}" type="presOf" srcId="{FC2C1825-D6C0-44D0-8937-A63C13EC3458}" destId="{B7C4DAE0-9D57-4C74-94DA-2947A1F12CB6}" srcOrd="0" destOrd="0" presId="urn:microsoft.com/office/officeart/2005/8/layout/hierarchy2"/>
+    <dgm:cxn modelId="{618681D3-1E54-4D99-BF6B-83FF8F44347C}" type="presOf" srcId="{E3D21A93-C280-4D91-B547-627EFC8C7B94}" destId="{6AF4E026-ED8D-4B3B-8AB8-56F4136F48FA}" srcOrd="0" destOrd="0" presId="urn:microsoft.com/office/officeart/2005/8/layout/hierarchy2"/>
+    <dgm:cxn modelId="{EE021C46-6C12-4DC4-81AE-6F1DEA45F8D9}" type="presOf" srcId="{846B17AF-B5D3-4EA8-AC6D-42C6988F1EAA}" destId="{BF476D50-3A9A-4DE9-A198-9DDB8917E62A}" srcOrd="1" destOrd="0" presId="urn:microsoft.com/office/officeart/2005/8/layout/hierarchy2"/>
+    <dgm:cxn modelId="{6218E1C9-0D33-4E9F-B00B-AF128B08E793}" type="presOf" srcId="{E7B0427E-3F5E-4265-94B6-1E631BA4EBE9}" destId="{C0A43192-73B4-460C-82C5-C915CEE636A2}" srcOrd="0" destOrd="0" presId="urn:microsoft.com/office/officeart/2005/8/layout/hierarchy2"/>
+    <dgm:cxn modelId="{242C3DB8-97B4-40FC-9303-3FBBBCE07B52}" type="presOf" srcId="{2C179E5C-54D4-419B-AD32-ED5F3F87B063}" destId="{5075A0CF-8038-4E02-9225-0C2EFAE6CF25}" srcOrd="0" destOrd="0" presId="urn:microsoft.com/office/officeart/2005/8/layout/hierarchy2"/>
+    <dgm:cxn modelId="{F8D24E4C-2C85-4BC7-9DCA-BBD6D56D0E92}" type="presOf" srcId="{46E51EF6-B071-4CD5-829D-33668A49CD03}" destId="{46C47E61-DAEF-4FA2-AD76-02A2F25B68E3}" srcOrd="1" destOrd="0" presId="urn:microsoft.com/office/officeart/2005/8/layout/hierarchy2"/>
+    <dgm:cxn modelId="{2113ACD8-B4BF-4EEA-BC00-9655EDAD018E}" type="presOf" srcId="{9F83A824-D3DC-4D71-A7C9-E8784F069023}" destId="{98079810-C0AE-421C-BB26-64F59589CD6C}" srcOrd="1" destOrd="0" presId="urn:microsoft.com/office/officeart/2005/8/layout/hierarchy2"/>
+    <dgm:cxn modelId="{F61F502E-BC2F-4396-8627-432FCBC621D8}" srcId="{D463FAC8-15ED-4115-93F0-A37E5EC812C2}" destId="{2C179E5C-54D4-419B-AD32-ED5F3F87B063}" srcOrd="1" destOrd="0" parTransId="{9F83A824-D3DC-4D71-A7C9-E8784F069023}" sibTransId="{C9FF4DC2-6809-454C-BD6E-BEFA5E5082D7}"/>
+    <dgm:cxn modelId="{E4BC40E6-0186-460D-8764-D82AC5498B31}" type="presOf" srcId="{C8F9E311-A266-4579-9CDB-CBB0B1DA73B7}" destId="{59EB5ED5-8956-4F21-8CF5-F7101925CD0F}" srcOrd="1" destOrd="0" presId="urn:microsoft.com/office/officeart/2005/8/layout/hierarchy2"/>
+    <dgm:cxn modelId="{4BC3D6EF-C519-42F5-823B-DF63CC04B81E}" type="presOf" srcId="{ECB64352-51C7-4125-B3DD-35156AF20A1F}" destId="{2C4AEAF2-E96B-4876-B4AD-98D1A217E811}" srcOrd="0" destOrd="0" presId="urn:microsoft.com/office/officeart/2005/8/layout/hierarchy2"/>
+    <dgm:cxn modelId="{D0FAD565-9DBC-4CC6-A68F-2DA2E37FE9B0}" type="presOf" srcId="{97218D2F-6BF1-4799-8A65-335275684666}" destId="{743735B5-4825-44E7-8D66-97D71D496F87}" srcOrd="0" destOrd="0" presId="urn:microsoft.com/office/officeart/2005/8/layout/hierarchy2"/>
+    <dgm:cxn modelId="{2D32074E-C5DC-403F-A238-E23EEC6038B8}" type="presOf" srcId="{17681791-53DE-451B-A1C6-5E2A2016A7FD}" destId="{89F99F67-BBE6-4633-B071-1E53F7182022}" srcOrd="1" destOrd="0" presId="urn:microsoft.com/office/officeart/2005/8/layout/hierarchy2"/>
+    <dgm:cxn modelId="{7825B4C8-418D-4F3B-A902-E37AE8C7BCBE}" srcId="{D463FAC8-15ED-4115-93F0-A37E5EC812C2}" destId="{75995F7A-6922-45B8-99CE-04FD746F5721}" srcOrd="0" destOrd="0" parTransId="{E7B0427E-3F5E-4265-94B6-1E631BA4EBE9}" sibTransId="{60F00862-EDA7-4595-AC88-3EE7344BB525}"/>
+    <dgm:cxn modelId="{5E9CF1C1-E2E0-48F5-8171-7F7EE6E98092}" srcId="{FD9F7DDA-D209-4F39-A200-024B07FB128F}" destId="{97218D2F-6BF1-4799-8A65-335275684666}" srcOrd="2" destOrd="0" parTransId="{E3D21A93-C280-4D91-B547-627EFC8C7B94}" sibTransId="{E73A499E-8FA4-41FA-9E5F-2F9AD194A703}"/>
+    <dgm:cxn modelId="{13E57377-EF77-46F6-B756-6A853E6A2B75}" type="presOf" srcId="{9058B9CE-4DC4-4FAD-95E0-98F5067F3436}" destId="{3F74B51A-6956-4836-8B14-81CE1B7B780D}" srcOrd="1" destOrd="0" presId="urn:microsoft.com/office/officeart/2005/8/layout/hierarchy2"/>
+    <dgm:cxn modelId="{C614A142-0B50-4EA5-9C4E-AB8CE13E620E}" type="presOf" srcId="{2CB9FBEB-C80B-401E-9305-B6D0FC319B5F}" destId="{98393AEE-44D3-4F66-B250-5560E6E049CF}" srcOrd="1" destOrd="0" presId="urn:microsoft.com/office/officeart/2005/8/layout/hierarchy2"/>
+    <dgm:cxn modelId="{B1BE4006-FB76-4211-A949-2E30D534D2BD}" srcId="{97218D2F-6BF1-4799-8A65-335275684666}" destId="{A5FF53A3-3506-4BE5-8E52-DE9593B40042}" srcOrd="0" destOrd="0" parTransId="{EFC90772-7B1A-4FF4-B046-278370D49786}" sibTransId="{663757F4-6031-49FB-BC53-CB40C839F5C0}"/>
+    <dgm:cxn modelId="{28DCA1A3-D9E2-4C52-9B5C-24ACE767D3BC}" srcId="{D463FAC8-15ED-4115-93F0-A37E5EC812C2}" destId="{674CBBA0-7DA5-442B-854B-F71B6A9D5339}" srcOrd="3" destOrd="0" parTransId="{17681791-53DE-451B-A1C6-5E2A2016A7FD}" sibTransId="{B5466529-54D9-438E-86D0-CDEC649CC006}"/>
+    <dgm:cxn modelId="{D447D7A6-389F-40FE-81A3-CDC4D99F4C0E}" type="presOf" srcId="{D463FAC8-15ED-4115-93F0-A37E5EC812C2}" destId="{EAD1D4BA-5CB1-4599-BE71-900C836342F2}" srcOrd="0" destOrd="0" presId="urn:microsoft.com/office/officeart/2005/8/layout/hierarchy2"/>
+    <dgm:cxn modelId="{213632DD-8159-4245-9D32-77B63E90D7BC}" type="presOf" srcId="{A5FF53A3-3506-4BE5-8E52-DE9593B40042}" destId="{20CDCD73-D8E5-4BD7-815F-4932230220E5}" srcOrd="0" destOrd="0" presId="urn:microsoft.com/office/officeart/2005/8/layout/hierarchy2"/>
+    <dgm:cxn modelId="{93CC6603-8262-4AE0-B096-523F10CF1D51}" srcId="{FC2C1825-D6C0-44D0-8937-A63C13EC3458}" destId="{FBCF5329-6E7D-43A5-9500-406A47E39B2E}" srcOrd="0" destOrd="0" parTransId="{D04831B5-0F39-4D30-BE03-04E412C9E48E}" sibTransId="{0A52AB61-DB52-40FD-9BE4-DA5F99F655AA}"/>
+    <dgm:cxn modelId="{2817C6F9-7F79-4110-A6CA-2E88F20925CF}" srcId="{FD9F7DDA-D209-4F39-A200-024B07FB128F}" destId="{0934C984-1ADF-4315-B841-63AC900A9396}" srcOrd="1" destOrd="0" parTransId="{9058B9CE-4DC4-4FAD-95E0-98F5067F3436}" sibTransId="{6334B9B2-1B91-4361-95A4-937C576094AF}"/>
+    <dgm:cxn modelId="{F22AA299-FD8B-4DCC-9F6B-BBE6E2B477F0}" type="presOf" srcId="{11D31977-4753-43BD-A3B8-F2AA0D72906B}" destId="{D1729183-3EA1-4EA7-9B0B-BEC208BFBB91}" srcOrd="0" destOrd="0" presId="urn:microsoft.com/office/officeart/2005/8/layout/hierarchy2"/>
+    <dgm:cxn modelId="{C1618D72-783B-44C6-8533-6D8EB6727D9F}" srcId="{0934C984-1ADF-4315-B841-63AC900A9396}" destId="{E4981121-E1DF-4E24-AF43-7EB063C11763}" srcOrd="0" destOrd="0" parTransId="{D3B2A1E1-2846-4947-B794-772729F755DB}" sibTransId="{167BD8D8-8A12-491E-B966-F756DA5B0203}"/>
+    <dgm:cxn modelId="{5C860427-B96C-41A6-89A8-A837A4D66E0E}" type="presOf" srcId="{D3B2A1E1-2846-4947-B794-772729F755DB}" destId="{08FE2B73-5CB1-4A09-A09F-630BAAFB378F}" srcOrd="0" destOrd="0" presId="urn:microsoft.com/office/officeart/2005/8/layout/hierarchy2"/>
+    <dgm:cxn modelId="{991B154F-C9B5-48F5-A8A8-41422BBB795E}" srcId="{17D10E75-F760-4D18-8BBA-44F35FA93B5A}" destId="{5688D322-FB05-4EA7-91F8-8690161626BB}" srcOrd="1" destOrd="0" parTransId="{C8F9E311-A266-4579-9CDB-CBB0B1DA73B7}" sibTransId="{FA3281B8-0717-4AAE-8DF2-3B2BE7DB90CF}"/>
     <dgm:cxn modelId="{325FD4FA-4A1C-47CB-AC29-3C78203C3772}" type="presOf" srcId="{E4981121-E1DF-4E24-AF43-7EB063C11763}" destId="{93E76143-D554-49FB-84C3-94625A2EDE5F}" srcOrd="0" destOrd="0" presId="urn:microsoft.com/office/officeart/2005/8/layout/hierarchy2"/>
+    <dgm:cxn modelId="{130DD937-134E-45E3-BE5B-5B9BB5825E37}" srcId="{17D10E75-F760-4D18-8BBA-44F35FA93B5A}" destId="{18833849-AB17-4021-92C7-473553C3D61F}" srcOrd="2" destOrd="0" parTransId="{46E51EF6-B071-4CD5-829D-33668A49CD03}" sibTransId="{8182B9BA-E35F-4A96-B18A-1340A483B04E}"/>
+    <dgm:cxn modelId="{D1DFA557-E35D-4D05-A63D-E7B44C5862EB}" srcId="{17D10E75-F760-4D18-8BBA-44F35FA93B5A}" destId="{11D31977-4753-43BD-A3B8-F2AA0D72906B}" srcOrd="0" destOrd="0" parTransId="{ECB64352-51C7-4125-B3DD-35156AF20A1F}" sibTransId="{F4C5622F-D2A2-4A6F-AD38-16DC4BAEAFBF}"/>
+    <dgm:cxn modelId="{AEE0C2B3-722A-4AEA-9FC3-85FF3BE3D8F6}" type="presOf" srcId="{5688D322-FB05-4EA7-91F8-8690161626BB}" destId="{06F98F29-730F-4666-9D94-EF6932ECF93A}" srcOrd="0" destOrd="0" presId="urn:microsoft.com/office/officeart/2005/8/layout/hierarchy2"/>
+    <dgm:cxn modelId="{2BDB5E35-2285-4642-85B8-851B7E2BE03A}" type="presOf" srcId="{9F83A824-D3DC-4D71-A7C9-E8784F069023}" destId="{364E0390-8CC9-4C80-9A2E-1F6E043611FE}" srcOrd="0" destOrd="0" presId="urn:microsoft.com/office/officeart/2005/8/layout/hierarchy2"/>
+    <dgm:cxn modelId="{2933A2E6-8AA8-4356-ADFD-939D41E170AE}" type="presOf" srcId="{FBCF5329-6E7D-43A5-9500-406A47E39B2E}" destId="{60F701C1-3D28-46CB-9530-56B31D61B779}" srcOrd="0" destOrd="0" presId="urn:microsoft.com/office/officeart/2005/8/layout/hierarchy2"/>
+    <dgm:cxn modelId="{3E7EE297-4394-446C-BCD7-4BD134C19BDE}" srcId="{FBCF5329-6E7D-43A5-9500-406A47E39B2E}" destId="{17D10E75-F760-4D18-8BBA-44F35FA93B5A}" srcOrd="1" destOrd="0" parTransId="{D2A90DD9-FBAB-4209-8BFD-898E9A504965}" sibTransId="{C747A7ED-0354-4ABE-8594-9E8D800CF213}"/>
+    <dgm:cxn modelId="{D185E750-955B-46E5-AACA-B6F443AD2575}" type="presOf" srcId="{EFC90772-7B1A-4FF4-B046-278370D49786}" destId="{9DF0F7A4-CD0C-49F1-923B-D38E1706F80A}" srcOrd="0" destOrd="0" presId="urn:microsoft.com/office/officeart/2005/8/layout/hierarchy2"/>
+    <dgm:cxn modelId="{F5604217-EF72-49B2-84DA-2628C521AB9E}" type="presOf" srcId="{75995F7A-6922-45B8-99CE-04FD746F5721}" destId="{50CD4E3A-AB48-476B-BDF2-DB5F21EC75F3}" srcOrd="0" destOrd="0" presId="urn:microsoft.com/office/officeart/2005/8/layout/hierarchy2"/>
+    <dgm:cxn modelId="{8AAB33E4-B5EB-4AAA-800F-F81E88DFB49B}" srcId="{FD9F7DDA-D209-4F39-A200-024B07FB128F}" destId="{D463FAC8-15ED-4115-93F0-A37E5EC812C2}" srcOrd="0" destOrd="0" parTransId="{2CB9FBEB-C80B-401E-9305-B6D0FC319B5F}" sibTransId="{0545DA58-B8BA-4E6D-9CAF-AD3C7A0377B7}"/>
+    <dgm:cxn modelId="{0C94B539-D5C3-46BB-A6AF-FC57AA3B23D2}" type="presOf" srcId="{18833849-AB17-4021-92C7-473553C3D61F}" destId="{74D450EC-B317-4AC8-8AF1-17EEC0564DC8}" srcOrd="0" destOrd="0" presId="urn:microsoft.com/office/officeart/2005/8/layout/hierarchy2"/>
+    <dgm:cxn modelId="{9CEE2DD8-B317-485A-A2E3-417DC3FFAE76}" type="presOf" srcId="{17D10E75-F760-4D18-8BBA-44F35FA93B5A}" destId="{7B939A6D-5C91-4A44-A73E-3FBA4A8852A5}" srcOrd="0" destOrd="0" presId="urn:microsoft.com/office/officeart/2005/8/layout/hierarchy2"/>
+    <dgm:cxn modelId="{D9ECD526-22AC-4E7A-8EE7-4B91B0B4C532}" type="presOf" srcId="{FD9F7DDA-D209-4F39-A200-024B07FB128F}" destId="{2CFF4762-B327-495E-BF34-ED878EEF48C7}" srcOrd="0" destOrd="0" presId="urn:microsoft.com/office/officeart/2005/8/layout/hierarchy2"/>
+    <dgm:cxn modelId="{740AB030-8151-4042-A027-26B9F584E522}" type="presOf" srcId="{ECB64352-51C7-4125-B3DD-35156AF20A1F}" destId="{72676B6B-A89B-4EA4-8BF6-F13F1C2C4B23}" srcOrd="1" destOrd="0" presId="urn:microsoft.com/office/officeart/2005/8/layout/hierarchy2"/>
+    <dgm:cxn modelId="{90D6DF3B-42C6-4F7A-9B2E-810AD9D90EC9}" type="presOf" srcId="{D2A90DD9-FBAB-4209-8BFD-898E9A504965}" destId="{60F7454F-4D3F-4974-99E0-22E8C11EE279}" srcOrd="1" destOrd="0" presId="urn:microsoft.com/office/officeart/2005/8/layout/hierarchy2"/>
+    <dgm:cxn modelId="{DB085A2A-B3C9-4230-959B-3E22ABE3C419}" type="presOf" srcId="{846B17AF-B5D3-4EA8-AC6D-42C6988F1EAA}" destId="{DFB04D63-BCBA-400A-B88A-3638DD78C457}" srcOrd="0" destOrd="0" presId="urn:microsoft.com/office/officeart/2005/8/layout/hierarchy2"/>
+    <dgm:cxn modelId="{DFAF098B-D852-4613-B7E2-5C6FCF6CE3C2}" type="presOf" srcId="{46E51EF6-B071-4CD5-829D-33668A49CD03}" destId="{30C0BB43-75A9-40E4-8205-49B187705BCA}" srcOrd="0" destOrd="0" presId="urn:microsoft.com/office/officeart/2005/8/layout/hierarchy2"/>
+    <dgm:cxn modelId="{F4724BD3-2255-4437-B082-863273902DBE}" type="presOf" srcId="{D2A90DD9-FBAB-4209-8BFD-898E9A504965}" destId="{6824BADE-53F3-47CB-8E07-97AF3ECBD468}" srcOrd="0" destOrd="0" presId="urn:microsoft.com/office/officeart/2005/8/layout/hierarchy2"/>
+    <dgm:cxn modelId="{287032FB-B728-4CBD-86CC-EC8085AECCFE}" type="presOf" srcId="{0934C984-1ADF-4315-B841-63AC900A9396}" destId="{27B4BC06-2753-4CEB-AFD5-52F756AD8536}" srcOrd="0" destOrd="0" presId="urn:microsoft.com/office/officeart/2005/8/layout/hierarchy2"/>
     <dgm:cxn modelId="{74136E17-ACBD-48C6-8222-9413E9ACD041}" type="presOf" srcId="{6A2F051E-85E2-4F4F-9FD7-53BF3337E646}" destId="{BC6992AB-A65D-4B0F-A8D6-DA54D38C86BD}" srcOrd="0" destOrd="0" presId="urn:microsoft.com/office/officeart/2005/8/layout/hierarchy2"/>
-    <dgm:cxn modelId="{D9ECD526-22AC-4E7A-8EE7-4B91B0B4C532}" type="presOf" srcId="{FD9F7DDA-D209-4F39-A200-024B07FB128F}" destId="{2CFF4762-B327-495E-BF34-ED878EEF48C7}" srcOrd="0" destOrd="0" presId="urn:microsoft.com/office/officeart/2005/8/layout/hierarchy2"/>
+    <dgm:cxn modelId="{D6712795-357C-4B46-AC60-D9DC340A59A4}" srcId="{D463FAC8-15ED-4115-93F0-A37E5EC812C2}" destId="{6A2F051E-85E2-4F4F-9FD7-53BF3337E646}" srcOrd="2" destOrd="0" parTransId="{53D3B6FB-967F-46E5-BD3F-E59CC346AA5F}" sibTransId="{1D18C004-D043-4702-B44A-3C7725172B8F}"/>
+    <dgm:cxn modelId="{1C2359C7-A8F6-404B-94E9-E22827C68F7C}" srcId="{FBCF5329-6E7D-43A5-9500-406A47E39B2E}" destId="{FD9F7DDA-D209-4F39-A200-024B07FB128F}" srcOrd="0" destOrd="0" parTransId="{846B17AF-B5D3-4EA8-AC6D-42C6988F1EAA}" sibTransId="{6C55E3D9-9C3F-43D7-906C-3DFA5C1AC607}"/>
+    <dgm:cxn modelId="{6FF78879-4AA2-4CB4-A8F3-B6A34D7B79E4}" type="presOf" srcId="{2CB9FBEB-C80B-401E-9305-B6D0FC319B5F}" destId="{ED5C3287-D56B-40BC-A911-213A20B58F07}" srcOrd="0" destOrd="0" presId="urn:microsoft.com/office/officeart/2005/8/layout/hierarchy2"/>
+    <dgm:cxn modelId="{80C83D45-4607-444A-809D-4BB431A9A488}" type="presOf" srcId="{9058B9CE-4DC4-4FAD-95E0-98F5067F3436}" destId="{21D06EAA-C937-4961-8C03-9EC7B884F5F0}" srcOrd="0" destOrd="0" presId="urn:microsoft.com/office/officeart/2005/8/layout/hierarchy2"/>
+    <dgm:cxn modelId="{685963FB-2FDA-4417-A5D9-867DC79F3046}" type="presOf" srcId="{17681791-53DE-451B-A1C6-5E2A2016A7FD}" destId="{D2732B44-E249-4628-ABC4-C12B82BC4B16}" srcOrd="0" destOrd="0" presId="urn:microsoft.com/office/officeart/2005/8/layout/hierarchy2"/>
+    <dgm:cxn modelId="{6D9070DB-8779-4961-8309-0F70F2B2082E}" type="presOf" srcId="{53D3B6FB-967F-46E5-BD3F-E59CC346AA5F}" destId="{A6961D34-4306-4684-8627-AB2F6F5A9BEF}" srcOrd="0" destOrd="0" presId="urn:microsoft.com/office/officeart/2005/8/layout/hierarchy2"/>
+    <dgm:cxn modelId="{F901A6C7-B84C-41A9-9722-F46445BF96CE}" type="presOf" srcId="{674CBBA0-7DA5-442B-854B-F71B6A9D5339}" destId="{EF681EB4-1791-43FB-A1ED-E90F2682930E}" srcOrd="0" destOrd="0" presId="urn:microsoft.com/office/officeart/2005/8/layout/hierarchy2"/>
+    <dgm:cxn modelId="{6CF8F044-19CF-44D8-9F06-00E7E8F2C0E5}" type="presOf" srcId="{E3D21A93-C280-4D91-B547-627EFC8C7B94}" destId="{B062E968-A81D-45C5-B122-EA1C2AE9B376}" srcOrd="1" destOrd="0" presId="urn:microsoft.com/office/officeart/2005/8/layout/hierarchy2"/>
+    <dgm:cxn modelId="{CC69F6F2-71D4-4C05-84CE-C5D9C8B3CA06}" type="presOf" srcId="{D3B2A1E1-2846-4947-B794-772729F755DB}" destId="{D7F247A2-00A5-4551-AAF9-F45B1562992F}" srcOrd="1" destOrd="0" presId="urn:microsoft.com/office/officeart/2005/8/layout/hierarchy2"/>
+    <dgm:cxn modelId="{DBE5CC5E-AE22-47CB-A046-5EF6B1C61E00}" type="presOf" srcId="{C8F9E311-A266-4579-9CDB-CBB0B1DA73B7}" destId="{73125112-E16B-498F-B15C-A349D52BC86E}" srcOrd="0" destOrd="0" presId="urn:microsoft.com/office/officeart/2005/8/layout/hierarchy2"/>
     <dgm:cxn modelId="{2B08A03F-D789-4ABE-AF38-0B1C3AFD02F9}" type="presOf" srcId="{53D3B6FB-967F-46E5-BD3F-E59CC346AA5F}" destId="{998477A0-1205-4713-9FEF-7471259A1ED9}" srcOrd="1" destOrd="0" presId="urn:microsoft.com/office/officeart/2005/8/layout/hierarchy2"/>
-    <dgm:cxn modelId="{0C94B539-D5C3-46BB-A6AF-FC57AA3B23D2}" type="presOf" srcId="{18833849-AB17-4021-92C7-473553C3D61F}" destId="{74D450EC-B317-4AC8-8AF1-17EEC0564DC8}" srcOrd="0" destOrd="0" presId="urn:microsoft.com/office/officeart/2005/8/layout/hierarchy2"/>
-    <dgm:cxn modelId="{991B154F-C9B5-48F5-A8A8-41422BBB795E}" srcId="{17D10E75-F760-4D18-8BBA-44F35FA93B5A}" destId="{5688D322-FB05-4EA7-91F8-8690161626BB}" srcOrd="1" destOrd="0" parTransId="{C8F9E311-A266-4579-9CDB-CBB0B1DA73B7}" sibTransId="{FA3281B8-0717-4AAE-8DF2-3B2BE7DB90CF}"/>
-    <dgm:cxn modelId="{1C2359C7-A8F6-404B-94E9-E22827C68F7C}" srcId="{FBCF5329-6E7D-43A5-9500-406A47E39B2E}" destId="{FD9F7DDA-D209-4F39-A200-024B07FB128F}" srcOrd="0" destOrd="0" parTransId="{846B17AF-B5D3-4EA8-AC6D-42C6988F1EAA}" sibTransId="{6C55E3D9-9C3F-43D7-906C-3DFA5C1AC607}"/>
-    <dgm:cxn modelId="{E8CF0466-553D-4FB4-89A2-9978902C9E9B}" type="presOf" srcId="{FC2C1825-D6C0-44D0-8937-A63C13EC3458}" destId="{B7C4DAE0-9D57-4C74-94DA-2947A1F12CB6}" srcOrd="0" destOrd="0" presId="urn:microsoft.com/office/officeart/2005/8/layout/hierarchy2"/>
-    <dgm:cxn modelId="{D0FAD565-9DBC-4CC6-A68F-2DA2E37FE9B0}" type="presOf" srcId="{97218D2F-6BF1-4799-8A65-335275684666}" destId="{743735B5-4825-44E7-8D66-97D71D496F87}" srcOrd="0" destOrd="0" presId="urn:microsoft.com/office/officeart/2005/8/layout/hierarchy2"/>
-    <dgm:cxn modelId="{E4BC40E6-0186-460D-8764-D82AC5498B31}" type="presOf" srcId="{C8F9E311-A266-4579-9CDB-CBB0B1DA73B7}" destId="{59EB5ED5-8956-4F21-8CF5-F7101925CD0F}" srcOrd="1" destOrd="0" presId="urn:microsoft.com/office/officeart/2005/8/layout/hierarchy2"/>
-    <dgm:cxn modelId="{D1DFA557-E35D-4D05-A63D-E7B44C5862EB}" srcId="{17D10E75-F760-4D18-8BBA-44F35FA93B5A}" destId="{11D31977-4753-43BD-A3B8-F2AA0D72906B}" srcOrd="0" destOrd="0" parTransId="{ECB64352-51C7-4125-B3DD-35156AF20A1F}" sibTransId="{F4C5622F-D2A2-4A6F-AD38-16DC4BAEAFBF}"/>
-    <dgm:cxn modelId="{F22AA299-FD8B-4DCC-9F6B-BBE6E2B477F0}" type="presOf" srcId="{11D31977-4753-43BD-A3B8-F2AA0D72906B}" destId="{D1729183-3EA1-4EA7-9B0B-BEC208BFBB91}" srcOrd="0" destOrd="0" presId="urn:microsoft.com/office/officeart/2005/8/layout/hierarchy2"/>
-    <dgm:cxn modelId="{685963FB-2FDA-4417-A5D9-867DC79F3046}" type="presOf" srcId="{17681791-53DE-451B-A1C6-5E2A2016A7FD}" destId="{D2732B44-E249-4628-ABC4-C12B82BC4B16}" srcOrd="0" destOrd="0" presId="urn:microsoft.com/office/officeart/2005/8/layout/hierarchy2"/>
-    <dgm:cxn modelId="{287032FB-B728-4CBD-86CC-EC8085AECCFE}" type="presOf" srcId="{0934C984-1ADF-4315-B841-63AC900A9396}" destId="{27B4BC06-2753-4CEB-AFD5-52F756AD8536}" srcOrd="0" destOrd="0" presId="urn:microsoft.com/office/officeart/2005/8/layout/hierarchy2"/>
-    <dgm:cxn modelId="{5C860427-B96C-41A6-89A8-A837A4D66E0E}" type="presOf" srcId="{D3B2A1E1-2846-4947-B794-772729F755DB}" destId="{08FE2B73-5CB1-4A09-A09F-630BAAFB378F}" srcOrd="0" destOrd="0" presId="urn:microsoft.com/office/officeart/2005/8/layout/hierarchy2"/>
-    <dgm:cxn modelId="{C1618D72-783B-44C6-8533-6D8EB6727D9F}" srcId="{0934C984-1ADF-4315-B841-63AC900A9396}" destId="{E4981121-E1DF-4E24-AF43-7EB063C11763}" srcOrd="0" destOrd="0" parTransId="{D3B2A1E1-2846-4947-B794-772729F755DB}" sibTransId="{167BD8D8-8A12-491E-B966-F756DA5B0203}"/>
-    <dgm:cxn modelId="{DBE5CC5E-AE22-47CB-A046-5EF6B1C61E00}" type="presOf" srcId="{C8F9E311-A266-4579-9CDB-CBB0B1DA73B7}" destId="{73125112-E16B-498F-B15C-A349D52BC86E}" srcOrd="0" destOrd="0" presId="urn:microsoft.com/office/officeart/2005/8/layout/hierarchy2"/>
-    <dgm:cxn modelId="{C614A142-0B50-4EA5-9C4E-AB8CE13E620E}" type="presOf" srcId="{2CB9FBEB-C80B-401E-9305-B6D0FC319B5F}" destId="{98393AEE-44D3-4F66-B250-5560E6E049CF}" srcOrd="1" destOrd="0" presId="urn:microsoft.com/office/officeart/2005/8/layout/hierarchy2"/>
-    <dgm:cxn modelId="{6CF8F044-19CF-44D8-9F06-00E7E8F2C0E5}" type="presOf" srcId="{E3D21A93-C280-4D91-B547-627EFC8C7B94}" destId="{B062E968-A81D-45C5-B122-EA1C2AE9B376}" srcOrd="1" destOrd="0" presId="urn:microsoft.com/office/officeart/2005/8/layout/hierarchy2"/>
-    <dgm:cxn modelId="{4BC3D6EF-C519-42F5-823B-DF63CC04B81E}" type="presOf" srcId="{ECB64352-51C7-4125-B3DD-35156AF20A1F}" destId="{2C4AEAF2-E96B-4876-B4AD-98D1A217E811}" srcOrd="0" destOrd="0" presId="urn:microsoft.com/office/officeart/2005/8/layout/hierarchy2"/>
-    <dgm:cxn modelId="{2113ACD8-B4BF-4EEA-BC00-9655EDAD018E}" type="presOf" srcId="{9F83A824-D3DC-4D71-A7C9-E8784F069023}" destId="{98079810-C0AE-421C-BB26-64F59589CD6C}" srcOrd="1" destOrd="0" presId="urn:microsoft.com/office/officeart/2005/8/layout/hierarchy2"/>
-    <dgm:cxn modelId="{2D32074E-C5DC-403F-A238-E23EEC6038B8}" type="presOf" srcId="{17681791-53DE-451B-A1C6-5E2A2016A7FD}" destId="{89F99F67-BBE6-4633-B071-1E53F7182022}" srcOrd="1" destOrd="0" presId="urn:microsoft.com/office/officeart/2005/8/layout/hierarchy2"/>
-    <dgm:cxn modelId="{740AB030-8151-4042-A027-26B9F584E522}" type="presOf" srcId="{ECB64352-51C7-4125-B3DD-35156AF20A1F}" destId="{72676B6B-A89B-4EA4-8BF6-F13F1C2C4B23}" srcOrd="1" destOrd="0" presId="urn:microsoft.com/office/officeart/2005/8/layout/hierarchy2"/>
-    <dgm:cxn modelId="{28DCA1A3-D9E2-4C52-9B5C-24ACE767D3BC}" srcId="{D463FAC8-15ED-4115-93F0-A37E5EC812C2}" destId="{674CBBA0-7DA5-442B-854B-F71B6A9D5339}" srcOrd="3" destOrd="0" parTransId="{17681791-53DE-451B-A1C6-5E2A2016A7FD}" sibTransId="{B5466529-54D9-438E-86D0-CDEC649CC006}"/>
-    <dgm:cxn modelId="{213632DD-8159-4245-9D32-77B63E90D7BC}" type="presOf" srcId="{A5FF53A3-3506-4BE5-8E52-DE9593B40042}" destId="{20CDCD73-D8E5-4BD7-815F-4932230220E5}" srcOrd="0" destOrd="0" presId="urn:microsoft.com/office/officeart/2005/8/layout/hierarchy2"/>
-    <dgm:cxn modelId="{8AAB33E4-B5EB-4AAA-800F-F81E88DFB49B}" srcId="{FD9F7DDA-D209-4F39-A200-024B07FB128F}" destId="{D463FAC8-15ED-4115-93F0-A37E5EC812C2}" srcOrd="0" destOrd="0" parTransId="{2CB9FBEB-C80B-401E-9305-B6D0FC319B5F}" sibTransId="{0545DA58-B8BA-4E6D-9CAF-AD3C7A0377B7}"/>
-    <dgm:cxn modelId="{D185E750-955B-46E5-AACA-B6F443AD2575}" type="presOf" srcId="{EFC90772-7B1A-4FF4-B046-278370D49786}" destId="{9DF0F7A4-CD0C-49F1-923B-D38E1706F80A}" srcOrd="0" destOrd="0" presId="urn:microsoft.com/office/officeart/2005/8/layout/hierarchy2"/>
-    <dgm:cxn modelId="{F901A6C7-B84C-41A9-9722-F46445BF96CE}" type="presOf" srcId="{674CBBA0-7DA5-442B-854B-F71B6A9D5339}" destId="{EF681EB4-1791-43FB-A1ED-E90F2682930E}" srcOrd="0" destOrd="0" presId="urn:microsoft.com/office/officeart/2005/8/layout/hierarchy2"/>
-    <dgm:cxn modelId="{6D9070DB-8779-4961-8309-0F70F2B2082E}" type="presOf" srcId="{53D3B6FB-967F-46E5-BD3F-E59CC346AA5F}" destId="{A6961D34-4306-4684-8627-AB2F6F5A9BEF}" srcOrd="0" destOrd="0" presId="urn:microsoft.com/office/officeart/2005/8/layout/hierarchy2"/>
-    <dgm:cxn modelId="{CC69F6F2-71D4-4C05-84CE-C5D9C8B3CA06}" type="presOf" srcId="{D3B2A1E1-2846-4947-B794-772729F755DB}" destId="{D7F247A2-00A5-4551-AAF9-F45B1562992F}" srcOrd="1" destOrd="0" presId="urn:microsoft.com/office/officeart/2005/8/layout/hierarchy2"/>
-    <dgm:cxn modelId="{EE021C46-6C12-4DC4-81AE-6F1DEA45F8D9}" type="presOf" srcId="{846B17AF-B5D3-4EA8-AC6D-42C6988F1EAA}" destId="{BF476D50-3A9A-4DE9-A198-9DDB8917E62A}" srcOrd="1" destOrd="0" presId="urn:microsoft.com/office/officeart/2005/8/layout/hierarchy2"/>
-    <dgm:cxn modelId="{F61F502E-BC2F-4396-8627-432FCBC621D8}" srcId="{D463FAC8-15ED-4115-93F0-A37E5EC812C2}" destId="{2C179E5C-54D4-419B-AD32-ED5F3F87B063}" srcOrd="1" destOrd="0" parTransId="{9F83A824-D3DC-4D71-A7C9-E8784F069023}" sibTransId="{C9FF4DC2-6809-454C-BD6E-BEFA5E5082D7}"/>
-    <dgm:cxn modelId="{7825B4C8-418D-4F3B-A902-E37AE8C7BCBE}" srcId="{D463FAC8-15ED-4115-93F0-A37E5EC812C2}" destId="{75995F7A-6922-45B8-99CE-04FD746F5721}" srcOrd="0" destOrd="0" parTransId="{E7B0427E-3F5E-4265-94B6-1E631BA4EBE9}" sibTransId="{60F00862-EDA7-4595-AC88-3EE7344BB525}"/>
-    <dgm:cxn modelId="{130DD937-134E-45E3-BE5B-5B9BB5825E37}" srcId="{17D10E75-F760-4D18-8BBA-44F35FA93B5A}" destId="{18833849-AB17-4021-92C7-473553C3D61F}" srcOrd="2" destOrd="0" parTransId="{46E51EF6-B071-4CD5-829D-33668A49CD03}" sibTransId="{8182B9BA-E35F-4A96-B18A-1340A483B04E}"/>
-    <dgm:cxn modelId="{AEE0C2B3-722A-4AEA-9FC3-85FF3BE3D8F6}" type="presOf" srcId="{5688D322-FB05-4EA7-91F8-8690161626BB}" destId="{06F98F29-730F-4666-9D94-EF6932ECF93A}" srcOrd="0" destOrd="0" presId="urn:microsoft.com/office/officeart/2005/8/layout/hierarchy2"/>
-    <dgm:cxn modelId="{F8D24E4C-2C85-4BC7-9DCA-BBD6D56D0E92}" type="presOf" srcId="{46E51EF6-B071-4CD5-829D-33668A49CD03}" destId="{46C47E61-DAEF-4FA2-AD76-02A2F25B68E3}" srcOrd="1" destOrd="0" presId="urn:microsoft.com/office/officeart/2005/8/layout/hierarchy2"/>
-    <dgm:cxn modelId="{F5604217-EF72-49B2-84DA-2628C521AB9E}" type="presOf" srcId="{75995F7A-6922-45B8-99CE-04FD746F5721}" destId="{50CD4E3A-AB48-476B-BDF2-DB5F21EC75F3}" srcOrd="0" destOrd="0" presId="urn:microsoft.com/office/officeart/2005/8/layout/hierarchy2"/>
-    <dgm:cxn modelId="{80C83D45-4607-444A-809D-4BB431A9A488}" type="presOf" srcId="{9058B9CE-4DC4-4FAD-95E0-98F5067F3436}" destId="{21D06EAA-C937-4961-8C03-9EC7B884F5F0}" srcOrd="0" destOrd="0" presId="urn:microsoft.com/office/officeart/2005/8/layout/hierarchy2"/>
-    <dgm:cxn modelId="{3E7EE297-4394-446C-BCD7-4BD134C19BDE}" srcId="{FBCF5329-6E7D-43A5-9500-406A47E39B2E}" destId="{17D10E75-F760-4D18-8BBA-44F35FA93B5A}" srcOrd="1" destOrd="0" parTransId="{D2A90DD9-FBAB-4209-8BFD-898E9A504965}" sibTransId="{C747A7ED-0354-4ABE-8594-9E8D800CF213}"/>
+    <dgm:cxn modelId="{F7277C1E-27DF-451B-BAF4-B976F57727F2}" type="presOf" srcId="{EFC90772-7B1A-4FF4-B046-278370D49786}" destId="{D85F608C-6FFA-40A2-AECC-0A870D2305EC}" srcOrd="1" destOrd="0" presId="urn:microsoft.com/office/officeart/2005/8/layout/hierarchy2"/>
     <dgm:cxn modelId="{F17E9B32-CFE6-4261-AB59-F9A6E82E3161}" type="presOf" srcId="{E7B0427E-3F5E-4265-94B6-1E631BA4EBE9}" destId="{A1E8536D-3759-49D3-B353-D3C7313D03B1}" srcOrd="1" destOrd="0" presId="urn:microsoft.com/office/officeart/2005/8/layout/hierarchy2"/>
-    <dgm:cxn modelId="{5E9CF1C1-E2E0-48F5-8171-7F7EE6E98092}" srcId="{FD9F7DDA-D209-4F39-A200-024B07FB128F}" destId="{97218D2F-6BF1-4799-8A65-335275684666}" srcOrd="2" destOrd="0" parTransId="{E3D21A93-C280-4D91-B547-627EFC8C7B94}" sibTransId="{E73A499E-8FA4-41FA-9E5F-2F9AD194A703}"/>
-    <dgm:cxn modelId="{B1BE4006-FB76-4211-A949-2E30D534D2BD}" srcId="{97218D2F-6BF1-4799-8A65-335275684666}" destId="{A5FF53A3-3506-4BE5-8E52-DE9593B40042}" srcOrd="0" destOrd="0" parTransId="{EFC90772-7B1A-4FF4-B046-278370D49786}" sibTransId="{663757F4-6031-49FB-BC53-CB40C839F5C0}"/>
-    <dgm:cxn modelId="{2817C6F9-7F79-4110-A6CA-2E88F20925CF}" srcId="{FD9F7DDA-D209-4F39-A200-024B07FB128F}" destId="{0934C984-1ADF-4315-B841-63AC900A9396}" srcOrd="1" destOrd="0" parTransId="{9058B9CE-4DC4-4FAD-95E0-98F5067F3436}" sibTransId="{6334B9B2-1B91-4361-95A4-937C576094AF}"/>
-    <dgm:cxn modelId="{F7277C1E-27DF-451B-BAF4-B976F57727F2}" type="presOf" srcId="{EFC90772-7B1A-4FF4-B046-278370D49786}" destId="{D85F608C-6FFA-40A2-AECC-0A870D2305EC}" srcOrd="1" destOrd="0" presId="urn:microsoft.com/office/officeart/2005/8/layout/hierarchy2"/>
-    <dgm:cxn modelId="{13E57377-EF77-46F6-B756-6A853E6A2B75}" type="presOf" srcId="{9058B9CE-4DC4-4FAD-95E0-98F5067F3436}" destId="{3F74B51A-6956-4836-8B14-81CE1B7B780D}" srcOrd="1" destOrd="0" presId="urn:microsoft.com/office/officeart/2005/8/layout/hierarchy2"/>
-    <dgm:cxn modelId="{618681D3-1E54-4D99-BF6B-83FF8F44347C}" type="presOf" srcId="{E3D21A93-C280-4D91-B547-627EFC8C7B94}" destId="{6AF4E026-ED8D-4B3B-8AB8-56F4136F48FA}" srcOrd="0" destOrd="0" presId="urn:microsoft.com/office/officeart/2005/8/layout/hierarchy2"/>
-    <dgm:cxn modelId="{2BDB5E35-2285-4642-85B8-851B7E2BE03A}" type="presOf" srcId="{9F83A824-D3DC-4D71-A7C9-E8784F069023}" destId="{364E0390-8CC9-4C80-9A2E-1F6E043611FE}" srcOrd="0" destOrd="0" presId="urn:microsoft.com/office/officeart/2005/8/layout/hierarchy2"/>
-    <dgm:cxn modelId="{9CEE2DD8-B317-485A-A2E3-417DC3FFAE76}" type="presOf" srcId="{17D10E75-F760-4D18-8BBA-44F35FA93B5A}" destId="{7B939A6D-5C91-4A44-A73E-3FBA4A8852A5}" srcOrd="0" destOrd="0" presId="urn:microsoft.com/office/officeart/2005/8/layout/hierarchy2"/>
-    <dgm:cxn modelId="{6218E1C9-0D33-4E9F-B00B-AF128B08E793}" type="presOf" srcId="{E7B0427E-3F5E-4265-94B6-1E631BA4EBE9}" destId="{C0A43192-73B4-460C-82C5-C915CEE636A2}" srcOrd="0" destOrd="0" presId="urn:microsoft.com/office/officeart/2005/8/layout/hierarchy2"/>
-    <dgm:cxn modelId="{D6712795-357C-4B46-AC60-D9DC340A59A4}" srcId="{D463FAC8-15ED-4115-93F0-A37E5EC812C2}" destId="{6A2F051E-85E2-4F4F-9FD7-53BF3337E646}" srcOrd="2" destOrd="0" parTransId="{53D3B6FB-967F-46E5-BD3F-E59CC346AA5F}" sibTransId="{1D18C004-D043-4702-B44A-3C7725172B8F}"/>
-    <dgm:cxn modelId="{DFAF098B-D852-4613-B7E2-5C6FCF6CE3C2}" type="presOf" srcId="{46E51EF6-B071-4CD5-829D-33668A49CD03}" destId="{30C0BB43-75A9-40E4-8205-49B187705BCA}" srcOrd="0" destOrd="0" presId="urn:microsoft.com/office/officeart/2005/8/layout/hierarchy2"/>
-    <dgm:cxn modelId="{D447D7A6-389F-40FE-81A3-CDC4D99F4C0E}" type="presOf" srcId="{D463FAC8-15ED-4115-93F0-A37E5EC812C2}" destId="{EAD1D4BA-5CB1-4599-BE71-900C836342F2}" srcOrd="0" destOrd="0" presId="urn:microsoft.com/office/officeart/2005/8/layout/hierarchy2"/>
-    <dgm:cxn modelId="{93CC6603-8262-4AE0-B096-523F10CF1D51}" srcId="{FC2C1825-D6C0-44D0-8937-A63C13EC3458}" destId="{FBCF5329-6E7D-43A5-9500-406A47E39B2E}" srcOrd="0" destOrd="0" parTransId="{D04831B5-0F39-4D30-BE03-04E412C9E48E}" sibTransId="{0A52AB61-DB52-40FD-9BE4-DA5F99F655AA}"/>
-    <dgm:cxn modelId="{6FF78879-4AA2-4CB4-A8F3-B6A34D7B79E4}" type="presOf" srcId="{2CB9FBEB-C80B-401E-9305-B6D0FC319B5F}" destId="{ED5C3287-D56B-40BC-A911-213A20B58F07}" srcOrd="0" destOrd="0" presId="urn:microsoft.com/office/officeart/2005/8/layout/hierarchy2"/>
-    <dgm:cxn modelId="{2933A2E6-8AA8-4356-ADFD-939D41E170AE}" type="presOf" srcId="{FBCF5329-6E7D-43A5-9500-406A47E39B2E}" destId="{60F701C1-3D28-46CB-9530-56B31D61B779}" srcOrd="0" destOrd="0" presId="urn:microsoft.com/office/officeart/2005/8/layout/hierarchy2"/>
-    <dgm:cxn modelId="{90D6DF3B-42C6-4F7A-9B2E-810AD9D90EC9}" type="presOf" srcId="{D2A90DD9-FBAB-4209-8BFD-898E9A504965}" destId="{60F7454F-4D3F-4974-99E0-22E8C11EE279}" srcOrd="1" destOrd="0" presId="urn:microsoft.com/office/officeart/2005/8/layout/hierarchy2"/>
-    <dgm:cxn modelId="{242C3DB8-97B4-40FC-9303-3FBBBCE07B52}" type="presOf" srcId="{2C179E5C-54D4-419B-AD32-ED5F3F87B063}" destId="{5075A0CF-8038-4E02-9225-0C2EFAE6CF25}" srcOrd="0" destOrd="0" presId="urn:microsoft.com/office/officeart/2005/8/layout/hierarchy2"/>
-    <dgm:cxn modelId="{DB085A2A-B3C9-4230-959B-3E22ABE3C419}" type="presOf" srcId="{846B17AF-B5D3-4EA8-AC6D-42C6988F1EAA}" destId="{DFB04D63-BCBA-400A-B88A-3638DD78C457}" srcOrd="0" destOrd="0" presId="urn:microsoft.com/office/officeart/2005/8/layout/hierarchy2"/>
-    <dgm:cxn modelId="{F4724BD3-2255-4437-B082-863273902DBE}" type="presOf" srcId="{D2A90DD9-FBAB-4209-8BFD-898E9A504965}" destId="{6824BADE-53F3-47CB-8E07-97AF3ECBD468}" srcOrd="0" destOrd="0" presId="urn:microsoft.com/office/officeart/2005/8/layout/hierarchy2"/>
     <dgm:cxn modelId="{C815E2D5-9653-401C-B627-0A06921568D1}" type="presParOf" srcId="{B7C4DAE0-9D57-4C74-94DA-2947A1F12CB6}" destId="{7459AF48-0ADA-4D92-ACC0-598683C0C229}" srcOrd="0" destOrd="0" presId="urn:microsoft.com/office/officeart/2005/8/layout/hierarchy2"/>
     <dgm:cxn modelId="{76385D17-5D4F-49C9-9C60-D3BDECCD4761}" type="presParOf" srcId="{7459AF48-0ADA-4D92-ACC0-598683C0C229}" destId="{60F701C1-3D28-46CB-9530-56B31D61B779}" srcOrd="0" destOrd="0" presId="urn:microsoft.com/office/officeart/2005/8/layout/hierarchy2"/>
     <dgm:cxn modelId="{6649B1E3-0516-493B-8513-5A14D8369BAE}" type="presParOf" srcId="{7459AF48-0ADA-4D92-ACC0-598683C0C229}" destId="{B0024988-370B-4555-AB06-531BEC5FFECA}" srcOrd="1" destOrd="0" presId="urn:microsoft.com/office/officeart/2005/8/layout/hierarchy2"/>
@@ -15048,11 +15061,7 @@
           <a:pPr rtl="0"/>
           <a:r>
             <a:rPr lang="en-US" sz="1200" dirty="0" smtClean="0"/>
-            <a:t>Data </a:t>
-          </a:r>
-          <a:r>
-            <a:rPr lang="en-US" sz="1200" dirty="0" smtClean="0"/>
-            <a:t>output</a:t>
+            <a:t>Data output</a:t>
           </a:r>
         </a:p>
         <a:p>
@@ -15179,11 +15188,7 @@
           </a:r>
           <a:r>
             <a:rPr lang="en-US" sz="1200" dirty="0" smtClean="0"/>
-            <a:t> </a:t>
-          </a:r>
-          <a:r>
-            <a:rPr lang="en-US" sz="1200" dirty="0" smtClean="0"/>
-            <a:t> </a:t>
+            <a:t>  </a:t>
           </a:r>
           <a:r>
             <a:rPr lang="en-US" sz="1200" dirty="0" err="1" smtClean="0"/>
@@ -19783,8 +19788,8 @@
       </dsp:nvSpPr>
       <dsp:spPr>
         <a:xfrm>
-          <a:off x="520602" y="390767"/>
-          <a:ext cx="642360" cy="321180"/>
+          <a:off x="611561" y="427118"/>
+          <a:ext cx="702115" cy="351057"/>
         </a:xfrm>
         <a:prstGeom prst="roundRect">
           <a:avLst>
@@ -19827,12 +19832,12 @@
         </a:fontRef>
       </dsp:style>
       <dsp:txBody>
-        <a:bodyPr spcFirstLastPara="0" vert="horz" wrap="square" lIns="3175" tIns="3175" rIns="3175" bIns="3175" numCol="1" spcCol="1270" anchor="ctr" anchorCtr="0">
+        <a:bodyPr spcFirstLastPara="0" vert="horz" wrap="square" lIns="3810" tIns="3810" rIns="3810" bIns="3810" numCol="1" spcCol="1270" anchor="ctr" anchorCtr="0">
           <a:noAutofit/>
         </a:bodyPr>
         <a:lstStyle/>
         <a:p>
-          <a:pPr lvl="0" algn="ctr" defTabSz="222250">
+          <a:pPr lvl="0" algn="ctr" defTabSz="266700">
             <a:lnSpc>
               <a:spcPct val="90000"/>
             </a:lnSpc>
@@ -19844,15 +19849,15 @@
             </a:spcAft>
           </a:pPr>
           <a:r>
-            <a:rPr lang="en-US" sz="500" kern="1200" dirty="0" smtClean="0"/>
+            <a:rPr lang="en-US" sz="600" kern="1200" dirty="0" smtClean="0"/>
             <a:t>C:\rrInstall</a:t>
           </a:r>
-          <a:endParaRPr lang="en-US" sz="500" kern="1200" dirty="0"/>
+          <a:endParaRPr lang="en-US" sz="600" kern="1200" dirty="0"/>
         </a:p>
       </dsp:txBody>
       <dsp:txXfrm>
-        <a:off x="520602" y="390767"/>
-        <a:ext cx="642360" cy="321180"/>
+        <a:off x="611561" y="427118"/>
+        <a:ext cx="702115" cy="351057"/>
       </dsp:txXfrm>
     </dsp:sp>
     <dsp:sp modelId="{DFB04D63-BCBA-400A-B88A-3638DD78C457}">
@@ -19862,8 +19867,8 @@
       </dsp:nvSpPr>
       <dsp:spPr>
         <a:xfrm rot="1370909">
-          <a:off x="1147134" y="620868"/>
-          <a:ext cx="403469" cy="17644"/>
+          <a:off x="1296374" y="679444"/>
+          <a:ext cx="441001" cy="17644"/>
         </a:xfrm>
         <a:custGeom>
           <a:avLst/>
@@ -19877,7 +19882,7 @@
                 <a:pt x="0" y="8822"/>
               </a:moveTo>
               <a:lnTo>
-                <a:pt x="403469" y="8822"/>
+                <a:pt x="441001" y="8822"/>
               </a:lnTo>
             </a:path>
           </a:pathLst>
@@ -19915,7 +19920,7 @@
         </a:bodyPr>
         <a:lstStyle/>
         <a:p>
-          <a:pPr lvl="0" algn="ctr" defTabSz="177800">
+          <a:pPr lvl="0" algn="ctr" defTabSz="222250">
             <a:lnSpc>
               <a:spcPct val="90000"/>
             </a:lnSpc>
@@ -19926,12 +19931,12 @@
               <a:spcPct val="35000"/>
             </a:spcAft>
           </a:pPr>
-          <a:endParaRPr lang="en-US" sz="400" kern="1200"/>
+          <a:endParaRPr lang="en-US" sz="500" kern="1200"/>
         </a:p>
       </dsp:txBody>
       <dsp:txXfrm rot="1370909">
-        <a:off x="1338782" y="619604"/>
-        <a:ext cx="20173" cy="20173"/>
+        <a:off x="1505850" y="677241"/>
+        <a:ext cx="22050" cy="22050"/>
       </dsp:txXfrm>
     </dsp:sp>
     <dsp:sp modelId="{2CFF4762-B327-495E-BF34-ED878EEF48C7}">
@@ -19941,8 +19946,8 @@
       </dsp:nvSpPr>
       <dsp:spPr>
         <a:xfrm>
-          <a:off x="1534774" y="547433"/>
-          <a:ext cx="642360" cy="321180"/>
+          <a:off x="1720074" y="598357"/>
+          <a:ext cx="702115" cy="351057"/>
         </a:xfrm>
         <a:prstGeom prst="roundRect">
           <a:avLst>
@@ -19985,12 +19990,12 @@
         </a:fontRef>
       </dsp:style>
       <dsp:txBody>
-        <a:bodyPr spcFirstLastPara="0" vert="horz" wrap="square" lIns="3175" tIns="3175" rIns="3175" bIns="3175" numCol="1" spcCol="1270" anchor="ctr" anchorCtr="0">
+        <a:bodyPr spcFirstLastPara="0" vert="horz" wrap="square" lIns="3810" tIns="3810" rIns="3810" bIns="3810" numCol="1" spcCol="1270" anchor="ctr" anchorCtr="0">
           <a:noAutofit/>
         </a:bodyPr>
         <a:lstStyle/>
         <a:p>
-          <a:pPr lvl="0" algn="ctr" defTabSz="222250">
+          <a:pPr lvl="0" algn="ctr" defTabSz="266700">
             <a:lnSpc>
               <a:spcPct val="90000"/>
             </a:lnSpc>
@@ -20002,15 +20007,15 @@
             </a:spcAft>
           </a:pPr>
           <a:r>
-            <a:rPr lang="en-US" sz="500" kern="1200" dirty="0" smtClean="0"/>
+            <a:rPr lang="en-US" sz="600" kern="1200" dirty="0" smtClean="0"/>
             <a:t>\VS</a:t>
           </a:r>
-          <a:endParaRPr lang="en-US" sz="500" kern="1200" dirty="0"/>
+          <a:endParaRPr lang="en-US" sz="600" kern="1200" dirty="0"/>
         </a:p>
       </dsp:txBody>
       <dsp:txXfrm>
-        <a:off x="1534774" y="547433"/>
-        <a:ext cx="642360" cy="321180"/>
+        <a:off x="1720074" y="598357"/>
+        <a:ext cx="702115" cy="351057"/>
       </dsp:txXfrm>
     </dsp:sp>
     <dsp:sp modelId="{ED5C3287-D56B-40BC-A911-213A20B58F07}">
@@ -20020,8 +20025,8 @@
       </dsp:nvSpPr>
       <dsp:spPr>
         <a:xfrm rot="20980745">
-          <a:off x="2172966" y="653033"/>
-          <a:ext cx="515380" cy="17644"/>
+          <a:off x="2417632" y="714601"/>
+          <a:ext cx="563322" cy="17644"/>
         </a:xfrm>
         <a:custGeom>
           <a:avLst/>
@@ -20035,7 +20040,7 @@
                 <a:pt x="0" y="8822"/>
               </a:moveTo>
               <a:lnTo>
-                <a:pt x="515380" y="8822"/>
+                <a:pt x="563322" y="8822"/>
               </a:lnTo>
             </a:path>
           </a:pathLst>
@@ -20073,7 +20078,7 @@
         </a:bodyPr>
         <a:lstStyle/>
         <a:p>
-          <a:pPr lvl="0" algn="ctr" defTabSz="177800">
+          <a:pPr lvl="0" algn="ctr" defTabSz="222250">
             <a:lnSpc>
               <a:spcPct val="90000"/>
             </a:lnSpc>
@@ -20084,12 +20089,12 @@
               <a:spcPct val="35000"/>
             </a:spcAft>
           </a:pPr>
-          <a:endParaRPr lang="en-US" sz="400" kern="1200"/>
+          <a:endParaRPr lang="en-US" sz="500" kern="1200"/>
         </a:p>
       </dsp:txBody>
       <dsp:txXfrm rot="20980745">
-        <a:off x="2417771" y="648970"/>
-        <a:ext cx="25769" cy="25769"/>
+        <a:off x="2685210" y="709340"/>
+        <a:ext cx="28166" cy="28166"/>
       </dsp:txXfrm>
     </dsp:sp>
     <dsp:sp modelId="{EAD1D4BA-5CB1-4599-BE71-900C836342F2}">
@@ -20099,8 +20104,8 @@
       </dsp:nvSpPr>
       <dsp:spPr>
         <a:xfrm>
-          <a:off x="2684176" y="455097"/>
-          <a:ext cx="642360" cy="321180"/>
+          <a:off x="2976397" y="497431"/>
+          <a:ext cx="702115" cy="351057"/>
         </a:xfrm>
         <a:prstGeom prst="roundRect">
           <a:avLst>
@@ -20143,12 +20148,12 @@
         </a:fontRef>
       </dsp:style>
       <dsp:txBody>
-        <a:bodyPr spcFirstLastPara="0" vert="horz" wrap="square" lIns="3175" tIns="3175" rIns="3175" bIns="3175" numCol="1" spcCol="1270" anchor="ctr" anchorCtr="0">
+        <a:bodyPr spcFirstLastPara="0" vert="horz" wrap="square" lIns="3810" tIns="3810" rIns="3810" bIns="3810" numCol="1" spcCol="1270" anchor="ctr" anchorCtr="0">
           <a:noAutofit/>
         </a:bodyPr>
         <a:lstStyle/>
         <a:p>
-          <a:pPr lvl="0" algn="ctr" defTabSz="222250">
+          <a:pPr lvl="0" algn="ctr" defTabSz="266700">
             <a:lnSpc>
               <a:spcPct val="90000"/>
             </a:lnSpc>
@@ -20160,15 +20165,15 @@
             </a:spcAft>
           </a:pPr>
           <a:r>
-            <a:rPr lang="en-US" sz="500" kern="1200" dirty="0" smtClean="0"/>
+            <a:rPr lang="en-US" sz="600" kern="1200" dirty="0" smtClean="0"/>
             <a:t>\include</a:t>
           </a:r>
-          <a:endParaRPr lang="en-US" sz="500" kern="1200" dirty="0"/>
+          <a:endParaRPr lang="en-US" sz="600" kern="1200" dirty="0"/>
         </a:p>
       </dsp:txBody>
       <dsp:txXfrm>
-        <a:off x="2684176" y="455097"/>
-        <a:ext cx="642360" cy="321180"/>
+        <a:off x="2976397" y="497431"/>
+        <a:ext cx="702115" cy="351057"/>
       </dsp:txXfrm>
     </dsp:sp>
     <dsp:sp modelId="{C0A43192-73B4-460C-82C5-C915CEE636A2}">
@@ -20178,8 +20183,8 @@
       </dsp:nvSpPr>
       <dsp:spPr>
         <a:xfrm rot="19131624">
-          <a:off x="3241196" y="379456"/>
-          <a:ext cx="691320" cy="17644"/>
+          <a:off x="3585233" y="415575"/>
+          <a:ext cx="755629" cy="17644"/>
         </a:xfrm>
         <a:custGeom>
           <a:avLst/>
@@ -20193,7 +20198,7 @@
                 <a:pt x="0" y="8822"/>
               </a:moveTo>
               <a:lnTo>
-                <a:pt x="691320" y="8822"/>
+                <a:pt x="755629" y="8822"/>
               </a:lnTo>
             </a:path>
           </a:pathLst>
@@ -20231,7 +20236,7 @@
         </a:bodyPr>
         <a:lstStyle/>
         <a:p>
-          <a:pPr lvl="0" algn="ctr" defTabSz="177800">
+          <a:pPr lvl="0" algn="ctr" defTabSz="222250">
             <a:lnSpc>
               <a:spcPct val="90000"/>
             </a:lnSpc>
@@ -20242,12 +20247,12 @@
               <a:spcPct val="35000"/>
             </a:spcAft>
           </a:pPr>
-          <a:endParaRPr lang="en-US" sz="400" kern="1200"/>
+          <a:endParaRPr lang="en-US" sz="500" kern="1200"/>
         </a:p>
       </dsp:txBody>
       <dsp:txXfrm rot="19131624">
-        <a:off x="3569574" y="370995"/>
-        <a:ext cx="34566" cy="34566"/>
+        <a:off x="3944157" y="405506"/>
+        <a:ext cx="37781" cy="37781"/>
       </dsp:txXfrm>
     </dsp:sp>
     <dsp:sp modelId="{50CD4E3A-AB48-476B-BDF2-DB5F21EC75F3}">
@@ -20257,8 +20262,8 @@
       </dsp:nvSpPr>
       <dsp:spPr>
         <a:xfrm>
-          <a:off x="3847177" y="279"/>
-          <a:ext cx="642360" cy="321180"/>
+          <a:off x="4247584" y="306"/>
+          <a:ext cx="702115" cy="351057"/>
         </a:xfrm>
         <a:prstGeom prst="roundRect">
           <a:avLst>
@@ -20301,12 +20306,12 @@
         </a:fontRef>
       </dsp:style>
       <dsp:txBody>
-        <a:bodyPr spcFirstLastPara="0" vert="horz" wrap="square" lIns="3175" tIns="3175" rIns="3175" bIns="3175" numCol="1" spcCol="1270" anchor="ctr" anchorCtr="0">
+        <a:bodyPr spcFirstLastPara="0" vert="horz" wrap="square" lIns="3810" tIns="3810" rIns="3810" bIns="3810" numCol="1" spcCol="1270" anchor="ctr" anchorCtr="0">
           <a:noAutofit/>
         </a:bodyPr>
         <a:lstStyle/>
         <a:p>
-          <a:pPr lvl="0" algn="ctr" defTabSz="222250">
+          <a:pPr lvl="0" algn="ctr" defTabSz="266700">
             <a:lnSpc>
               <a:spcPct val="90000"/>
             </a:lnSpc>
@@ -20318,19 +20323,19 @@
             </a:spcAft>
           </a:pPr>
           <a:r>
-            <a:rPr lang="en-US" sz="500" kern="1200" dirty="0" smtClean="0"/>
+            <a:rPr lang="en-US" sz="600" kern="1200" dirty="0" smtClean="0"/>
             <a:t>\</a:t>
           </a:r>
           <a:r>
-            <a:rPr lang="en-US" sz="500" kern="1200" dirty="0" err="1" smtClean="0"/>
+            <a:rPr lang="en-US" sz="600" kern="1200" dirty="0" err="1" smtClean="0"/>
             <a:t>rr</a:t>
           </a:r>
-          <a:endParaRPr lang="en-US" sz="500" kern="1200" dirty="0"/>
+          <a:endParaRPr lang="en-US" sz="600" kern="1200" dirty="0"/>
         </a:p>
       </dsp:txBody>
       <dsp:txXfrm>
-        <a:off x="3847177" y="279"/>
-        <a:ext cx="642360" cy="321180"/>
+        <a:off x="4247584" y="306"/>
+        <a:ext cx="702115" cy="351057"/>
       </dsp:txXfrm>
     </dsp:sp>
     <dsp:sp modelId="{364E0390-8CC9-4C80-9A2E-1F6E043611FE}">
@@ -20340,8 +20345,8 @@
       </dsp:nvSpPr>
       <dsp:spPr>
         <a:xfrm rot="21040703">
-          <a:off x="3323053" y="564135"/>
-          <a:ext cx="527607" cy="17644"/>
+          <a:off x="3674705" y="617433"/>
+          <a:ext cx="576686" cy="17644"/>
         </a:xfrm>
         <a:custGeom>
           <a:avLst/>
@@ -20355,7 +20360,7 @@
                 <a:pt x="0" y="8822"/>
               </a:moveTo>
               <a:lnTo>
-                <a:pt x="527607" y="8822"/>
+                <a:pt x="576686" y="8822"/>
               </a:lnTo>
             </a:path>
           </a:pathLst>
@@ -20393,7 +20398,7 @@
         </a:bodyPr>
         <a:lstStyle/>
         <a:p>
-          <a:pPr lvl="0" algn="ctr" defTabSz="177800">
+          <a:pPr lvl="0" algn="ctr" defTabSz="222250">
             <a:lnSpc>
               <a:spcPct val="90000"/>
             </a:lnSpc>
@@ -20404,12 +20409,12 @@
               <a:spcPct val="35000"/>
             </a:spcAft>
           </a:pPr>
-          <a:endParaRPr lang="en-US" sz="400" kern="1200"/>
+          <a:endParaRPr lang="en-US" sz="500" kern="1200"/>
         </a:p>
       </dsp:txBody>
       <dsp:txXfrm rot="21040703">
-        <a:off x="3573667" y="559767"/>
-        <a:ext cx="26380" cy="26380"/>
+        <a:off x="3948631" y="611838"/>
+        <a:ext cx="28834" cy="28834"/>
       </dsp:txXfrm>
     </dsp:sp>
     <dsp:sp modelId="{5075A0CF-8038-4E02-9225-0C2EFAE6CF25}">
@@ -20419,8 +20424,8 @@
       </dsp:nvSpPr>
       <dsp:spPr>
         <a:xfrm>
-          <a:off x="3847177" y="369637"/>
-          <a:ext cx="642360" cy="321180"/>
+          <a:off x="4247584" y="404022"/>
+          <a:ext cx="702115" cy="351057"/>
         </a:xfrm>
         <a:prstGeom prst="roundRect">
           <a:avLst>
@@ -20463,12 +20468,12 @@
         </a:fontRef>
       </dsp:style>
       <dsp:txBody>
-        <a:bodyPr spcFirstLastPara="0" vert="horz" wrap="square" lIns="3175" tIns="3175" rIns="3175" bIns="3175" numCol="1" spcCol="1270" anchor="ctr" anchorCtr="0">
+        <a:bodyPr spcFirstLastPara="0" vert="horz" wrap="square" lIns="3810" tIns="3810" rIns="3810" bIns="3810" numCol="1" spcCol="1270" anchor="ctr" anchorCtr="0">
           <a:noAutofit/>
         </a:bodyPr>
         <a:lstStyle/>
         <a:p>
-          <a:pPr lvl="0" algn="ctr" defTabSz="222250">
+          <a:pPr lvl="0" algn="ctr" defTabSz="266700">
             <a:lnSpc>
               <a:spcPct val="90000"/>
             </a:lnSpc>
@@ -20480,19 +20485,19 @@
             </a:spcAft>
           </a:pPr>
           <a:r>
-            <a:rPr lang="en-US" sz="500" kern="1200" dirty="0" smtClean="0"/>
+            <a:rPr lang="en-US" sz="600" kern="1200" dirty="0" smtClean="0"/>
             <a:t>\</a:t>
           </a:r>
           <a:r>
-            <a:rPr lang="en-US" sz="500" kern="1200" dirty="0" err="1" smtClean="0"/>
+            <a:rPr lang="en-US" sz="600" kern="1200" dirty="0" err="1" smtClean="0"/>
             <a:t>clapack</a:t>
           </a:r>
-          <a:endParaRPr lang="en-US" sz="500" kern="1200" dirty="0"/>
+          <a:endParaRPr lang="en-US" sz="600" kern="1200" dirty="0"/>
         </a:p>
       </dsp:txBody>
       <dsp:txXfrm>
-        <a:off x="3847177" y="369637"/>
-        <a:ext cx="642360" cy="321180"/>
+        <a:off x="4247584" y="404022"/>
+        <a:ext cx="702115" cy="351057"/>
       </dsp:txXfrm>
     </dsp:sp>
     <dsp:sp modelId="{A6961D34-4306-4684-8627-AB2F6F5A9BEF}">
@@ -20502,8 +20507,8 @@
       </dsp:nvSpPr>
       <dsp:spPr>
         <a:xfrm rot="1716182">
-          <a:off x="3290351" y="748814"/>
-          <a:ext cx="593012" cy="17644"/>
+          <a:off x="3638960" y="819291"/>
+          <a:ext cx="648176" cy="17644"/>
         </a:xfrm>
         <a:custGeom>
           <a:avLst/>
@@ -20517,7 +20522,7 @@
                 <a:pt x="0" y="8822"/>
               </a:moveTo>
               <a:lnTo>
-                <a:pt x="593012" y="8822"/>
+                <a:pt x="648176" y="8822"/>
               </a:lnTo>
             </a:path>
           </a:pathLst>
@@ -20555,7 +20560,7 @@
         </a:bodyPr>
         <a:lstStyle/>
         <a:p>
-          <a:pPr lvl="0" algn="ctr" defTabSz="177800">
+          <a:pPr lvl="0" algn="ctr" defTabSz="222250">
             <a:lnSpc>
               <a:spcPct val="90000"/>
             </a:lnSpc>
@@ -20566,12 +20571,12 @@
               <a:spcPct val="35000"/>
             </a:spcAft>
           </a:pPr>
-          <a:endParaRPr lang="en-US" sz="400" kern="1200"/>
+          <a:endParaRPr lang="en-US" sz="500" kern="1200"/>
         </a:p>
       </dsp:txBody>
       <dsp:txXfrm rot="1716182">
-        <a:off x="3572032" y="742810"/>
-        <a:ext cx="29650" cy="29650"/>
+        <a:off x="3946844" y="811909"/>
+        <a:ext cx="32408" cy="32408"/>
       </dsp:txXfrm>
     </dsp:sp>
     <dsp:sp modelId="{BC6992AB-A65D-4B0F-A8D6-DA54D38C86BD}">
@@ -20581,8 +20586,8 @@
       </dsp:nvSpPr>
       <dsp:spPr>
         <a:xfrm>
-          <a:off x="3847177" y="738994"/>
-          <a:ext cx="642360" cy="321180"/>
+          <a:off x="4247584" y="807738"/>
+          <a:ext cx="702115" cy="351057"/>
         </a:xfrm>
         <a:prstGeom prst="roundRect">
           <a:avLst>
@@ -20625,12 +20630,12 @@
         </a:fontRef>
       </dsp:style>
       <dsp:txBody>
-        <a:bodyPr spcFirstLastPara="0" vert="horz" wrap="square" lIns="3175" tIns="3175" rIns="3175" bIns="3175" numCol="1" spcCol="1270" anchor="ctr" anchorCtr="0">
+        <a:bodyPr spcFirstLastPara="0" vert="horz" wrap="square" lIns="3810" tIns="3810" rIns="3810" bIns="3810" numCol="1" spcCol="1270" anchor="ctr" anchorCtr="0">
           <a:noAutofit/>
         </a:bodyPr>
         <a:lstStyle/>
         <a:p>
-          <a:pPr lvl="0" algn="ctr" defTabSz="222250">
+          <a:pPr lvl="0" algn="ctr" defTabSz="266700">
             <a:lnSpc>
               <a:spcPct val="90000"/>
             </a:lnSpc>
@@ -20642,15 +20647,15 @@
             </a:spcAft>
           </a:pPr>
           <a:r>
-            <a:rPr lang="en-US" sz="500" kern="1200" dirty="0" smtClean="0"/>
+            <a:rPr lang="en-US" sz="600" kern="1200" dirty="0" smtClean="0"/>
             <a:t>\Sundials</a:t>
           </a:r>
-          <a:endParaRPr lang="en-US" sz="500" kern="1200" dirty="0"/>
+          <a:endParaRPr lang="en-US" sz="600" kern="1200" dirty="0"/>
         </a:p>
       </dsp:txBody>
       <dsp:txXfrm>
-        <a:off x="3847177" y="738994"/>
-        <a:ext cx="642360" cy="321180"/>
+        <a:off x="4247584" y="807738"/>
+        <a:ext cx="702115" cy="351057"/>
       </dsp:txXfrm>
     </dsp:sp>
     <dsp:sp modelId="{D2732B44-E249-4628-ABC4-C12B82BC4B16}">
@@ -20660,8 +20665,8 @@
       </dsp:nvSpPr>
       <dsp:spPr>
         <a:xfrm rot="3086724">
-          <a:off x="3169182" y="933492"/>
-          <a:ext cx="835349" cy="17644"/>
+          <a:off x="3506520" y="1021150"/>
+          <a:ext cx="913056" cy="17644"/>
         </a:xfrm>
         <a:custGeom>
           <a:avLst/>
@@ -20675,7 +20680,7 @@
                 <a:pt x="0" y="8822"/>
               </a:moveTo>
               <a:lnTo>
-                <a:pt x="835349" y="8822"/>
+                <a:pt x="913056" y="8822"/>
               </a:lnTo>
             </a:path>
           </a:pathLst>
@@ -20713,7 +20718,7 @@
         </a:bodyPr>
         <a:lstStyle/>
         <a:p>
-          <a:pPr lvl="0" algn="ctr" defTabSz="177800">
+          <a:pPr lvl="0" algn="ctr" defTabSz="222250">
             <a:lnSpc>
               <a:spcPct val="90000"/>
             </a:lnSpc>
@@ -20724,12 +20729,12 @@
               <a:spcPct val="35000"/>
             </a:spcAft>
           </a:pPr>
-          <a:endParaRPr lang="en-US" sz="400" kern="1200"/>
+          <a:endParaRPr lang="en-US" sz="500" kern="1200"/>
         </a:p>
       </dsp:txBody>
       <dsp:txXfrm rot="3086724">
-        <a:off x="3565973" y="921431"/>
-        <a:ext cx="41767" cy="41767"/>
+        <a:off x="3940222" y="1007145"/>
+        <a:ext cx="45652" cy="45652"/>
       </dsp:txXfrm>
     </dsp:sp>
     <dsp:sp modelId="{EF681EB4-1791-43FB-A1ED-E90F2682930E}">
@@ -20739,8 +20744,8 @@
       </dsp:nvSpPr>
       <dsp:spPr>
         <a:xfrm>
-          <a:off x="3847177" y="1108352"/>
-          <a:ext cx="642360" cy="321180"/>
+          <a:off x="4247584" y="1211454"/>
+          <a:ext cx="702115" cy="351057"/>
         </a:xfrm>
         <a:prstGeom prst="roundRect">
           <a:avLst>
@@ -20783,12 +20788,12 @@
         </a:fontRef>
       </dsp:style>
       <dsp:txBody>
-        <a:bodyPr spcFirstLastPara="0" vert="horz" wrap="square" lIns="3175" tIns="3175" rIns="3175" bIns="3175" numCol="1" spcCol="1270" anchor="ctr" anchorCtr="0">
+        <a:bodyPr spcFirstLastPara="0" vert="horz" wrap="square" lIns="3810" tIns="3810" rIns="3810" bIns="3810" numCol="1" spcCol="1270" anchor="ctr" anchorCtr="0">
           <a:noAutofit/>
         </a:bodyPr>
         <a:lstStyle/>
         <a:p>
-          <a:pPr lvl="0" algn="ctr" defTabSz="222250">
+          <a:pPr lvl="0" algn="ctr" defTabSz="266700">
             <a:lnSpc>
               <a:spcPct val="90000"/>
             </a:lnSpc>
@@ -20800,19 +20805,19 @@
             </a:spcAft>
           </a:pPr>
           <a:r>
-            <a:rPr lang="en-US" sz="500" kern="1200" dirty="0" smtClean="0"/>
+            <a:rPr lang="en-US" sz="600" kern="1200" dirty="0" smtClean="0"/>
             <a:t>\</a:t>
           </a:r>
           <a:r>
-            <a:rPr lang="en-US" sz="500" kern="1200" dirty="0" err="1" smtClean="0"/>
+            <a:rPr lang="en-US" sz="600" kern="1200" dirty="0" err="1" smtClean="0"/>
             <a:t>libSBML</a:t>
           </a:r>
-          <a:endParaRPr lang="en-US" sz="500" kern="1200" dirty="0"/>
+          <a:endParaRPr lang="en-US" sz="600" kern="1200" dirty="0"/>
         </a:p>
       </dsp:txBody>
       <dsp:txXfrm>
-        <a:off x="3847177" y="1108352"/>
-        <a:ext cx="642360" cy="321180"/>
+        <a:off x="4247584" y="1211454"/>
+        <a:ext cx="702115" cy="351057"/>
       </dsp:txXfrm>
     </dsp:sp>
     <dsp:sp modelId="{21D06EAA-C937-4961-8C03-9EC7B884F5F0}">
@@ -20822,8 +20827,8 @@
       </dsp:nvSpPr>
       <dsp:spPr>
         <a:xfrm rot="2669120">
-          <a:off x="2075301" y="948207"/>
-          <a:ext cx="710708" cy="17644"/>
+          <a:off x="2310883" y="1037233"/>
+          <a:ext cx="776821" cy="17644"/>
         </a:xfrm>
         <a:custGeom>
           <a:avLst/>
@@ -20837,7 +20842,7 @@
                 <a:pt x="0" y="8822"/>
               </a:moveTo>
               <a:lnTo>
-                <a:pt x="710708" y="8822"/>
+                <a:pt x="776821" y="8822"/>
               </a:lnTo>
             </a:path>
           </a:pathLst>
@@ -20875,7 +20880,7 @@
         </a:bodyPr>
         <a:lstStyle/>
         <a:p>
-          <a:pPr lvl="0" algn="ctr" defTabSz="177800">
+          <a:pPr lvl="0" algn="ctr" defTabSz="222250">
             <a:lnSpc>
               <a:spcPct val="90000"/>
             </a:lnSpc>
@@ -20886,12 +20891,12 @@
               <a:spcPct val="35000"/>
             </a:spcAft>
           </a:pPr>
-          <a:endParaRPr lang="en-US" sz="400" kern="1200"/>
+          <a:endParaRPr lang="en-US" sz="500" kern="1200"/>
         </a:p>
       </dsp:txBody>
       <dsp:txXfrm rot="2669120">
-        <a:off x="2412888" y="939262"/>
-        <a:ext cx="35535" cy="35535"/>
+        <a:off x="2679873" y="1026635"/>
+        <a:ext cx="38841" cy="38841"/>
       </dsp:txXfrm>
     </dsp:sp>
     <dsp:sp modelId="{27B4BC06-2753-4CEB-AFD5-52F756AD8536}">
@@ -20901,8 +20906,8 @@
       </dsp:nvSpPr>
       <dsp:spPr>
         <a:xfrm>
-          <a:off x="2684176" y="1045445"/>
-          <a:ext cx="642360" cy="321180"/>
+          <a:off x="2976397" y="1142696"/>
+          <a:ext cx="702115" cy="351057"/>
         </a:xfrm>
         <a:prstGeom prst="roundRect">
           <a:avLst>
@@ -20945,12 +20950,12 @@
         </a:fontRef>
       </dsp:style>
       <dsp:txBody>
-        <a:bodyPr spcFirstLastPara="0" vert="horz" wrap="square" lIns="3175" tIns="3175" rIns="3175" bIns="3175" numCol="1" spcCol="1270" anchor="ctr" anchorCtr="0">
+        <a:bodyPr spcFirstLastPara="0" vert="horz" wrap="square" lIns="3810" tIns="3810" rIns="3810" bIns="3810" numCol="1" spcCol="1270" anchor="ctr" anchorCtr="0">
           <a:noAutofit/>
         </a:bodyPr>
         <a:lstStyle/>
         <a:p>
-          <a:pPr lvl="0" algn="ctr" defTabSz="222250">
+          <a:pPr lvl="0" algn="ctr" defTabSz="266700">
             <a:lnSpc>
               <a:spcPct val="90000"/>
             </a:lnSpc>
@@ -20962,15 +20967,15 @@
             </a:spcAft>
           </a:pPr>
           <a:r>
-            <a:rPr lang="en-US" sz="500" kern="1200" dirty="0" smtClean="0"/>
+            <a:rPr lang="en-US" sz="600" kern="1200" dirty="0" smtClean="0"/>
             <a:t>\lib</a:t>
           </a:r>
-          <a:endParaRPr lang="en-US" sz="500" kern="1200" dirty="0"/>
+          <a:endParaRPr lang="en-US" sz="600" kern="1200" dirty="0"/>
         </a:p>
       </dsp:txBody>
       <dsp:txXfrm>
-        <a:off x="2684176" y="1045445"/>
-        <a:ext cx="642360" cy="321180"/>
+        <a:off x="2976397" y="1142696"/>
+        <a:ext cx="702115" cy="351057"/>
       </dsp:txXfrm>
     </dsp:sp>
     <dsp:sp modelId="{08FE2B73-5CB1-4A09-A09F-630BAAFB378F}">
@@ -20980,8 +20985,8 @@
       </dsp:nvSpPr>
       <dsp:spPr>
         <a:xfrm rot="2382079">
-          <a:off x="3248509" y="1413346"/>
-          <a:ext cx="676696" cy="17644"/>
+          <a:off x="3593226" y="1545640"/>
+          <a:ext cx="739644" cy="17644"/>
         </a:xfrm>
         <a:custGeom>
           <a:avLst/>
@@ -20995,7 +21000,7 @@
                 <a:pt x="0" y="8822"/>
               </a:moveTo>
               <a:lnTo>
-                <a:pt x="676696" y="8822"/>
+                <a:pt x="739644" y="8822"/>
               </a:lnTo>
             </a:path>
           </a:pathLst>
@@ -21033,7 +21038,7 @@
         </a:bodyPr>
         <a:lstStyle/>
         <a:p>
-          <a:pPr lvl="0" algn="ctr" defTabSz="177800">
+          <a:pPr lvl="0" algn="ctr" defTabSz="222250">
             <a:lnSpc>
               <a:spcPct val="90000"/>
             </a:lnSpc>
@@ -21044,12 +21049,12 @@
               <a:spcPct val="35000"/>
             </a:spcAft>
           </a:pPr>
-          <a:endParaRPr lang="en-US" sz="400" kern="1200"/>
+          <a:endParaRPr lang="en-US" sz="500" kern="1200"/>
         </a:p>
       </dsp:txBody>
       <dsp:txXfrm rot="2382079">
-        <a:off x="3569939" y="1405250"/>
-        <a:ext cx="33834" cy="33834"/>
+        <a:off x="3944557" y="1535971"/>
+        <a:ext cx="36982" cy="36982"/>
       </dsp:txXfrm>
     </dsp:sp>
     <dsp:sp modelId="{93E76143-D554-49FB-84C3-94625A2EDE5F}">
@@ -21059,8 +21064,8 @@
       </dsp:nvSpPr>
       <dsp:spPr>
         <a:xfrm>
-          <a:off x="3847177" y="1477709"/>
-          <a:ext cx="642360" cy="321180"/>
+          <a:off x="4247584" y="1615171"/>
+          <a:ext cx="702115" cy="351057"/>
         </a:xfrm>
         <a:prstGeom prst="roundRect">
           <a:avLst>
@@ -21103,12 +21108,12 @@
         </a:fontRef>
       </dsp:style>
       <dsp:txBody>
-        <a:bodyPr spcFirstLastPara="0" vert="horz" wrap="square" lIns="3175" tIns="3175" rIns="3175" bIns="3175" numCol="1" spcCol="1270" anchor="ctr" anchorCtr="0">
+        <a:bodyPr spcFirstLastPara="0" vert="horz" wrap="square" lIns="3810" tIns="3810" rIns="3810" bIns="3810" numCol="1" spcCol="1270" anchor="ctr" anchorCtr="0">
           <a:noAutofit/>
         </a:bodyPr>
         <a:lstStyle/>
         <a:p>
-          <a:pPr lvl="0" algn="ctr" defTabSz="222250">
+          <a:pPr lvl="0" algn="ctr" defTabSz="266700">
             <a:lnSpc>
               <a:spcPct val="90000"/>
             </a:lnSpc>
@@ -21120,15 +21125,15 @@
             </a:spcAft>
           </a:pPr>
           <a:r>
-            <a:rPr lang="en-US" sz="500" kern="1200" dirty="0" smtClean="0"/>
+            <a:rPr lang="en-US" sz="600" kern="1200" dirty="0" smtClean="0"/>
             <a:t>Contains all .lib files</a:t>
           </a:r>
-          <a:endParaRPr lang="en-US" sz="500" kern="1200" dirty="0"/>
+          <a:endParaRPr lang="en-US" sz="600" kern="1200" dirty="0"/>
         </a:p>
       </dsp:txBody>
       <dsp:txXfrm>
-        <a:off x="3847177" y="1477709"/>
-        <a:ext cx="642360" cy="321180"/>
+        <a:off x="4247584" y="1615171"/>
+        <a:ext cx="702115" cy="351057"/>
       </dsp:txXfrm>
     </dsp:sp>
     <dsp:sp modelId="{6AF4E026-ED8D-4B3B-8AB8-56F4136F48FA}">
@@ -21138,8 +21143,8 @@
       </dsp:nvSpPr>
       <dsp:spPr>
         <a:xfrm rot="3746056">
-          <a:off x="1882818" y="1184848"/>
-          <a:ext cx="1095674" cy="17644"/>
+          <a:off x="2100494" y="1295887"/>
+          <a:ext cx="1197598" cy="17644"/>
         </a:xfrm>
         <a:custGeom>
           <a:avLst/>
@@ -21153,7 +21158,7 @@
                 <a:pt x="0" y="8822"/>
               </a:moveTo>
               <a:lnTo>
-                <a:pt x="1095674" y="8822"/>
+                <a:pt x="1197598" y="8822"/>
               </a:lnTo>
             </a:path>
           </a:pathLst>
@@ -21191,7 +21196,7 @@
         </a:bodyPr>
         <a:lstStyle/>
         <a:p>
-          <a:pPr lvl="0" algn="ctr" defTabSz="177800">
+          <a:pPr lvl="0" algn="ctr" defTabSz="222250">
             <a:lnSpc>
               <a:spcPct val="90000"/>
             </a:lnSpc>
@@ -21202,12 +21207,12 @@
               <a:spcPct val="35000"/>
             </a:spcAft>
           </a:pPr>
-          <a:endParaRPr lang="en-US" sz="400" kern="1200"/>
+          <a:endParaRPr lang="en-US" sz="500" kern="1200"/>
         </a:p>
       </dsp:txBody>
       <dsp:txXfrm rot="3746056">
-        <a:off x="2403264" y="1166278"/>
-        <a:ext cx="54783" cy="54783"/>
+        <a:off x="2669353" y="1274769"/>
+        <a:ext cx="59879" cy="59879"/>
       </dsp:txXfrm>
     </dsp:sp>
     <dsp:sp modelId="{743735B5-4825-44E7-8D66-97D71D496F87}">
@@ -21217,8 +21222,8 @@
       </dsp:nvSpPr>
       <dsp:spPr>
         <a:xfrm>
-          <a:off x="2684176" y="1518727"/>
-          <a:ext cx="642360" cy="321180"/>
+          <a:off x="2976397" y="1660004"/>
+          <a:ext cx="702115" cy="351057"/>
         </a:xfrm>
         <a:prstGeom prst="roundRect">
           <a:avLst>
@@ -21261,12 +21266,12 @@
         </a:fontRef>
       </dsp:style>
       <dsp:txBody>
-        <a:bodyPr spcFirstLastPara="0" vert="horz" wrap="square" lIns="3175" tIns="3175" rIns="3175" bIns="3175" numCol="1" spcCol="1270" anchor="ctr" anchorCtr="0">
+        <a:bodyPr spcFirstLastPara="0" vert="horz" wrap="square" lIns="3810" tIns="3810" rIns="3810" bIns="3810" numCol="1" spcCol="1270" anchor="ctr" anchorCtr="0">
           <a:noAutofit/>
         </a:bodyPr>
         <a:lstStyle/>
         <a:p>
-          <a:pPr lvl="0" algn="ctr" defTabSz="222250">
+          <a:pPr lvl="0" algn="ctr" defTabSz="266700">
             <a:lnSpc>
               <a:spcPct val="90000"/>
             </a:lnSpc>
@@ -21278,15 +21283,15 @@
             </a:spcAft>
           </a:pPr>
           <a:r>
-            <a:rPr lang="en-US" sz="500" kern="1200" dirty="0" smtClean="0"/>
+            <a:rPr lang="en-US" sz="600" kern="1200" dirty="0" smtClean="0"/>
             <a:t>\bin</a:t>
           </a:r>
-          <a:endParaRPr lang="en-US" sz="500" kern="1200" dirty="0"/>
+          <a:endParaRPr lang="en-US" sz="600" kern="1200" dirty="0"/>
         </a:p>
       </dsp:txBody>
       <dsp:txXfrm>
-        <a:off x="2684176" y="1518727"/>
-        <a:ext cx="642360" cy="321180"/>
+        <a:off x="2976397" y="1660004"/>
+        <a:ext cx="702115" cy="351057"/>
       </dsp:txXfrm>
     </dsp:sp>
     <dsp:sp modelId="{9DF0F7A4-CD0C-49F1-923B-D38E1706F80A}">
@@ -21296,8 +21301,8 @@
       </dsp:nvSpPr>
       <dsp:spPr>
         <a:xfrm rot="1934245">
-          <a:off x="3279094" y="1834665"/>
-          <a:ext cx="615526" cy="17644"/>
+          <a:off x="3626656" y="2006152"/>
+          <a:ext cx="672784" cy="17644"/>
         </a:xfrm>
         <a:custGeom>
           <a:avLst/>
@@ -21311,7 +21316,7 @@
                 <a:pt x="0" y="8822"/>
               </a:moveTo>
               <a:lnTo>
-                <a:pt x="615526" y="8822"/>
+                <a:pt x="672784" y="8822"/>
               </a:lnTo>
             </a:path>
           </a:pathLst>
@@ -21349,7 +21354,7 @@
         </a:bodyPr>
         <a:lstStyle/>
         <a:p>
-          <a:pPr lvl="0" algn="ctr" defTabSz="177800">
+          <a:pPr lvl="0" algn="ctr" defTabSz="222250">
             <a:lnSpc>
               <a:spcPct val="90000"/>
             </a:lnSpc>
@@ -21360,12 +21365,12 @@
               <a:spcPct val="35000"/>
             </a:spcAft>
           </a:pPr>
-          <a:endParaRPr lang="en-US" sz="400" kern="1200"/>
+          <a:endParaRPr lang="en-US" sz="500" kern="1200"/>
         </a:p>
       </dsp:txBody>
       <dsp:txXfrm rot="1934245">
-        <a:off x="3571469" y="1828099"/>
-        <a:ext cx="30776" cy="30776"/>
+        <a:off x="3946229" y="1998155"/>
+        <a:ext cx="33639" cy="33639"/>
       </dsp:txXfrm>
     </dsp:sp>
     <dsp:sp modelId="{20CDCD73-D8E5-4BD7-815F-4932230220E5}">
@@ -21375,8 +21380,8 @@
       </dsp:nvSpPr>
       <dsp:spPr>
         <a:xfrm>
-          <a:off x="3847177" y="1847067"/>
-          <a:ext cx="642360" cy="321180"/>
+          <a:off x="4247584" y="2018887"/>
+          <a:ext cx="702115" cy="351057"/>
         </a:xfrm>
         <a:prstGeom prst="roundRect">
           <a:avLst>
@@ -21419,12 +21424,12 @@
         </a:fontRef>
       </dsp:style>
       <dsp:txBody>
-        <a:bodyPr spcFirstLastPara="0" vert="horz" wrap="square" lIns="3175" tIns="3175" rIns="3175" bIns="3175" numCol="1" spcCol="1270" anchor="ctr" anchorCtr="0">
+        <a:bodyPr spcFirstLastPara="0" vert="horz" wrap="square" lIns="3810" tIns="3810" rIns="3810" bIns="3810" numCol="1" spcCol="1270" anchor="ctr" anchorCtr="0">
           <a:noAutofit/>
         </a:bodyPr>
         <a:lstStyle/>
         <a:p>
-          <a:pPr lvl="0" algn="ctr" defTabSz="222250">
+          <a:pPr lvl="0" algn="ctr" defTabSz="266700">
             <a:lnSpc>
               <a:spcPct val="90000"/>
             </a:lnSpc>
@@ -21436,28 +21441,28 @@
             </a:spcAft>
           </a:pPr>
           <a:r>
-            <a:rPr lang="en-US" sz="500" kern="1200" dirty="0" smtClean="0"/>
+            <a:rPr lang="en-US" sz="600" kern="1200" dirty="0" smtClean="0"/>
             <a:t>Contains all  </a:t>
           </a:r>
           <a:r>
-            <a:rPr lang="en-US" sz="500" kern="1200" dirty="0" err="1" smtClean="0"/>
+            <a:rPr lang="en-US" sz="600" kern="1200" dirty="0" err="1" smtClean="0"/>
             <a:t>vs</a:t>
           </a:r>
           <a:r>
-            <a:rPr lang="en-US" sz="500" kern="1200" dirty="0" smtClean="0"/>
+            <a:rPr lang="en-US" sz="600" kern="1200" dirty="0" smtClean="0"/>
             <a:t> binary files (.</a:t>
           </a:r>
           <a:r>
-            <a:rPr lang="en-US" sz="500" kern="1200" dirty="0" err="1" smtClean="0"/>
+            <a:rPr lang="en-US" sz="600" kern="1200" dirty="0" err="1" smtClean="0"/>
             <a:t>dll</a:t>
           </a:r>
           <a:r>
-            <a:rPr lang="en-US" sz="500" kern="1200" dirty="0" smtClean="0"/>
+            <a:rPr lang="en-US" sz="600" kern="1200" dirty="0" smtClean="0"/>
             <a:t>, .exe)</a:t>
           </a:r>
         </a:p>
         <a:p>
-          <a:pPr lvl="0" algn="ctr" defTabSz="222250">
+          <a:pPr lvl="0" algn="ctr" defTabSz="266700">
             <a:lnSpc>
               <a:spcPct val="90000"/>
             </a:lnSpc>
@@ -21469,15 +21474,15 @@
             </a:spcAft>
           </a:pPr>
           <a:r>
-            <a:rPr lang="en-US" sz="500" kern="1200" dirty="0" smtClean="0"/>
+            <a:rPr lang="en-US" sz="600" kern="1200" dirty="0" smtClean="0"/>
             <a:t>	</a:t>
           </a:r>
-          <a:endParaRPr lang="en-US" sz="500" kern="1200" dirty="0"/>
+          <a:endParaRPr lang="en-US" sz="600" kern="1200" dirty="0"/>
         </a:p>
       </dsp:txBody>
       <dsp:txXfrm>
-        <a:off x="3847177" y="1847067"/>
-        <a:ext cx="642360" cy="321180"/>
+        <a:off x="4247584" y="2018887"/>
+        <a:ext cx="702115" cy="351057"/>
       </dsp:txXfrm>
     </dsp:sp>
     <dsp:sp modelId="{6824BADE-53F3-47CB-8E07-97AF3ECBD468}">
@@ -21487,8 +21492,8 @@
       </dsp:nvSpPr>
       <dsp:spPr>
         <a:xfrm rot="4546123">
-          <a:off x="592652" y="1275545"/>
-          <a:ext cx="1512432" cy="17644"/>
+          <a:off x="690313" y="1395021"/>
+          <a:ext cx="1653124" cy="17644"/>
         </a:xfrm>
         <a:custGeom>
           <a:avLst/>
@@ -21502,7 +21507,7 @@
                 <a:pt x="0" y="8822"/>
               </a:moveTo>
               <a:lnTo>
-                <a:pt x="1512432" y="8822"/>
+                <a:pt x="1653124" y="8822"/>
               </a:lnTo>
             </a:path>
           </a:pathLst>
@@ -21540,7 +21545,7 @@
         </a:bodyPr>
         <a:lstStyle/>
         <a:p>
-          <a:pPr lvl="0" algn="ctr" defTabSz="177800">
+          <a:pPr lvl="0" algn="ctr" defTabSz="222250">
             <a:lnSpc>
               <a:spcPct val="90000"/>
             </a:lnSpc>
@@ -21551,12 +21556,12 @@
               <a:spcPct val="35000"/>
             </a:spcAft>
           </a:pPr>
-          <a:endParaRPr lang="en-US" sz="400" kern="1200"/>
+          <a:endParaRPr lang="en-US" sz="500" kern="1200"/>
         </a:p>
       </dsp:txBody>
       <dsp:txXfrm rot="4546123">
-        <a:off x="1311058" y="1246556"/>
-        <a:ext cx="75621" cy="75621"/>
+        <a:off x="1475547" y="1362515"/>
+        <a:ext cx="82656" cy="82656"/>
       </dsp:txXfrm>
     </dsp:sp>
     <dsp:sp modelId="{7B939A6D-5C91-4A44-A73E-3FBA4A8852A5}">
@@ -21566,8 +21571,8 @@
       </dsp:nvSpPr>
       <dsp:spPr>
         <a:xfrm>
-          <a:off x="1534774" y="1856786"/>
-          <a:ext cx="642360" cy="321180"/>
+          <a:off x="1720074" y="2029510"/>
+          <a:ext cx="702115" cy="351057"/>
         </a:xfrm>
         <a:prstGeom prst="roundRect">
           <a:avLst>
@@ -21610,12 +21615,12 @@
         </a:fontRef>
       </dsp:style>
       <dsp:txBody>
-        <a:bodyPr spcFirstLastPara="0" vert="horz" wrap="square" lIns="3175" tIns="3175" rIns="3175" bIns="3175" numCol="1" spcCol="1270" anchor="ctr" anchorCtr="0">
+        <a:bodyPr spcFirstLastPara="0" vert="horz" wrap="square" lIns="3810" tIns="3810" rIns="3810" bIns="3810" numCol="1" spcCol="1270" anchor="ctr" anchorCtr="0">
           <a:noAutofit/>
         </a:bodyPr>
         <a:lstStyle/>
         <a:p>
-          <a:pPr lvl="0" algn="ctr" defTabSz="222250">
+          <a:pPr lvl="0" algn="ctr" defTabSz="266700">
             <a:lnSpc>
               <a:spcPct val="90000"/>
             </a:lnSpc>
@@ -21627,15 +21632,15 @@
             </a:spcAft>
           </a:pPr>
           <a:r>
-            <a:rPr lang="en-US" sz="500" kern="1200" dirty="0" smtClean="0"/>
+            <a:rPr lang="en-US" sz="600" kern="1200" dirty="0" smtClean="0"/>
             <a:t>\XE</a:t>
           </a:r>
-          <a:endParaRPr lang="en-US" sz="500" kern="1200" dirty="0"/>
+          <a:endParaRPr lang="en-US" sz="600" kern="1200" dirty="0"/>
         </a:p>
       </dsp:txBody>
       <dsp:txXfrm>
-        <a:off x="1534774" y="1856786"/>
-        <a:ext cx="642360" cy="321180"/>
+        <a:off x="1720074" y="2029510"/>
+        <a:ext cx="702115" cy="351057"/>
       </dsp:txXfrm>
     </dsp:sp>
     <dsp:sp modelId="{2C4AEAF2-E96B-4876-B4AD-98D1A217E811}">
@@ -21645,8 +21650,8 @@
       </dsp:nvSpPr>
       <dsp:spPr>
         <a:xfrm rot="2436412">
-          <a:off x="2139613" y="2109971"/>
-          <a:ext cx="311639" cy="17644"/>
+          <a:off x="2381177" y="2307068"/>
+          <a:ext cx="340628" cy="17644"/>
         </a:xfrm>
         <a:custGeom>
           <a:avLst/>
@@ -21660,7 +21665,7 @@
                 <a:pt x="0" y="8822"/>
               </a:moveTo>
               <a:lnTo>
-                <a:pt x="311639" y="8822"/>
+                <a:pt x="340628" y="8822"/>
               </a:lnTo>
             </a:path>
           </a:pathLst>
@@ -21698,7 +21703,7 @@
         </a:bodyPr>
         <a:lstStyle/>
         <a:p>
-          <a:pPr lvl="0" algn="ctr" defTabSz="177800">
+          <a:pPr lvl="0" algn="ctr" defTabSz="222250">
             <a:lnSpc>
               <a:spcPct val="90000"/>
             </a:lnSpc>
@@ -21709,12 +21714,12 @@
               <a:spcPct val="35000"/>
             </a:spcAft>
           </a:pPr>
-          <a:endParaRPr lang="en-US" sz="400" kern="1200"/>
+          <a:endParaRPr lang="en-US" sz="500" kern="1200"/>
         </a:p>
       </dsp:txBody>
       <dsp:txXfrm rot="2436412">
-        <a:off x="2287641" y="2111002"/>
-        <a:ext cx="15581" cy="15581"/>
+        <a:off x="2542975" y="2307375"/>
+        <a:ext cx="17031" cy="17031"/>
       </dsp:txXfrm>
     </dsp:sp>
     <dsp:sp modelId="{D1729183-3EA1-4EA7-9B0B-BEC208BFBB91}">
@@ -21724,8 +21729,8 @@
       </dsp:nvSpPr>
       <dsp:spPr>
         <a:xfrm>
-          <a:off x="2413729" y="2059621"/>
-          <a:ext cx="642360" cy="321180"/>
+          <a:off x="2680793" y="2251213"/>
+          <a:ext cx="702115" cy="351057"/>
         </a:xfrm>
         <a:prstGeom prst="roundRect">
           <a:avLst>
@@ -21768,12 +21773,12 @@
         </a:fontRef>
       </dsp:style>
       <dsp:txBody>
-        <a:bodyPr spcFirstLastPara="0" vert="horz" wrap="square" lIns="3175" tIns="3175" rIns="3175" bIns="3175" numCol="1" spcCol="1270" anchor="ctr" anchorCtr="0">
+        <a:bodyPr spcFirstLastPara="0" vert="horz" wrap="square" lIns="3810" tIns="3810" rIns="3810" bIns="3810" numCol="1" spcCol="1270" anchor="ctr" anchorCtr="0">
           <a:noAutofit/>
         </a:bodyPr>
         <a:lstStyle/>
         <a:p>
-          <a:pPr lvl="0" algn="ctr" defTabSz="222250">
+          <a:pPr lvl="0" algn="ctr" defTabSz="266700">
             <a:lnSpc>
               <a:spcPct val="90000"/>
             </a:lnSpc>
@@ -21785,15 +21790,15 @@
             </a:spcAft>
           </a:pPr>
           <a:r>
-            <a:rPr lang="en-US" sz="500" kern="1200" dirty="0" smtClean="0"/>
+            <a:rPr lang="en-US" sz="600" kern="1200" dirty="0" smtClean="0"/>
             <a:t>\include</a:t>
           </a:r>
-          <a:endParaRPr lang="en-US" sz="500" kern="1200" dirty="0"/>
+          <a:endParaRPr lang="en-US" sz="600" kern="1200" dirty="0"/>
         </a:p>
       </dsp:txBody>
       <dsp:txXfrm>
-        <a:off x="2413729" y="2059621"/>
-        <a:ext cx="642360" cy="321180"/>
+        <a:off x="2680793" y="2251213"/>
+        <a:ext cx="702115" cy="351057"/>
       </dsp:txXfrm>
     </dsp:sp>
     <dsp:sp modelId="{73125112-E16B-498F-B15C-A349D52BC86E}">
@@ -21803,8 +21808,8 @@
       </dsp:nvSpPr>
       <dsp:spPr>
         <a:xfrm rot="4052132">
-          <a:off x="1985843" y="2294650"/>
-          <a:ext cx="619177" cy="17644"/>
+          <a:off x="2213103" y="2508927"/>
+          <a:ext cx="676775" cy="17644"/>
         </a:xfrm>
         <a:custGeom>
           <a:avLst/>
@@ -21818,7 +21823,7 @@
                 <a:pt x="0" y="8822"/>
               </a:moveTo>
               <a:lnTo>
-                <a:pt x="619177" y="8822"/>
+                <a:pt x="676775" y="8822"/>
               </a:lnTo>
             </a:path>
           </a:pathLst>
@@ -21856,7 +21861,7 @@
         </a:bodyPr>
         <a:lstStyle/>
         <a:p>
-          <a:pPr lvl="0" algn="ctr" defTabSz="177800">
+          <a:pPr lvl="0" algn="ctr" defTabSz="222250">
             <a:lnSpc>
               <a:spcPct val="90000"/>
             </a:lnSpc>
@@ -21867,12 +21872,12 @@
               <a:spcPct val="35000"/>
             </a:spcAft>
           </a:pPr>
-          <a:endParaRPr lang="en-US" sz="400" kern="1200"/>
+          <a:endParaRPr lang="en-US" sz="500" kern="1200"/>
         </a:p>
       </dsp:txBody>
       <dsp:txXfrm rot="4052132">
-        <a:off x="2279953" y="2287993"/>
-        <a:ext cx="30958" cy="30958"/>
+        <a:off x="2534572" y="2500829"/>
+        <a:ext cx="33838" cy="33838"/>
       </dsp:txXfrm>
     </dsp:sp>
     <dsp:sp modelId="{06F98F29-730F-4666-9D94-EF6932ECF93A}">
@@ -21882,8 +21887,8 @@
       </dsp:nvSpPr>
       <dsp:spPr>
         <a:xfrm>
-          <a:off x="2413729" y="2428978"/>
-          <a:ext cx="642360" cy="321180"/>
+          <a:off x="2680793" y="2654930"/>
+          <a:ext cx="702115" cy="351057"/>
         </a:xfrm>
         <a:prstGeom prst="roundRect">
           <a:avLst>
@@ -21926,12 +21931,12 @@
         </a:fontRef>
       </dsp:style>
       <dsp:txBody>
-        <a:bodyPr spcFirstLastPara="0" vert="horz" wrap="square" lIns="3175" tIns="3175" rIns="3175" bIns="3175" numCol="1" spcCol="1270" anchor="ctr" anchorCtr="0">
+        <a:bodyPr spcFirstLastPara="0" vert="horz" wrap="square" lIns="3810" tIns="3810" rIns="3810" bIns="3810" numCol="1" spcCol="1270" anchor="ctr" anchorCtr="0">
           <a:noAutofit/>
         </a:bodyPr>
         <a:lstStyle/>
         <a:p>
-          <a:pPr lvl="0" algn="ctr" defTabSz="222250">
+          <a:pPr lvl="0" algn="ctr" defTabSz="266700">
             <a:lnSpc>
               <a:spcPct val="90000"/>
             </a:lnSpc>
@@ -21943,15 +21948,15 @@
             </a:spcAft>
           </a:pPr>
           <a:r>
-            <a:rPr lang="en-US" sz="500" kern="1200" dirty="0" smtClean="0"/>
+            <a:rPr lang="en-US" sz="600" kern="1200" dirty="0" smtClean="0"/>
             <a:t>\lib</a:t>
           </a:r>
-          <a:endParaRPr lang="en-US" sz="500" kern="1200" dirty="0"/>
+          <a:endParaRPr lang="en-US" sz="600" kern="1200" dirty="0"/>
         </a:p>
       </dsp:txBody>
       <dsp:txXfrm>
-        <a:off x="2413729" y="2428978"/>
-        <a:ext cx="642360" cy="321180"/>
+        <a:off x="2680793" y="2654930"/>
+        <a:ext cx="702115" cy="351057"/>
       </dsp:txXfrm>
     </dsp:sp>
     <dsp:sp modelId="{30C0BB43-75A9-40E4-8205-49B187705BCA}">
@@ -21961,8 +21966,8 @@
       </dsp:nvSpPr>
       <dsp:spPr>
         <a:xfrm rot="4553679">
-          <a:off x="1810022" y="2479329"/>
-          <a:ext cx="970820" cy="17644"/>
+          <a:off x="2020926" y="2710785"/>
+          <a:ext cx="1061129" cy="17644"/>
         </a:xfrm>
         <a:custGeom>
           <a:avLst/>
@@ -21976,7 +21981,7 @@
                 <a:pt x="0" y="8822"/>
               </a:moveTo>
               <a:lnTo>
-                <a:pt x="970820" y="8822"/>
+                <a:pt x="1061129" y="8822"/>
               </a:lnTo>
             </a:path>
           </a:pathLst>
@@ -22014,7 +22019,7 @@
         </a:bodyPr>
         <a:lstStyle/>
         <a:p>
-          <a:pPr lvl="0" algn="ctr" defTabSz="177800">
+          <a:pPr lvl="0" algn="ctr" defTabSz="222250">
             <a:lnSpc>
               <a:spcPct val="90000"/>
             </a:lnSpc>
@@ -22025,12 +22030,12 @@
               <a:spcPct val="35000"/>
             </a:spcAft>
           </a:pPr>
-          <a:endParaRPr lang="en-US" sz="400" kern="1200"/>
+          <a:endParaRPr lang="en-US" sz="500" kern="1200"/>
         </a:p>
       </dsp:txBody>
       <dsp:txXfrm rot="4553679">
-        <a:off x="2271162" y="2463880"/>
-        <a:ext cx="48541" cy="48541"/>
+        <a:off x="2524963" y="2693079"/>
+        <a:ext cx="53056" cy="53056"/>
       </dsp:txXfrm>
     </dsp:sp>
     <dsp:sp modelId="{74D450EC-B317-4AC8-8AF1-17EEC0564DC8}">
@@ -22040,8 +22045,8 @@
       </dsp:nvSpPr>
       <dsp:spPr>
         <a:xfrm>
-          <a:off x="2413729" y="2798336"/>
-          <a:ext cx="642360" cy="321180"/>
+          <a:off x="2680793" y="3058646"/>
+          <a:ext cx="702115" cy="351057"/>
         </a:xfrm>
         <a:prstGeom prst="roundRect">
           <a:avLst>
@@ -22084,12 +22089,12 @@
         </a:fontRef>
       </dsp:style>
       <dsp:txBody>
-        <a:bodyPr spcFirstLastPara="0" vert="horz" wrap="square" lIns="3175" tIns="3175" rIns="3175" bIns="3175" numCol="1" spcCol="1270" anchor="ctr" anchorCtr="0">
+        <a:bodyPr spcFirstLastPara="0" vert="horz" wrap="square" lIns="3810" tIns="3810" rIns="3810" bIns="3810" numCol="1" spcCol="1270" anchor="ctr" anchorCtr="0">
           <a:noAutofit/>
         </a:bodyPr>
         <a:lstStyle/>
         <a:p>
-          <a:pPr lvl="0" algn="ctr" defTabSz="222250">
+          <a:pPr lvl="0" algn="ctr" defTabSz="266700">
             <a:lnSpc>
               <a:spcPct val="90000"/>
             </a:lnSpc>
@@ -22101,15 +22106,15 @@
             </a:spcAft>
           </a:pPr>
           <a:r>
-            <a:rPr lang="en-US" sz="500" kern="1200" dirty="0" smtClean="0"/>
+            <a:rPr lang="en-US" sz="600" kern="1200" dirty="0" smtClean="0"/>
             <a:t>\bin</a:t>
           </a:r>
-          <a:endParaRPr lang="en-US" sz="500" kern="1200" dirty="0"/>
+          <a:endParaRPr lang="en-US" sz="600" kern="1200" dirty="0"/>
         </a:p>
       </dsp:txBody>
       <dsp:txXfrm>
-        <a:off x="2413729" y="2798336"/>
-        <a:ext cx="642360" cy="321180"/>
+        <a:off x="2680793" y="3058646"/>
+        <a:ext cx="702115" cy="351057"/>
       </dsp:txXfrm>
     </dsp:sp>
   </dsp:spTree>
@@ -25726,11 +25731,7 @@
           </a:pPr>
           <a:r>
             <a:rPr lang="en-US" sz="1200" kern="1200" dirty="0" smtClean="0"/>
-            <a:t>Data </a:t>
-          </a:r>
-          <a:r>
-            <a:rPr lang="en-US" sz="1200" kern="1200" dirty="0" smtClean="0"/>
-            <a:t>output</a:t>
+            <a:t>Data output</a:t>
           </a:r>
         </a:p>
         <a:p>
@@ -25776,8 +25777,8 @@
       </dsp:nvSpPr>
       <dsp:spPr>
         <a:xfrm>
-          <a:off x="0" y="71771"/>
-          <a:ext cx="1371600" cy="766428"/>
+          <a:off x="0" y="259692"/>
+          <a:ext cx="1371600" cy="498913"/>
         </a:xfrm>
         <a:prstGeom prst="roundRect">
           <a:avLst/>
@@ -25836,11 +25837,7 @@
           </a:r>
           <a:r>
             <a:rPr lang="en-US" sz="1200" kern="1200" dirty="0" smtClean="0"/>
-            <a:t> </a:t>
-          </a:r>
-          <a:r>
-            <a:rPr lang="en-US" sz="1200" kern="1200" dirty="0" smtClean="0"/>
-            <a:t> </a:t>
+            <a:t>  </a:t>
           </a:r>
           <a:r>
             <a:rPr lang="en-US" sz="1200" kern="1200" dirty="0" err="1" smtClean="0"/>
@@ -25871,8 +25868,8 @@
         </a:p>
       </dsp:txBody>
       <dsp:txXfrm>
-        <a:off x="0" y="71771"/>
-        <a:ext cx="1371600" cy="766428"/>
+        <a:off x="0" y="259692"/>
+        <a:ext cx="1371600" cy="498913"/>
       </dsp:txXfrm>
     </dsp:sp>
   </dsp:spTree>
@@ -51538,16 +51535,15 @@
         </p:nvSpPr>
         <p:spPr/>
         <p:txBody>
-          <a:bodyPr/>
+          <a:bodyPr>
+            <a:normAutofit/>
+          </a:bodyPr>
           <a:lstStyle/>
           <a:p>
+            <a:pPr algn="l"/>
             <a:r>
               <a:rPr lang="en-US" dirty="0" smtClean="0"/>
-              <a:t>CMake and </a:t>
-            </a:r>
-            <a:r>
-              <a:rPr lang="en-US" dirty="0" err="1" smtClean="0"/>
-              <a:t>RoadRunner</a:t>
+              <a:t>CMake UI</a:t>
             </a:r>
             <a:endParaRPr lang="en-US" dirty="0"/>
           </a:p>
@@ -51572,320 +51568,6 @@
               <a:rPr lang="en-US" smtClean="0"/>
               <a:pPr/>
               <a:t>10</a:t>
-            </a:fld>
-            <a:endParaRPr lang="en-US"/>
-          </a:p>
-        </p:txBody>
-      </p:sp>
-      <p:sp>
-        <p:nvSpPr>
-          <p:cNvPr id="4" name="TextBox 3"/>
-          <p:cNvSpPr txBox="1"/>
-          <p:nvPr/>
-        </p:nvSpPr>
-        <p:spPr>
-          <a:xfrm>
-            <a:off x="654945" y="1524000"/>
-            <a:ext cx="8489055" cy="1200329"/>
-          </a:xfrm>
-          <a:prstGeom prst="rect">
-            <a:avLst/>
-          </a:prstGeom>
-          <a:noFill/>
-        </p:spPr>
-        <p:txBody>
-          <a:bodyPr wrap="none" rtlCol="0">
-            <a:spAutoFit/>
-          </a:bodyPr>
-          <a:lstStyle/>
-          <a:p>
-            <a:pPr>
-              <a:buFont typeface="Arial" pitchFamily="34" charset="0"/>
-              <a:buChar char="•"/>
-            </a:pPr>
-            <a:r>
-              <a:rPr lang="en-US" dirty="0" smtClean="0"/>
-              <a:t>Tool to generate </a:t>
-            </a:r>
-            <a:r>
-              <a:rPr lang="en-US" i="1" dirty="0" smtClean="0"/>
-              <a:t>build files </a:t>
-            </a:r>
-            <a:r>
-              <a:rPr lang="en-US" dirty="0" smtClean="0"/>
-              <a:t>for various compilers, e.g. Visual Studio, Borland, </a:t>
-            </a:r>
-            <a:r>
-              <a:rPr lang="en-US" dirty="0" err="1" smtClean="0"/>
-              <a:t>Cygwin</a:t>
-            </a:r>
-            <a:r>
-              <a:rPr lang="en-US" dirty="0" smtClean="0"/>
-              <a:t> etc.</a:t>
-            </a:r>
-          </a:p>
-          <a:p>
-            <a:pPr>
-              <a:buFont typeface="Arial" pitchFamily="34" charset="0"/>
-              <a:buChar char="•"/>
-            </a:pPr>
-            <a:r>
-              <a:rPr lang="en-US" dirty="0" smtClean="0"/>
-              <a:t>Encourages a ‘software management philosophy’</a:t>
-            </a:r>
-          </a:p>
-          <a:p>
-            <a:pPr>
-              <a:buFont typeface="Arial" pitchFamily="34" charset="0"/>
-              <a:buChar char="•"/>
-            </a:pPr>
-            <a:r>
-              <a:rPr lang="en-US" dirty="0" smtClean="0"/>
-              <a:t>Integrates into the development cycle</a:t>
-            </a:r>
-          </a:p>
-          <a:p>
-            <a:pPr>
-              <a:buFont typeface="Arial" pitchFamily="34" charset="0"/>
-              <a:buChar char="•"/>
-            </a:pPr>
-            <a:r>
-              <a:rPr lang="en-US" dirty="0" smtClean="0"/>
-              <a:t>Replaces GNU auto tools ? (GNU auto hell as </a:t>
-            </a:r>
-            <a:r>
-              <a:rPr lang="en-US" dirty="0" smtClean="0"/>
-              <a:t>read </a:t>
-            </a:r>
-            <a:r>
-              <a:rPr lang="en-US" dirty="0" smtClean="0"/>
-              <a:t>somewhere)</a:t>
-            </a:r>
-            <a:endParaRPr lang="en-US" dirty="0"/>
-          </a:p>
-        </p:txBody>
-      </p:sp>
-      <p:sp>
-        <p:nvSpPr>
-          <p:cNvPr id="5" name="TextBox 4"/>
-          <p:cNvSpPr txBox="1"/>
-          <p:nvPr/>
-        </p:nvSpPr>
-        <p:spPr>
-          <a:xfrm>
-            <a:off x="457200" y="1143000"/>
-            <a:ext cx="1581202" cy="461665"/>
-          </a:xfrm>
-          <a:prstGeom prst="rect">
-            <a:avLst/>
-          </a:prstGeom>
-          <a:noFill/>
-        </p:spPr>
-        <p:txBody>
-          <a:bodyPr wrap="none" rtlCol="0">
-            <a:spAutoFit/>
-          </a:bodyPr>
-          <a:lstStyle/>
-          <a:p>
-            <a:r>
-              <a:rPr lang="en-US" sz="2400" dirty="0" smtClean="0"/>
-              <a:t>What  is it?</a:t>
-            </a:r>
-            <a:endParaRPr lang="en-US" sz="2400" dirty="0"/>
-          </a:p>
-        </p:txBody>
-      </p:sp>
-      <p:sp>
-        <p:nvSpPr>
-          <p:cNvPr id="6" name="TextBox 5"/>
-          <p:cNvSpPr txBox="1"/>
-          <p:nvPr/>
-        </p:nvSpPr>
-        <p:spPr>
-          <a:xfrm>
-            <a:off x="533400" y="3352800"/>
-            <a:ext cx="8520409" cy="2308324"/>
-          </a:xfrm>
-          <a:prstGeom prst="rect">
-            <a:avLst/>
-          </a:prstGeom>
-          <a:noFill/>
-        </p:spPr>
-        <p:txBody>
-          <a:bodyPr wrap="none" rtlCol="0">
-            <a:spAutoFit/>
-          </a:bodyPr>
-          <a:lstStyle/>
-          <a:p>
-            <a:r>
-              <a:rPr lang="en-US" dirty="0" smtClean="0"/>
-              <a:t>How to implement and use it</a:t>
-            </a:r>
-          </a:p>
-          <a:p>
-            <a:pPr lvl="1">
-              <a:buFont typeface="Arial" pitchFamily="34" charset="0"/>
-              <a:buChar char="•"/>
-            </a:pPr>
-            <a:r>
-              <a:rPr lang="en-US" dirty="0" smtClean="0"/>
-              <a:t>Each folder in a CMake project contain a CMakeLists.txt file, defining what </a:t>
-            </a:r>
-            <a:br>
-              <a:rPr lang="en-US" dirty="0" smtClean="0"/>
-            </a:br>
-            <a:r>
-              <a:rPr lang="en-US" dirty="0" smtClean="0"/>
-              <a:t>to do in that particular </a:t>
-            </a:r>
-            <a:r>
-              <a:rPr lang="en-US" dirty="0" smtClean="0"/>
-              <a:t>folder</a:t>
-            </a:r>
-            <a:br>
-              <a:rPr lang="en-US" dirty="0" smtClean="0"/>
-            </a:br>
-            <a:endParaRPr lang="en-US" dirty="0" smtClean="0"/>
-          </a:p>
-          <a:p>
-            <a:pPr lvl="1">
-              <a:buFont typeface="Arial" pitchFamily="34" charset="0"/>
-              <a:buChar char="•"/>
-            </a:pPr>
-            <a:r>
-              <a:rPr lang="en-US" dirty="0" err="1" smtClean="0"/>
-              <a:t>TopFolders</a:t>
-            </a:r>
-            <a:r>
-              <a:rPr lang="en-US" dirty="0" smtClean="0"/>
-              <a:t> “includes” </a:t>
-            </a:r>
-            <a:r>
-              <a:rPr lang="en-US" dirty="0" smtClean="0"/>
-              <a:t>subfolders</a:t>
-            </a:r>
-            <a:br>
-              <a:rPr lang="en-US" dirty="0" smtClean="0"/>
-            </a:br>
-            <a:endParaRPr lang="en-US" dirty="0" smtClean="0"/>
-          </a:p>
-          <a:p>
-            <a:pPr lvl="1">
-              <a:buFont typeface="Arial" pitchFamily="34" charset="0"/>
-              <a:buChar char="•"/>
-            </a:pPr>
-            <a:r>
-              <a:rPr lang="en-US" dirty="0" smtClean="0"/>
-              <a:t>CMake integrate </a:t>
-            </a:r>
-            <a:r>
-              <a:rPr lang="en-US" dirty="0" err="1" smtClean="0"/>
-              <a:t>CPack</a:t>
-            </a:r>
-            <a:r>
-              <a:rPr lang="en-US" dirty="0" smtClean="0"/>
-              <a:t>, allowing the creation of </a:t>
-            </a:r>
-            <a:r>
-              <a:rPr lang="en-US" dirty="0" smtClean="0"/>
-              <a:t>a “setup.exe</a:t>
-            </a:r>
-            <a:r>
-              <a:rPr lang="en-US" dirty="0" smtClean="0"/>
-              <a:t>” </a:t>
-            </a:r>
-            <a:r>
-              <a:rPr lang="en-US" dirty="0" smtClean="0"/>
-              <a:t>target </a:t>
-            </a:r>
-            <a:r>
-              <a:rPr lang="en-US" dirty="0" smtClean="0"/>
-              <a:t>automatically.</a:t>
-            </a:r>
-          </a:p>
-          <a:p>
-            <a:pPr lvl="1">
-              <a:buFont typeface="Arial" pitchFamily="34" charset="0"/>
-              <a:buChar char="•"/>
-            </a:pPr>
-            <a:endParaRPr lang="en-US" dirty="0"/>
-          </a:p>
-        </p:txBody>
-      </p:sp>
-    </p:spTree>
-  </p:cSld>
-  <p:clrMapOvr>
-    <a:masterClrMapping/>
-  </p:clrMapOvr>
-</p:sld>
-</file>
-
-<file path=ppt/slides/slide11.xml><?xml version="1.0" encoding="utf-8"?>
-<p:sld xmlns:a="http://schemas.openxmlformats.org/drawingml/2006/main" xmlns:r="http://schemas.openxmlformats.org/officeDocument/2006/relationships" xmlns:p="http://schemas.openxmlformats.org/presentationml/2006/main">
-  <p:cSld>
-    <p:spTree>
-      <p:nvGrpSpPr>
-        <p:cNvPr id="1" name=""/>
-        <p:cNvGrpSpPr/>
-        <p:nvPr/>
-      </p:nvGrpSpPr>
-      <p:grpSpPr>
-        <a:xfrm>
-          <a:off x="0" y="0"/>
-          <a:ext cx="0" cy="0"/>
-          <a:chOff x="0" y="0"/>
-          <a:chExt cx="0" cy="0"/>
-        </a:xfrm>
-      </p:grpSpPr>
-      <p:sp>
-        <p:nvSpPr>
-          <p:cNvPr id="2" name="Title 1"/>
-          <p:cNvSpPr>
-            <a:spLocks noGrp="1"/>
-          </p:cNvSpPr>
-          <p:nvPr>
-            <p:ph type="title"/>
-          </p:nvPr>
-        </p:nvSpPr>
-        <p:spPr/>
-        <p:txBody>
-          <a:bodyPr>
-            <a:normAutofit/>
-          </a:bodyPr>
-          <a:lstStyle/>
-          <a:p>
-            <a:pPr algn="l"/>
-            <a:r>
-              <a:rPr lang="en-US" dirty="0" smtClean="0"/>
-              <a:t>CMake </a:t>
-            </a:r>
-            <a:r>
-              <a:rPr lang="en-US" dirty="0" smtClean="0"/>
-              <a:t>UI</a:t>
-            </a:r>
-            <a:endParaRPr lang="en-US" dirty="0"/>
-          </a:p>
-        </p:txBody>
-      </p:sp>
-      <p:sp>
-        <p:nvSpPr>
-          <p:cNvPr id="3" name="Slide Number Placeholder 2"/>
-          <p:cNvSpPr>
-            <a:spLocks noGrp="1"/>
-          </p:cNvSpPr>
-          <p:nvPr>
-            <p:ph type="sldNum" sz="quarter" idx="12"/>
-          </p:nvPr>
-        </p:nvSpPr>
-        <p:spPr/>
-        <p:txBody>
-          <a:bodyPr/>
-          <a:lstStyle/>
-          <a:p>
-            <a:fld id="{9FE092DB-2583-4F76-957A-47F1CE9F3B7F}" type="slidenum">
-              <a:rPr lang="en-US" smtClean="0"/>
-              <a:pPr/>
-              <a:t>11</a:t>
             </a:fld>
             <a:endParaRPr lang="en-US"/>
           </a:p>
@@ -52303,11 +51985,7 @@
           <a:p>
             <a:r>
               <a:rPr lang="en-US" dirty="0" smtClean="0"/>
-              <a:t>Build the binaries folder</a:t>
-            </a:r>
-            <a:r>
-              <a:rPr lang="en-US" dirty="0" smtClean="0"/>
-              <a:t>’ (if using Visual Studio)</a:t>
+              <a:t>Build the binaries folder’ (if using Visual Studio)</a:t>
             </a:r>
             <a:endParaRPr lang="en-US" dirty="0"/>
           </a:p>
@@ -52321,7 +51999,7 @@
 </p:sld>
 </file>
 
-<file path=ppt/slides/slide12.xml><?xml version="1.0" encoding="utf-8"?>
+<file path=ppt/slides/slide11.xml><?xml version="1.0" encoding="utf-8"?>
 <p:sld xmlns:a="http://schemas.openxmlformats.org/drawingml/2006/main" xmlns:r="http://schemas.openxmlformats.org/officeDocument/2006/relationships" xmlns:p="http://schemas.openxmlformats.org/presentationml/2006/main">
   <p:cSld>
     <p:spTree>
@@ -52394,7 +52072,7 @@
             <a:fld id="{9FE092DB-2583-4F76-957A-47F1CE9F3B7F}" type="slidenum">
               <a:rPr lang="en-US" smtClean="0"/>
               <a:pPr/>
-              <a:t>12</a:t>
+              <a:t>11</a:t>
             </a:fld>
             <a:endParaRPr lang="en-US"/>
           </a:p>
@@ -52440,11 +52118,15 @@
           <a:p>
             <a:r>
               <a:rPr lang="en-US" dirty="0" smtClean="0"/>
-              <a:t>Suggestion of a build </a:t>
+              <a:t>Suggestion of a </a:t>
+            </a:r>
+            <a:r>
+              <a:rPr lang="en-US" i="1" dirty="0" smtClean="0"/>
+              <a:t>build</a:t>
             </a:r>
             <a:r>
               <a:rPr lang="en-US" dirty="0" smtClean="0"/>
-              <a:t>folder</a:t>
+              <a:t> folder</a:t>
             </a:r>
           </a:p>
           <a:p>
@@ -52461,10 +52143,17 @@
   <p:clrMapOvr>
     <a:masterClrMapping/>
   </p:clrMapOvr>
+  <p:timing>
+    <p:tnLst>
+      <p:par>
+        <p:cTn id="1" dur="indefinite" restart="never" nodeType="tmRoot"/>
+      </p:par>
+    </p:tnLst>
+  </p:timing>
 </p:sld>
 </file>
 
-<file path=ppt/slides/slide13.xml><?xml version="1.0" encoding="utf-8"?>
+<file path=ppt/slides/slide12.xml><?xml version="1.0" encoding="utf-8"?>
 <p:sld xmlns:a="http://schemas.openxmlformats.org/drawingml/2006/main" xmlns:r="http://schemas.openxmlformats.org/officeDocument/2006/relationships" xmlns:p="http://schemas.openxmlformats.org/presentationml/2006/main">
   <p:cSld>
     <p:spTree>
@@ -52528,7 +52217,7 @@
             <a:fld id="{9FE092DB-2583-4F76-957A-47F1CE9F3B7F}" type="slidenum">
               <a:rPr lang="en-US" smtClean="0"/>
               <a:pPr/>
-              <a:t>13</a:t>
+              <a:t>12</a:t>
             </a:fld>
             <a:endParaRPr lang="en-US"/>
           </a:p>
@@ -52597,7 +52286,7 @@
         <p:spPr>
           <a:xfrm>
             <a:off x="152400" y="2209800"/>
-            <a:ext cx="7502182" cy="923330"/>
+            <a:ext cx="7579254" cy="923330"/>
           </a:xfrm>
           <a:prstGeom prst="rect">
             <a:avLst/>
@@ -52620,22 +52309,21 @@
             </a:r>
             <a:r>
               <a:rPr lang="en-US" dirty="0" smtClean="0"/>
-              <a:t> development </a:t>
+              <a:t> development platform it is encouraged to have all </a:t>
             </a:r>
-            <a:r>
-              <a:rPr lang="en-US" dirty="0" smtClean="0"/>
-              <a:t>platform it </a:t>
-            </a:r>
-            <a:r>
-              <a:rPr lang="en-US" dirty="0" smtClean="0"/>
-              <a:t>is encouraged to have all </a:t>
-            </a:r>
-            <a:endParaRPr lang="en-US" dirty="0" smtClean="0"/>
           </a:p>
           <a:p>
             <a:r>
               <a:rPr lang="en-US" dirty="0" smtClean="0"/>
-              <a:t>deliverables </a:t>
+              <a:t>3</a:t>
+            </a:r>
+            <a:r>
+              <a:rPr lang="en-US" baseline="30000" dirty="0" smtClean="0"/>
+              <a:t>rd</a:t>
+            </a:r>
+            <a:r>
+              <a:rPr lang="en-US" dirty="0" smtClean="0"/>
+              <a:t> party deliverables, as well as roadrunner itself </a:t>
             </a:r>
             <a:r>
               <a:rPr lang="en-US" dirty="0" smtClean="0"/>
@@ -52651,48 +52339,44 @@
             </a:r>
             <a:r>
               <a:rPr lang="en-US" dirty="0" smtClean="0"/>
-              <a:t> (root) folder, </a:t>
+              <a:t> </a:t>
             </a:r>
+            <a:r>
+              <a:rPr lang="en-US" dirty="0" smtClean="0"/>
+              <a:t>install </a:t>
+            </a:r>
+            <a:r>
+              <a:rPr lang="en-US" dirty="0" smtClean="0"/>
+              <a:t>folder, </a:t>
+            </a:r>
+            <a:endParaRPr lang="en-US" dirty="0" smtClean="0"/>
+          </a:p>
+          <a:p>
             <a:r>
               <a:rPr lang="en-US" dirty="0" err="1" smtClean="0"/>
               <a:t>i.e</a:t>
             </a:r>
             <a:r>
               <a:rPr lang="en-US" dirty="0" smtClean="0"/>
-              <a:t> the </a:t>
+              <a:t> </a:t>
             </a:r>
             <a:r>
               <a:rPr lang="en-US" dirty="0" smtClean="0"/>
-              <a:t>same setting for  </a:t>
-            </a:r>
-            <a:endParaRPr lang="en-US" dirty="0" smtClean="0"/>
-          </a:p>
-          <a:p>
-            <a:r>
-              <a:rPr lang="en-US" dirty="0" smtClean="0"/>
-              <a:t>CMAKE_INSTALL_PREFIX, </a:t>
+              <a:t>the same setting for  </a:t>
             </a:r>
             <a:r>
-              <a:rPr lang="en-US" dirty="0" smtClean="0"/>
-              <a:t>for all 3</a:t>
+              <a:rPr lang="en-US" dirty="0" smtClean="0">
+                <a:solidFill>
+                  <a:srgbClr val="FF0000"/>
+                </a:solidFill>
+              </a:rPr>
+              <a:t>CMAKE_INSTALL_PREFIX</a:t>
             </a:r>
-            <a:r>
-              <a:rPr lang="en-US" baseline="30000" dirty="0" smtClean="0"/>
-              <a:t>rd</a:t>
-            </a:r>
-            <a:r>
-              <a:rPr lang="en-US" dirty="0" smtClean="0"/>
-              <a:t> party </a:t>
-            </a:r>
-            <a:r>
-              <a:rPr lang="en-US" dirty="0" err="1" smtClean="0"/>
-              <a:t>libs</a:t>
-            </a:r>
-            <a:r>
-              <a:rPr lang="en-US" dirty="0" smtClean="0"/>
-              <a:t> and roadrunner itself</a:t>
-            </a:r>
-            <a:endParaRPr lang="en-US" dirty="0"/>
+            <a:endParaRPr lang="en-US" dirty="0">
+              <a:solidFill>
+                <a:srgbClr val="FF0000"/>
+              </a:solidFill>
+            </a:endParaRPr>
           </a:p>
         </p:txBody>
       </p:sp>
@@ -52703,8 +52387,8 @@
           <p:nvPr/>
         </p:nvGraphicFramePr>
         <p:xfrm>
-          <a:off x="381000" y="3352800"/>
-          <a:ext cx="5638800" cy="3276600"/>
+          <a:off x="381000" y="3048000"/>
+          <a:ext cx="6248400" cy="3581400"/>
         </p:xfrm>
         <a:graphic>
           <a:graphicData uri="http://schemas.openxmlformats.org/drawingml/2006/diagram">
@@ -52717,10 +52401,17 @@
   <p:clrMapOvr>
     <a:masterClrMapping/>
   </p:clrMapOvr>
+  <p:timing>
+    <p:tnLst>
+      <p:par>
+        <p:cTn id="1" dur="indefinite" restart="never" nodeType="tmRoot"/>
+      </p:par>
+    </p:tnLst>
+  </p:timing>
 </p:sld>
 </file>
 
-<file path=ppt/slides/slide14.xml><?xml version="1.0" encoding="utf-8"?>
+<file path=ppt/slides/slide13.xml><?xml version="1.0" encoding="utf-8"?>
 <p:sld xmlns:a="http://schemas.openxmlformats.org/drawingml/2006/main" xmlns:r="http://schemas.openxmlformats.org/officeDocument/2006/relationships" xmlns:p="http://schemas.openxmlformats.org/presentationml/2006/main">
   <p:cSld>
     <p:spTree>
@@ -52787,7 +52478,7 @@
             <a:fld id="{9FE092DB-2583-4F76-957A-47F1CE9F3B7F}" type="slidenum">
               <a:rPr lang="en-US" smtClean="0"/>
               <a:pPr/>
-              <a:t>14</a:t>
+              <a:t>13</a:t>
             </a:fld>
             <a:endParaRPr lang="en-US"/>
           </a:p>
@@ -52830,10 +52521,17 @@
   <p:clrMapOvr>
     <a:masterClrMapping/>
   </p:clrMapOvr>
+  <p:timing>
+    <p:tnLst>
+      <p:par>
+        <p:cTn id="1" dur="indefinite" restart="never" nodeType="tmRoot"/>
+      </p:par>
+    </p:tnLst>
+  </p:timing>
 </p:sld>
 </file>
 
-<file path=ppt/slides/slide15.xml><?xml version="1.0" encoding="utf-8"?>
+<file path=ppt/slides/slide14.xml><?xml version="1.0" encoding="utf-8"?>
 <p:sld xmlns:a="http://schemas.openxmlformats.org/drawingml/2006/main" xmlns:r="http://schemas.openxmlformats.org/officeDocument/2006/relationships" xmlns:p="http://schemas.openxmlformats.org/presentationml/2006/main">
   <p:cSld>
     <p:spTree>
@@ -52891,7 +52589,7 @@
             <a:fld id="{9FE092DB-2583-4F76-957A-47F1CE9F3B7F}" type="slidenum">
               <a:rPr lang="en-US" smtClean="0"/>
               <a:pPr/>
-              <a:t>15</a:t>
+              <a:t>14</a:t>
             </a:fld>
             <a:endParaRPr lang="en-US"/>
           </a:p>
@@ -52987,10 +52685,17 @@
   <p:clrMapOvr>
     <a:masterClrMapping/>
   </p:clrMapOvr>
+  <p:timing>
+    <p:tnLst>
+      <p:par>
+        <p:cTn id="1" dur="indefinite" restart="never" nodeType="tmRoot"/>
+      </p:par>
+    </p:tnLst>
+  </p:timing>
 </p:sld>
 </file>
 
-<file path=ppt/slides/slide16.xml><?xml version="1.0" encoding="utf-8"?>
+<file path=ppt/slides/slide15.xml><?xml version="1.0" encoding="utf-8"?>
 <p:sld xmlns:a="http://schemas.openxmlformats.org/drawingml/2006/main" xmlns:r="http://schemas.openxmlformats.org/officeDocument/2006/relationships" xmlns:p="http://schemas.openxmlformats.org/presentationml/2006/main">
   <p:cSld>
     <p:spTree>
@@ -53061,7 +52766,7 @@
             <a:fld id="{9FE092DB-2583-4F76-957A-47F1CE9F3B7F}" type="slidenum">
               <a:rPr lang="en-US" smtClean="0"/>
               <a:pPr/>
-              <a:t>16</a:t>
+              <a:t>15</a:t>
             </a:fld>
             <a:endParaRPr lang="en-US"/>
           </a:p>
@@ -53140,21 +52845,8 @@
                   <a:schemeClr val="tx1"/>
                 </a:solidFill>
               </a:rPr>
-              <a:t>Uncheck all, except </a:t>
+              <a:t>Uncheck all, except WITH_CPP_</a:t>
             </a:r>
-            <a:r>
-              <a:rPr lang="en-US" dirty="0" smtClean="0">
-                <a:solidFill>
-                  <a:schemeClr val="tx1"/>
-                </a:solidFill>
-              </a:rPr>
-              <a:t>WITH_CPP_</a:t>
-            </a:r>
-            <a:endParaRPr lang="en-US" dirty="0" smtClean="0">
-              <a:solidFill>
-                <a:schemeClr val="tx1"/>
-              </a:solidFill>
-            </a:endParaRPr>
           </a:p>
           <a:p>
             <a:r>
@@ -53163,23 +52855,7 @@
                   <a:schemeClr val="tx1"/>
                 </a:solidFill>
               </a:rPr>
-              <a:t>NAMESPACE </a:t>
-            </a:r>
-            <a:r>
-              <a:rPr lang="en-US" dirty="0" smtClean="0">
-                <a:solidFill>
-                  <a:schemeClr val="tx1"/>
-                </a:solidFill>
-              </a:rPr>
-              <a:t>and </a:t>
-            </a:r>
-            <a:r>
-              <a:rPr lang="en-US" dirty="0" smtClean="0">
-                <a:solidFill>
-                  <a:schemeClr val="tx1"/>
-                </a:solidFill>
-              </a:rPr>
-              <a:t>WITH_LIBXML</a:t>
+              <a:t>NAMESPACE and WITH_LIBXML</a:t>
             </a:r>
             <a:endParaRPr lang="en-US" dirty="0">
               <a:solidFill>
@@ -53245,10 +52921,17 @@
   <p:clrMapOvr>
     <a:masterClrMapping/>
   </p:clrMapOvr>
+  <p:timing>
+    <p:tnLst>
+      <p:par>
+        <p:cTn id="1" dur="indefinite" restart="never" nodeType="tmRoot"/>
+      </p:par>
+    </p:tnLst>
+  </p:timing>
 </p:sld>
 </file>
 
-<file path=ppt/slides/slide17.xml><?xml version="1.0" encoding="utf-8"?>
+<file path=ppt/slides/slide16.xml><?xml version="1.0" encoding="utf-8"?>
 <p:sld xmlns:a="http://schemas.openxmlformats.org/drawingml/2006/main" xmlns:r="http://schemas.openxmlformats.org/officeDocument/2006/relationships" xmlns:p="http://schemas.openxmlformats.org/presentationml/2006/main">
   <p:cSld>
     <p:spTree>
@@ -53310,7 +52993,7 @@
             <a:fld id="{9FE092DB-2583-4F76-957A-47F1CE9F3B7F}" type="slidenum">
               <a:rPr lang="en-US" smtClean="0"/>
               <a:pPr/>
-              <a:t>17</a:t>
+              <a:t>16</a:t>
             </a:fld>
             <a:endParaRPr lang="en-US"/>
           </a:p>
@@ -53407,7 +53090,15 @@
           <a:p>
             <a:r>
               <a:rPr lang="en-US" sz="1050" dirty="0" smtClean="0"/>
-              <a:t>and CVODE, LIBSML install folders</a:t>
+              <a:t>and CVODE, LIBSML </a:t>
+            </a:r>
+            <a:r>
+              <a:rPr lang="en-US" sz="1050" i="1" dirty="0" smtClean="0"/>
+              <a:t>install</a:t>
+            </a:r>
+            <a:r>
+              <a:rPr lang="en-US" sz="1050" dirty="0" smtClean="0"/>
+              <a:t> folders</a:t>
             </a:r>
             <a:endParaRPr lang="en-US" sz="1050" dirty="0"/>
           </a:p>
@@ -53418,10 +53109,17 @@
   <p:clrMapOvr>
     <a:masterClrMapping/>
   </p:clrMapOvr>
+  <p:timing>
+    <p:tnLst>
+      <p:par>
+        <p:cTn id="1" dur="indefinite" restart="never" nodeType="tmRoot"/>
+      </p:par>
+    </p:tnLst>
+  </p:timing>
 </p:sld>
 </file>
 
-<file path=ppt/slides/slide18.xml><?xml version="1.0" encoding="utf-8"?>
+<file path=ppt/slides/slide17.xml><?xml version="1.0" encoding="utf-8"?>
 <p:sld xmlns:a="http://schemas.openxmlformats.org/drawingml/2006/main" xmlns:r="http://schemas.openxmlformats.org/officeDocument/2006/relationships" xmlns:p="http://schemas.openxmlformats.org/presentationml/2006/main">
   <p:cSld>
     <p:spTree>
@@ -53479,7 +53177,7 @@
             <a:fld id="{9FE092DB-2583-4F76-957A-47F1CE9F3B7F}" type="slidenum">
               <a:rPr lang="en-US" smtClean="0"/>
               <a:pPr/>
-              <a:t>18</a:t>
+              <a:t>17</a:t>
             </a:fld>
             <a:endParaRPr lang="en-US"/>
           </a:p>
@@ -53513,19 +53211,7 @@
             </a:pPr>
             <a:r>
               <a:rPr lang="en-US" dirty="0" smtClean="0"/>
-              <a:t>Open Visual </a:t>
-            </a:r>
-            <a:r>
-              <a:rPr lang="en-US" dirty="0" smtClean="0"/>
-              <a:t>Studio </a:t>
-            </a:r>
-            <a:r>
-              <a:rPr lang="en-US" dirty="0" smtClean="0"/>
-              <a:t>solution files in build </a:t>
-            </a:r>
-            <a:r>
-              <a:rPr lang="en-US" dirty="0" smtClean="0"/>
-              <a:t>folders, or for command line compilers</a:t>
+              <a:t>Open Visual Studio solution files in build folders, or for command line compilers</a:t>
             </a:r>
             <a:br>
               <a:rPr lang="en-US" dirty="0" smtClean="0"/>
@@ -53538,7 +53224,6 @@
               <a:rPr lang="en-US" dirty="0" smtClean="0"/>
               <a:t> into the actual build folder and type ‘make install’</a:t>
             </a:r>
-            <a:endParaRPr lang="en-US" dirty="0" smtClean="0"/>
           </a:p>
           <a:p>
             <a:pPr>
@@ -53571,25 +53256,10 @@
             </a:pPr>
             <a:r>
               <a:rPr lang="en-US" dirty="0" smtClean="0"/>
-              <a:t>Compile the ‘Install’ target -&gt; copies all deliverables to the “install” folder</a:t>
-            </a:r>
-            <a:r>
-              <a:rPr lang="en-US" dirty="0" smtClean="0"/>
-              <a:t>.</a:t>
+              <a:t>Compile the ‘Install’ target -&gt; copies all deliverables to the “install” folder.</a:t>
             </a:r>
           </a:p>
           <a:p>
-            <a:pPr>
-              <a:buFont typeface="Arial" pitchFamily="34" charset="0"/>
-              <a:buChar char="•"/>
-            </a:pPr>
-            <a:endParaRPr lang="en-US" dirty="0" smtClean="0"/>
-          </a:p>
-          <a:p>
-            <a:pPr>
-              <a:buFont typeface="Arial" pitchFamily="34" charset="0"/>
-              <a:buChar char="•"/>
-            </a:pPr>
             <a:r>
               <a:rPr lang="en-US" dirty="0" smtClean="0"/>
               <a:t>(</a:t>
@@ -53600,11 +53270,7 @@
             </a:r>
             <a:r>
               <a:rPr lang="en-US" dirty="0" smtClean="0"/>
-              <a:t> don’t have an install target</a:t>
-            </a:r>
-            <a:r>
-              <a:rPr lang="en-US" dirty="0" smtClean="0"/>
-              <a:t>)</a:t>
+              <a:t> don’t have an install target)</a:t>
             </a:r>
             <a:br>
               <a:rPr lang="en-US" dirty="0" smtClean="0"/>
@@ -53622,7 +53288,25 @@
             </a:r>
             <a:r>
               <a:rPr lang="en-US" dirty="0" smtClean="0"/>
-              <a:t> also have a PACKAGE target -&gt; creates a roadrunner installer</a:t>
+              <a:t> also have a PACKAGE target -&gt; creates a roadrunner </a:t>
+            </a:r>
+            <a:r>
+              <a:rPr lang="en-US" dirty="0" smtClean="0"/>
+              <a:t>installer</a:t>
+            </a:r>
+          </a:p>
+          <a:p>
+            <a:r>
+              <a:rPr lang="en-US" dirty="0" smtClean="0"/>
+              <a:t>as well as a docs target -&gt; creates </a:t>
+            </a:r>
+            <a:r>
+              <a:rPr lang="en-US" dirty="0" err="1" smtClean="0"/>
+              <a:t>doxygen</a:t>
+            </a:r>
+            <a:r>
+              <a:rPr lang="en-US" dirty="0" smtClean="0"/>
+              <a:t> documentation.</a:t>
             </a:r>
             <a:endParaRPr lang="en-US" dirty="0"/>
           </a:p>
@@ -53633,10 +53317,17 @@
   <p:clrMapOvr>
     <a:masterClrMapping/>
   </p:clrMapOvr>
+  <p:timing>
+    <p:tnLst>
+      <p:par>
+        <p:cTn id="1" dur="indefinite" restart="never" nodeType="tmRoot"/>
+      </p:par>
+    </p:tnLst>
+  </p:timing>
 </p:sld>
 </file>
 
-<file path=ppt/slides/slide19.xml><?xml version="1.0" encoding="utf-8"?>
+<file path=ppt/slides/slide18.xml><?xml version="1.0" encoding="utf-8"?>
 <p:sld xmlns:a="http://schemas.openxmlformats.org/drawingml/2006/main" xmlns:r="http://schemas.openxmlformats.org/officeDocument/2006/relationships" xmlns:p="http://schemas.openxmlformats.org/presentationml/2006/main">
   <p:cSld>
     <p:spTree>
@@ -53704,7 +53395,7 @@
             <a:fld id="{9FE092DB-2583-4F76-957A-47F1CE9F3B7F}" type="slidenum">
               <a:rPr lang="en-US" smtClean="0"/>
               <a:pPr/>
-              <a:t>19</a:t>
+              <a:t>18</a:t>
             </a:fld>
             <a:endParaRPr lang="en-US"/>
           </a:p>
@@ -54040,252 +53731,6 @@
   <p:clrMapOvr>
     <a:masterClrMapping/>
   </p:clrMapOvr>
-</p:sld>
-</file>
-
-<file path=ppt/slides/slide2.xml><?xml version="1.0" encoding="utf-8"?>
-<p:sld xmlns:a="http://schemas.openxmlformats.org/drawingml/2006/main" xmlns:r="http://schemas.openxmlformats.org/officeDocument/2006/relationships" xmlns:p="http://schemas.openxmlformats.org/presentationml/2006/main">
-  <p:cSld>
-    <p:spTree>
-      <p:nvGrpSpPr>
-        <p:cNvPr id="1" name=""/>
-        <p:cNvGrpSpPr/>
-        <p:nvPr/>
-      </p:nvGrpSpPr>
-      <p:grpSpPr>
-        <a:xfrm>
-          <a:off x="0" y="0"/>
-          <a:ext cx="0" cy="0"/>
-          <a:chOff x="0" y="0"/>
-          <a:chExt cx="0" cy="0"/>
-        </a:xfrm>
-      </p:grpSpPr>
-      <p:sp>
-        <p:nvSpPr>
-          <p:cNvPr id="2" name="Title 1"/>
-          <p:cNvSpPr>
-            <a:spLocks noGrp="1"/>
-          </p:cNvSpPr>
-          <p:nvPr>
-            <p:ph type="title"/>
-          </p:nvPr>
-        </p:nvSpPr>
-        <p:spPr/>
-        <p:txBody>
-          <a:bodyPr/>
-          <a:lstStyle/>
-          <a:p>
-            <a:pPr algn="l"/>
-            <a:r>
-              <a:rPr lang="en-US" dirty="0" smtClean="0"/>
-              <a:t>Content</a:t>
-            </a:r>
-            <a:endParaRPr lang="en-US" dirty="0"/>
-          </a:p>
-        </p:txBody>
-      </p:sp>
-      <p:sp>
-        <p:nvSpPr>
-          <p:cNvPr id="3" name="Content Placeholder 2"/>
-          <p:cNvSpPr>
-            <a:spLocks noGrp="1"/>
-          </p:cNvSpPr>
-          <p:nvPr>
-            <p:ph idx="1"/>
-          </p:nvPr>
-        </p:nvSpPr>
-        <p:spPr/>
-        <p:txBody>
-          <a:bodyPr>
-            <a:normAutofit fontScale="55000" lnSpcReduction="20000"/>
-          </a:bodyPr>
-          <a:lstStyle/>
-          <a:p>
-            <a:r>
-              <a:rPr lang="en-US" dirty="0" err="1" smtClean="0"/>
-              <a:t>RoadRunner</a:t>
-            </a:r>
-            <a:r>
-              <a:rPr lang="en-US" dirty="0" smtClean="0"/>
-              <a:t> overview</a:t>
-            </a:r>
-          </a:p>
-          <a:p>
-            <a:pPr lvl="1"/>
-            <a:r>
-              <a:rPr lang="en-US" dirty="0" smtClean="0"/>
-              <a:t>Dependencies: </a:t>
-            </a:r>
-            <a:r>
-              <a:rPr lang="en-US" dirty="0" smtClean="0"/>
-              <a:t>3</a:t>
-            </a:r>
-            <a:r>
-              <a:rPr lang="en-US" baseline="30000" dirty="0" smtClean="0"/>
-              <a:t>rd</a:t>
-            </a:r>
-            <a:r>
-              <a:rPr lang="en-US" dirty="0" smtClean="0"/>
-              <a:t> Party </a:t>
-            </a:r>
-            <a:r>
-              <a:rPr lang="en-US" dirty="0" err="1" smtClean="0"/>
-              <a:t>libs</a:t>
-            </a:r>
-            <a:endParaRPr lang="en-US" dirty="0" smtClean="0"/>
-          </a:p>
-          <a:p>
-            <a:pPr lvl="1"/>
-            <a:r>
-              <a:rPr lang="en-US" dirty="0" smtClean="0"/>
-              <a:t>Source </a:t>
-            </a:r>
-            <a:r>
-              <a:rPr lang="en-US" dirty="0" smtClean="0"/>
-              <a:t>code core</a:t>
-            </a:r>
-          </a:p>
-          <a:p>
-            <a:pPr lvl="1"/>
-            <a:r>
-              <a:rPr lang="en-US" dirty="0" smtClean="0"/>
-              <a:t>How to manage: SVN, CMake, Swig</a:t>
-            </a:r>
-          </a:p>
-          <a:p>
-            <a:r>
-              <a:rPr lang="en-US" dirty="0" smtClean="0"/>
-              <a:t>CMake</a:t>
-            </a:r>
-          </a:p>
-          <a:p>
-            <a:pPr lvl="1"/>
-            <a:r>
-              <a:rPr lang="en-US" dirty="0" smtClean="0"/>
-              <a:t>Project preparation/setup</a:t>
-            </a:r>
-          </a:p>
-          <a:p>
-            <a:pPr lvl="1"/>
-            <a:r>
-              <a:rPr lang="en-US" dirty="0" smtClean="0"/>
-              <a:t>CMake concepts</a:t>
-            </a:r>
-            <a:endParaRPr lang="en-US" dirty="0" smtClean="0"/>
-          </a:p>
-          <a:p>
-            <a:r>
-              <a:rPr lang="en-US" dirty="0" smtClean="0"/>
-              <a:t>Instructions on how to build Roadrunner from scratch</a:t>
-            </a:r>
-          </a:p>
-          <a:p>
-            <a:pPr lvl="1"/>
-            <a:r>
-              <a:rPr lang="en-US" dirty="0" err="1" smtClean="0"/>
-              <a:t>Clapack</a:t>
-            </a:r>
-            <a:endParaRPr lang="en-US" dirty="0" smtClean="0"/>
-          </a:p>
-          <a:p>
-            <a:pPr lvl="1"/>
-            <a:r>
-              <a:rPr lang="en-US" dirty="0" smtClean="0"/>
-              <a:t>Sundials</a:t>
-            </a:r>
-          </a:p>
-          <a:p>
-            <a:pPr lvl="1"/>
-            <a:r>
-              <a:rPr lang="en-US" dirty="0" err="1" smtClean="0"/>
-              <a:t>LibSBML</a:t>
-            </a:r>
-            <a:endParaRPr lang="en-US" dirty="0" smtClean="0"/>
-          </a:p>
-          <a:p>
-            <a:pPr lvl="1"/>
-            <a:r>
-              <a:rPr lang="en-US" dirty="0" err="1" smtClean="0"/>
-              <a:t>RoadRunner</a:t>
-            </a:r>
-            <a:endParaRPr lang="en-US" dirty="0" smtClean="0"/>
-          </a:p>
-          <a:p>
-            <a:r>
-              <a:rPr lang="en-US" dirty="0" smtClean="0"/>
-              <a:t>How to make Roadrunner (or any library) useful and accessible</a:t>
-            </a:r>
-          </a:p>
-          <a:p>
-            <a:pPr lvl="1"/>
-            <a:r>
-              <a:rPr lang="en-US" dirty="0" smtClean="0"/>
-              <a:t>The API</a:t>
-            </a:r>
-            <a:endParaRPr lang="en-US" dirty="0" smtClean="0"/>
-          </a:p>
-          <a:p>
-            <a:r>
-              <a:rPr lang="en-US" dirty="0" smtClean="0"/>
-              <a:t>Swig</a:t>
-            </a:r>
-          </a:p>
-          <a:p>
-            <a:r>
-              <a:rPr lang="en-US" dirty="0" smtClean="0"/>
-              <a:t>Improving </a:t>
-            </a:r>
-            <a:r>
-              <a:rPr lang="en-US" dirty="0" err="1" smtClean="0"/>
-              <a:t>RoadRunner</a:t>
-            </a:r>
-            <a:endParaRPr lang="en-US" dirty="0" smtClean="0"/>
-          </a:p>
-          <a:p>
-            <a:endParaRPr lang="en-US" dirty="0" smtClean="0"/>
-          </a:p>
-          <a:p>
-            <a:pPr lvl="1"/>
-            <a:endParaRPr lang="en-US" dirty="0" smtClean="0"/>
-          </a:p>
-          <a:p>
-            <a:pPr lvl="1"/>
-            <a:endParaRPr lang="en-US" dirty="0" smtClean="0"/>
-          </a:p>
-          <a:p>
-            <a:endParaRPr lang="en-US" dirty="0"/>
-          </a:p>
-        </p:txBody>
-      </p:sp>
-      <p:sp>
-        <p:nvSpPr>
-          <p:cNvPr id="4" name="Slide Number Placeholder 3"/>
-          <p:cNvSpPr>
-            <a:spLocks noGrp="1"/>
-          </p:cNvSpPr>
-          <p:nvPr>
-            <p:ph type="sldNum" sz="quarter" idx="12"/>
-          </p:nvPr>
-        </p:nvSpPr>
-        <p:spPr/>
-        <p:txBody>
-          <a:bodyPr/>
-          <a:lstStyle/>
-          <a:p>
-            <a:fld id="{9FE092DB-2583-4F76-957A-47F1CE9F3B7F}" type="slidenum">
-              <a:rPr lang="en-US" smtClean="0"/>
-              <a:pPr/>
-              <a:t>2</a:t>
-            </a:fld>
-            <a:endParaRPr lang="en-US"/>
-          </a:p>
-        </p:txBody>
-      </p:sp>
-    </p:spTree>
-  </p:cSld>
-  <p:clrMapOvr>
-    <a:masterClrMapping/>
-  </p:clrMapOvr>
   <p:timing>
     <p:tnLst>
       <p:par>
@@ -54296,7 +53741,7 @@
 </p:sld>
 </file>
 
-<file path=ppt/slides/slide20.xml><?xml version="1.0" encoding="utf-8"?>
+<file path=ppt/slides/slide19.xml><?xml version="1.0" encoding="utf-8"?>
 <p:sld xmlns:a="http://schemas.openxmlformats.org/drawingml/2006/main" xmlns:r="http://schemas.openxmlformats.org/officeDocument/2006/relationships" xmlns:p="http://schemas.openxmlformats.org/presentationml/2006/main">
   <p:cSld>
     <p:spTree>
@@ -54354,7 +53799,7 @@
             <a:fld id="{9FE092DB-2583-4F76-957A-47F1CE9F3B7F}" type="slidenum">
               <a:rPr lang="en-US" smtClean="0"/>
               <a:pPr/>
-              <a:t>20</a:t>
+              <a:t>19</a:t>
             </a:fld>
             <a:endParaRPr lang="en-US"/>
           </a:p>
@@ -54498,67 +53943,6 @@
           </a:p>
         </p:txBody>
       </p:sp>
-      <p:sp>
-        <p:nvSpPr>
-          <p:cNvPr id="16" name="TextBox 15"/>
-          <p:cNvSpPr txBox="1"/>
-          <p:nvPr/>
-        </p:nvSpPr>
-        <p:spPr>
-          <a:xfrm>
-            <a:off x="5715000" y="4876800"/>
-            <a:ext cx="3250955" cy="1200329"/>
-          </a:xfrm>
-          <a:prstGeom prst="rect">
-            <a:avLst/>
-          </a:prstGeom>
-          <a:noFill/>
-        </p:spPr>
-        <p:txBody>
-          <a:bodyPr wrap="none" rtlCol="0">
-            <a:spAutoFit/>
-          </a:bodyPr>
-          <a:lstStyle/>
-          <a:p>
-            <a:pPr>
-              <a:buFont typeface="Arial" pitchFamily="34" charset="0"/>
-              <a:buChar char="•"/>
-            </a:pPr>
-            <a:r>
-              <a:rPr lang="en-US" dirty="0" smtClean="0"/>
-              <a:t>Fewer functions</a:t>
-            </a:r>
-          </a:p>
-          <a:p>
-            <a:pPr>
-              <a:buFont typeface="Arial" pitchFamily="34" charset="0"/>
-              <a:buChar char="•"/>
-            </a:pPr>
-            <a:r>
-              <a:rPr lang="en-US" dirty="0" smtClean="0"/>
-              <a:t>Can be distributed </a:t>
-            </a:r>
-            <a:r>
-              <a:rPr lang="en-US" dirty="0" smtClean="0"/>
-              <a:t>as one single</a:t>
-            </a:r>
-          </a:p>
-          <a:p>
-            <a:r>
-              <a:rPr lang="en-US" dirty="0" smtClean="0"/>
-              <a:t>pre-built </a:t>
-            </a:r>
-            <a:r>
-              <a:rPr lang="en-US" dirty="0" smtClean="0"/>
-              <a:t>library</a:t>
-            </a:r>
-            <a:endParaRPr lang="en-US" dirty="0" smtClean="0"/>
-          </a:p>
-          <a:p>
-            <a:endParaRPr lang="en-US" dirty="0" smtClean="0"/>
-          </a:p>
-        </p:txBody>
-      </p:sp>
       <p:cxnSp>
         <p:nvCxnSpPr>
           <p:cNvPr id="18" name="Straight Arrow Connector 17"/>
@@ -54592,15 +53976,326 @@
           </a:fontRef>
         </p:style>
       </p:cxnSp>
+      <p:sp>
+        <p:nvSpPr>
+          <p:cNvPr id="11" name="TextBox 10"/>
+          <p:cNvSpPr txBox="1"/>
+          <p:nvPr/>
+        </p:nvSpPr>
+        <p:spPr>
+          <a:xfrm>
+            <a:off x="5029200" y="5657671"/>
+            <a:ext cx="3748847" cy="1200329"/>
+          </a:xfrm>
+          <a:prstGeom prst="rect">
+            <a:avLst/>
+          </a:prstGeom>
+          <a:noFill/>
+        </p:spPr>
+        <p:txBody>
+          <a:bodyPr wrap="none" rtlCol="0">
+            <a:spAutoFit/>
+          </a:bodyPr>
+          <a:lstStyle/>
+          <a:p>
+            <a:r>
+              <a:rPr lang="en-US" dirty="0" smtClean="0"/>
+              <a:t>Building/Compiling/Managing </a:t>
+            </a:r>
+          </a:p>
+          <a:p>
+            <a:r>
+              <a:rPr lang="en-US" dirty="0" smtClean="0"/>
+              <a:t>o</a:t>
+            </a:r>
+            <a:r>
+              <a:rPr lang="en-US" dirty="0" smtClean="0"/>
+              <a:t>ne single library with a few functions</a:t>
+            </a:r>
+          </a:p>
+          <a:p>
+            <a:r>
+              <a:rPr lang="en-US" dirty="0" smtClean="0"/>
+              <a:t>is </a:t>
+            </a:r>
+            <a:r>
+              <a:rPr lang="en-US" i="1" dirty="0" smtClean="0">
+                <a:solidFill>
+                  <a:srgbClr val="FF0000"/>
+                </a:solidFill>
+              </a:rPr>
+              <a:t>easy</a:t>
+            </a:r>
+            <a:endParaRPr lang="en-US" i="1" dirty="0" smtClean="0">
+              <a:solidFill>
+                <a:srgbClr val="FF0000"/>
+              </a:solidFill>
+            </a:endParaRPr>
+          </a:p>
+          <a:p>
+            <a:endParaRPr lang="en-US" dirty="0"/>
+          </a:p>
+        </p:txBody>
+      </p:sp>
     </p:spTree>
   </p:cSld>
   <p:clrMapOvr>
     <a:masterClrMapping/>
   </p:clrMapOvr>
+  <p:timing>
+    <p:tnLst>
+      <p:par>
+        <p:cTn id="1" dur="indefinite" restart="never" nodeType="tmRoot"/>
+      </p:par>
+    </p:tnLst>
+  </p:timing>
 </p:sld>
 </file>
 
-<file path=ppt/slides/slide21.xml><?xml version="1.0" encoding="utf-8"?>
+<file path=ppt/slides/slide2.xml><?xml version="1.0" encoding="utf-8"?>
+<p:sld xmlns:a="http://schemas.openxmlformats.org/drawingml/2006/main" xmlns:r="http://schemas.openxmlformats.org/officeDocument/2006/relationships" xmlns:p="http://schemas.openxmlformats.org/presentationml/2006/main">
+  <p:cSld>
+    <p:spTree>
+      <p:nvGrpSpPr>
+        <p:cNvPr id="1" name=""/>
+        <p:cNvGrpSpPr/>
+        <p:nvPr/>
+      </p:nvGrpSpPr>
+      <p:grpSpPr>
+        <a:xfrm>
+          <a:off x="0" y="0"/>
+          <a:ext cx="0" cy="0"/>
+          <a:chOff x="0" y="0"/>
+          <a:chExt cx="0" cy="0"/>
+        </a:xfrm>
+      </p:grpSpPr>
+      <p:sp>
+        <p:nvSpPr>
+          <p:cNvPr id="2" name="Title 1"/>
+          <p:cNvSpPr>
+            <a:spLocks noGrp="1"/>
+          </p:cNvSpPr>
+          <p:nvPr>
+            <p:ph type="title"/>
+          </p:nvPr>
+        </p:nvSpPr>
+        <p:spPr/>
+        <p:txBody>
+          <a:bodyPr/>
+          <a:lstStyle/>
+          <a:p>
+            <a:pPr algn="l"/>
+            <a:r>
+              <a:rPr lang="en-US" dirty="0" smtClean="0"/>
+              <a:t>Content</a:t>
+            </a:r>
+            <a:endParaRPr lang="en-US" dirty="0"/>
+          </a:p>
+        </p:txBody>
+      </p:sp>
+      <p:sp>
+        <p:nvSpPr>
+          <p:cNvPr id="3" name="Content Placeholder 2"/>
+          <p:cNvSpPr>
+            <a:spLocks noGrp="1"/>
+          </p:cNvSpPr>
+          <p:nvPr>
+            <p:ph idx="1"/>
+          </p:nvPr>
+        </p:nvSpPr>
+        <p:spPr/>
+        <p:txBody>
+          <a:bodyPr>
+            <a:normAutofit fontScale="55000" lnSpcReduction="20000"/>
+          </a:bodyPr>
+          <a:lstStyle/>
+          <a:p>
+            <a:r>
+              <a:rPr lang="en-US" dirty="0" err="1" smtClean="0"/>
+              <a:t>RoadRunner</a:t>
+            </a:r>
+            <a:r>
+              <a:rPr lang="en-US" dirty="0" smtClean="0"/>
+              <a:t> overview</a:t>
+            </a:r>
+          </a:p>
+          <a:p>
+            <a:pPr lvl="1"/>
+            <a:r>
+              <a:rPr lang="en-US" dirty="0" smtClean="0"/>
+              <a:t>Dependencies: 3</a:t>
+            </a:r>
+            <a:r>
+              <a:rPr lang="en-US" baseline="30000" dirty="0" smtClean="0"/>
+              <a:t>rd</a:t>
+            </a:r>
+            <a:r>
+              <a:rPr lang="en-US" dirty="0" smtClean="0"/>
+              <a:t> Party </a:t>
+            </a:r>
+            <a:r>
+              <a:rPr lang="en-US" dirty="0" err="1" smtClean="0"/>
+              <a:t>libs</a:t>
+            </a:r>
+            <a:endParaRPr lang="en-US" dirty="0" smtClean="0"/>
+          </a:p>
+          <a:p>
+            <a:pPr lvl="1"/>
+            <a:r>
+              <a:rPr lang="en-US" dirty="0" smtClean="0"/>
+              <a:t>Source code core</a:t>
+            </a:r>
+          </a:p>
+          <a:p>
+            <a:pPr lvl="1"/>
+            <a:r>
+              <a:rPr lang="en-US" dirty="0" smtClean="0"/>
+              <a:t>How to manage: SVN, CMake, Swig</a:t>
+            </a:r>
+          </a:p>
+          <a:p>
+            <a:r>
+              <a:rPr lang="en-US" dirty="0" smtClean="0"/>
+              <a:t>CMake</a:t>
+            </a:r>
+          </a:p>
+          <a:p>
+            <a:pPr lvl="1"/>
+            <a:r>
+              <a:rPr lang="en-US" dirty="0" smtClean="0"/>
+              <a:t>Project preparation/setup</a:t>
+            </a:r>
+          </a:p>
+          <a:p>
+            <a:pPr lvl="1"/>
+            <a:r>
+              <a:rPr lang="en-US" dirty="0" smtClean="0"/>
+              <a:t>CMake concepts</a:t>
+            </a:r>
+          </a:p>
+          <a:p>
+            <a:r>
+              <a:rPr lang="en-US" dirty="0" smtClean="0"/>
+              <a:t>Instructions on how to build Roadrunner from scratch</a:t>
+            </a:r>
+          </a:p>
+          <a:p>
+            <a:pPr lvl="1"/>
+            <a:r>
+              <a:rPr lang="en-US" dirty="0" err="1" smtClean="0"/>
+              <a:t>Clapack</a:t>
+            </a:r>
+            <a:endParaRPr lang="en-US" dirty="0" smtClean="0"/>
+          </a:p>
+          <a:p>
+            <a:pPr lvl="1"/>
+            <a:r>
+              <a:rPr lang="en-US" dirty="0" smtClean="0"/>
+              <a:t>Sundials</a:t>
+            </a:r>
+          </a:p>
+          <a:p>
+            <a:pPr lvl="1"/>
+            <a:r>
+              <a:rPr lang="en-US" dirty="0" err="1" smtClean="0"/>
+              <a:t>LibSBML</a:t>
+            </a:r>
+            <a:endParaRPr lang="en-US" dirty="0" smtClean="0"/>
+          </a:p>
+          <a:p>
+            <a:pPr lvl="1"/>
+            <a:r>
+              <a:rPr lang="en-US" dirty="0" err="1" smtClean="0"/>
+              <a:t>RoadRunner</a:t>
+            </a:r>
+            <a:endParaRPr lang="en-US" dirty="0" smtClean="0"/>
+          </a:p>
+          <a:p>
+            <a:r>
+              <a:rPr lang="en-US" dirty="0" smtClean="0"/>
+              <a:t>How to make Roadrunner (or any library) useful and accessible</a:t>
+            </a:r>
+          </a:p>
+          <a:p>
+            <a:pPr lvl="1"/>
+            <a:r>
+              <a:rPr lang="en-US" dirty="0" smtClean="0"/>
+              <a:t>The API</a:t>
+            </a:r>
+          </a:p>
+          <a:p>
+            <a:r>
+              <a:rPr lang="en-US" dirty="0" smtClean="0"/>
+              <a:t>Swig</a:t>
+            </a:r>
+          </a:p>
+          <a:p>
+            <a:r>
+              <a:rPr lang="en-US" dirty="0" smtClean="0"/>
+              <a:t>Improving </a:t>
+            </a:r>
+            <a:r>
+              <a:rPr lang="en-US" dirty="0" err="1" smtClean="0"/>
+              <a:t>RoadRunner</a:t>
+            </a:r>
+            <a:endParaRPr lang="en-US" dirty="0" smtClean="0"/>
+          </a:p>
+          <a:p>
+            <a:endParaRPr lang="en-US" dirty="0" smtClean="0"/>
+          </a:p>
+          <a:p>
+            <a:pPr lvl="1"/>
+            <a:endParaRPr lang="en-US" dirty="0" smtClean="0"/>
+          </a:p>
+          <a:p>
+            <a:pPr lvl="1"/>
+            <a:endParaRPr lang="en-US" dirty="0" smtClean="0"/>
+          </a:p>
+          <a:p>
+            <a:endParaRPr lang="en-US" dirty="0"/>
+          </a:p>
+        </p:txBody>
+      </p:sp>
+      <p:sp>
+        <p:nvSpPr>
+          <p:cNvPr id="4" name="Slide Number Placeholder 3"/>
+          <p:cNvSpPr>
+            <a:spLocks noGrp="1"/>
+          </p:cNvSpPr>
+          <p:nvPr>
+            <p:ph type="sldNum" sz="quarter" idx="12"/>
+          </p:nvPr>
+        </p:nvSpPr>
+        <p:spPr/>
+        <p:txBody>
+          <a:bodyPr/>
+          <a:lstStyle/>
+          <a:p>
+            <a:fld id="{9FE092DB-2583-4F76-957A-47F1CE9F3B7F}" type="slidenum">
+              <a:rPr lang="en-US" smtClean="0"/>
+              <a:pPr/>
+              <a:t>2</a:t>
+            </a:fld>
+            <a:endParaRPr lang="en-US"/>
+          </a:p>
+        </p:txBody>
+      </p:sp>
+    </p:spTree>
+  </p:cSld>
+  <p:clrMapOvr>
+    <a:masterClrMapping/>
+  </p:clrMapOvr>
+  <p:timing>
+    <p:tnLst>
+      <p:par>
+        <p:cTn id="1" dur="indefinite" restart="never" nodeType="tmRoot"/>
+      </p:par>
+    </p:tnLst>
+  </p:timing>
+</p:sld>
+</file>
+
+<file path=ppt/slides/slide20.xml><?xml version="1.0" encoding="utf-8"?>
 <p:sld xmlns:a="http://schemas.openxmlformats.org/drawingml/2006/main" xmlns:r="http://schemas.openxmlformats.org/officeDocument/2006/relationships" xmlns:p="http://schemas.openxmlformats.org/presentationml/2006/main">
   <p:cSld>
     <p:spTree>
@@ -54662,7 +54357,7 @@
             <a:fld id="{9FE092DB-2583-4F76-957A-47F1CE9F3B7F}" type="slidenum">
               <a:rPr lang="en-US" smtClean="0"/>
               <a:pPr/>
-              <a:t>21</a:t>
+              <a:t>20</a:t>
             </a:fld>
             <a:endParaRPr lang="en-US"/>
           </a:p>
@@ -54696,19 +54391,15 @@
             </a:pPr>
             <a:r>
               <a:rPr lang="en-US" dirty="0" smtClean="0"/>
-              <a:t>Aim for a C- API deliverable </a:t>
+              <a:t>Aim for a C- API deliverable having only </a:t>
+            </a:r>
+            <a:r>
+              <a:rPr lang="en-US" i="1" dirty="0" smtClean="0"/>
+              <a:t>one</a:t>
             </a:r>
             <a:r>
               <a:rPr lang="en-US" dirty="0" smtClean="0"/>
-              <a:t>having only </a:t>
-            </a:r>
-            <a:r>
-              <a:rPr lang="en-US" dirty="0" smtClean="0"/>
-              <a:t>one </a:t>
-            </a:r>
-            <a:r>
-              <a:rPr lang="en-US" dirty="0" smtClean="0"/>
-              <a:t>shared library.</a:t>
+              <a:t> shared library.</a:t>
             </a:r>
           </a:p>
           <a:p>
@@ -54717,19 +54408,7 @@
           <a:p>
             <a:r>
               <a:rPr lang="en-US" dirty="0" smtClean="0"/>
-              <a:t>	</a:t>
-            </a:r>
-            <a:r>
-              <a:rPr lang="en-US" dirty="0" smtClean="0"/>
-              <a:t>Would requires </a:t>
-            </a:r>
-            <a:r>
-              <a:rPr lang="en-US" dirty="0" smtClean="0"/>
-              <a:t>to b</a:t>
-            </a:r>
-            <a:r>
-              <a:rPr lang="en-US" dirty="0" smtClean="0"/>
-              <a:t>uild </a:t>
+              <a:t>	Would requires to build </a:t>
             </a:r>
             <a:r>
               <a:rPr lang="en-US" dirty="0" err="1" smtClean="0"/>
@@ -54737,13 +54416,8 @@
             </a:r>
             <a:r>
               <a:rPr lang="en-US" dirty="0" smtClean="0"/>
-              <a:t> with no ‘shared’ </a:t>
+              <a:t> with no ‘shared’ dependencies (not easy ?)</a:t>
             </a:r>
-            <a:r>
-              <a:rPr lang="en-US" dirty="0" smtClean="0"/>
-              <a:t>dependencies (not easy ?)</a:t>
-            </a:r>
-            <a:endParaRPr lang="en-US" dirty="0" smtClean="0"/>
           </a:p>
           <a:p>
             <a:endParaRPr lang="en-US" dirty="0" smtClean="0"/>
@@ -54780,27 +54454,23 @@
             </a:r>
             <a:r>
               <a:rPr lang="en-US" dirty="0" smtClean="0"/>
-              <a:t> CMake </a:t>
+              <a:t> CMake system.</a:t>
             </a:r>
-            <a:r>
-              <a:rPr lang="en-US" dirty="0" smtClean="0"/>
-              <a:t>system.</a:t>
-            </a:r>
-            <a:endParaRPr lang="en-US" dirty="0" smtClean="0"/>
           </a:p>
           <a:p>
             <a:r>
               <a:rPr lang="en-US" dirty="0" smtClean="0"/>
-              <a:t>	</a:t>
+              <a:t>	Then one build, builds </a:t>
+            </a:r>
+            <a:r>
+              <a:rPr lang="en-US" i="1" dirty="0" smtClean="0"/>
+              <a:t>everything</a:t>
             </a:r>
             <a:r>
               <a:rPr lang="en-US" dirty="0" smtClean="0"/>
-              <a:t>Then </a:t>
+              <a:t>.</a:t>
             </a:r>
-            <a:r>
-              <a:rPr lang="en-US" dirty="0" smtClean="0"/>
-              <a:t>one build, builds all in one go.</a:t>
-            </a:r>
+            <a:endParaRPr lang="en-US" dirty="0" smtClean="0"/>
           </a:p>
           <a:p>
             <a:endParaRPr lang="en-US" dirty="0" smtClean="0"/>
@@ -54814,7 +54484,15 @@
           <a:p>
             <a:r>
               <a:rPr lang="en-US" dirty="0" smtClean="0"/>
-              <a:t>	Still need work to conform to </a:t>
+              <a:t>	Still need </a:t>
+            </a:r>
+            <a:r>
+              <a:rPr lang="en-US" dirty="0" smtClean="0"/>
+              <a:t>(much) work </a:t>
+            </a:r>
+            <a:r>
+              <a:rPr lang="en-US" dirty="0" smtClean="0"/>
+              <a:t>to conform to </a:t>
             </a:r>
             <a:r>
               <a:rPr lang="en-US" dirty="0" err="1" smtClean="0"/>
@@ -56382,11 +56060,7 @@
           <a:p>
             <a:r>
               <a:rPr lang="en-US" dirty="0" smtClean="0"/>
-              <a:t>Main </a:t>
-            </a:r>
-            <a:r>
-              <a:rPr lang="en-US" dirty="0" smtClean="0"/>
-              <a:t>C++ class - </a:t>
+              <a:t>Main C++ class - </a:t>
             </a:r>
             <a:r>
               <a:rPr lang="en-US" dirty="0" err="1" smtClean="0"/>
@@ -56571,11 +56245,7 @@
           <a:p>
             <a:r>
               <a:rPr lang="en-US" dirty="0" smtClean="0"/>
-              <a:t>Other </a:t>
-            </a:r>
-            <a:r>
-              <a:rPr lang="en-US" dirty="0" smtClean="0"/>
-              <a:t>characteristics</a:t>
+              <a:t>Other characteristics</a:t>
             </a:r>
           </a:p>
           <a:p>
@@ -56585,15 +56255,7 @@
             </a:pPr>
             <a:r>
               <a:rPr lang="en-US" dirty="0" smtClean="0"/>
-              <a:t>L</a:t>
-            </a:r>
-            <a:r>
-              <a:rPr lang="en-US" dirty="0" smtClean="0"/>
-              <a:t>ot </a:t>
-            </a:r>
-            <a:r>
-              <a:rPr lang="en-US" dirty="0" smtClean="0"/>
-              <a:t>of code/functionality</a:t>
+              <a:t>Lot of code/functionality</a:t>
             </a:r>
           </a:p>
           <a:p>
@@ -56793,7 +56455,7 @@
         <p:spPr>
           <a:xfrm>
             <a:off x="609600" y="1295400"/>
-            <a:ext cx="7444026" cy="4801314"/>
+            <a:ext cx="4490781" cy="3139321"/>
           </a:xfrm>
           <a:prstGeom prst="rect">
             <a:avLst/>
@@ -56837,24 +56499,6 @@
               <a:buFont typeface="Arial" pitchFamily="34" charset="0"/>
               <a:buChar char="•"/>
             </a:pPr>
-            <a:r>
-              <a:rPr lang="en-US" dirty="0" smtClean="0"/>
-              <a:t>Keep track of changes and allow anyone to </a:t>
-            </a:r>
-            <a:r>
-              <a:rPr lang="en-US" dirty="0" smtClean="0"/>
-              <a:t>improve </a:t>
-            </a:r>
-            <a:r>
-              <a:rPr lang="en-US" dirty="0" smtClean="0"/>
-              <a:t>the library</a:t>
-            </a:r>
-          </a:p>
-          <a:p>
-            <a:pPr lvl="2">
-              <a:buFont typeface="Arial" pitchFamily="34" charset="0"/>
-              <a:buChar char="•"/>
-            </a:pPr>
             <a:endParaRPr lang="en-US" dirty="0" smtClean="0"/>
           </a:p>
           <a:p>
@@ -56866,91 +56510,6 @@
               <a:rPr lang="en-US" dirty="0" smtClean="0"/>
               <a:t>CMake (Cross-platform Make)</a:t>
             </a:r>
-          </a:p>
-          <a:p>
-            <a:pPr lvl="2">
-              <a:buFont typeface="Arial" pitchFamily="34" charset="0"/>
-              <a:buChar char="•"/>
-            </a:pPr>
-            <a:r>
-              <a:rPr lang="en-US" dirty="0" smtClean="0"/>
-              <a:t>Automate generation of build files </a:t>
-            </a:r>
-            <a:r>
-              <a:rPr lang="en-US" dirty="0" smtClean="0"/>
-              <a:t>on various platforms </a:t>
-            </a:r>
-            <a:r>
-              <a:rPr lang="en-US" dirty="0" smtClean="0"/>
-              <a:t>and</a:t>
-            </a:r>
-            <a:r>
-              <a:rPr lang="en-US" dirty="0" smtClean="0"/>
-              <a:t/>
-            </a:r>
-            <a:br>
-              <a:rPr lang="en-US" dirty="0" smtClean="0"/>
-            </a:br>
-            <a:r>
-              <a:rPr lang="en-US" dirty="0" smtClean="0"/>
-              <a:t>using various </a:t>
-            </a:r>
-            <a:r>
-              <a:rPr lang="en-US" dirty="0" smtClean="0"/>
-              <a:t>compilers</a:t>
-            </a:r>
-            <a:br>
-              <a:rPr lang="en-US" dirty="0" smtClean="0"/>
-            </a:br>
-            <a:endParaRPr lang="en-US" dirty="0" smtClean="0"/>
-          </a:p>
-          <a:p>
-            <a:pPr lvl="2">
-              <a:buFont typeface="Arial" pitchFamily="34" charset="0"/>
-              <a:buChar char="•"/>
-            </a:pPr>
-            <a:r>
-              <a:rPr lang="en-US" dirty="0" smtClean="0"/>
-              <a:t>Automate other software </a:t>
-            </a:r>
-            <a:r>
-              <a:rPr lang="en-US" dirty="0" smtClean="0"/>
-              <a:t>management </a:t>
-            </a:r>
-            <a:r>
-              <a:rPr lang="en-US" dirty="0" smtClean="0"/>
-              <a:t>tasks, such as document </a:t>
-            </a:r>
-            <a:br>
-              <a:rPr lang="en-US" dirty="0" smtClean="0"/>
-            </a:br>
-            <a:r>
-              <a:rPr lang="en-US" dirty="0" smtClean="0"/>
-              <a:t>generation (</a:t>
-            </a:r>
-            <a:r>
-              <a:rPr lang="en-US" dirty="0" err="1" smtClean="0"/>
-              <a:t>Doxygen</a:t>
-            </a:r>
-            <a:r>
-              <a:rPr lang="en-US" dirty="0" smtClean="0"/>
-              <a:t>), and setup.exe installers</a:t>
-            </a:r>
-            <a:br>
-              <a:rPr lang="en-US" dirty="0" smtClean="0"/>
-            </a:br>
-            <a:endParaRPr lang="en-US" dirty="0" smtClean="0"/>
-          </a:p>
-          <a:p>
-            <a:pPr lvl="2">
-              <a:buFont typeface="Arial" pitchFamily="34" charset="0"/>
-              <a:buChar char="•"/>
-            </a:pPr>
-            <a:r>
-              <a:rPr lang="en-US" dirty="0" smtClean="0"/>
-              <a:t>Automate generation of front-end language API’s using swig.</a:t>
-            </a:r>
-            <a:endParaRPr lang="en-US" dirty="0" smtClean="0"/>
           </a:p>
           <a:p>
             <a:pPr lvl="2"/>
@@ -56965,16 +56524,32 @@
               <a:rPr lang="en-US" dirty="0" smtClean="0"/>
               <a:t>Swig </a:t>
             </a:r>
+            <a:r>
+              <a:rPr lang="en-US" dirty="0" smtClean="0"/>
+              <a:t/>
+            </a:r>
+            <a:br>
+              <a:rPr lang="en-US" dirty="0" smtClean="0"/>
+            </a:br>
+            <a:endParaRPr lang="en-US" dirty="0" smtClean="0"/>
           </a:p>
           <a:p>
-            <a:pPr lvl="2">
+            <a:pPr lvl="1">
               <a:buFont typeface="Arial" pitchFamily="34" charset="0"/>
               <a:buChar char="•"/>
             </a:pPr>
             <a:r>
-              <a:rPr lang="en-US" dirty="0" smtClean="0"/>
-              <a:t>Create API wrappers for languages, such as Python, C#, Delphi etc..</a:t>
+              <a:rPr lang="en-US" dirty="0" err="1" smtClean="0"/>
+              <a:t>Doxygen</a:t>
             </a:r>
+            <a:endParaRPr lang="en-US" dirty="0" smtClean="0"/>
+          </a:p>
+          <a:p>
+            <a:pPr lvl="1">
+              <a:buFont typeface="Arial" pitchFamily="34" charset="0"/>
+              <a:buChar char="•"/>
+            </a:pPr>
+            <a:endParaRPr lang="en-US" dirty="0" smtClean="0"/>
           </a:p>
           <a:p>
             <a:endParaRPr lang="en-US" dirty="0"/>
@@ -57037,15 +56612,7 @@
             </a:r>
             <a:r>
               <a:rPr lang="en-US" dirty="0" smtClean="0"/>
-              <a:t> </a:t>
-            </a:r>
-            <a:r>
-              <a:rPr lang="en-US" dirty="0" smtClean="0"/>
-              <a:t>sandbox </a:t>
-            </a:r>
-            <a:r>
-              <a:rPr lang="en-US" dirty="0" smtClean="0"/>
-              <a:t/>
+              <a:t> sandbox </a:t>
             </a:r>
             <a:br>
               <a:rPr lang="en-US" dirty="0" smtClean="0"/>
